--- a/Material pedagógico/Modulo 2/Clase 4/Clase 4 - Modulo 2.pptx
+++ b/Material pedagógico/Modulo 2/Clase 4/Clase 4 - Modulo 2.pptx
@@ -29,6 +29,11 @@
     <p:sldId id="264" r:id="rId22"/>
     <p:sldId id="265" r:id="rId23"/>
     <p:sldId id="266" r:id="rId24"/>
+    <p:sldId id="267" r:id="rId25"/>
+    <p:sldId id="268" r:id="rId26"/>
+    <p:sldId id="269" r:id="rId27"/>
+    <p:sldId id="270" r:id="rId28"/>
+    <p:sldId id="271" r:id="rId29"/>
   </p:sldIdLst>
   <p:sldSz cx="12192000" cy="6858000"/>
   <p:notesSz cx="6858000" cy="9144000"/>
@@ -359,7 +364,7 @@
             <a:pPr indent="0" algn="r">
               <a:buNone/>
             </a:pPr>
-            <a:fld id="{DF5AFF9E-A7B9-493E-ACD2-1C857883F2BA}" type="slidenum">
+            <a:fld id="{6A30DB16-AD82-4673-8516-01494AF27057}" type="slidenum">
               <a:rPr b="0" lang="es-CO" sz="1400" spc="-1" strike="noStrike">
                 <a:solidFill>
                   <a:srgbClr val="000000"/>
@@ -402,7 +407,7 @@
       </p:grpSpPr>
       <p:sp>
         <p:nvSpPr>
-          <p:cNvPr id="176" name="PlaceHolder 1"/>
+          <p:cNvPr id="228" name="PlaceHolder 1"/>
           <p:cNvSpPr>
             <a:spLocks noGrp="1"/>
           </p:cNvSpPr>
@@ -413,19 +418,19 @@
         <p:spPr>
           <a:xfrm>
             <a:off x="685800" y="1143000"/>
-            <a:ext cx="5484600" cy="3084480"/>
-          </a:xfrm>
-          <a:prstGeom prst="rect">
-            <a:avLst/>
-          </a:prstGeom>
-          <a:ln w="0">
-            <a:noFill/>
-          </a:ln>
-        </p:spPr>
-      </p:sp>
-      <p:sp>
-        <p:nvSpPr>
-          <p:cNvPr id="177" name="PlaceHolder 2"/>
+            <a:ext cx="5484240" cy="3084120"/>
+          </a:xfrm>
+          <a:prstGeom prst="rect">
+            <a:avLst/>
+          </a:prstGeom>
+          <a:ln w="0">
+            <a:noFill/>
+          </a:ln>
+        </p:spPr>
+      </p:sp>
+      <p:sp>
+        <p:nvSpPr>
+          <p:cNvPr id="229" name="PlaceHolder 2"/>
           <p:cNvSpPr>
             <a:spLocks noGrp="1"/>
           </p:cNvSpPr>
@@ -436,7 +441,7 @@
         <p:spPr>
           <a:xfrm>
             <a:off x="685800" y="4400640"/>
-            <a:ext cx="5484600" cy="3598920"/>
+            <a:ext cx="5484240" cy="3598560"/>
           </a:xfrm>
           <a:prstGeom prst="rect">
             <a:avLst/>
@@ -465,7 +470,7 @@
       </p:sp>
       <p:sp>
         <p:nvSpPr>
-          <p:cNvPr id="178" name="PlaceHolder 3"/>
+          <p:cNvPr id="230" name="PlaceHolder 3"/>
           <p:cNvSpPr>
             <a:spLocks noGrp="1"/>
           </p:cNvSpPr>
@@ -476,7 +481,7 @@
         <p:spPr>
           <a:xfrm>
             <a:off x="3884760" y="8685360"/>
-            <a:ext cx="2970000" cy="456840"/>
+            <a:ext cx="2969640" cy="456480"/>
           </a:xfrm>
           <a:prstGeom prst="rect">
             <a:avLst/>
@@ -517,7 +522,7 @@
                 <a:tab algn="l" pos="0"/>
               </a:tabLst>
             </a:pPr>
-            <a:fld id="{D3E20E34-9D2E-4136-9F91-25A6682B154C}" type="slidenum">
+            <a:fld id="{98C54FF9-4CBE-4E13-95EB-564E6AC9A7E3}" type="slidenum">
               <a:rPr b="0" lang="es-CO" sz="1400" spc="-1" strike="noStrike">
                 <a:solidFill>
                   <a:srgbClr val="000000"/>
@@ -559,7 +564,7 @@
       </p:grpSpPr>
       <p:sp>
         <p:nvSpPr>
-          <p:cNvPr id="203" name="PlaceHolder 1"/>
+          <p:cNvPr id="255" name="PlaceHolder 1"/>
           <p:cNvSpPr>
             <a:spLocks noGrp="1"/>
           </p:cNvSpPr>
@@ -570,19 +575,19 @@
         <p:spPr>
           <a:xfrm>
             <a:off x="685800" y="1143000"/>
-            <a:ext cx="5484600" cy="3084480"/>
-          </a:xfrm>
-          <a:prstGeom prst="rect">
-            <a:avLst/>
-          </a:prstGeom>
-          <a:ln w="0">
-            <a:noFill/>
-          </a:ln>
-        </p:spPr>
-      </p:sp>
-      <p:sp>
-        <p:nvSpPr>
-          <p:cNvPr id="204" name="PlaceHolder 2"/>
+            <a:ext cx="5484240" cy="3084120"/>
+          </a:xfrm>
+          <a:prstGeom prst="rect">
+            <a:avLst/>
+          </a:prstGeom>
+          <a:ln w="0">
+            <a:noFill/>
+          </a:ln>
+        </p:spPr>
+      </p:sp>
+      <p:sp>
+        <p:nvSpPr>
+          <p:cNvPr id="256" name="PlaceHolder 2"/>
           <p:cNvSpPr>
             <a:spLocks noGrp="1"/>
           </p:cNvSpPr>
@@ -593,7 +598,7 @@
         <p:spPr>
           <a:xfrm>
             <a:off x="685800" y="4400640"/>
-            <a:ext cx="5484600" cy="3598920"/>
+            <a:ext cx="5484240" cy="3598560"/>
           </a:xfrm>
           <a:prstGeom prst="rect">
             <a:avLst/>
@@ -622,7 +627,7 @@
       </p:sp>
       <p:sp>
         <p:nvSpPr>
-          <p:cNvPr id="205" name="PlaceHolder 3"/>
+          <p:cNvPr id="257" name="PlaceHolder 3"/>
           <p:cNvSpPr>
             <a:spLocks noGrp="1"/>
           </p:cNvSpPr>
@@ -633,7 +638,7 @@
         <p:spPr>
           <a:xfrm>
             <a:off x="3884760" y="8685360"/>
-            <a:ext cx="2970000" cy="456840"/>
+            <a:ext cx="2969640" cy="456480"/>
           </a:xfrm>
           <a:prstGeom prst="rect">
             <a:avLst/>
@@ -674,7 +679,7 @@
                 <a:tab algn="l" pos="0"/>
               </a:tabLst>
             </a:pPr>
-            <a:fld id="{D8ACCC9C-4732-4A0F-A6F0-B539A296B621}" type="slidenum">
+            <a:fld id="{D29CE8A2-493B-49EC-B4D6-0737D52EEA14}" type="slidenum">
               <a:rPr b="0" lang="es-CO" sz="1400" spc="-1" strike="noStrike">
                 <a:solidFill>
                   <a:srgbClr val="000000"/>
@@ -716,7 +721,7 @@
       </p:grpSpPr>
       <p:sp>
         <p:nvSpPr>
-          <p:cNvPr id="206" name="PlaceHolder 1"/>
+          <p:cNvPr id="258" name="PlaceHolder 1"/>
           <p:cNvSpPr>
             <a:spLocks noGrp="1"/>
           </p:cNvSpPr>
@@ -727,19 +732,19 @@
         <p:spPr>
           <a:xfrm>
             <a:off x="685800" y="1143000"/>
-            <a:ext cx="5484600" cy="3084480"/>
-          </a:xfrm>
-          <a:prstGeom prst="rect">
-            <a:avLst/>
-          </a:prstGeom>
-          <a:ln w="0">
-            <a:noFill/>
-          </a:ln>
-        </p:spPr>
-      </p:sp>
-      <p:sp>
-        <p:nvSpPr>
-          <p:cNvPr id="207" name="PlaceHolder 2"/>
+            <a:ext cx="5484240" cy="3084120"/>
+          </a:xfrm>
+          <a:prstGeom prst="rect">
+            <a:avLst/>
+          </a:prstGeom>
+          <a:ln w="0">
+            <a:noFill/>
+          </a:ln>
+        </p:spPr>
+      </p:sp>
+      <p:sp>
+        <p:nvSpPr>
+          <p:cNvPr id="259" name="PlaceHolder 2"/>
           <p:cNvSpPr>
             <a:spLocks noGrp="1"/>
           </p:cNvSpPr>
@@ -750,7 +755,7 @@
         <p:spPr>
           <a:xfrm>
             <a:off x="685800" y="4400640"/>
-            <a:ext cx="5484600" cy="3598920"/>
+            <a:ext cx="5484240" cy="3598560"/>
           </a:xfrm>
           <a:prstGeom prst="rect">
             <a:avLst/>
@@ -779,7 +784,7 @@
       </p:sp>
       <p:sp>
         <p:nvSpPr>
-          <p:cNvPr id="208" name="PlaceHolder 3"/>
+          <p:cNvPr id="260" name="PlaceHolder 3"/>
           <p:cNvSpPr>
             <a:spLocks noGrp="1"/>
           </p:cNvSpPr>
@@ -790,7 +795,7 @@
         <p:spPr>
           <a:xfrm>
             <a:off x="3884760" y="8685360"/>
-            <a:ext cx="2970000" cy="456840"/>
+            <a:ext cx="2969640" cy="456480"/>
           </a:xfrm>
           <a:prstGeom prst="rect">
             <a:avLst/>
@@ -831,7 +836,792 @@
                 <a:tab algn="l" pos="0"/>
               </a:tabLst>
             </a:pPr>
-            <a:fld id="{4AAA903C-B20D-442E-BA50-C240852D53F1}" type="slidenum">
+            <a:fld id="{AA7FD62C-F827-4AF7-BD67-17457784A4B3}" type="slidenum">
+              <a:rPr b="0" lang="es-CO" sz="1400" spc="-1" strike="noStrike">
+                <a:solidFill>
+                  <a:srgbClr val="000000"/>
+                </a:solidFill>
+                <a:latin typeface="Times New Roman"/>
+              </a:rPr>
+              <a:t>&lt;número&gt;</a:t>
+            </a:fld>
+            <a:endParaRPr b="0" lang="es-CO" sz="1400" spc="-1" strike="noStrike">
+              <a:solidFill>
+                <a:srgbClr val="000000"/>
+              </a:solidFill>
+              <a:latin typeface="Times New Roman"/>
+            </a:endParaRPr>
+          </a:p>
+        </p:txBody>
+      </p:sp>
+    </p:spTree>
+  </p:cSld>
+</p:notes>
+</file>
+
+<file path=ppt/notesSlides/notesSlide12.xml><?xml version="1.0" encoding="utf-8"?>
+<p:notes xmlns:a="http://schemas.openxmlformats.org/drawingml/2006/main" xmlns:p="http://schemas.openxmlformats.org/presentationml/2006/main" xmlns:r="http://schemas.openxmlformats.org/officeDocument/2006/relationships" xmlns:p14="http://schemas.microsoft.com/office/powerpoint/2010/main" xmlns:p15="http://schemas.microsoft.com/office/powerpoint/2012/main" xmlns:mc="http://schemas.openxmlformats.org/markup-compatibility/2006">
+  <p:cSld>
+    <p:spTree>
+      <p:nvGrpSpPr>
+        <p:cNvPr id="1" name=""/>
+        <p:cNvGrpSpPr/>
+        <p:nvPr/>
+      </p:nvGrpSpPr>
+      <p:grpSpPr>
+        <a:xfrm>
+          <a:off x="0" y="0"/>
+          <a:ext cx="0" cy="0"/>
+          <a:chOff x="0" y="0"/>
+          <a:chExt cx="0" cy="0"/>
+        </a:xfrm>
+      </p:grpSpPr>
+      <p:sp>
+        <p:nvSpPr>
+          <p:cNvPr id="261" name="PlaceHolder 1"/>
+          <p:cNvSpPr>
+            <a:spLocks noGrp="1"/>
+          </p:cNvSpPr>
+          <p:nvPr>
+            <p:ph type="sldImg"/>
+          </p:nvPr>
+        </p:nvSpPr>
+        <p:spPr>
+          <a:xfrm>
+            <a:off x="685800" y="1143000"/>
+            <a:ext cx="5484240" cy="3084120"/>
+          </a:xfrm>
+          <a:prstGeom prst="rect">
+            <a:avLst/>
+          </a:prstGeom>
+          <a:ln w="0">
+            <a:noFill/>
+          </a:ln>
+        </p:spPr>
+      </p:sp>
+      <p:sp>
+        <p:nvSpPr>
+          <p:cNvPr id="262" name="PlaceHolder 2"/>
+          <p:cNvSpPr>
+            <a:spLocks noGrp="1"/>
+          </p:cNvSpPr>
+          <p:nvPr>
+            <p:ph type="body"/>
+          </p:nvPr>
+        </p:nvSpPr>
+        <p:spPr>
+          <a:xfrm>
+            <a:off x="685800" y="4400640"/>
+            <a:ext cx="5484240" cy="3598560"/>
+          </a:xfrm>
+          <a:prstGeom prst="rect">
+            <a:avLst/>
+          </a:prstGeom>
+          <a:noFill/>
+          <a:ln w="0">
+            <a:noFill/>
+          </a:ln>
+        </p:spPr>
+        <p:txBody>
+          <a:bodyPr lIns="91440" rIns="91440" tIns="45720" bIns="45720" anchor="t">
+            <a:noAutofit/>
+          </a:bodyPr>
+          <a:p>
+            <a:pPr marL="216000" indent="-216000">
+              <a:buNone/>
+            </a:pPr>
+            <a:endParaRPr b="0" lang="es-CO" sz="1800" spc="-1" strike="noStrike">
+              <a:solidFill>
+                <a:srgbClr val="000000"/>
+              </a:solidFill>
+              <a:latin typeface="Arial"/>
+            </a:endParaRPr>
+          </a:p>
+        </p:txBody>
+      </p:sp>
+      <p:sp>
+        <p:nvSpPr>
+          <p:cNvPr id="263" name="PlaceHolder 3"/>
+          <p:cNvSpPr>
+            <a:spLocks noGrp="1"/>
+          </p:cNvSpPr>
+          <p:nvPr>
+            <p:ph type="sldNum" idx="48"/>
+          </p:nvPr>
+        </p:nvSpPr>
+        <p:spPr>
+          <a:xfrm>
+            <a:off x="3884760" y="8685360"/>
+            <a:ext cx="2969640" cy="456480"/>
+          </a:xfrm>
+          <a:prstGeom prst="rect">
+            <a:avLst/>
+          </a:prstGeom>
+          <a:noFill/>
+          <a:ln w="0">
+            <a:noFill/>
+          </a:ln>
+        </p:spPr>
+        <p:txBody>
+          <a:bodyPr lIns="91440" rIns="91440" tIns="45720" bIns="45720" anchor="b">
+            <a:noAutofit/>
+          </a:bodyPr>
+          <a:lstStyle>
+            <a:lvl1pPr indent="0" algn="r">
+              <a:lnSpc>
+                <a:spcPct val="100000"/>
+              </a:lnSpc>
+              <a:buNone/>
+              <a:tabLst>
+                <a:tab algn="l" pos="0"/>
+              </a:tabLst>
+              <a:defRPr b="0" lang="es-CO" sz="1400" spc="-1" strike="noStrike">
+                <a:solidFill>
+                  <a:srgbClr val="000000"/>
+                </a:solidFill>
+                <a:latin typeface="Times New Roman"/>
+              </a:defRPr>
+            </a:lvl1pPr>
+          </a:lstStyle>
+          <a:p>
+            <a:pPr indent="0" algn="r">
+              <a:lnSpc>
+                <a:spcPct val="100000"/>
+              </a:lnSpc>
+              <a:buNone/>
+              <a:tabLst>
+                <a:tab algn="l" pos="0"/>
+              </a:tabLst>
+            </a:pPr>
+            <a:fld id="{3AB26ED3-7ACE-44E0-9FCC-AACBFAA87F17}" type="slidenum">
+              <a:rPr b="0" lang="es-CO" sz="1400" spc="-1" strike="noStrike">
+                <a:solidFill>
+                  <a:srgbClr val="000000"/>
+                </a:solidFill>
+                <a:latin typeface="Times New Roman"/>
+              </a:rPr>
+              <a:t>&lt;número&gt;</a:t>
+            </a:fld>
+            <a:endParaRPr b="0" lang="es-CO" sz="1400" spc="-1" strike="noStrike">
+              <a:solidFill>
+                <a:srgbClr val="000000"/>
+              </a:solidFill>
+              <a:latin typeface="Times New Roman"/>
+            </a:endParaRPr>
+          </a:p>
+        </p:txBody>
+      </p:sp>
+    </p:spTree>
+  </p:cSld>
+</p:notes>
+</file>
+
+<file path=ppt/notesSlides/notesSlide13.xml><?xml version="1.0" encoding="utf-8"?>
+<p:notes xmlns:a="http://schemas.openxmlformats.org/drawingml/2006/main" xmlns:p="http://schemas.openxmlformats.org/presentationml/2006/main" xmlns:r="http://schemas.openxmlformats.org/officeDocument/2006/relationships" xmlns:p14="http://schemas.microsoft.com/office/powerpoint/2010/main" xmlns:p15="http://schemas.microsoft.com/office/powerpoint/2012/main" xmlns:mc="http://schemas.openxmlformats.org/markup-compatibility/2006">
+  <p:cSld>
+    <p:spTree>
+      <p:nvGrpSpPr>
+        <p:cNvPr id="1" name=""/>
+        <p:cNvGrpSpPr/>
+        <p:nvPr/>
+      </p:nvGrpSpPr>
+      <p:grpSpPr>
+        <a:xfrm>
+          <a:off x="0" y="0"/>
+          <a:ext cx="0" cy="0"/>
+          <a:chOff x="0" y="0"/>
+          <a:chExt cx="0" cy="0"/>
+        </a:xfrm>
+      </p:grpSpPr>
+      <p:sp>
+        <p:nvSpPr>
+          <p:cNvPr id="264" name="PlaceHolder 1"/>
+          <p:cNvSpPr>
+            <a:spLocks noGrp="1"/>
+          </p:cNvSpPr>
+          <p:nvPr>
+            <p:ph type="sldImg"/>
+          </p:nvPr>
+        </p:nvSpPr>
+        <p:spPr>
+          <a:xfrm>
+            <a:off x="685800" y="1143000"/>
+            <a:ext cx="5484240" cy="3084120"/>
+          </a:xfrm>
+          <a:prstGeom prst="rect">
+            <a:avLst/>
+          </a:prstGeom>
+          <a:ln w="0">
+            <a:noFill/>
+          </a:ln>
+        </p:spPr>
+      </p:sp>
+      <p:sp>
+        <p:nvSpPr>
+          <p:cNvPr id="265" name="PlaceHolder 2"/>
+          <p:cNvSpPr>
+            <a:spLocks noGrp="1"/>
+          </p:cNvSpPr>
+          <p:nvPr>
+            <p:ph type="body"/>
+          </p:nvPr>
+        </p:nvSpPr>
+        <p:spPr>
+          <a:xfrm>
+            <a:off x="685800" y="4400640"/>
+            <a:ext cx="5484240" cy="3598560"/>
+          </a:xfrm>
+          <a:prstGeom prst="rect">
+            <a:avLst/>
+          </a:prstGeom>
+          <a:noFill/>
+          <a:ln w="0">
+            <a:noFill/>
+          </a:ln>
+        </p:spPr>
+        <p:txBody>
+          <a:bodyPr lIns="91440" rIns="91440" tIns="45720" bIns="45720" anchor="t">
+            <a:noAutofit/>
+          </a:bodyPr>
+          <a:p>
+            <a:pPr marL="216000" indent="-216000">
+              <a:buNone/>
+            </a:pPr>
+            <a:endParaRPr b="0" lang="es-CO" sz="1800" spc="-1" strike="noStrike">
+              <a:solidFill>
+                <a:srgbClr val="000000"/>
+              </a:solidFill>
+              <a:latin typeface="Arial"/>
+            </a:endParaRPr>
+          </a:p>
+        </p:txBody>
+      </p:sp>
+      <p:sp>
+        <p:nvSpPr>
+          <p:cNvPr id="266" name="PlaceHolder 3"/>
+          <p:cNvSpPr>
+            <a:spLocks noGrp="1"/>
+          </p:cNvSpPr>
+          <p:nvPr>
+            <p:ph type="sldNum" idx="49"/>
+          </p:nvPr>
+        </p:nvSpPr>
+        <p:spPr>
+          <a:xfrm>
+            <a:off x="3884760" y="8685360"/>
+            <a:ext cx="2969640" cy="456480"/>
+          </a:xfrm>
+          <a:prstGeom prst="rect">
+            <a:avLst/>
+          </a:prstGeom>
+          <a:noFill/>
+          <a:ln w="0">
+            <a:noFill/>
+          </a:ln>
+        </p:spPr>
+        <p:txBody>
+          <a:bodyPr lIns="91440" rIns="91440" tIns="45720" bIns="45720" anchor="b">
+            <a:noAutofit/>
+          </a:bodyPr>
+          <a:lstStyle>
+            <a:lvl1pPr indent="0" algn="r">
+              <a:lnSpc>
+                <a:spcPct val="100000"/>
+              </a:lnSpc>
+              <a:buNone/>
+              <a:tabLst>
+                <a:tab algn="l" pos="0"/>
+              </a:tabLst>
+              <a:defRPr b="0" lang="es-CO" sz="1400" spc="-1" strike="noStrike">
+                <a:solidFill>
+                  <a:srgbClr val="000000"/>
+                </a:solidFill>
+                <a:latin typeface="Times New Roman"/>
+              </a:defRPr>
+            </a:lvl1pPr>
+          </a:lstStyle>
+          <a:p>
+            <a:pPr indent="0" algn="r">
+              <a:lnSpc>
+                <a:spcPct val="100000"/>
+              </a:lnSpc>
+              <a:buNone/>
+              <a:tabLst>
+                <a:tab algn="l" pos="0"/>
+              </a:tabLst>
+            </a:pPr>
+            <a:fld id="{A75ED263-FF27-441E-8298-608E2506DC9A}" type="slidenum">
+              <a:rPr b="0" lang="es-CO" sz="1400" spc="-1" strike="noStrike">
+                <a:solidFill>
+                  <a:srgbClr val="000000"/>
+                </a:solidFill>
+                <a:latin typeface="Times New Roman"/>
+              </a:rPr>
+              <a:t>&lt;número&gt;</a:t>
+            </a:fld>
+            <a:endParaRPr b="0" lang="es-CO" sz="1400" spc="-1" strike="noStrike">
+              <a:solidFill>
+                <a:srgbClr val="000000"/>
+              </a:solidFill>
+              <a:latin typeface="Times New Roman"/>
+            </a:endParaRPr>
+          </a:p>
+        </p:txBody>
+      </p:sp>
+    </p:spTree>
+  </p:cSld>
+</p:notes>
+</file>
+
+<file path=ppt/notesSlides/notesSlide14.xml><?xml version="1.0" encoding="utf-8"?>
+<p:notes xmlns:a="http://schemas.openxmlformats.org/drawingml/2006/main" xmlns:p="http://schemas.openxmlformats.org/presentationml/2006/main" xmlns:r="http://schemas.openxmlformats.org/officeDocument/2006/relationships" xmlns:p14="http://schemas.microsoft.com/office/powerpoint/2010/main" xmlns:p15="http://schemas.microsoft.com/office/powerpoint/2012/main" xmlns:mc="http://schemas.openxmlformats.org/markup-compatibility/2006">
+  <p:cSld>
+    <p:spTree>
+      <p:nvGrpSpPr>
+        <p:cNvPr id="1" name=""/>
+        <p:cNvGrpSpPr/>
+        <p:nvPr/>
+      </p:nvGrpSpPr>
+      <p:grpSpPr>
+        <a:xfrm>
+          <a:off x="0" y="0"/>
+          <a:ext cx="0" cy="0"/>
+          <a:chOff x="0" y="0"/>
+          <a:chExt cx="0" cy="0"/>
+        </a:xfrm>
+      </p:grpSpPr>
+      <p:sp>
+        <p:nvSpPr>
+          <p:cNvPr id="267" name="PlaceHolder 1"/>
+          <p:cNvSpPr>
+            <a:spLocks noGrp="1"/>
+          </p:cNvSpPr>
+          <p:nvPr>
+            <p:ph type="sldImg"/>
+          </p:nvPr>
+        </p:nvSpPr>
+        <p:spPr>
+          <a:xfrm>
+            <a:off x="685800" y="1143000"/>
+            <a:ext cx="5484240" cy="3084120"/>
+          </a:xfrm>
+          <a:prstGeom prst="rect">
+            <a:avLst/>
+          </a:prstGeom>
+          <a:ln w="0">
+            <a:noFill/>
+          </a:ln>
+        </p:spPr>
+      </p:sp>
+      <p:sp>
+        <p:nvSpPr>
+          <p:cNvPr id="268" name="PlaceHolder 2"/>
+          <p:cNvSpPr>
+            <a:spLocks noGrp="1"/>
+          </p:cNvSpPr>
+          <p:nvPr>
+            <p:ph type="body"/>
+          </p:nvPr>
+        </p:nvSpPr>
+        <p:spPr>
+          <a:xfrm>
+            <a:off x="685800" y="4400640"/>
+            <a:ext cx="5484240" cy="3598560"/>
+          </a:xfrm>
+          <a:prstGeom prst="rect">
+            <a:avLst/>
+          </a:prstGeom>
+          <a:noFill/>
+          <a:ln w="0">
+            <a:noFill/>
+          </a:ln>
+        </p:spPr>
+        <p:txBody>
+          <a:bodyPr lIns="91440" rIns="91440" tIns="45720" bIns="45720" anchor="t">
+            <a:noAutofit/>
+          </a:bodyPr>
+          <a:p>
+            <a:pPr marL="216000" indent="-216000">
+              <a:buNone/>
+            </a:pPr>
+            <a:endParaRPr b="0" lang="es-CO" sz="1800" spc="-1" strike="noStrike">
+              <a:solidFill>
+                <a:srgbClr val="000000"/>
+              </a:solidFill>
+              <a:latin typeface="Arial"/>
+            </a:endParaRPr>
+          </a:p>
+        </p:txBody>
+      </p:sp>
+      <p:sp>
+        <p:nvSpPr>
+          <p:cNvPr id="269" name="PlaceHolder 3"/>
+          <p:cNvSpPr>
+            <a:spLocks noGrp="1"/>
+          </p:cNvSpPr>
+          <p:nvPr>
+            <p:ph type="sldNum" idx="50"/>
+          </p:nvPr>
+        </p:nvSpPr>
+        <p:spPr>
+          <a:xfrm>
+            <a:off x="3884760" y="8685360"/>
+            <a:ext cx="2969640" cy="456480"/>
+          </a:xfrm>
+          <a:prstGeom prst="rect">
+            <a:avLst/>
+          </a:prstGeom>
+          <a:noFill/>
+          <a:ln w="0">
+            <a:noFill/>
+          </a:ln>
+        </p:spPr>
+        <p:txBody>
+          <a:bodyPr lIns="91440" rIns="91440" tIns="45720" bIns="45720" anchor="b">
+            <a:noAutofit/>
+          </a:bodyPr>
+          <a:lstStyle>
+            <a:lvl1pPr indent="0" algn="r">
+              <a:lnSpc>
+                <a:spcPct val="100000"/>
+              </a:lnSpc>
+              <a:buNone/>
+              <a:tabLst>
+                <a:tab algn="l" pos="0"/>
+              </a:tabLst>
+              <a:defRPr b="0" lang="es-CO" sz="1400" spc="-1" strike="noStrike">
+                <a:solidFill>
+                  <a:srgbClr val="000000"/>
+                </a:solidFill>
+                <a:latin typeface="Times New Roman"/>
+              </a:defRPr>
+            </a:lvl1pPr>
+          </a:lstStyle>
+          <a:p>
+            <a:pPr indent="0" algn="r">
+              <a:lnSpc>
+                <a:spcPct val="100000"/>
+              </a:lnSpc>
+              <a:buNone/>
+              <a:tabLst>
+                <a:tab algn="l" pos="0"/>
+              </a:tabLst>
+            </a:pPr>
+            <a:fld id="{0C1A093C-D9E0-42D6-B34F-06AE82615DF5}" type="slidenum">
+              <a:rPr b="0" lang="es-CO" sz="1400" spc="-1" strike="noStrike">
+                <a:solidFill>
+                  <a:srgbClr val="000000"/>
+                </a:solidFill>
+                <a:latin typeface="Times New Roman"/>
+              </a:rPr>
+              <a:t>&lt;número&gt;</a:t>
+            </a:fld>
+            <a:endParaRPr b="0" lang="es-CO" sz="1400" spc="-1" strike="noStrike">
+              <a:solidFill>
+                <a:srgbClr val="000000"/>
+              </a:solidFill>
+              <a:latin typeface="Times New Roman"/>
+            </a:endParaRPr>
+          </a:p>
+        </p:txBody>
+      </p:sp>
+    </p:spTree>
+  </p:cSld>
+</p:notes>
+</file>
+
+<file path=ppt/notesSlides/notesSlide15.xml><?xml version="1.0" encoding="utf-8"?>
+<p:notes xmlns:a="http://schemas.openxmlformats.org/drawingml/2006/main" xmlns:p="http://schemas.openxmlformats.org/presentationml/2006/main" xmlns:r="http://schemas.openxmlformats.org/officeDocument/2006/relationships" xmlns:p14="http://schemas.microsoft.com/office/powerpoint/2010/main" xmlns:p15="http://schemas.microsoft.com/office/powerpoint/2012/main" xmlns:mc="http://schemas.openxmlformats.org/markup-compatibility/2006">
+  <p:cSld>
+    <p:spTree>
+      <p:nvGrpSpPr>
+        <p:cNvPr id="1" name=""/>
+        <p:cNvGrpSpPr/>
+        <p:nvPr/>
+      </p:nvGrpSpPr>
+      <p:grpSpPr>
+        <a:xfrm>
+          <a:off x="0" y="0"/>
+          <a:ext cx="0" cy="0"/>
+          <a:chOff x="0" y="0"/>
+          <a:chExt cx="0" cy="0"/>
+        </a:xfrm>
+      </p:grpSpPr>
+      <p:sp>
+        <p:nvSpPr>
+          <p:cNvPr id="270" name="PlaceHolder 1"/>
+          <p:cNvSpPr>
+            <a:spLocks noGrp="1"/>
+          </p:cNvSpPr>
+          <p:nvPr>
+            <p:ph type="sldImg"/>
+          </p:nvPr>
+        </p:nvSpPr>
+        <p:spPr>
+          <a:xfrm>
+            <a:off x="685800" y="1143000"/>
+            <a:ext cx="5484240" cy="3084120"/>
+          </a:xfrm>
+          <a:prstGeom prst="rect">
+            <a:avLst/>
+          </a:prstGeom>
+          <a:ln w="0">
+            <a:noFill/>
+          </a:ln>
+        </p:spPr>
+      </p:sp>
+      <p:sp>
+        <p:nvSpPr>
+          <p:cNvPr id="271" name="PlaceHolder 2"/>
+          <p:cNvSpPr>
+            <a:spLocks noGrp="1"/>
+          </p:cNvSpPr>
+          <p:nvPr>
+            <p:ph type="body"/>
+          </p:nvPr>
+        </p:nvSpPr>
+        <p:spPr>
+          <a:xfrm>
+            <a:off x="685800" y="4400640"/>
+            <a:ext cx="5484240" cy="3598560"/>
+          </a:xfrm>
+          <a:prstGeom prst="rect">
+            <a:avLst/>
+          </a:prstGeom>
+          <a:noFill/>
+          <a:ln w="0">
+            <a:noFill/>
+          </a:ln>
+        </p:spPr>
+        <p:txBody>
+          <a:bodyPr lIns="91440" rIns="91440" tIns="45720" bIns="45720" anchor="t">
+            <a:noAutofit/>
+          </a:bodyPr>
+          <a:p>
+            <a:pPr marL="216000" indent="-216000">
+              <a:buNone/>
+            </a:pPr>
+            <a:endParaRPr b="0" lang="es-CO" sz="1800" spc="-1" strike="noStrike">
+              <a:solidFill>
+                <a:srgbClr val="000000"/>
+              </a:solidFill>
+              <a:latin typeface="Arial"/>
+            </a:endParaRPr>
+          </a:p>
+        </p:txBody>
+      </p:sp>
+      <p:sp>
+        <p:nvSpPr>
+          <p:cNvPr id="272" name="PlaceHolder 3"/>
+          <p:cNvSpPr>
+            <a:spLocks noGrp="1"/>
+          </p:cNvSpPr>
+          <p:nvPr>
+            <p:ph type="sldNum" idx="51"/>
+          </p:nvPr>
+        </p:nvSpPr>
+        <p:spPr>
+          <a:xfrm>
+            <a:off x="3884760" y="8685360"/>
+            <a:ext cx="2969640" cy="456480"/>
+          </a:xfrm>
+          <a:prstGeom prst="rect">
+            <a:avLst/>
+          </a:prstGeom>
+          <a:noFill/>
+          <a:ln w="0">
+            <a:noFill/>
+          </a:ln>
+        </p:spPr>
+        <p:txBody>
+          <a:bodyPr lIns="91440" rIns="91440" tIns="45720" bIns="45720" anchor="b">
+            <a:noAutofit/>
+          </a:bodyPr>
+          <a:lstStyle>
+            <a:lvl1pPr indent="0" algn="r">
+              <a:lnSpc>
+                <a:spcPct val="100000"/>
+              </a:lnSpc>
+              <a:buNone/>
+              <a:tabLst>
+                <a:tab algn="l" pos="0"/>
+              </a:tabLst>
+              <a:defRPr b="0" lang="es-CO" sz="1400" spc="-1" strike="noStrike">
+                <a:solidFill>
+                  <a:srgbClr val="000000"/>
+                </a:solidFill>
+                <a:latin typeface="Times New Roman"/>
+              </a:defRPr>
+            </a:lvl1pPr>
+          </a:lstStyle>
+          <a:p>
+            <a:pPr indent="0" algn="r">
+              <a:lnSpc>
+                <a:spcPct val="100000"/>
+              </a:lnSpc>
+              <a:buNone/>
+              <a:tabLst>
+                <a:tab algn="l" pos="0"/>
+              </a:tabLst>
+            </a:pPr>
+            <a:fld id="{BD31ADC0-5CAB-4FAF-A39D-DB4952E0A2F8}" type="slidenum">
+              <a:rPr b="0" lang="es-CO" sz="1400" spc="-1" strike="noStrike">
+                <a:solidFill>
+                  <a:srgbClr val="000000"/>
+                </a:solidFill>
+                <a:latin typeface="Times New Roman"/>
+              </a:rPr>
+              <a:t>&lt;número&gt;</a:t>
+            </a:fld>
+            <a:endParaRPr b="0" lang="es-CO" sz="1400" spc="-1" strike="noStrike">
+              <a:solidFill>
+                <a:srgbClr val="000000"/>
+              </a:solidFill>
+              <a:latin typeface="Times New Roman"/>
+            </a:endParaRPr>
+          </a:p>
+        </p:txBody>
+      </p:sp>
+    </p:spTree>
+  </p:cSld>
+</p:notes>
+</file>
+
+<file path=ppt/notesSlides/notesSlide16.xml><?xml version="1.0" encoding="utf-8"?>
+<p:notes xmlns:a="http://schemas.openxmlformats.org/drawingml/2006/main" xmlns:p="http://schemas.openxmlformats.org/presentationml/2006/main" xmlns:r="http://schemas.openxmlformats.org/officeDocument/2006/relationships" xmlns:p14="http://schemas.microsoft.com/office/powerpoint/2010/main" xmlns:p15="http://schemas.microsoft.com/office/powerpoint/2012/main" xmlns:mc="http://schemas.openxmlformats.org/markup-compatibility/2006">
+  <p:cSld>
+    <p:spTree>
+      <p:nvGrpSpPr>
+        <p:cNvPr id="1" name=""/>
+        <p:cNvGrpSpPr/>
+        <p:nvPr/>
+      </p:nvGrpSpPr>
+      <p:grpSpPr>
+        <a:xfrm>
+          <a:off x="0" y="0"/>
+          <a:ext cx="0" cy="0"/>
+          <a:chOff x="0" y="0"/>
+          <a:chExt cx="0" cy="0"/>
+        </a:xfrm>
+      </p:grpSpPr>
+      <p:sp>
+        <p:nvSpPr>
+          <p:cNvPr id="273" name="PlaceHolder 1"/>
+          <p:cNvSpPr>
+            <a:spLocks noGrp="1"/>
+          </p:cNvSpPr>
+          <p:nvPr>
+            <p:ph type="sldImg"/>
+          </p:nvPr>
+        </p:nvSpPr>
+        <p:spPr>
+          <a:xfrm>
+            <a:off x="685800" y="1143000"/>
+            <a:ext cx="5484240" cy="3084120"/>
+          </a:xfrm>
+          <a:prstGeom prst="rect">
+            <a:avLst/>
+          </a:prstGeom>
+          <a:ln w="0">
+            <a:noFill/>
+          </a:ln>
+        </p:spPr>
+      </p:sp>
+      <p:sp>
+        <p:nvSpPr>
+          <p:cNvPr id="274" name="PlaceHolder 2"/>
+          <p:cNvSpPr>
+            <a:spLocks noGrp="1"/>
+          </p:cNvSpPr>
+          <p:nvPr>
+            <p:ph type="body"/>
+          </p:nvPr>
+        </p:nvSpPr>
+        <p:spPr>
+          <a:xfrm>
+            <a:off x="685800" y="4400640"/>
+            <a:ext cx="5484240" cy="3598560"/>
+          </a:xfrm>
+          <a:prstGeom prst="rect">
+            <a:avLst/>
+          </a:prstGeom>
+          <a:noFill/>
+          <a:ln w="0">
+            <a:noFill/>
+          </a:ln>
+        </p:spPr>
+        <p:txBody>
+          <a:bodyPr lIns="91440" rIns="91440" tIns="45720" bIns="45720" anchor="t">
+            <a:noAutofit/>
+          </a:bodyPr>
+          <a:p>
+            <a:pPr marL="216000" indent="-216000">
+              <a:buNone/>
+            </a:pPr>
+            <a:endParaRPr b="0" lang="es-CO" sz="1800" spc="-1" strike="noStrike">
+              <a:solidFill>
+                <a:srgbClr val="000000"/>
+              </a:solidFill>
+              <a:latin typeface="Arial"/>
+            </a:endParaRPr>
+          </a:p>
+        </p:txBody>
+      </p:sp>
+      <p:sp>
+        <p:nvSpPr>
+          <p:cNvPr id="275" name="PlaceHolder 3"/>
+          <p:cNvSpPr>
+            <a:spLocks noGrp="1"/>
+          </p:cNvSpPr>
+          <p:nvPr>
+            <p:ph type="sldNum" idx="52"/>
+          </p:nvPr>
+        </p:nvSpPr>
+        <p:spPr>
+          <a:xfrm>
+            <a:off x="3884760" y="8685360"/>
+            <a:ext cx="2969640" cy="456480"/>
+          </a:xfrm>
+          <a:prstGeom prst="rect">
+            <a:avLst/>
+          </a:prstGeom>
+          <a:noFill/>
+          <a:ln w="0">
+            <a:noFill/>
+          </a:ln>
+        </p:spPr>
+        <p:txBody>
+          <a:bodyPr lIns="91440" rIns="91440" tIns="45720" bIns="45720" anchor="b">
+            <a:noAutofit/>
+          </a:bodyPr>
+          <a:lstStyle>
+            <a:lvl1pPr indent="0" algn="r">
+              <a:lnSpc>
+                <a:spcPct val="100000"/>
+              </a:lnSpc>
+              <a:buNone/>
+              <a:tabLst>
+                <a:tab algn="l" pos="0"/>
+              </a:tabLst>
+              <a:defRPr b="0" lang="es-CO" sz="1400" spc="-1" strike="noStrike">
+                <a:solidFill>
+                  <a:srgbClr val="000000"/>
+                </a:solidFill>
+                <a:latin typeface="Times New Roman"/>
+              </a:defRPr>
+            </a:lvl1pPr>
+          </a:lstStyle>
+          <a:p>
+            <a:pPr indent="0" algn="r">
+              <a:lnSpc>
+                <a:spcPct val="100000"/>
+              </a:lnSpc>
+              <a:buNone/>
+              <a:tabLst>
+                <a:tab algn="l" pos="0"/>
+              </a:tabLst>
+            </a:pPr>
+            <a:fld id="{B4E912CF-47A3-4944-8DDC-1DD5DFADBEB3}" type="slidenum">
               <a:rPr b="0" lang="es-CO" sz="1400" spc="-1" strike="noStrike">
                 <a:solidFill>
                   <a:srgbClr val="000000"/>
@@ -873,7 +1663,7 @@
       </p:grpSpPr>
       <p:sp>
         <p:nvSpPr>
-          <p:cNvPr id="179" name="PlaceHolder 1"/>
+          <p:cNvPr id="231" name="PlaceHolder 1"/>
           <p:cNvSpPr>
             <a:spLocks noGrp="1"/>
           </p:cNvSpPr>
@@ -884,19 +1674,19 @@
         <p:spPr>
           <a:xfrm>
             <a:off x="685800" y="1143000"/>
-            <a:ext cx="5484600" cy="3084480"/>
-          </a:xfrm>
-          <a:prstGeom prst="rect">
-            <a:avLst/>
-          </a:prstGeom>
-          <a:ln w="0">
-            <a:noFill/>
-          </a:ln>
-        </p:spPr>
-      </p:sp>
-      <p:sp>
-        <p:nvSpPr>
-          <p:cNvPr id="180" name="PlaceHolder 2"/>
+            <a:ext cx="5484240" cy="3084120"/>
+          </a:xfrm>
+          <a:prstGeom prst="rect">
+            <a:avLst/>
+          </a:prstGeom>
+          <a:ln w="0">
+            <a:noFill/>
+          </a:ln>
+        </p:spPr>
+      </p:sp>
+      <p:sp>
+        <p:nvSpPr>
+          <p:cNvPr id="232" name="PlaceHolder 2"/>
           <p:cNvSpPr>
             <a:spLocks noGrp="1"/>
           </p:cNvSpPr>
@@ -907,7 +1697,7 @@
         <p:spPr>
           <a:xfrm>
             <a:off x="685800" y="4400640"/>
-            <a:ext cx="5484600" cy="3598920"/>
+            <a:ext cx="5484240" cy="3598560"/>
           </a:xfrm>
           <a:prstGeom prst="rect">
             <a:avLst/>
@@ -936,7 +1726,7 @@
       </p:sp>
       <p:sp>
         <p:nvSpPr>
-          <p:cNvPr id="181" name="PlaceHolder 3"/>
+          <p:cNvPr id="233" name="PlaceHolder 3"/>
           <p:cNvSpPr>
             <a:spLocks noGrp="1"/>
           </p:cNvSpPr>
@@ -947,7 +1737,7 @@
         <p:spPr>
           <a:xfrm>
             <a:off x="3884760" y="8685360"/>
-            <a:ext cx="2970000" cy="456840"/>
+            <a:ext cx="2969640" cy="456480"/>
           </a:xfrm>
           <a:prstGeom prst="rect">
             <a:avLst/>
@@ -988,7 +1778,7 @@
                 <a:tab algn="l" pos="0"/>
               </a:tabLst>
             </a:pPr>
-            <a:fld id="{B7030202-6319-492F-AB5C-A8AF6F8FA72B}" type="slidenum">
+            <a:fld id="{0D85E7EE-9F05-4FD4-8203-62D0AC979ECC}" type="slidenum">
               <a:rPr b="0" lang="es-CO" sz="1400" spc="-1" strike="noStrike">
                 <a:solidFill>
                   <a:srgbClr val="000000"/>
@@ -1030,7 +1820,7 @@
       </p:grpSpPr>
       <p:sp>
         <p:nvSpPr>
-          <p:cNvPr id="182" name="PlaceHolder 1"/>
+          <p:cNvPr id="234" name="PlaceHolder 1"/>
           <p:cNvSpPr>
             <a:spLocks noGrp="1"/>
           </p:cNvSpPr>
@@ -1041,19 +1831,19 @@
         <p:spPr>
           <a:xfrm>
             <a:off x="685800" y="1143000"/>
-            <a:ext cx="5484600" cy="3084480"/>
-          </a:xfrm>
-          <a:prstGeom prst="rect">
-            <a:avLst/>
-          </a:prstGeom>
-          <a:ln w="0">
-            <a:noFill/>
-          </a:ln>
-        </p:spPr>
-      </p:sp>
-      <p:sp>
-        <p:nvSpPr>
-          <p:cNvPr id="183" name="PlaceHolder 2"/>
+            <a:ext cx="5484240" cy="3084120"/>
+          </a:xfrm>
+          <a:prstGeom prst="rect">
+            <a:avLst/>
+          </a:prstGeom>
+          <a:ln w="0">
+            <a:noFill/>
+          </a:ln>
+        </p:spPr>
+      </p:sp>
+      <p:sp>
+        <p:nvSpPr>
+          <p:cNvPr id="235" name="PlaceHolder 2"/>
           <p:cNvSpPr>
             <a:spLocks noGrp="1"/>
           </p:cNvSpPr>
@@ -1064,7 +1854,7 @@
         <p:spPr>
           <a:xfrm>
             <a:off x="685800" y="4400640"/>
-            <a:ext cx="5484600" cy="3598920"/>
+            <a:ext cx="5484240" cy="3598560"/>
           </a:xfrm>
           <a:prstGeom prst="rect">
             <a:avLst/>
@@ -1093,7 +1883,7 @@
       </p:sp>
       <p:sp>
         <p:nvSpPr>
-          <p:cNvPr id="184" name="PlaceHolder 3"/>
+          <p:cNvPr id="236" name="PlaceHolder 3"/>
           <p:cNvSpPr>
             <a:spLocks noGrp="1"/>
           </p:cNvSpPr>
@@ -1104,7 +1894,7 @@
         <p:spPr>
           <a:xfrm>
             <a:off x="3884760" y="8685360"/>
-            <a:ext cx="2970000" cy="456840"/>
+            <a:ext cx="2969640" cy="456480"/>
           </a:xfrm>
           <a:prstGeom prst="rect">
             <a:avLst/>
@@ -1145,7 +1935,7 @@
                 <a:tab algn="l" pos="0"/>
               </a:tabLst>
             </a:pPr>
-            <a:fld id="{93CDA1E9-F23C-41E9-BC3E-03842486AB51}" type="slidenum">
+            <a:fld id="{8657082F-23F2-4D8D-AAB0-A83A6A687A55}" type="slidenum">
               <a:rPr b="0" lang="es-CO" sz="1400" spc="-1" strike="noStrike">
                 <a:solidFill>
                   <a:srgbClr val="000000"/>
@@ -1187,7 +1977,7 @@
       </p:grpSpPr>
       <p:sp>
         <p:nvSpPr>
-          <p:cNvPr id="185" name="PlaceHolder 1"/>
+          <p:cNvPr id="237" name="PlaceHolder 1"/>
           <p:cNvSpPr>
             <a:spLocks noGrp="1"/>
           </p:cNvSpPr>
@@ -1198,19 +1988,19 @@
         <p:spPr>
           <a:xfrm>
             <a:off x="685800" y="1143000"/>
-            <a:ext cx="5484600" cy="3084480"/>
-          </a:xfrm>
-          <a:prstGeom prst="rect">
-            <a:avLst/>
-          </a:prstGeom>
-          <a:ln w="0">
-            <a:noFill/>
-          </a:ln>
-        </p:spPr>
-      </p:sp>
-      <p:sp>
-        <p:nvSpPr>
-          <p:cNvPr id="186" name="PlaceHolder 2"/>
+            <a:ext cx="5484240" cy="3084120"/>
+          </a:xfrm>
+          <a:prstGeom prst="rect">
+            <a:avLst/>
+          </a:prstGeom>
+          <a:ln w="0">
+            <a:noFill/>
+          </a:ln>
+        </p:spPr>
+      </p:sp>
+      <p:sp>
+        <p:nvSpPr>
+          <p:cNvPr id="238" name="PlaceHolder 2"/>
           <p:cNvSpPr>
             <a:spLocks noGrp="1"/>
           </p:cNvSpPr>
@@ -1221,7 +2011,7 @@
         <p:spPr>
           <a:xfrm>
             <a:off x="685800" y="4400640"/>
-            <a:ext cx="5484600" cy="3598920"/>
+            <a:ext cx="5484240" cy="3598560"/>
           </a:xfrm>
           <a:prstGeom prst="rect">
             <a:avLst/>
@@ -1250,7 +2040,7 @@
       </p:sp>
       <p:sp>
         <p:nvSpPr>
-          <p:cNvPr id="187" name="PlaceHolder 3"/>
+          <p:cNvPr id="239" name="PlaceHolder 3"/>
           <p:cNvSpPr>
             <a:spLocks noGrp="1"/>
           </p:cNvSpPr>
@@ -1261,7 +2051,7 @@
         <p:spPr>
           <a:xfrm>
             <a:off x="3884760" y="8685360"/>
-            <a:ext cx="2970000" cy="456840"/>
+            <a:ext cx="2969640" cy="456480"/>
           </a:xfrm>
           <a:prstGeom prst="rect">
             <a:avLst/>
@@ -1302,7 +2092,7 @@
                 <a:tab algn="l" pos="0"/>
               </a:tabLst>
             </a:pPr>
-            <a:fld id="{7A6E4783-416C-4212-AF25-A84F0BFA8489}" type="slidenum">
+            <a:fld id="{EAB56EEE-2A8E-4E59-875B-86B43D1EA25E}" type="slidenum">
               <a:rPr b="0" lang="es-CO" sz="1400" spc="-1" strike="noStrike">
                 <a:solidFill>
                   <a:srgbClr val="000000"/>
@@ -1344,7 +2134,7 @@
       </p:grpSpPr>
       <p:sp>
         <p:nvSpPr>
-          <p:cNvPr id="188" name="PlaceHolder 1"/>
+          <p:cNvPr id="240" name="PlaceHolder 1"/>
           <p:cNvSpPr>
             <a:spLocks noGrp="1"/>
           </p:cNvSpPr>
@@ -1355,19 +2145,19 @@
         <p:spPr>
           <a:xfrm>
             <a:off x="685800" y="1143000"/>
-            <a:ext cx="5484600" cy="3084480"/>
-          </a:xfrm>
-          <a:prstGeom prst="rect">
-            <a:avLst/>
-          </a:prstGeom>
-          <a:ln w="0">
-            <a:noFill/>
-          </a:ln>
-        </p:spPr>
-      </p:sp>
-      <p:sp>
-        <p:nvSpPr>
-          <p:cNvPr id="189" name="PlaceHolder 2"/>
+            <a:ext cx="5484240" cy="3084120"/>
+          </a:xfrm>
+          <a:prstGeom prst="rect">
+            <a:avLst/>
+          </a:prstGeom>
+          <a:ln w="0">
+            <a:noFill/>
+          </a:ln>
+        </p:spPr>
+      </p:sp>
+      <p:sp>
+        <p:nvSpPr>
+          <p:cNvPr id="241" name="PlaceHolder 2"/>
           <p:cNvSpPr>
             <a:spLocks noGrp="1"/>
           </p:cNvSpPr>
@@ -1378,7 +2168,7 @@
         <p:spPr>
           <a:xfrm>
             <a:off x="685800" y="4400640"/>
-            <a:ext cx="5484600" cy="3598920"/>
+            <a:ext cx="5484240" cy="3598560"/>
           </a:xfrm>
           <a:prstGeom prst="rect">
             <a:avLst/>
@@ -1407,7 +2197,7 @@
       </p:sp>
       <p:sp>
         <p:nvSpPr>
-          <p:cNvPr id="190" name="PlaceHolder 3"/>
+          <p:cNvPr id="242" name="PlaceHolder 3"/>
           <p:cNvSpPr>
             <a:spLocks noGrp="1"/>
           </p:cNvSpPr>
@@ -1418,7 +2208,7 @@
         <p:spPr>
           <a:xfrm>
             <a:off x="3884760" y="8685360"/>
-            <a:ext cx="2970000" cy="456840"/>
+            <a:ext cx="2969640" cy="456480"/>
           </a:xfrm>
           <a:prstGeom prst="rect">
             <a:avLst/>
@@ -1459,7 +2249,7 @@
                 <a:tab algn="l" pos="0"/>
               </a:tabLst>
             </a:pPr>
-            <a:fld id="{D209627C-39F5-44A6-A2BE-573E02A62BBF}" type="slidenum">
+            <a:fld id="{001796C0-88BF-4A90-80F7-F20B41BB8C5C}" type="slidenum">
               <a:rPr b="0" lang="es-CO" sz="1400" spc="-1" strike="noStrike">
                 <a:solidFill>
                   <a:srgbClr val="000000"/>
@@ -1501,7 +2291,7 @@
       </p:grpSpPr>
       <p:sp>
         <p:nvSpPr>
-          <p:cNvPr id="191" name="PlaceHolder 1"/>
+          <p:cNvPr id="243" name="PlaceHolder 1"/>
           <p:cNvSpPr>
             <a:spLocks noGrp="1"/>
           </p:cNvSpPr>
@@ -1512,19 +2302,19 @@
         <p:spPr>
           <a:xfrm>
             <a:off x="685800" y="1143000"/>
-            <a:ext cx="5484600" cy="3084480"/>
-          </a:xfrm>
-          <a:prstGeom prst="rect">
-            <a:avLst/>
-          </a:prstGeom>
-          <a:ln w="0">
-            <a:noFill/>
-          </a:ln>
-        </p:spPr>
-      </p:sp>
-      <p:sp>
-        <p:nvSpPr>
-          <p:cNvPr id="192" name="PlaceHolder 2"/>
+            <a:ext cx="5484240" cy="3084120"/>
+          </a:xfrm>
+          <a:prstGeom prst="rect">
+            <a:avLst/>
+          </a:prstGeom>
+          <a:ln w="0">
+            <a:noFill/>
+          </a:ln>
+        </p:spPr>
+      </p:sp>
+      <p:sp>
+        <p:nvSpPr>
+          <p:cNvPr id="244" name="PlaceHolder 2"/>
           <p:cNvSpPr>
             <a:spLocks noGrp="1"/>
           </p:cNvSpPr>
@@ -1535,7 +2325,7 @@
         <p:spPr>
           <a:xfrm>
             <a:off x="685800" y="4400640"/>
-            <a:ext cx="5484600" cy="3598920"/>
+            <a:ext cx="5484240" cy="3598560"/>
           </a:xfrm>
           <a:prstGeom prst="rect">
             <a:avLst/>
@@ -1564,7 +2354,7 @@
       </p:sp>
       <p:sp>
         <p:nvSpPr>
-          <p:cNvPr id="193" name="PlaceHolder 3"/>
+          <p:cNvPr id="245" name="PlaceHolder 3"/>
           <p:cNvSpPr>
             <a:spLocks noGrp="1"/>
           </p:cNvSpPr>
@@ -1575,7 +2365,7 @@
         <p:spPr>
           <a:xfrm>
             <a:off x="3884760" y="8685360"/>
-            <a:ext cx="2970000" cy="456840"/>
+            <a:ext cx="2969640" cy="456480"/>
           </a:xfrm>
           <a:prstGeom prst="rect">
             <a:avLst/>
@@ -1616,7 +2406,7 @@
                 <a:tab algn="l" pos="0"/>
               </a:tabLst>
             </a:pPr>
-            <a:fld id="{F5AD1218-7303-46DA-9FF8-C82233E80FB4}" type="slidenum">
+            <a:fld id="{1928A8C4-CB3A-41BC-B72F-DBB647FC201D}" type="slidenum">
               <a:rPr b="0" lang="es-CO" sz="1400" spc="-1" strike="noStrike">
                 <a:solidFill>
                   <a:srgbClr val="000000"/>
@@ -1658,7 +2448,7 @@
       </p:grpSpPr>
       <p:sp>
         <p:nvSpPr>
-          <p:cNvPr id="194" name="PlaceHolder 1"/>
+          <p:cNvPr id="246" name="PlaceHolder 1"/>
           <p:cNvSpPr>
             <a:spLocks noGrp="1"/>
           </p:cNvSpPr>
@@ -1669,19 +2459,19 @@
         <p:spPr>
           <a:xfrm>
             <a:off x="685800" y="1143000"/>
-            <a:ext cx="5484600" cy="3084480"/>
-          </a:xfrm>
-          <a:prstGeom prst="rect">
-            <a:avLst/>
-          </a:prstGeom>
-          <a:ln w="0">
-            <a:noFill/>
-          </a:ln>
-        </p:spPr>
-      </p:sp>
-      <p:sp>
-        <p:nvSpPr>
-          <p:cNvPr id="195" name="PlaceHolder 2"/>
+            <a:ext cx="5484240" cy="3084120"/>
+          </a:xfrm>
+          <a:prstGeom prst="rect">
+            <a:avLst/>
+          </a:prstGeom>
+          <a:ln w="0">
+            <a:noFill/>
+          </a:ln>
+        </p:spPr>
+      </p:sp>
+      <p:sp>
+        <p:nvSpPr>
+          <p:cNvPr id="247" name="PlaceHolder 2"/>
           <p:cNvSpPr>
             <a:spLocks noGrp="1"/>
           </p:cNvSpPr>
@@ -1692,7 +2482,7 @@
         <p:spPr>
           <a:xfrm>
             <a:off x="685800" y="4400640"/>
-            <a:ext cx="5484600" cy="3598920"/>
+            <a:ext cx="5484240" cy="3598560"/>
           </a:xfrm>
           <a:prstGeom prst="rect">
             <a:avLst/>
@@ -1721,7 +2511,7 @@
       </p:sp>
       <p:sp>
         <p:nvSpPr>
-          <p:cNvPr id="196" name="PlaceHolder 3"/>
+          <p:cNvPr id="248" name="PlaceHolder 3"/>
           <p:cNvSpPr>
             <a:spLocks noGrp="1"/>
           </p:cNvSpPr>
@@ -1732,7 +2522,7 @@
         <p:spPr>
           <a:xfrm>
             <a:off x="3884760" y="8685360"/>
-            <a:ext cx="2970000" cy="456840"/>
+            <a:ext cx="2969640" cy="456480"/>
           </a:xfrm>
           <a:prstGeom prst="rect">
             <a:avLst/>
@@ -1773,7 +2563,7 @@
                 <a:tab algn="l" pos="0"/>
               </a:tabLst>
             </a:pPr>
-            <a:fld id="{6EE8131B-F2AF-4D53-9983-350FB3CEE4E6}" type="slidenum">
+            <a:fld id="{FF00DF58-AFA8-4EC8-9259-2A2C185A942E}" type="slidenum">
               <a:rPr b="0" lang="es-CO" sz="1400" spc="-1" strike="noStrike">
                 <a:solidFill>
                   <a:srgbClr val="000000"/>
@@ -1815,7 +2605,7 @@
       </p:grpSpPr>
       <p:sp>
         <p:nvSpPr>
-          <p:cNvPr id="197" name="PlaceHolder 1"/>
+          <p:cNvPr id="249" name="PlaceHolder 1"/>
           <p:cNvSpPr>
             <a:spLocks noGrp="1"/>
           </p:cNvSpPr>
@@ -1826,19 +2616,19 @@
         <p:spPr>
           <a:xfrm>
             <a:off x="685800" y="1143000"/>
-            <a:ext cx="5484600" cy="3084480"/>
-          </a:xfrm>
-          <a:prstGeom prst="rect">
-            <a:avLst/>
-          </a:prstGeom>
-          <a:ln w="0">
-            <a:noFill/>
-          </a:ln>
-        </p:spPr>
-      </p:sp>
-      <p:sp>
-        <p:nvSpPr>
-          <p:cNvPr id="198" name="PlaceHolder 2"/>
+            <a:ext cx="5484240" cy="3084120"/>
+          </a:xfrm>
+          <a:prstGeom prst="rect">
+            <a:avLst/>
+          </a:prstGeom>
+          <a:ln w="0">
+            <a:noFill/>
+          </a:ln>
+        </p:spPr>
+      </p:sp>
+      <p:sp>
+        <p:nvSpPr>
+          <p:cNvPr id="250" name="PlaceHolder 2"/>
           <p:cNvSpPr>
             <a:spLocks noGrp="1"/>
           </p:cNvSpPr>
@@ -1849,7 +2639,7 @@
         <p:spPr>
           <a:xfrm>
             <a:off x="685800" y="4400640"/>
-            <a:ext cx="5484600" cy="3598920"/>
+            <a:ext cx="5484240" cy="3598560"/>
           </a:xfrm>
           <a:prstGeom prst="rect">
             <a:avLst/>
@@ -1878,7 +2668,7 @@
       </p:sp>
       <p:sp>
         <p:nvSpPr>
-          <p:cNvPr id="199" name="PlaceHolder 3"/>
+          <p:cNvPr id="251" name="PlaceHolder 3"/>
           <p:cNvSpPr>
             <a:spLocks noGrp="1"/>
           </p:cNvSpPr>
@@ -1889,7 +2679,7 @@
         <p:spPr>
           <a:xfrm>
             <a:off x="3884760" y="8685360"/>
-            <a:ext cx="2970000" cy="456840"/>
+            <a:ext cx="2969640" cy="456480"/>
           </a:xfrm>
           <a:prstGeom prst="rect">
             <a:avLst/>
@@ -1930,7 +2720,7 @@
                 <a:tab algn="l" pos="0"/>
               </a:tabLst>
             </a:pPr>
-            <a:fld id="{11DAFE82-68CB-4C2D-853D-853AF9FD2350}" type="slidenum">
+            <a:fld id="{E18317BA-3298-47D5-B132-1D71C45B5FF6}" type="slidenum">
               <a:rPr b="0" lang="es-CO" sz="1400" spc="-1" strike="noStrike">
                 <a:solidFill>
                   <a:srgbClr val="000000"/>
@@ -1972,7 +2762,7 @@
       </p:grpSpPr>
       <p:sp>
         <p:nvSpPr>
-          <p:cNvPr id="200" name="PlaceHolder 1"/>
+          <p:cNvPr id="252" name="PlaceHolder 1"/>
           <p:cNvSpPr>
             <a:spLocks noGrp="1"/>
           </p:cNvSpPr>
@@ -1983,19 +2773,19 @@
         <p:spPr>
           <a:xfrm>
             <a:off x="685800" y="1143000"/>
-            <a:ext cx="5484600" cy="3084480"/>
-          </a:xfrm>
-          <a:prstGeom prst="rect">
-            <a:avLst/>
-          </a:prstGeom>
-          <a:ln w="0">
-            <a:noFill/>
-          </a:ln>
-        </p:spPr>
-      </p:sp>
-      <p:sp>
-        <p:nvSpPr>
-          <p:cNvPr id="201" name="PlaceHolder 2"/>
+            <a:ext cx="5484240" cy="3084120"/>
+          </a:xfrm>
+          <a:prstGeom prst="rect">
+            <a:avLst/>
+          </a:prstGeom>
+          <a:ln w="0">
+            <a:noFill/>
+          </a:ln>
+        </p:spPr>
+      </p:sp>
+      <p:sp>
+        <p:nvSpPr>
+          <p:cNvPr id="253" name="PlaceHolder 2"/>
           <p:cNvSpPr>
             <a:spLocks noGrp="1"/>
           </p:cNvSpPr>
@@ -2006,7 +2796,7 @@
         <p:spPr>
           <a:xfrm>
             <a:off x="685800" y="4400640"/>
-            <a:ext cx="5484600" cy="3598920"/>
+            <a:ext cx="5484240" cy="3598560"/>
           </a:xfrm>
           <a:prstGeom prst="rect">
             <a:avLst/>
@@ -2035,7 +2825,7 @@
       </p:sp>
       <p:sp>
         <p:nvSpPr>
-          <p:cNvPr id="202" name="PlaceHolder 3"/>
+          <p:cNvPr id="254" name="PlaceHolder 3"/>
           <p:cNvSpPr>
             <a:spLocks noGrp="1"/>
           </p:cNvSpPr>
@@ -2046,7 +2836,7 @@
         <p:spPr>
           <a:xfrm>
             <a:off x="3884760" y="8685360"/>
-            <a:ext cx="2970000" cy="456840"/>
+            <a:ext cx="2969640" cy="456480"/>
           </a:xfrm>
           <a:prstGeom prst="rect">
             <a:avLst/>
@@ -2087,7 +2877,7 @@
                 <a:tab algn="l" pos="0"/>
               </a:tabLst>
             </a:pPr>
-            <a:fld id="{792F793B-CCA8-4026-9555-A6ED43E29879}" type="slidenum">
+            <a:fld id="{7C8CF991-0AF2-4043-A3FA-C4BA1F35DAA3}" type="slidenum">
               <a:rPr b="0" lang="es-CO" sz="1400" spc="-1" strike="noStrike">
                 <a:solidFill>
                   <a:srgbClr val="000000"/>
@@ -2161,7 +2951,7 @@
         <p:txBody>
           <a:bodyPr/>
           <a:p>
-            <a:fld id="{4B953995-D81B-4BCF-A180-5839B9375BD0}" type="slidenum">
+            <a:fld id="{4599B679-97FF-46E2-986D-212D25779D3F}" type="slidenum">
               <a:t>&lt;#&gt;</a:t>
             </a:fld>
           </a:p>
@@ -2244,7 +3034,7 @@
         <p:txBody>
           <a:bodyPr/>
           <a:p>
-            <a:fld id="{8DEB5AC1-AD47-4F71-A856-6DC298B69AFB}" type="slidenum">
+            <a:fld id="{7980726D-9EF0-40BD-8C7A-73AE772768B3}" type="slidenum">
               <a:t>&lt;#&gt;</a:t>
             </a:fld>
           </a:p>
@@ -2327,7 +3117,7 @@
         <p:txBody>
           <a:bodyPr/>
           <a:p>
-            <a:fld id="{875796D0-D7F1-41A0-8699-F2C6A8E2823A}" type="slidenum">
+            <a:fld id="{B57B3EAC-6ED0-4A76-9C23-B422BEC1F441}" type="slidenum">
               <a:t>&lt;#&gt;</a:t>
             </a:fld>
           </a:p>
@@ -2410,7 +3200,7 @@
         <p:txBody>
           <a:bodyPr/>
           <a:p>
-            <a:fld id="{8D72971A-7EC0-4430-9B66-640D698789FF}" type="slidenum">
+            <a:fld id="{DEF34684-5D67-4FA6-8419-BFCF814FBEC5}" type="slidenum">
               <a:t>&lt;#&gt;</a:t>
             </a:fld>
           </a:p>
@@ -2493,7 +3283,7 @@
         <p:txBody>
           <a:bodyPr/>
           <a:p>
-            <a:fld id="{393424EE-7FF8-4074-97F3-12093397ED75}" type="slidenum">
+            <a:fld id="{BE834E08-716D-47A0-B943-ED573F649808}" type="slidenum">
               <a:t>&lt;#&gt;</a:t>
             </a:fld>
           </a:p>
@@ -2656,7 +3446,7 @@
         <p:txBody>
           <a:bodyPr/>
           <a:p>
-            <a:fld id="{0D3AA306-0AB7-4F31-89E7-29A321DEF2A2}" type="slidenum">
+            <a:fld id="{E76321C4-ACD4-4A39-A2F7-B408AA35BBFA}" type="slidenum">
               <a:t>&lt;#&gt;</a:t>
             </a:fld>
           </a:p>
@@ -2822,7 +3612,7 @@
         <p:txBody>
           <a:bodyPr/>
           <a:p>
-            <a:fld id="{9DCCC129-4EE9-431B-B4FA-CD7168081A21}" type="slidenum">
+            <a:fld id="{3A5037DD-32C4-4BA0-BDBB-9247C5A1A5BE}" type="slidenum">
               <a:t>&lt;#&gt;</a:t>
             </a:fld>
           </a:p>
@@ -2905,7 +3695,7 @@
         <p:txBody>
           <a:bodyPr/>
           <a:p>
-            <a:fld id="{485CBD4F-CF5C-40C0-A174-FEA8DF852D18}" type="slidenum">
+            <a:fld id="{440E4F8D-9F80-4226-ABBD-205953E2CB48}" type="slidenum">
               <a:t>&lt;#&gt;</a:t>
             </a:fld>
           </a:p>
@@ -3114,7 +3904,7 @@
         <p:txBody>
           <a:bodyPr/>
           <a:p>
-            <a:fld id="{4B7E527D-5744-41AE-A72E-1D9D3A9EB1AE}" type="slidenum">
+            <a:fld id="{8FA1A44D-532D-4893-9BB8-CC03FBD6B92F}" type="slidenum">
               <a:t>&lt;#&gt;</a:t>
             </a:fld>
           </a:p>
@@ -3197,7 +3987,7 @@
         <p:txBody>
           <a:bodyPr/>
           <a:p>
-            <a:fld id="{4D0BF987-8AEC-42AC-8B6C-3ACD930EFDE0}" type="slidenum">
+            <a:fld id="{90BEFBFA-1D7C-4E2E-B18D-73A536B6EAE8}" type="slidenum">
               <a:t>&lt;#&gt;</a:t>
             </a:fld>
           </a:p>
@@ -3320,7 +4110,7 @@
         <p:txBody>
           <a:bodyPr/>
           <a:p>
-            <a:fld id="{42595238-C232-43B3-A18E-45BD2AE5D743}" type="slidenum">
+            <a:fld id="{40A89A56-EB8B-4E72-9937-9B5223186EBB}" type="slidenum">
               <a:t>&lt;#&gt;</a:t>
             </a:fld>
           </a:p>
@@ -3389,7 +4179,7 @@
         <p:spPr>
           <a:xfrm>
             <a:off x="4038480" y="6356520"/>
-            <a:ext cx="4113000" cy="363240"/>
+            <a:ext cx="4112640" cy="362880"/>
           </a:xfrm>
           <a:prstGeom prst="rect">
             <a:avLst/>
@@ -3461,7 +4251,7 @@
         <p:spPr>
           <a:xfrm>
             <a:off x="8610480" y="6356520"/>
-            <a:ext cx="2741400" cy="363240"/>
+            <a:ext cx="2741040" cy="362880"/>
           </a:xfrm>
           <a:prstGeom prst="rect">
             <a:avLst/>
@@ -3503,7 +4293,7 @@
                 <a:tab algn="l" pos="0"/>
               </a:tabLst>
             </a:pPr>
-            <a:fld id="{20AB2A53-AF79-40AB-AF0D-7200995E77DE}" type="slidenum">
+            <a:fld id="{B7509662-6381-4A0F-B0F8-45D52AB9646C}" type="slidenum">
               <a:rPr b="0" lang="es-CO" sz="1200" spc="-1" strike="noStrike">
                 <a:solidFill>
                   <a:srgbClr val="888888"/>
@@ -3535,7 +4325,7 @@
         <p:spPr>
           <a:xfrm>
             <a:off x="838080" y="6356520"/>
-            <a:ext cx="2741400" cy="363240"/>
+            <a:ext cx="2741040" cy="362880"/>
           </a:xfrm>
           <a:prstGeom prst="rect">
             <a:avLst/>
@@ -3902,7 +4692,7 @@
         <p:spPr>
           <a:xfrm>
             <a:off x="4038480" y="6356520"/>
-            <a:ext cx="4113000" cy="363240"/>
+            <a:ext cx="4112640" cy="362880"/>
           </a:xfrm>
           <a:prstGeom prst="rect">
             <a:avLst/>
@@ -3974,7 +4764,7 @@
         <p:spPr>
           <a:xfrm>
             <a:off x="8610480" y="6356520"/>
-            <a:ext cx="2741400" cy="363240"/>
+            <a:ext cx="2741040" cy="362880"/>
           </a:xfrm>
           <a:prstGeom prst="rect">
             <a:avLst/>
@@ -4016,7 +4806,7 @@
                 <a:tab algn="l" pos="0"/>
               </a:tabLst>
             </a:pPr>
-            <a:fld id="{DECDD381-0F62-4701-B526-40B5434F7350}" type="slidenum">
+            <a:fld id="{EEED7A42-12E4-4F5F-A2AE-634CF3B6F210}" type="slidenum">
               <a:rPr b="0" lang="es-CO" sz="1200" spc="-1" strike="noStrike">
                 <a:solidFill>
                   <a:srgbClr val="888888"/>
@@ -4048,7 +4838,7 @@
         <p:spPr>
           <a:xfrm>
             <a:off x="838080" y="6356520"/>
-            <a:ext cx="2741400" cy="363240"/>
+            <a:ext cx="2741040" cy="362880"/>
           </a:xfrm>
           <a:prstGeom prst="rect">
             <a:avLst/>
@@ -4141,7 +4931,7 @@
         <p:spPr>
           <a:xfrm>
             <a:off x="4038480" y="6356520"/>
-            <a:ext cx="4113000" cy="363240"/>
+            <a:ext cx="4112640" cy="362880"/>
           </a:xfrm>
           <a:prstGeom prst="rect">
             <a:avLst/>
@@ -4213,7 +5003,7 @@
         <p:spPr>
           <a:xfrm>
             <a:off x="8610480" y="6356520"/>
-            <a:ext cx="2741400" cy="363240"/>
+            <a:ext cx="2741040" cy="362880"/>
           </a:xfrm>
           <a:prstGeom prst="rect">
             <a:avLst/>
@@ -4255,7 +5045,7 @@
                 <a:tab algn="l" pos="0"/>
               </a:tabLst>
             </a:pPr>
-            <a:fld id="{6EF4F26F-37D0-493D-8757-2A631CEB9C01}" type="slidenum">
+            <a:fld id="{EE4183D0-1CA9-4F7A-B183-EE4086B0D1D3}" type="slidenum">
               <a:rPr b="0" lang="es-CO" sz="1200" spc="-1" strike="noStrike">
                 <a:solidFill>
                   <a:srgbClr val="888888"/>
@@ -4287,7 +5077,7 @@
         <p:spPr>
           <a:xfrm>
             <a:off x="838080" y="6356520"/>
-            <a:ext cx="2741400" cy="363240"/>
+            <a:ext cx="2741040" cy="362880"/>
           </a:xfrm>
           <a:prstGeom prst="rect">
             <a:avLst/>
@@ -4380,7 +5170,7 @@
         <p:spPr>
           <a:xfrm>
             <a:off x="4038480" y="6356520"/>
-            <a:ext cx="4113000" cy="363240"/>
+            <a:ext cx="4112640" cy="362880"/>
           </a:xfrm>
           <a:prstGeom prst="rect">
             <a:avLst/>
@@ -4452,7 +5242,7 @@
         <p:spPr>
           <a:xfrm>
             <a:off x="8610480" y="6356520"/>
-            <a:ext cx="2741400" cy="363240"/>
+            <a:ext cx="2741040" cy="362880"/>
           </a:xfrm>
           <a:prstGeom prst="rect">
             <a:avLst/>
@@ -4494,7 +5284,7 @@
                 <a:tab algn="l" pos="0"/>
               </a:tabLst>
             </a:pPr>
-            <a:fld id="{FFC99C83-62BF-43C2-934F-838CC7240EAD}" type="slidenum">
+            <a:fld id="{253FC5DB-D42A-4AE7-84B4-3472795DD9FD}" type="slidenum">
               <a:rPr b="0" lang="es-CO" sz="1200" spc="-1" strike="noStrike">
                 <a:solidFill>
                   <a:srgbClr val="888888"/>
@@ -4526,7 +5316,7 @@
         <p:spPr>
           <a:xfrm>
             <a:off x="838080" y="6356520"/>
-            <a:ext cx="2741400" cy="363240"/>
+            <a:ext cx="2741040" cy="362880"/>
           </a:xfrm>
           <a:prstGeom prst="rect">
             <a:avLst/>
@@ -4619,7 +5409,7 @@
         <p:spPr>
           <a:xfrm>
             <a:off x="4038480" y="6356520"/>
-            <a:ext cx="4113000" cy="363240"/>
+            <a:ext cx="4112640" cy="362880"/>
           </a:xfrm>
           <a:prstGeom prst="rect">
             <a:avLst/>
@@ -4691,7 +5481,7 @@
         <p:spPr>
           <a:xfrm>
             <a:off x="8610480" y="6356520"/>
-            <a:ext cx="2741400" cy="363240"/>
+            <a:ext cx="2741040" cy="362880"/>
           </a:xfrm>
           <a:prstGeom prst="rect">
             <a:avLst/>
@@ -4733,7 +5523,7 @@
                 <a:tab algn="l" pos="0"/>
               </a:tabLst>
             </a:pPr>
-            <a:fld id="{3BDC9CFE-E13F-4311-898A-304D77A14E23}" type="slidenum">
+            <a:fld id="{A2D41F39-E83A-43C0-8CA9-224E9C873A8C}" type="slidenum">
               <a:rPr b="0" lang="es-CO" sz="1200" spc="-1" strike="noStrike">
                 <a:solidFill>
                   <a:srgbClr val="888888"/>
@@ -4765,7 +5555,7 @@
         <p:spPr>
           <a:xfrm>
             <a:off x="838080" y="6356520"/>
-            <a:ext cx="2741400" cy="363240"/>
+            <a:ext cx="2741040" cy="362880"/>
           </a:xfrm>
           <a:prstGeom prst="rect">
             <a:avLst/>
@@ -4907,7 +5697,7 @@
         <p:spPr>
           <a:xfrm>
             <a:off x="4038480" y="6356520"/>
-            <a:ext cx="4113000" cy="363240"/>
+            <a:ext cx="4112640" cy="362880"/>
           </a:xfrm>
           <a:prstGeom prst="rect">
             <a:avLst/>
@@ -4979,7 +5769,7 @@
         <p:spPr>
           <a:xfrm>
             <a:off x="8610480" y="6356520"/>
-            <a:ext cx="2741400" cy="363240"/>
+            <a:ext cx="2741040" cy="362880"/>
           </a:xfrm>
           <a:prstGeom prst="rect">
             <a:avLst/>
@@ -5021,7 +5811,7 @@
                 <a:tab algn="l" pos="0"/>
               </a:tabLst>
             </a:pPr>
-            <a:fld id="{A737ACE5-C6B1-4924-BC3D-075EF9CB106F}" type="slidenum">
+            <a:fld id="{F3DDE307-1519-4BDD-89B2-3ABC68CE68D6}" type="slidenum">
               <a:rPr b="0" lang="es-CO" sz="1200" spc="-1" strike="noStrike">
                 <a:solidFill>
                   <a:srgbClr val="888888"/>
@@ -5053,7 +5843,7 @@
         <p:spPr>
           <a:xfrm>
             <a:off x="838080" y="6356520"/>
-            <a:ext cx="2741400" cy="363240"/>
+            <a:ext cx="2741040" cy="362880"/>
           </a:xfrm>
           <a:prstGeom prst="rect">
             <a:avLst/>
@@ -5420,7 +6210,7 @@
         <p:spPr>
           <a:xfrm>
             <a:off x="4038480" y="6356520"/>
-            <a:ext cx="4113000" cy="363240"/>
+            <a:ext cx="4112640" cy="362880"/>
           </a:xfrm>
           <a:prstGeom prst="rect">
             <a:avLst/>
@@ -5492,7 +6282,7 @@
         <p:spPr>
           <a:xfrm>
             <a:off x="8610480" y="6356520"/>
-            <a:ext cx="2741400" cy="363240"/>
+            <a:ext cx="2741040" cy="362880"/>
           </a:xfrm>
           <a:prstGeom prst="rect">
             <a:avLst/>
@@ -5534,7 +6324,7 @@
                 <a:tab algn="l" pos="0"/>
               </a:tabLst>
             </a:pPr>
-            <a:fld id="{2659D5C8-62BD-46EF-BEA7-30EC3FAB08AF}" type="slidenum">
+            <a:fld id="{312E45B5-0244-4A7F-A628-21C905AB0DB7}" type="slidenum">
               <a:rPr b="0" lang="es-CO" sz="1200" spc="-1" strike="noStrike">
                 <a:solidFill>
                   <a:srgbClr val="888888"/>
@@ -5566,7 +6356,7 @@
         <p:spPr>
           <a:xfrm>
             <a:off x="838080" y="6356520"/>
-            <a:ext cx="2741400" cy="363240"/>
+            <a:ext cx="2741040" cy="362880"/>
           </a:xfrm>
           <a:prstGeom prst="rect">
             <a:avLst/>
@@ -5659,7 +6449,7 @@
         <p:spPr>
           <a:xfrm>
             <a:off x="4038480" y="6356520"/>
-            <a:ext cx="4113000" cy="363240"/>
+            <a:ext cx="4112640" cy="362880"/>
           </a:xfrm>
           <a:prstGeom prst="rect">
             <a:avLst/>
@@ -5731,7 +6521,7 @@
         <p:spPr>
           <a:xfrm>
             <a:off x="8610480" y="6356520"/>
-            <a:ext cx="2741400" cy="363240"/>
+            <a:ext cx="2741040" cy="362880"/>
           </a:xfrm>
           <a:prstGeom prst="rect">
             <a:avLst/>
@@ -5773,7 +6563,7 @@
                 <a:tab algn="l" pos="0"/>
               </a:tabLst>
             </a:pPr>
-            <a:fld id="{337E6B8A-B589-404E-97CE-6A0C6AE7ADEC}" type="slidenum">
+            <a:fld id="{50ED98E5-AC93-49A9-A63A-C3A12097C0D0}" type="slidenum">
               <a:rPr b="0" lang="es-CO" sz="1200" spc="-1" strike="noStrike">
                 <a:solidFill>
                   <a:srgbClr val="888888"/>
@@ -5805,7 +6595,7 @@
         <p:spPr>
           <a:xfrm>
             <a:off x="838080" y="6356520"/>
-            <a:ext cx="2741400" cy="363240"/>
+            <a:ext cx="2741040" cy="362880"/>
           </a:xfrm>
           <a:prstGeom prst="rect">
             <a:avLst/>
@@ -6397,7 +7187,7 @@
         <p:spPr>
           <a:xfrm>
             <a:off x="4038480" y="6356520"/>
-            <a:ext cx="4113000" cy="363240"/>
+            <a:ext cx="4112640" cy="362880"/>
           </a:xfrm>
           <a:prstGeom prst="rect">
             <a:avLst/>
@@ -6469,7 +7259,7 @@
         <p:spPr>
           <a:xfrm>
             <a:off x="8610480" y="6356520"/>
-            <a:ext cx="2741400" cy="363240"/>
+            <a:ext cx="2741040" cy="362880"/>
           </a:xfrm>
           <a:prstGeom prst="rect">
             <a:avLst/>
@@ -6511,7 +7301,7 @@
                 <a:tab algn="l" pos="0"/>
               </a:tabLst>
             </a:pPr>
-            <a:fld id="{103DDE3A-81DE-44F8-A01A-5B44153B2596}" type="slidenum">
+            <a:fld id="{B8E10BB6-A556-4D09-BF83-9F694FF11144}" type="slidenum">
               <a:rPr b="0" lang="es-CO" sz="1200" spc="-1" strike="noStrike">
                 <a:solidFill>
                   <a:srgbClr val="888888"/>
@@ -6543,7 +7333,7 @@
         <p:spPr>
           <a:xfrm>
             <a:off x="838080" y="6356520"/>
-            <a:ext cx="2741400" cy="363240"/>
+            <a:ext cx="2741040" cy="362880"/>
           </a:xfrm>
           <a:prstGeom prst="rect">
             <a:avLst/>
@@ -6636,7 +7426,7 @@
         <p:spPr>
           <a:xfrm>
             <a:off x="4038480" y="6356520"/>
-            <a:ext cx="4113000" cy="363240"/>
+            <a:ext cx="4112640" cy="362880"/>
           </a:xfrm>
           <a:prstGeom prst="rect">
             <a:avLst/>
@@ -6708,7 +7498,7 @@
         <p:spPr>
           <a:xfrm>
             <a:off x="8610480" y="6356520"/>
-            <a:ext cx="2741400" cy="363240"/>
+            <a:ext cx="2741040" cy="362880"/>
           </a:xfrm>
           <a:prstGeom prst="rect">
             <a:avLst/>
@@ -6750,7 +7540,7 @@
                 <a:tab algn="l" pos="0"/>
               </a:tabLst>
             </a:pPr>
-            <a:fld id="{CFD792C4-20DF-4325-B272-E1080A359397}" type="slidenum">
+            <a:fld id="{241CE23E-45A7-4242-AF32-1881A75E8607}" type="slidenum">
               <a:rPr b="0" lang="es-CO" sz="1200" spc="-1" strike="noStrike">
                 <a:solidFill>
                   <a:srgbClr val="888888"/>
@@ -6782,7 +7572,7 @@
         <p:spPr>
           <a:xfrm>
             <a:off x="838080" y="6356520"/>
-            <a:ext cx="2741400" cy="363240"/>
+            <a:ext cx="2741040" cy="362880"/>
           </a:xfrm>
           <a:prstGeom prst="rect">
             <a:avLst/>
@@ -6924,7 +7714,7 @@
         <p:spPr>
           <a:xfrm>
             <a:off x="4038480" y="6356520"/>
-            <a:ext cx="4113000" cy="363240"/>
+            <a:ext cx="4112640" cy="362880"/>
           </a:xfrm>
           <a:prstGeom prst="rect">
             <a:avLst/>
@@ -6996,7 +7786,7 @@
         <p:spPr>
           <a:xfrm>
             <a:off x="8610480" y="6356520"/>
-            <a:ext cx="2741400" cy="363240"/>
+            <a:ext cx="2741040" cy="362880"/>
           </a:xfrm>
           <a:prstGeom prst="rect">
             <a:avLst/>
@@ -7038,7 +7828,7 @@
                 <a:tab algn="l" pos="0"/>
               </a:tabLst>
             </a:pPr>
-            <a:fld id="{DE4FD034-CD70-4BED-94A3-D209ADA93016}" type="slidenum">
+            <a:fld id="{B1DBD8FE-B715-456B-B855-48D60A4A7800}" type="slidenum">
               <a:rPr b="0" lang="es-CO" sz="1200" spc="-1" strike="noStrike">
                 <a:solidFill>
                   <a:srgbClr val="888888"/>
@@ -7070,7 +7860,7 @@
         <p:spPr>
           <a:xfrm>
             <a:off x="838080" y="6356520"/>
-            <a:ext cx="2741400" cy="363240"/>
+            <a:ext cx="2741040" cy="362880"/>
           </a:xfrm>
           <a:prstGeom prst="rect">
             <a:avLst/>
@@ -7152,9 +7942,9 @@
         <p:grpSpPr>
           <a:xfrm>
             <a:off x="0" y="0"/>
-            <a:ext cx="12190320" cy="6856200"/>
+            <a:ext cx="12189960" cy="6855840"/>
             <a:chOff x="0" y="0"/>
-            <a:chExt cx="12190320" cy="6856200"/>
+            <a:chExt cx="12189960" cy="6855840"/>
           </a:xfrm>
         </p:grpSpPr>
         <p:pic>
@@ -7171,7 +7961,7 @@
           <p:spPr>
             <a:xfrm>
               <a:off x="0" y="0"/>
-              <a:ext cx="12190320" cy="6856200"/>
+              <a:ext cx="12189960" cy="6855840"/>
             </a:xfrm>
             <a:prstGeom prst="rect">
               <a:avLst/>
@@ -7194,7 +7984,7 @@
           <p:spPr>
             <a:xfrm>
               <a:off x="0" y="0"/>
-              <a:ext cx="12190320" cy="6856200"/>
+              <a:ext cx="12189960" cy="6855840"/>
             </a:xfrm>
             <a:prstGeom prst="rect">
               <a:avLst/>
@@ -7218,7 +8008,7 @@
         <p:spPr>
           <a:xfrm>
             <a:off x="4219200" y="647640"/>
-            <a:ext cx="3752280" cy="1797120"/>
+            <a:ext cx="3751920" cy="1796760"/>
           </a:xfrm>
           <a:prstGeom prst="rect">
             <a:avLst/>
@@ -7237,7 +8027,7 @@
         <p:spPr>
           <a:xfrm>
             <a:off x="2158560" y="2392560"/>
-            <a:ext cx="7872840" cy="1156320"/>
+            <a:ext cx="7872480" cy="1156320"/>
           </a:xfrm>
           <a:prstGeom prst="rect">
             <a:avLst/>
@@ -7294,7 +8084,7 @@
         <p:spPr>
           <a:xfrm>
             <a:off x="2185200" y="3582000"/>
-            <a:ext cx="7872840" cy="699120"/>
+            <a:ext cx="7872480" cy="699120"/>
           </a:xfrm>
           <a:prstGeom prst="rect">
             <a:avLst/>
@@ -7365,7 +8155,7 @@
         <p:spPr>
           <a:xfrm>
             <a:off x="9712800" y="5933520"/>
-            <a:ext cx="2163240" cy="667800"/>
+            <a:ext cx="2162880" cy="667440"/>
           </a:xfrm>
           <a:prstGeom prst="rect">
             <a:avLst/>
@@ -7384,9 +8174,9 @@
         <p:grpSpPr>
           <a:xfrm>
             <a:off x="626400" y="254520"/>
-            <a:ext cx="11249640" cy="981360"/>
+            <a:ext cx="11249280" cy="981000"/>
             <a:chOff x="626400" y="254520"/>
-            <a:chExt cx="11249640" cy="981360"/>
+            <a:chExt cx="11249280" cy="981000"/>
           </a:xfrm>
         </p:grpSpPr>
         <p:pic>
@@ -7402,7 +8192,7 @@
           <p:spPr>
             <a:xfrm>
               <a:off x="10059840" y="254520"/>
-              <a:ext cx="1816200" cy="981360"/>
+              <a:ext cx="1815840" cy="981000"/>
             </a:xfrm>
             <a:prstGeom prst="rect">
               <a:avLst/>
@@ -7425,7 +8215,7 @@
           <p:spPr>
             <a:xfrm>
               <a:off x="626400" y="484200"/>
-              <a:ext cx="1504080" cy="522720"/>
+              <a:ext cx="1503720" cy="522360"/>
             </a:xfrm>
             <a:prstGeom prst="rect">
               <a:avLst/>
@@ -7445,7 +8235,7 @@
         <p:spPr>
           <a:xfrm>
             <a:off x="4545360" y="4447800"/>
-            <a:ext cx="2818080" cy="921600"/>
+            <a:ext cx="2817720" cy="921240"/>
           </a:xfrm>
           <a:prstGeom prst="rect">
             <a:avLst/>
@@ -7534,7 +8324,7 @@
                 <a:latin typeface="Arial"/>
                 <a:ea typeface="Arial"/>
               </a:rPr>
-              <a:t>04/07/2024</a:t>
+              <a:t>05/07/2024</a:t>
             </a:r>
             <a:endParaRPr b="0" lang="es-CO" sz="1800" spc="-1" strike="noStrike">
               <a:solidFill>
@@ -7575,113 +8365,71 @@
           <a:chExt cx="0" cy="0"/>
         </a:xfrm>
       </p:grpSpPr>
+      <p:grpSp>
+        <p:nvGrpSpPr>
+          <p:cNvPr id="162" name="Google Shape;266;g1f213c8c16b_0_ 7"/>
+          <p:cNvGrpSpPr/>
+          <p:nvPr/>
+        </p:nvGrpSpPr>
+        <p:grpSpPr>
+          <a:xfrm>
+            <a:off x="360" y="-17640"/>
+            <a:ext cx="12189960" cy="6855840"/>
+            <a:chOff x="360" y="-17640"/>
+            <a:chExt cx="12189960" cy="6855840"/>
+          </a:xfrm>
+        </p:grpSpPr>
+        <p:pic>
+          <p:nvPicPr>
+            <p:cNvPr id="163" name="Google Shape;267;g1f213c8c16b_0_ 6" descr=""/>
+            <p:cNvPicPr/>
+            <p:nvPr/>
+          </p:nvPicPr>
+          <p:blipFill>
+            <a:blip r:embed="rId1"/>
+            <a:srcRect l="7813" t="0" r="7813" b="7535"/>
+            <a:stretch/>
+          </p:blipFill>
+          <p:spPr>
+            <a:xfrm>
+              <a:off x="360" y="-17640"/>
+              <a:ext cx="12189960" cy="6855840"/>
+            </a:xfrm>
+            <a:prstGeom prst="rect">
+              <a:avLst/>
+            </a:prstGeom>
+            <a:ln w="0">
+              <a:noFill/>
+            </a:ln>
+          </p:spPr>
+        </p:pic>
+        <p:pic>
+          <p:nvPicPr>
+            <p:cNvPr id="164" name="Google Shape;268;g1f213c8c16b_0_ 6" descr=""/>
+            <p:cNvPicPr/>
+            <p:nvPr/>
+          </p:nvPicPr>
+          <p:blipFill>
+            <a:blip r:embed="rId2"/>
+            <a:stretch/>
+          </p:blipFill>
+          <p:spPr>
+            <a:xfrm>
+              <a:off x="360" y="-17640"/>
+              <a:ext cx="12189960" cy="6855840"/>
+            </a:xfrm>
+            <a:prstGeom prst="rect">
+              <a:avLst/>
+            </a:prstGeom>
+            <a:ln w="0">
+              <a:noFill/>
+            </a:ln>
+          </p:spPr>
+        </p:pic>
+      </p:grpSp>
       <p:pic>
         <p:nvPicPr>
-          <p:cNvPr id="160" name="Google Shape;311;g1f213c8c16b_0_211" descr=""/>
-          <p:cNvPicPr/>
-          <p:nvPr/>
-        </p:nvPicPr>
-        <p:blipFill>
-          <a:blip r:embed="rId1"/>
-          <a:stretch/>
-        </p:blipFill>
-        <p:spPr>
-          <a:xfrm>
-            <a:off x="3965040" y="4641120"/>
-            <a:ext cx="4088160" cy="1335600"/>
-          </a:xfrm>
-          <a:prstGeom prst="rect">
-            <a:avLst/>
-          </a:prstGeom>
-          <a:ln w="0">
-            <a:noFill/>
-          </a:ln>
-        </p:spPr>
-      </p:pic>
-      <p:sp>
-        <p:nvSpPr>
-          <p:cNvPr id="161" name="Google Shape;312;g1f213c8c16b_0_211"/>
-          <p:cNvSpPr/>
-          <p:nvPr/>
-        </p:nvSpPr>
-        <p:spPr>
-          <a:xfrm>
-            <a:off x="1228680" y="585000"/>
-            <a:ext cx="9564840" cy="1186920"/>
-          </a:xfrm>
-          <a:prstGeom prst="rect">
-            <a:avLst/>
-          </a:prstGeom>
-          <a:noFill/>
-          <a:ln w="0">
-            <a:noFill/>
-          </a:ln>
-        </p:spPr>
-        <p:style>
-          <a:lnRef idx="0"/>
-          <a:fillRef idx="0"/>
-          <a:effectRef idx="0"/>
-          <a:fontRef idx="minor"/>
-        </p:style>
-        <p:txBody>
-          <a:bodyPr lIns="90000" rIns="90000" tIns="45000" bIns="45000" anchor="t">
-            <a:spAutoFit/>
-          </a:bodyPr>
-          <a:p>
-            <a:pPr algn="ctr">
-              <a:lnSpc>
-                <a:spcPct val="100000"/>
-              </a:lnSpc>
-              <a:tabLst>
-                <a:tab algn="l" pos="0"/>
-              </a:tabLst>
-            </a:pPr>
-            <a:r>
-              <a:rPr b="0" lang="es-CO" sz="7200" spc="-1" strike="noStrike">
-                <a:solidFill>
-                  <a:srgbClr val="001059"/>
-                </a:solidFill>
-                <a:latin typeface="Nunito Sans Black"/>
-                <a:ea typeface="Nunito Sans Black"/>
-              </a:rPr>
-              <a:t>LOGOS:</a:t>
-            </a:r>
-            <a:endParaRPr b="0" lang="es-CO" sz="7200" spc="-1" strike="noStrike">
-              <a:solidFill>
-                <a:srgbClr val="000000"/>
-              </a:solidFill>
-              <a:latin typeface="Arial"/>
-            </a:endParaRPr>
-          </a:p>
-        </p:txBody>
-      </p:sp>
-      <p:pic>
-        <p:nvPicPr>
-          <p:cNvPr id="162" name="Google Shape;313;g1f213c8c16b_0_211" descr=""/>
-          <p:cNvPicPr/>
-          <p:nvPr/>
-        </p:nvPicPr>
-        <p:blipFill>
-          <a:blip r:embed="rId2"/>
-          <a:srcRect l="8004" t="20494" r="6931" b="16482"/>
-          <a:stretch/>
-        </p:blipFill>
-        <p:spPr>
-          <a:xfrm>
-            <a:off x="4869360" y="2808000"/>
-            <a:ext cx="2451240" cy="869760"/>
-          </a:xfrm>
-          <a:prstGeom prst="rect">
-            <a:avLst/>
-          </a:prstGeom>
-          <a:ln w="0">
-            <a:noFill/>
-          </a:ln>
-        </p:spPr>
-      </p:pic>
-      <p:pic>
-        <p:nvPicPr>
-          <p:cNvPr id="163" name="Google Shape;314;g1f213c8c16b_0_211" descr=""/>
+          <p:cNvPr id="165" name="Google Shape;269;g1f213c8c16b_0_ 6" descr=""/>
           <p:cNvPicPr/>
           <p:nvPr/>
         </p:nvPicPr>
@@ -7691,8 +8439,8 @@
         </p:blipFill>
         <p:spPr>
           <a:xfrm>
-            <a:off x="1228680" y="2808000"/>
-            <a:ext cx="1853280" cy="644760"/>
+            <a:off x="4815360" y="165600"/>
+            <a:ext cx="2337120" cy="1118520"/>
           </a:xfrm>
           <a:prstGeom prst="rect">
             <a:avLst/>
@@ -7702,55 +8450,172 @@
           </a:ln>
         </p:spPr>
       </p:pic>
+      <p:grpSp>
+        <p:nvGrpSpPr>
+          <p:cNvPr id="166" name="Google Shape;287;g1f213c8c16b_0_ 6"/>
+          <p:cNvGrpSpPr/>
+          <p:nvPr/>
+        </p:nvGrpSpPr>
+        <p:grpSpPr>
+          <a:xfrm>
+            <a:off x="626400" y="254520"/>
+            <a:ext cx="11249280" cy="981000"/>
+            <a:chOff x="626400" y="254520"/>
+            <a:chExt cx="11249280" cy="981000"/>
+          </a:xfrm>
+        </p:grpSpPr>
+        <p:pic>
+          <p:nvPicPr>
+            <p:cNvPr id="167" name="Google Shape;288;g1f213c8c16b_0_ 6" descr=""/>
+            <p:cNvPicPr/>
+            <p:nvPr/>
+          </p:nvPicPr>
+          <p:blipFill>
+            <a:blip r:embed="rId4"/>
+            <a:stretch/>
+          </p:blipFill>
+          <p:spPr>
+            <a:xfrm>
+              <a:off x="10059840" y="254520"/>
+              <a:ext cx="1815840" cy="981000"/>
+            </a:xfrm>
+            <a:prstGeom prst="rect">
+              <a:avLst/>
+            </a:prstGeom>
+            <a:ln w="0">
+              <a:noFill/>
+            </a:ln>
+          </p:spPr>
+        </p:pic>
+        <p:pic>
+          <p:nvPicPr>
+            <p:cNvPr id="168" name="Google Shape;289;g1f213c8c16b_0_ 6" descr=""/>
+            <p:cNvPicPr/>
+            <p:nvPr/>
+          </p:nvPicPr>
+          <p:blipFill>
+            <a:blip r:embed="rId5"/>
+            <a:stretch/>
+          </p:blipFill>
+          <p:spPr>
+            <a:xfrm>
+              <a:off x="626400" y="484200"/>
+              <a:ext cx="1503720" cy="522360"/>
+            </a:xfrm>
+            <a:prstGeom prst="rect">
+              <a:avLst/>
+            </a:prstGeom>
+            <a:ln w="0">
+              <a:noFill/>
+            </a:ln>
+          </p:spPr>
+        </p:pic>
+      </p:grpSp>
+      <p:sp>
+        <p:nvSpPr>
+          <p:cNvPr id="169" name="Google Shape;253;g1f213c8c16b_0_ 6"/>
+          <p:cNvSpPr/>
+          <p:nvPr/>
+        </p:nvSpPr>
+        <p:spPr>
+          <a:xfrm>
+            <a:off x="1440720" y="900000"/>
+            <a:ext cx="9358920" cy="638280"/>
+          </a:xfrm>
+          <a:prstGeom prst="rect">
+            <a:avLst/>
+          </a:prstGeom>
+          <a:noFill/>
+          <a:ln w="0">
+            <a:noFill/>
+          </a:ln>
+        </p:spPr>
+        <p:style>
+          <a:lnRef idx="0"/>
+          <a:fillRef idx="0"/>
+          <a:effectRef idx="0"/>
+          <a:fontRef idx="minor"/>
+        </p:style>
+        <p:txBody>
+          <a:bodyPr lIns="90000" rIns="90000" tIns="45000" bIns="45000" anchor="t">
+            <a:spAutoFit/>
+          </a:bodyPr>
+          <a:p>
+            <a:pPr algn="ctr">
+              <a:lnSpc>
+                <a:spcPct val="100000"/>
+              </a:lnSpc>
+              <a:spcBef>
+                <a:spcPts val="1191"/>
+              </a:spcBef>
+              <a:spcAft>
+                <a:spcPts val="992"/>
+              </a:spcAft>
+              <a:tabLst>
+                <a:tab algn="l" pos="0"/>
+              </a:tabLst>
+            </a:pPr>
+            <a:r>
+              <a:rPr b="0" lang="es-CO" sz="3600" spc="-1" strike="noStrike">
+                <a:solidFill>
+                  <a:schemeClr val="lt1"/>
+                </a:solidFill>
+                <a:latin typeface="Nunito Sans Black"/>
+                <a:ea typeface="Nunito Sans Black"/>
+              </a:rPr>
+              <a:t>Técnicas de optimización</a:t>
+            </a:r>
+            <a:endParaRPr b="0" lang="es-CO" sz="3600" spc="-1" strike="noStrike">
+              <a:solidFill>
+                <a:srgbClr val="000000"/>
+              </a:solidFill>
+              <a:latin typeface="Arial"/>
+            </a:endParaRPr>
+          </a:p>
+        </p:txBody>
+      </p:sp>
+      <p:sp>
+        <p:nvSpPr>
+          <p:cNvPr id="170" name=""/>
+          <p:cNvSpPr/>
+          <p:nvPr/>
+        </p:nvSpPr>
+        <p:spPr>
+          <a:xfrm>
+            <a:off x="1271880" y="1232280"/>
+            <a:ext cx="3947040" cy="485640"/>
+          </a:xfrm>
+          <a:prstGeom prst="rect">
+            <a:avLst/>
+          </a:prstGeom>
+          <a:noFill/>
+          <a:ln w="0">
+            <a:noFill/>
+          </a:ln>
+        </p:spPr>
+        <p:style>
+          <a:lnRef idx="0"/>
+          <a:fillRef idx="0"/>
+          <a:effectRef idx="0"/>
+          <a:fontRef idx="minor"/>
+        </p:style>
+        <p:txBody>
+          <a:bodyPr wrap="none" lIns="90000" rIns="90000" tIns="45000" bIns="45000" anchor="t">
+            <a:noAutofit/>
+          </a:bodyPr>
+          <a:p>
+            <a:endParaRPr b="0" lang="es-CO" sz="1800" spc="-1" strike="noStrike">
+              <a:solidFill>
+                <a:srgbClr val="000000"/>
+              </a:solidFill>
+              <a:latin typeface="Arial"/>
+            </a:endParaRPr>
+          </a:p>
+        </p:txBody>
+      </p:sp>
       <p:pic>
         <p:nvPicPr>
-          <p:cNvPr id="164" name="Google Shape;315;g1f213c8c16b_0_211" descr=""/>
-          <p:cNvPicPr/>
-          <p:nvPr/>
-        </p:nvPicPr>
-        <p:blipFill>
-          <a:blip r:embed="rId4"/>
-          <a:stretch/>
-        </p:blipFill>
-        <p:spPr>
-          <a:xfrm>
-            <a:off x="8579880" y="2695680"/>
-            <a:ext cx="2025720" cy="1094760"/>
-          </a:xfrm>
-          <a:prstGeom prst="rect">
-            <a:avLst/>
-          </a:prstGeom>
-          <a:ln w="0">
-            <a:noFill/>
-          </a:ln>
-        </p:spPr>
-      </p:pic>
-      <p:pic>
-        <p:nvPicPr>
-          <p:cNvPr id="165" name="Google Shape;316;g1f213c8c16b_0_211" descr=""/>
-          <p:cNvPicPr/>
-          <p:nvPr/>
-        </p:nvPicPr>
-        <p:blipFill>
-          <a:blip r:embed="rId5"/>
-          <a:stretch/>
-        </p:blipFill>
-        <p:spPr>
-          <a:xfrm>
-            <a:off x="597600" y="398520"/>
-            <a:ext cx="1086120" cy="377640"/>
-          </a:xfrm>
-          <a:prstGeom prst="rect">
-            <a:avLst/>
-          </a:prstGeom>
-          <a:ln w="0">
-            <a:noFill/>
-          </a:ln>
-        </p:spPr>
-      </p:pic>
-      <p:pic>
-        <p:nvPicPr>
-          <p:cNvPr id="166" name="Google Shape;317;g1f213c8c16b_0_211" descr=""/>
+          <p:cNvPr id="171" name="" descr=""/>
           <p:cNvPicPr/>
           <p:nvPr/>
         </p:nvPicPr>
@@ -7760,8 +8625,8 @@
         </p:blipFill>
         <p:spPr>
           <a:xfrm>
-            <a:off x="10002240" y="199800"/>
-            <a:ext cx="1422360" cy="768240"/>
+            <a:off x="3060000" y="1908360"/>
+            <a:ext cx="6095520" cy="4571640"/>
           </a:xfrm>
           <a:prstGeom prst="rect">
             <a:avLst/>
@@ -7803,21 +8668,21 @@
       </p:grpSpPr>
       <p:grpSp>
         <p:nvGrpSpPr>
-          <p:cNvPr id="167" name="Google Shape;323;g1f213c8c16b_0_222"/>
+          <p:cNvPr id="172" name="Google Shape;266;g1f213c8c16b_0_ 8"/>
           <p:cNvGrpSpPr/>
           <p:nvPr/>
         </p:nvGrpSpPr>
         <p:grpSpPr>
           <a:xfrm>
-            <a:off x="0" y="0"/>
-            <a:ext cx="12190320" cy="6856200"/>
-            <a:chOff x="0" y="0"/>
-            <a:chExt cx="12190320" cy="6856200"/>
+            <a:off x="360" y="-17640"/>
+            <a:ext cx="12189960" cy="6855840"/>
+            <a:chOff x="360" y="-17640"/>
+            <a:chExt cx="12189960" cy="6855840"/>
           </a:xfrm>
         </p:grpSpPr>
         <p:pic>
           <p:nvPicPr>
-            <p:cNvPr id="168" name="Google Shape;324;g1f213c8c16b_0_222" descr=""/>
+            <p:cNvPr id="173" name="Google Shape;267;g1f213c8c16b_0_ 8" descr=""/>
             <p:cNvPicPr/>
             <p:nvPr/>
           </p:nvPicPr>
@@ -7828,8 +8693,8 @@
           </p:blipFill>
           <p:spPr>
             <a:xfrm>
-              <a:off x="0" y="0"/>
-              <a:ext cx="12190320" cy="6856200"/>
+              <a:off x="360" y="-17640"/>
+              <a:ext cx="12189960" cy="6855840"/>
             </a:xfrm>
             <a:prstGeom prst="rect">
               <a:avLst/>
@@ -7841,7 +8706,7 @@
         </p:pic>
         <p:pic>
           <p:nvPicPr>
-            <p:cNvPr id="169" name="Google Shape;325;g1f213c8c16b_0_222" descr=""/>
+            <p:cNvPr id="174" name="Google Shape;268;g1f213c8c16b_0_ 8" descr=""/>
             <p:cNvPicPr/>
             <p:nvPr/>
           </p:nvPicPr>
@@ -7851,8 +8716,8 @@
           </p:blipFill>
           <p:spPr>
             <a:xfrm>
-              <a:off x="0" y="0"/>
-              <a:ext cx="12190320" cy="6856200"/>
+              <a:off x="360" y="-17640"/>
+              <a:ext cx="12189960" cy="6855840"/>
             </a:xfrm>
             <a:prstGeom prst="rect">
               <a:avLst/>
@@ -7865,7 +8730,7 @@
       </p:grpSp>
       <p:pic>
         <p:nvPicPr>
-          <p:cNvPr id="170" name="Google Shape;326;g1f213c8c16b_0_222" descr=""/>
+          <p:cNvPr id="175" name="Google Shape;269;g1f213c8c16b_0_ 8" descr=""/>
           <p:cNvPicPr/>
           <p:nvPr/>
         </p:nvPicPr>
@@ -7875,54 +8740,8 @@
         </p:blipFill>
         <p:spPr>
           <a:xfrm>
-            <a:off x="2340720" y="1970640"/>
-            <a:ext cx="7509240" cy="2914560"/>
-          </a:xfrm>
-          <a:prstGeom prst="rect">
-            <a:avLst/>
-          </a:prstGeom>
-          <a:ln w="0">
-            <a:noFill/>
-          </a:ln>
-        </p:spPr>
-      </p:pic>
-      <p:pic>
-        <p:nvPicPr>
-          <p:cNvPr id="171" name="Google Shape;327;g1f213c8c16b_0_222" descr=""/>
-          <p:cNvPicPr/>
-          <p:nvPr/>
-        </p:nvPicPr>
-        <p:blipFill>
-          <a:blip r:embed="rId4"/>
-          <a:stretch/>
-        </p:blipFill>
-        <p:spPr>
-          <a:xfrm>
-            <a:off x="4592160" y="324000"/>
-            <a:ext cx="3005640" cy="1439280"/>
-          </a:xfrm>
-          <a:prstGeom prst="rect">
-            <a:avLst/>
-          </a:prstGeom>
-          <a:ln w="0">
-            <a:noFill/>
-          </a:ln>
-        </p:spPr>
-      </p:pic>
-      <p:pic>
-        <p:nvPicPr>
-          <p:cNvPr id="172" name="Google Shape;328;g1f213c8c16b_0_222" descr=""/>
-          <p:cNvPicPr/>
-          <p:nvPr/>
-        </p:nvPicPr>
-        <p:blipFill>
-          <a:blip r:embed="rId5"/>
-          <a:stretch/>
-        </p:blipFill>
-        <p:spPr>
-          <a:xfrm>
-            <a:off x="9712800" y="5933520"/>
-            <a:ext cx="2163240" cy="667800"/>
+            <a:off x="4815360" y="165600"/>
+            <a:ext cx="2337120" cy="1118520"/>
           </a:xfrm>
           <a:prstGeom prst="rect">
             <a:avLst/>
@@ -7934,32 +8753,32 @@
       </p:pic>
       <p:grpSp>
         <p:nvGrpSpPr>
-          <p:cNvPr id="173" name="Google Shape;329;g1f213c8c16b_0_222"/>
+          <p:cNvPr id="176" name="Google Shape;287;g1f213c8c16b_0_ 8"/>
           <p:cNvGrpSpPr/>
           <p:nvPr/>
         </p:nvGrpSpPr>
         <p:grpSpPr>
           <a:xfrm>
             <a:off x="626400" y="254520"/>
-            <a:ext cx="11249640" cy="981360"/>
+            <a:ext cx="11249280" cy="981000"/>
             <a:chOff x="626400" y="254520"/>
-            <a:chExt cx="11249640" cy="981360"/>
+            <a:chExt cx="11249280" cy="981000"/>
           </a:xfrm>
         </p:grpSpPr>
         <p:pic>
           <p:nvPicPr>
-            <p:cNvPr id="174" name="Google Shape;330;g1f213c8c16b_0_222" descr=""/>
+            <p:cNvPr id="177" name="Google Shape;288;g1f213c8c16b_0_ 8" descr=""/>
             <p:cNvPicPr/>
             <p:nvPr/>
           </p:nvPicPr>
           <p:blipFill>
-            <a:blip r:embed="rId6"/>
+            <a:blip r:embed="rId4"/>
             <a:stretch/>
           </p:blipFill>
           <p:spPr>
             <a:xfrm>
               <a:off x="10059840" y="254520"/>
-              <a:ext cx="1816200" cy="981360"/>
+              <a:ext cx="1815840" cy="981000"/>
             </a:xfrm>
             <a:prstGeom prst="rect">
               <a:avLst/>
@@ -7971,7 +8790,1455 @@
         </p:pic>
         <p:pic>
           <p:nvPicPr>
-            <p:cNvPr id="175" name="Google Shape;331;g1f213c8c16b_0_222" descr=""/>
+            <p:cNvPr id="178" name="Google Shape;289;g1f213c8c16b_0_ 8" descr=""/>
+            <p:cNvPicPr/>
+            <p:nvPr/>
+          </p:nvPicPr>
+          <p:blipFill>
+            <a:blip r:embed="rId5"/>
+            <a:stretch/>
+          </p:blipFill>
+          <p:spPr>
+            <a:xfrm>
+              <a:off x="626400" y="484200"/>
+              <a:ext cx="1503720" cy="522360"/>
+            </a:xfrm>
+            <a:prstGeom prst="rect">
+              <a:avLst/>
+            </a:prstGeom>
+            <a:ln w="0">
+              <a:noFill/>
+            </a:ln>
+          </p:spPr>
+        </p:pic>
+      </p:grpSp>
+      <p:sp>
+        <p:nvSpPr>
+          <p:cNvPr id="179" name="Google Shape;253;g1f213c8c16b_0_ 8"/>
+          <p:cNvSpPr/>
+          <p:nvPr/>
+        </p:nvSpPr>
+        <p:spPr>
+          <a:xfrm>
+            <a:off x="1440720" y="900000"/>
+            <a:ext cx="9358920" cy="638280"/>
+          </a:xfrm>
+          <a:prstGeom prst="rect">
+            <a:avLst/>
+          </a:prstGeom>
+          <a:noFill/>
+          <a:ln w="0">
+            <a:noFill/>
+          </a:ln>
+        </p:spPr>
+        <p:style>
+          <a:lnRef idx="0"/>
+          <a:fillRef idx="0"/>
+          <a:effectRef idx="0"/>
+          <a:fontRef idx="minor"/>
+        </p:style>
+        <p:txBody>
+          <a:bodyPr lIns="90000" rIns="90000" tIns="45000" bIns="45000" anchor="t">
+            <a:spAutoFit/>
+          </a:bodyPr>
+          <a:p>
+            <a:pPr algn="ctr">
+              <a:lnSpc>
+                <a:spcPct val="100000"/>
+              </a:lnSpc>
+              <a:spcBef>
+                <a:spcPts val="1191"/>
+              </a:spcBef>
+              <a:spcAft>
+                <a:spcPts val="992"/>
+              </a:spcAft>
+              <a:tabLst>
+                <a:tab algn="l" pos="0"/>
+              </a:tabLst>
+            </a:pPr>
+            <a:r>
+              <a:rPr b="0" lang="es-CO" sz="3600" spc="-1" strike="noStrike">
+                <a:solidFill>
+                  <a:schemeClr val="lt1"/>
+                </a:solidFill>
+                <a:latin typeface="Nunito Sans Black"/>
+                <a:ea typeface="Nunito Sans Black"/>
+              </a:rPr>
+              <a:t>Técnicas de optimización</a:t>
+            </a:r>
+            <a:endParaRPr b="0" lang="es-CO" sz="3600" spc="-1" strike="noStrike">
+              <a:solidFill>
+                <a:srgbClr val="000000"/>
+              </a:solidFill>
+              <a:latin typeface="Arial"/>
+            </a:endParaRPr>
+          </a:p>
+        </p:txBody>
+      </p:sp>
+      <p:sp>
+        <p:nvSpPr>
+          <p:cNvPr id="180" name=""/>
+          <p:cNvSpPr/>
+          <p:nvPr/>
+        </p:nvSpPr>
+        <p:spPr>
+          <a:xfrm>
+            <a:off x="1271880" y="1232280"/>
+            <a:ext cx="3947040" cy="485640"/>
+          </a:xfrm>
+          <a:prstGeom prst="rect">
+            <a:avLst/>
+          </a:prstGeom>
+          <a:noFill/>
+          <a:ln w="0">
+            <a:noFill/>
+          </a:ln>
+        </p:spPr>
+        <p:style>
+          <a:lnRef idx="0"/>
+          <a:fillRef idx="0"/>
+          <a:effectRef idx="0"/>
+          <a:fontRef idx="minor"/>
+        </p:style>
+        <p:txBody>
+          <a:bodyPr wrap="none" lIns="90000" rIns="90000" tIns="45000" bIns="45000" anchor="t">
+            <a:noAutofit/>
+          </a:bodyPr>
+          <a:p>
+            <a:endParaRPr b="0" lang="es-CO" sz="1800" spc="-1" strike="noStrike">
+              <a:solidFill>
+                <a:srgbClr val="000000"/>
+              </a:solidFill>
+              <a:latin typeface="Arial"/>
+            </a:endParaRPr>
+          </a:p>
+        </p:txBody>
+      </p:sp>
+      <p:pic>
+        <p:nvPicPr>
+          <p:cNvPr id="181" name="" descr=""/>
+          <p:cNvPicPr/>
+          <p:nvPr/>
+        </p:nvPicPr>
+        <p:blipFill>
+          <a:blip r:embed="rId6"/>
+          <a:stretch/>
+        </p:blipFill>
+        <p:spPr>
+          <a:xfrm>
+            <a:off x="2520000" y="2322000"/>
+            <a:ext cx="6962400" cy="3438000"/>
+          </a:xfrm>
+          <a:prstGeom prst="rect">
+            <a:avLst/>
+          </a:prstGeom>
+          <a:ln w="0">
+            <a:noFill/>
+          </a:ln>
+        </p:spPr>
+      </p:pic>
+    </p:spTree>
+  </p:cSld>
+  <mc:AlternateContent>
+    <mc:Choice Requires="p14">
+      <p:transition spd="slow" p14:dur="2000"/>
+    </mc:Choice>
+    <mc:Fallback>
+      <p:transition spd="slow"/>
+    </mc:Fallback>
+  </mc:AlternateContent>
+</p:sld>
+</file>
+
+<file path=ppt/slides/slide12.xml><?xml version="1.0" encoding="utf-8"?>
+<p:sld xmlns:a="http://schemas.openxmlformats.org/drawingml/2006/main" xmlns:p="http://schemas.openxmlformats.org/presentationml/2006/main" xmlns:r="http://schemas.openxmlformats.org/officeDocument/2006/relationships" xmlns:p14="http://schemas.microsoft.com/office/powerpoint/2010/main" xmlns:p15="http://schemas.microsoft.com/office/powerpoint/2012/main" xmlns:mc="http://schemas.openxmlformats.org/markup-compatibility/2006">
+  <p:cSld>
+    <p:spTree>
+      <p:nvGrpSpPr>
+        <p:cNvPr id="1" name=""/>
+        <p:cNvGrpSpPr/>
+        <p:nvPr/>
+      </p:nvGrpSpPr>
+      <p:grpSpPr>
+        <a:xfrm>
+          <a:off x="0" y="0"/>
+          <a:ext cx="0" cy="0"/>
+          <a:chOff x="0" y="0"/>
+          <a:chExt cx="0" cy="0"/>
+        </a:xfrm>
+      </p:grpSpPr>
+      <p:grpSp>
+        <p:nvGrpSpPr>
+          <p:cNvPr id="182" name="Google Shape;266;g1f213c8c16b_0_ 9"/>
+          <p:cNvGrpSpPr/>
+          <p:nvPr/>
+        </p:nvGrpSpPr>
+        <p:grpSpPr>
+          <a:xfrm>
+            <a:off x="360" y="-17640"/>
+            <a:ext cx="12189960" cy="6855840"/>
+            <a:chOff x="360" y="-17640"/>
+            <a:chExt cx="12189960" cy="6855840"/>
+          </a:xfrm>
+        </p:grpSpPr>
+        <p:pic>
+          <p:nvPicPr>
+            <p:cNvPr id="183" name="Google Shape;267;g1f213c8c16b_0_ 9" descr=""/>
+            <p:cNvPicPr/>
+            <p:nvPr/>
+          </p:nvPicPr>
+          <p:blipFill>
+            <a:blip r:embed="rId1"/>
+            <a:srcRect l="7813" t="0" r="7813" b="7535"/>
+            <a:stretch/>
+          </p:blipFill>
+          <p:spPr>
+            <a:xfrm>
+              <a:off x="360" y="-17640"/>
+              <a:ext cx="12189960" cy="6855840"/>
+            </a:xfrm>
+            <a:prstGeom prst="rect">
+              <a:avLst/>
+            </a:prstGeom>
+            <a:ln w="0">
+              <a:noFill/>
+            </a:ln>
+          </p:spPr>
+        </p:pic>
+        <p:pic>
+          <p:nvPicPr>
+            <p:cNvPr id="184" name="Google Shape;268;g1f213c8c16b_0_ 9" descr=""/>
+            <p:cNvPicPr/>
+            <p:nvPr/>
+          </p:nvPicPr>
+          <p:blipFill>
+            <a:blip r:embed="rId2"/>
+            <a:stretch/>
+          </p:blipFill>
+          <p:spPr>
+            <a:xfrm>
+              <a:off x="360" y="-17640"/>
+              <a:ext cx="12189960" cy="6855840"/>
+            </a:xfrm>
+            <a:prstGeom prst="rect">
+              <a:avLst/>
+            </a:prstGeom>
+            <a:ln w="0">
+              <a:noFill/>
+            </a:ln>
+          </p:spPr>
+        </p:pic>
+      </p:grpSp>
+      <p:pic>
+        <p:nvPicPr>
+          <p:cNvPr id="185" name="Google Shape;269;g1f213c8c16b_0_ 9" descr=""/>
+          <p:cNvPicPr/>
+          <p:nvPr/>
+        </p:nvPicPr>
+        <p:blipFill>
+          <a:blip r:embed="rId3"/>
+          <a:stretch/>
+        </p:blipFill>
+        <p:spPr>
+          <a:xfrm>
+            <a:off x="4815360" y="165600"/>
+            <a:ext cx="2337120" cy="1118520"/>
+          </a:xfrm>
+          <a:prstGeom prst="rect">
+            <a:avLst/>
+          </a:prstGeom>
+          <a:ln w="0">
+            <a:noFill/>
+          </a:ln>
+        </p:spPr>
+      </p:pic>
+      <p:grpSp>
+        <p:nvGrpSpPr>
+          <p:cNvPr id="186" name="Google Shape;287;g1f213c8c16b_0_ 9"/>
+          <p:cNvGrpSpPr/>
+          <p:nvPr/>
+        </p:nvGrpSpPr>
+        <p:grpSpPr>
+          <a:xfrm>
+            <a:off x="626400" y="254520"/>
+            <a:ext cx="11249280" cy="981000"/>
+            <a:chOff x="626400" y="254520"/>
+            <a:chExt cx="11249280" cy="981000"/>
+          </a:xfrm>
+        </p:grpSpPr>
+        <p:pic>
+          <p:nvPicPr>
+            <p:cNvPr id="187" name="Google Shape;288;g1f213c8c16b_0_ 9" descr=""/>
+            <p:cNvPicPr/>
+            <p:nvPr/>
+          </p:nvPicPr>
+          <p:blipFill>
+            <a:blip r:embed="rId4"/>
+            <a:stretch/>
+          </p:blipFill>
+          <p:spPr>
+            <a:xfrm>
+              <a:off x="10059840" y="254520"/>
+              <a:ext cx="1815840" cy="981000"/>
+            </a:xfrm>
+            <a:prstGeom prst="rect">
+              <a:avLst/>
+            </a:prstGeom>
+            <a:ln w="0">
+              <a:noFill/>
+            </a:ln>
+          </p:spPr>
+        </p:pic>
+        <p:pic>
+          <p:nvPicPr>
+            <p:cNvPr id="188" name="Google Shape;289;g1f213c8c16b_0_ 9" descr=""/>
+            <p:cNvPicPr/>
+            <p:nvPr/>
+          </p:nvPicPr>
+          <p:blipFill>
+            <a:blip r:embed="rId5"/>
+            <a:stretch/>
+          </p:blipFill>
+          <p:spPr>
+            <a:xfrm>
+              <a:off x="626400" y="484200"/>
+              <a:ext cx="1503720" cy="522360"/>
+            </a:xfrm>
+            <a:prstGeom prst="rect">
+              <a:avLst/>
+            </a:prstGeom>
+            <a:ln w="0">
+              <a:noFill/>
+            </a:ln>
+          </p:spPr>
+        </p:pic>
+      </p:grpSp>
+      <p:sp>
+        <p:nvSpPr>
+          <p:cNvPr id="189" name="Google Shape;253;g1f213c8c16b_0_ 9"/>
+          <p:cNvSpPr/>
+          <p:nvPr/>
+        </p:nvSpPr>
+        <p:spPr>
+          <a:xfrm>
+            <a:off x="1440720" y="900000"/>
+            <a:ext cx="9358920" cy="638280"/>
+          </a:xfrm>
+          <a:prstGeom prst="rect">
+            <a:avLst/>
+          </a:prstGeom>
+          <a:noFill/>
+          <a:ln w="0">
+            <a:noFill/>
+          </a:ln>
+        </p:spPr>
+        <p:style>
+          <a:lnRef idx="0"/>
+          <a:fillRef idx="0"/>
+          <a:effectRef idx="0"/>
+          <a:fontRef idx="minor"/>
+        </p:style>
+        <p:txBody>
+          <a:bodyPr lIns="90000" rIns="90000" tIns="45000" bIns="45000" anchor="t">
+            <a:spAutoFit/>
+          </a:bodyPr>
+          <a:p>
+            <a:pPr algn="ctr">
+              <a:lnSpc>
+                <a:spcPct val="100000"/>
+              </a:lnSpc>
+              <a:spcBef>
+                <a:spcPts val="1191"/>
+              </a:spcBef>
+              <a:spcAft>
+                <a:spcPts val="992"/>
+              </a:spcAft>
+              <a:tabLst>
+                <a:tab algn="l" pos="0"/>
+              </a:tabLst>
+            </a:pPr>
+            <a:r>
+              <a:rPr b="0" lang="es-CO" sz="3600" spc="-1" strike="noStrike">
+                <a:solidFill>
+                  <a:schemeClr val="lt1"/>
+                </a:solidFill>
+                <a:latin typeface="Nunito Sans Black"/>
+                <a:ea typeface="Nunito Sans Black"/>
+              </a:rPr>
+              <a:t>Técnicas de optimización</a:t>
+            </a:r>
+            <a:endParaRPr b="0" lang="es-CO" sz="3600" spc="-1" strike="noStrike">
+              <a:solidFill>
+                <a:srgbClr val="000000"/>
+              </a:solidFill>
+              <a:latin typeface="Arial"/>
+            </a:endParaRPr>
+          </a:p>
+        </p:txBody>
+      </p:sp>
+      <p:sp>
+        <p:nvSpPr>
+          <p:cNvPr id="190" name=""/>
+          <p:cNvSpPr/>
+          <p:nvPr/>
+        </p:nvSpPr>
+        <p:spPr>
+          <a:xfrm>
+            <a:off x="1271880" y="1232280"/>
+            <a:ext cx="3947040" cy="485640"/>
+          </a:xfrm>
+          <a:prstGeom prst="rect">
+            <a:avLst/>
+          </a:prstGeom>
+          <a:noFill/>
+          <a:ln w="0">
+            <a:noFill/>
+          </a:ln>
+        </p:spPr>
+        <p:style>
+          <a:lnRef idx="0"/>
+          <a:fillRef idx="0"/>
+          <a:effectRef idx="0"/>
+          <a:fontRef idx="minor"/>
+        </p:style>
+        <p:txBody>
+          <a:bodyPr wrap="none" lIns="90000" rIns="90000" tIns="45000" bIns="45000" anchor="t">
+            <a:noAutofit/>
+          </a:bodyPr>
+          <a:p>
+            <a:endParaRPr b="0" lang="es-CO" sz="1800" spc="-1" strike="noStrike">
+              <a:solidFill>
+                <a:srgbClr val="000000"/>
+              </a:solidFill>
+              <a:latin typeface="Arial"/>
+            </a:endParaRPr>
+          </a:p>
+        </p:txBody>
+      </p:sp>
+      <p:pic>
+        <p:nvPicPr>
+          <p:cNvPr id="191" name="" descr=""/>
+          <p:cNvPicPr/>
+          <p:nvPr/>
+        </p:nvPicPr>
+        <p:blipFill>
+          <a:blip r:embed="rId6"/>
+          <a:stretch/>
+        </p:blipFill>
+        <p:spPr>
+          <a:xfrm>
+            <a:off x="541080" y="2381760"/>
+            <a:ext cx="5578920" cy="2838240"/>
+          </a:xfrm>
+          <a:prstGeom prst="rect">
+            <a:avLst/>
+          </a:prstGeom>
+          <a:ln w="0">
+            <a:noFill/>
+          </a:ln>
+        </p:spPr>
+      </p:pic>
+      <p:pic>
+        <p:nvPicPr>
+          <p:cNvPr id="192" name="" descr=""/>
+          <p:cNvPicPr/>
+          <p:nvPr/>
+        </p:nvPicPr>
+        <p:blipFill>
+          <a:blip r:embed="rId7"/>
+          <a:stretch/>
+        </p:blipFill>
+        <p:spPr>
+          <a:xfrm>
+            <a:off x="6762960" y="2237040"/>
+            <a:ext cx="4753800" cy="3162960"/>
+          </a:xfrm>
+          <a:prstGeom prst="rect">
+            <a:avLst/>
+          </a:prstGeom>
+          <a:ln w="0">
+            <a:noFill/>
+          </a:ln>
+        </p:spPr>
+      </p:pic>
+    </p:spTree>
+  </p:cSld>
+  <mc:AlternateContent>
+    <mc:Choice Requires="p14">
+      <p:transition spd="slow" p14:dur="2000"/>
+    </mc:Choice>
+    <mc:Fallback>
+      <p:transition spd="slow"/>
+    </mc:Fallback>
+  </mc:AlternateContent>
+</p:sld>
+</file>
+
+<file path=ppt/slides/slide13.xml><?xml version="1.0" encoding="utf-8"?>
+<p:sld xmlns:a="http://schemas.openxmlformats.org/drawingml/2006/main" xmlns:p="http://schemas.openxmlformats.org/presentationml/2006/main" xmlns:r="http://schemas.openxmlformats.org/officeDocument/2006/relationships" xmlns:p14="http://schemas.microsoft.com/office/powerpoint/2010/main" xmlns:p15="http://schemas.microsoft.com/office/powerpoint/2012/main" xmlns:mc="http://schemas.openxmlformats.org/markup-compatibility/2006">
+  <p:cSld>
+    <p:spTree>
+      <p:nvGrpSpPr>
+        <p:cNvPr id="1" name=""/>
+        <p:cNvGrpSpPr/>
+        <p:nvPr/>
+      </p:nvGrpSpPr>
+      <p:grpSpPr>
+        <a:xfrm>
+          <a:off x="0" y="0"/>
+          <a:ext cx="0" cy="0"/>
+          <a:chOff x="0" y="0"/>
+          <a:chExt cx="0" cy="0"/>
+        </a:xfrm>
+      </p:grpSpPr>
+      <p:grpSp>
+        <p:nvGrpSpPr>
+          <p:cNvPr id="193" name="Google Shape;266;g1f213c8c16b_0_ 10"/>
+          <p:cNvGrpSpPr/>
+          <p:nvPr/>
+        </p:nvGrpSpPr>
+        <p:grpSpPr>
+          <a:xfrm>
+            <a:off x="360" y="-17640"/>
+            <a:ext cx="12189960" cy="6855840"/>
+            <a:chOff x="360" y="-17640"/>
+            <a:chExt cx="12189960" cy="6855840"/>
+          </a:xfrm>
+        </p:grpSpPr>
+        <p:pic>
+          <p:nvPicPr>
+            <p:cNvPr id="194" name="Google Shape;267;g1f213c8c16b_0_ 10" descr=""/>
+            <p:cNvPicPr/>
+            <p:nvPr/>
+          </p:nvPicPr>
+          <p:blipFill>
+            <a:blip r:embed="rId1"/>
+            <a:srcRect l="7813" t="0" r="7813" b="7535"/>
+            <a:stretch/>
+          </p:blipFill>
+          <p:spPr>
+            <a:xfrm>
+              <a:off x="360" y="-17640"/>
+              <a:ext cx="12189960" cy="6855840"/>
+            </a:xfrm>
+            <a:prstGeom prst="rect">
+              <a:avLst/>
+            </a:prstGeom>
+            <a:ln w="0">
+              <a:noFill/>
+            </a:ln>
+          </p:spPr>
+        </p:pic>
+        <p:pic>
+          <p:nvPicPr>
+            <p:cNvPr id="195" name="Google Shape;268;g1f213c8c16b_0_ 10" descr=""/>
+            <p:cNvPicPr/>
+            <p:nvPr/>
+          </p:nvPicPr>
+          <p:blipFill>
+            <a:blip r:embed="rId2"/>
+            <a:stretch/>
+          </p:blipFill>
+          <p:spPr>
+            <a:xfrm>
+              <a:off x="360" y="-17640"/>
+              <a:ext cx="12189960" cy="6855840"/>
+            </a:xfrm>
+            <a:prstGeom prst="rect">
+              <a:avLst/>
+            </a:prstGeom>
+            <a:ln w="0">
+              <a:noFill/>
+            </a:ln>
+          </p:spPr>
+        </p:pic>
+      </p:grpSp>
+      <p:pic>
+        <p:nvPicPr>
+          <p:cNvPr id="196" name="Google Shape;269;g1f213c8c16b_0_ 10" descr=""/>
+          <p:cNvPicPr/>
+          <p:nvPr/>
+        </p:nvPicPr>
+        <p:blipFill>
+          <a:blip r:embed="rId3"/>
+          <a:stretch/>
+        </p:blipFill>
+        <p:spPr>
+          <a:xfrm>
+            <a:off x="4815360" y="165600"/>
+            <a:ext cx="2337120" cy="1118520"/>
+          </a:xfrm>
+          <a:prstGeom prst="rect">
+            <a:avLst/>
+          </a:prstGeom>
+          <a:ln w="0">
+            <a:noFill/>
+          </a:ln>
+        </p:spPr>
+      </p:pic>
+      <p:grpSp>
+        <p:nvGrpSpPr>
+          <p:cNvPr id="197" name="Google Shape;287;g1f213c8c16b_0_ 10"/>
+          <p:cNvGrpSpPr/>
+          <p:nvPr/>
+        </p:nvGrpSpPr>
+        <p:grpSpPr>
+          <a:xfrm>
+            <a:off x="626400" y="254520"/>
+            <a:ext cx="11249280" cy="981000"/>
+            <a:chOff x="626400" y="254520"/>
+            <a:chExt cx="11249280" cy="981000"/>
+          </a:xfrm>
+        </p:grpSpPr>
+        <p:pic>
+          <p:nvPicPr>
+            <p:cNvPr id="198" name="Google Shape;288;g1f213c8c16b_0_ 10" descr=""/>
+            <p:cNvPicPr/>
+            <p:nvPr/>
+          </p:nvPicPr>
+          <p:blipFill>
+            <a:blip r:embed="rId4"/>
+            <a:stretch/>
+          </p:blipFill>
+          <p:spPr>
+            <a:xfrm>
+              <a:off x="10059840" y="254520"/>
+              <a:ext cx="1815840" cy="981000"/>
+            </a:xfrm>
+            <a:prstGeom prst="rect">
+              <a:avLst/>
+            </a:prstGeom>
+            <a:ln w="0">
+              <a:noFill/>
+            </a:ln>
+          </p:spPr>
+        </p:pic>
+        <p:pic>
+          <p:nvPicPr>
+            <p:cNvPr id="199" name="Google Shape;289;g1f213c8c16b_0_ 10" descr=""/>
+            <p:cNvPicPr/>
+            <p:nvPr/>
+          </p:nvPicPr>
+          <p:blipFill>
+            <a:blip r:embed="rId5"/>
+            <a:stretch/>
+          </p:blipFill>
+          <p:spPr>
+            <a:xfrm>
+              <a:off x="626400" y="484200"/>
+              <a:ext cx="1503720" cy="522360"/>
+            </a:xfrm>
+            <a:prstGeom prst="rect">
+              <a:avLst/>
+            </a:prstGeom>
+            <a:ln w="0">
+              <a:noFill/>
+            </a:ln>
+          </p:spPr>
+        </p:pic>
+      </p:grpSp>
+      <p:sp>
+        <p:nvSpPr>
+          <p:cNvPr id="200" name="Google Shape;253;g1f213c8c16b_0_ 10"/>
+          <p:cNvSpPr/>
+          <p:nvPr/>
+        </p:nvSpPr>
+        <p:spPr>
+          <a:xfrm>
+            <a:off x="2880000" y="1161720"/>
+            <a:ext cx="9358920" cy="638280"/>
+          </a:xfrm>
+          <a:prstGeom prst="rect">
+            <a:avLst/>
+          </a:prstGeom>
+          <a:noFill/>
+          <a:ln w="0">
+            <a:noFill/>
+          </a:ln>
+        </p:spPr>
+        <p:style>
+          <a:lnRef idx="0"/>
+          <a:fillRef idx="0"/>
+          <a:effectRef idx="0"/>
+          <a:fontRef idx="minor"/>
+        </p:style>
+        <p:txBody>
+          <a:bodyPr lIns="90000" rIns="90000" tIns="45000" bIns="45000" anchor="t">
+            <a:spAutoFit/>
+          </a:bodyPr>
+          <a:p>
+            <a:r>
+              <a:rPr b="0" lang="es-CO" sz="3600" spc="-1" strike="noStrike">
+                <a:solidFill>
+                  <a:schemeClr val="lt1"/>
+                </a:solidFill>
+                <a:latin typeface="Nunito Sans Black"/>
+                <a:ea typeface="Nunito Sans Black"/>
+              </a:rPr>
+              <a:t>Clases de complejidad</a:t>
+            </a:r>
+            <a:endParaRPr b="0" lang="es-CO" sz="3600" spc="-1" strike="noStrike">
+              <a:solidFill>
+                <a:srgbClr val="000000"/>
+              </a:solidFill>
+              <a:latin typeface="Arial"/>
+            </a:endParaRPr>
+          </a:p>
+        </p:txBody>
+      </p:sp>
+      <p:sp>
+        <p:nvSpPr>
+          <p:cNvPr id="201" name=""/>
+          <p:cNvSpPr/>
+          <p:nvPr/>
+        </p:nvSpPr>
+        <p:spPr>
+          <a:xfrm>
+            <a:off x="1271880" y="1232280"/>
+            <a:ext cx="3947040" cy="485640"/>
+          </a:xfrm>
+          <a:prstGeom prst="rect">
+            <a:avLst/>
+          </a:prstGeom>
+          <a:noFill/>
+          <a:ln w="0">
+            <a:noFill/>
+          </a:ln>
+        </p:spPr>
+        <p:style>
+          <a:lnRef idx="0"/>
+          <a:fillRef idx="0"/>
+          <a:effectRef idx="0"/>
+          <a:fontRef idx="minor"/>
+        </p:style>
+        <p:txBody>
+          <a:bodyPr wrap="none" lIns="90000" rIns="90000" tIns="45000" bIns="45000" anchor="t">
+            <a:noAutofit/>
+          </a:bodyPr>
+          <a:p>
+            <a:endParaRPr b="0" lang="es-CO" sz="1800" spc="-1" strike="noStrike">
+              <a:solidFill>
+                <a:srgbClr val="000000"/>
+              </a:solidFill>
+              <a:latin typeface="Arial"/>
+            </a:endParaRPr>
+          </a:p>
+        </p:txBody>
+      </p:sp>
+      <p:pic>
+        <p:nvPicPr>
+          <p:cNvPr id="202" name="" descr=""/>
+          <p:cNvPicPr/>
+          <p:nvPr/>
+        </p:nvPicPr>
+        <p:blipFill>
+          <a:blip r:embed="rId6"/>
+          <a:stretch/>
+        </p:blipFill>
+        <p:spPr>
+          <a:xfrm>
+            <a:off x="3060000" y="2880000"/>
+            <a:ext cx="5733720" cy="2142720"/>
+          </a:xfrm>
+          <a:prstGeom prst="rect">
+            <a:avLst/>
+          </a:prstGeom>
+          <a:ln w="0">
+            <a:noFill/>
+          </a:ln>
+        </p:spPr>
+      </p:pic>
+    </p:spTree>
+  </p:cSld>
+  <mc:AlternateContent>
+    <mc:Choice Requires="p14">
+      <p:transition spd="slow" p14:dur="2000"/>
+    </mc:Choice>
+    <mc:Fallback>
+      <p:transition spd="slow"/>
+    </mc:Fallback>
+  </mc:AlternateContent>
+</p:sld>
+</file>
+
+<file path=ppt/slides/slide14.xml><?xml version="1.0" encoding="utf-8"?>
+<p:sld xmlns:a="http://schemas.openxmlformats.org/drawingml/2006/main" xmlns:p="http://schemas.openxmlformats.org/presentationml/2006/main" xmlns:r="http://schemas.openxmlformats.org/officeDocument/2006/relationships" xmlns:p14="http://schemas.microsoft.com/office/powerpoint/2010/main" xmlns:p15="http://schemas.microsoft.com/office/powerpoint/2012/main" xmlns:mc="http://schemas.openxmlformats.org/markup-compatibility/2006">
+  <p:cSld>
+    <p:spTree>
+      <p:nvGrpSpPr>
+        <p:cNvPr id="1" name=""/>
+        <p:cNvGrpSpPr/>
+        <p:nvPr/>
+      </p:nvGrpSpPr>
+      <p:grpSpPr>
+        <a:xfrm>
+          <a:off x="0" y="0"/>
+          <a:ext cx="0" cy="0"/>
+          <a:chOff x="0" y="0"/>
+          <a:chExt cx="0" cy="0"/>
+        </a:xfrm>
+      </p:grpSpPr>
+      <p:grpSp>
+        <p:nvGrpSpPr>
+          <p:cNvPr id="203" name="Google Shape;266;g1f213c8c16b_0_ 11"/>
+          <p:cNvGrpSpPr/>
+          <p:nvPr/>
+        </p:nvGrpSpPr>
+        <p:grpSpPr>
+          <a:xfrm>
+            <a:off x="360" y="-17640"/>
+            <a:ext cx="12189960" cy="6855840"/>
+            <a:chOff x="360" y="-17640"/>
+            <a:chExt cx="12189960" cy="6855840"/>
+          </a:xfrm>
+        </p:grpSpPr>
+        <p:pic>
+          <p:nvPicPr>
+            <p:cNvPr id="204" name="Google Shape;267;g1f213c8c16b_0_ 11" descr=""/>
+            <p:cNvPicPr/>
+            <p:nvPr/>
+          </p:nvPicPr>
+          <p:blipFill>
+            <a:blip r:embed="rId1"/>
+            <a:srcRect l="7813" t="0" r="7813" b="7535"/>
+            <a:stretch/>
+          </p:blipFill>
+          <p:spPr>
+            <a:xfrm>
+              <a:off x="360" y="-17640"/>
+              <a:ext cx="12189960" cy="6855840"/>
+            </a:xfrm>
+            <a:prstGeom prst="rect">
+              <a:avLst/>
+            </a:prstGeom>
+            <a:ln w="0">
+              <a:noFill/>
+            </a:ln>
+          </p:spPr>
+        </p:pic>
+        <p:pic>
+          <p:nvPicPr>
+            <p:cNvPr id="205" name="Google Shape;268;g1f213c8c16b_0_ 11" descr=""/>
+            <p:cNvPicPr/>
+            <p:nvPr/>
+          </p:nvPicPr>
+          <p:blipFill>
+            <a:blip r:embed="rId2"/>
+            <a:stretch/>
+          </p:blipFill>
+          <p:spPr>
+            <a:xfrm>
+              <a:off x="360" y="-17640"/>
+              <a:ext cx="12189960" cy="6855840"/>
+            </a:xfrm>
+            <a:prstGeom prst="rect">
+              <a:avLst/>
+            </a:prstGeom>
+            <a:ln w="0">
+              <a:noFill/>
+            </a:ln>
+          </p:spPr>
+        </p:pic>
+      </p:grpSp>
+      <p:pic>
+        <p:nvPicPr>
+          <p:cNvPr id="206" name="Google Shape;269;g1f213c8c16b_0_ 11" descr=""/>
+          <p:cNvPicPr/>
+          <p:nvPr/>
+        </p:nvPicPr>
+        <p:blipFill>
+          <a:blip r:embed="rId3"/>
+          <a:stretch/>
+        </p:blipFill>
+        <p:spPr>
+          <a:xfrm>
+            <a:off x="4815360" y="165600"/>
+            <a:ext cx="2337120" cy="1118520"/>
+          </a:xfrm>
+          <a:prstGeom prst="rect">
+            <a:avLst/>
+          </a:prstGeom>
+          <a:ln w="0">
+            <a:noFill/>
+          </a:ln>
+        </p:spPr>
+      </p:pic>
+      <p:grpSp>
+        <p:nvGrpSpPr>
+          <p:cNvPr id="207" name="Google Shape;287;g1f213c8c16b_0_ 11"/>
+          <p:cNvGrpSpPr/>
+          <p:nvPr/>
+        </p:nvGrpSpPr>
+        <p:grpSpPr>
+          <a:xfrm>
+            <a:off x="626400" y="254520"/>
+            <a:ext cx="11249280" cy="981000"/>
+            <a:chOff x="626400" y="254520"/>
+            <a:chExt cx="11249280" cy="981000"/>
+          </a:xfrm>
+        </p:grpSpPr>
+        <p:pic>
+          <p:nvPicPr>
+            <p:cNvPr id="208" name="Google Shape;288;g1f213c8c16b_0_ 11" descr=""/>
+            <p:cNvPicPr/>
+            <p:nvPr/>
+          </p:nvPicPr>
+          <p:blipFill>
+            <a:blip r:embed="rId4"/>
+            <a:stretch/>
+          </p:blipFill>
+          <p:spPr>
+            <a:xfrm>
+              <a:off x="10059840" y="254520"/>
+              <a:ext cx="1815840" cy="981000"/>
+            </a:xfrm>
+            <a:prstGeom prst="rect">
+              <a:avLst/>
+            </a:prstGeom>
+            <a:ln w="0">
+              <a:noFill/>
+            </a:ln>
+          </p:spPr>
+        </p:pic>
+        <p:pic>
+          <p:nvPicPr>
+            <p:cNvPr id="209" name="Google Shape;289;g1f213c8c16b_0_ 11" descr=""/>
+            <p:cNvPicPr/>
+            <p:nvPr/>
+          </p:nvPicPr>
+          <p:blipFill>
+            <a:blip r:embed="rId5"/>
+            <a:stretch/>
+          </p:blipFill>
+          <p:spPr>
+            <a:xfrm>
+              <a:off x="626400" y="484200"/>
+              <a:ext cx="1503720" cy="522360"/>
+            </a:xfrm>
+            <a:prstGeom prst="rect">
+              <a:avLst/>
+            </a:prstGeom>
+            <a:ln w="0">
+              <a:noFill/>
+            </a:ln>
+          </p:spPr>
+        </p:pic>
+      </p:grpSp>
+      <p:sp>
+        <p:nvSpPr>
+          <p:cNvPr id="210" name="Google Shape;253;g1f213c8c16b_0_ 11"/>
+          <p:cNvSpPr/>
+          <p:nvPr/>
+        </p:nvSpPr>
+        <p:spPr>
+          <a:xfrm>
+            <a:off x="2880000" y="1161720"/>
+            <a:ext cx="9358920" cy="638280"/>
+          </a:xfrm>
+          <a:prstGeom prst="rect">
+            <a:avLst/>
+          </a:prstGeom>
+          <a:noFill/>
+          <a:ln w="0">
+            <a:noFill/>
+          </a:ln>
+        </p:spPr>
+        <p:style>
+          <a:lnRef idx="0"/>
+          <a:fillRef idx="0"/>
+          <a:effectRef idx="0"/>
+          <a:fontRef idx="minor"/>
+        </p:style>
+        <p:txBody>
+          <a:bodyPr lIns="90000" rIns="90000" tIns="45000" bIns="45000" anchor="t">
+            <a:spAutoFit/>
+          </a:bodyPr>
+          <a:p>
+            <a:r>
+              <a:rPr b="0" lang="es-CO" sz="3600" spc="-1" strike="noStrike">
+                <a:solidFill>
+                  <a:schemeClr val="lt1"/>
+                </a:solidFill>
+                <a:latin typeface="Nunito Sans Black"/>
+                <a:ea typeface="Nunito Sans Black"/>
+              </a:rPr>
+              <a:t>Clases de complejidad</a:t>
+            </a:r>
+            <a:endParaRPr b="0" lang="es-CO" sz="3600" spc="-1" strike="noStrike">
+              <a:solidFill>
+                <a:srgbClr val="000000"/>
+              </a:solidFill>
+              <a:latin typeface="Arial"/>
+            </a:endParaRPr>
+          </a:p>
+        </p:txBody>
+      </p:sp>
+      <p:sp>
+        <p:nvSpPr>
+          <p:cNvPr id="211" name=""/>
+          <p:cNvSpPr/>
+          <p:nvPr/>
+        </p:nvSpPr>
+        <p:spPr>
+          <a:xfrm>
+            <a:off x="1271880" y="1232280"/>
+            <a:ext cx="3947040" cy="485640"/>
+          </a:xfrm>
+          <a:prstGeom prst="rect">
+            <a:avLst/>
+          </a:prstGeom>
+          <a:noFill/>
+          <a:ln w="0">
+            <a:noFill/>
+          </a:ln>
+        </p:spPr>
+        <p:style>
+          <a:lnRef idx="0"/>
+          <a:fillRef idx="0"/>
+          <a:effectRef idx="0"/>
+          <a:fontRef idx="minor"/>
+        </p:style>
+        <p:txBody>
+          <a:bodyPr wrap="none" lIns="90000" rIns="90000" tIns="45000" bIns="45000" anchor="t">
+            <a:noAutofit/>
+          </a:bodyPr>
+          <a:p>
+            <a:endParaRPr b="0" lang="es-CO" sz="1800" spc="-1" strike="noStrike">
+              <a:solidFill>
+                <a:srgbClr val="000000"/>
+              </a:solidFill>
+              <a:latin typeface="Arial"/>
+            </a:endParaRPr>
+          </a:p>
+        </p:txBody>
+      </p:sp>
+    </p:spTree>
+  </p:cSld>
+  <mc:AlternateContent>
+    <mc:Choice Requires="p14">
+      <p:transition spd="slow" p14:dur="2000"/>
+    </mc:Choice>
+    <mc:Fallback>
+      <p:transition spd="slow"/>
+    </mc:Fallback>
+  </mc:AlternateContent>
+</p:sld>
+</file>
+
+<file path=ppt/slides/slide15.xml><?xml version="1.0" encoding="utf-8"?>
+<p:sld xmlns:a="http://schemas.openxmlformats.org/drawingml/2006/main" xmlns:p="http://schemas.openxmlformats.org/presentationml/2006/main" xmlns:r="http://schemas.openxmlformats.org/officeDocument/2006/relationships" xmlns:p14="http://schemas.microsoft.com/office/powerpoint/2010/main" xmlns:p15="http://schemas.microsoft.com/office/powerpoint/2012/main" xmlns:mc="http://schemas.openxmlformats.org/markup-compatibility/2006">
+  <p:cSld>
+    <p:spTree>
+      <p:nvGrpSpPr>
+        <p:cNvPr id="1" name=""/>
+        <p:cNvGrpSpPr/>
+        <p:nvPr/>
+      </p:nvGrpSpPr>
+      <p:grpSpPr>
+        <a:xfrm>
+          <a:off x="0" y="0"/>
+          <a:ext cx="0" cy="0"/>
+          <a:chOff x="0" y="0"/>
+          <a:chExt cx="0" cy="0"/>
+        </a:xfrm>
+      </p:grpSpPr>
+      <p:pic>
+        <p:nvPicPr>
+          <p:cNvPr id="212" name="Google Shape;311;g1f213c8c16b_0_211" descr=""/>
+          <p:cNvPicPr/>
+          <p:nvPr/>
+        </p:nvPicPr>
+        <p:blipFill>
+          <a:blip r:embed="rId1"/>
+          <a:stretch/>
+        </p:blipFill>
+        <p:spPr>
+          <a:xfrm>
+            <a:off x="3965040" y="4641120"/>
+            <a:ext cx="4087800" cy="1335240"/>
+          </a:xfrm>
+          <a:prstGeom prst="rect">
+            <a:avLst/>
+          </a:prstGeom>
+          <a:ln w="0">
+            <a:noFill/>
+          </a:ln>
+        </p:spPr>
+      </p:pic>
+      <p:sp>
+        <p:nvSpPr>
+          <p:cNvPr id="213" name="Google Shape;312;g1f213c8c16b_0_211"/>
+          <p:cNvSpPr/>
+          <p:nvPr/>
+        </p:nvSpPr>
+        <p:spPr>
+          <a:xfrm>
+            <a:off x="1228680" y="585000"/>
+            <a:ext cx="9564480" cy="1186920"/>
+          </a:xfrm>
+          <a:prstGeom prst="rect">
+            <a:avLst/>
+          </a:prstGeom>
+          <a:noFill/>
+          <a:ln w="0">
+            <a:noFill/>
+          </a:ln>
+        </p:spPr>
+        <p:style>
+          <a:lnRef idx="0"/>
+          <a:fillRef idx="0"/>
+          <a:effectRef idx="0"/>
+          <a:fontRef idx="minor"/>
+        </p:style>
+        <p:txBody>
+          <a:bodyPr lIns="90000" rIns="90000" tIns="45000" bIns="45000" anchor="t">
+            <a:spAutoFit/>
+          </a:bodyPr>
+          <a:p>
+            <a:pPr algn="ctr">
+              <a:lnSpc>
+                <a:spcPct val="100000"/>
+              </a:lnSpc>
+              <a:tabLst>
+                <a:tab algn="l" pos="0"/>
+              </a:tabLst>
+            </a:pPr>
+            <a:r>
+              <a:rPr b="0" lang="es-CO" sz="7200" spc="-1" strike="noStrike">
+                <a:solidFill>
+                  <a:srgbClr val="001059"/>
+                </a:solidFill>
+                <a:latin typeface="Nunito Sans Black"/>
+                <a:ea typeface="Nunito Sans Black"/>
+              </a:rPr>
+              <a:t>LOGOS:</a:t>
+            </a:r>
+            <a:endParaRPr b="0" lang="es-CO" sz="7200" spc="-1" strike="noStrike">
+              <a:solidFill>
+                <a:srgbClr val="000000"/>
+              </a:solidFill>
+              <a:latin typeface="Arial"/>
+            </a:endParaRPr>
+          </a:p>
+        </p:txBody>
+      </p:sp>
+      <p:pic>
+        <p:nvPicPr>
+          <p:cNvPr id="214" name="Google Shape;313;g1f213c8c16b_0_211" descr=""/>
+          <p:cNvPicPr/>
+          <p:nvPr/>
+        </p:nvPicPr>
+        <p:blipFill>
+          <a:blip r:embed="rId2"/>
+          <a:srcRect l="8004" t="20494" r="6931" b="16482"/>
+          <a:stretch/>
+        </p:blipFill>
+        <p:spPr>
+          <a:xfrm>
+            <a:off x="4869360" y="2808000"/>
+            <a:ext cx="2450880" cy="869400"/>
+          </a:xfrm>
+          <a:prstGeom prst="rect">
+            <a:avLst/>
+          </a:prstGeom>
+          <a:ln w="0">
+            <a:noFill/>
+          </a:ln>
+        </p:spPr>
+      </p:pic>
+      <p:pic>
+        <p:nvPicPr>
+          <p:cNvPr id="215" name="Google Shape;314;g1f213c8c16b_0_211" descr=""/>
+          <p:cNvPicPr/>
+          <p:nvPr/>
+        </p:nvPicPr>
+        <p:blipFill>
+          <a:blip r:embed="rId3"/>
+          <a:stretch/>
+        </p:blipFill>
+        <p:spPr>
+          <a:xfrm>
+            <a:off x="1228680" y="2808000"/>
+            <a:ext cx="1852920" cy="644400"/>
+          </a:xfrm>
+          <a:prstGeom prst="rect">
+            <a:avLst/>
+          </a:prstGeom>
+          <a:ln w="0">
+            <a:noFill/>
+          </a:ln>
+        </p:spPr>
+      </p:pic>
+      <p:pic>
+        <p:nvPicPr>
+          <p:cNvPr id="216" name="Google Shape;315;g1f213c8c16b_0_211" descr=""/>
+          <p:cNvPicPr/>
+          <p:nvPr/>
+        </p:nvPicPr>
+        <p:blipFill>
+          <a:blip r:embed="rId4"/>
+          <a:stretch/>
+        </p:blipFill>
+        <p:spPr>
+          <a:xfrm>
+            <a:off x="8579880" y="2695680"/>
+            <a:ext cx="2025360" cy="1094400"/>
+          </a:xfrm>
+          <a:prstGeom prst="rect">
+            <a:avLst/>
+          </a:prstGeom>
+          <a:ln w="0">
+            <a:noFill/>
+          </a:ln>
+        </p:spPr>
+      </p:pic>
+      <p:pic>
+        <p:nvPicPr>
+          <p:cNvPr id="217" name="Google Shape;316;g1f213c8c16b_0_211" descr=""/>
+          <p:cNvPicPr/>
+          <p:nvPr/>
+        </p:nvPicPr>
+        <p:blipFill>
+          <a:blip r:embed="rId5"/>
+          <a:stretch/>
+        </p:blipFill>
+        <p:spPr>
+          <a:xfrm>
+            <a:off x="597600" y="398520"/>
+            <a:ext cx="1085760" cy="377280"/>
+          </a:xfrm>
+          <a:prstGeom prst="rect">
+            <a:avLst/>
+          </a:prstGeom>
+          <a:ln w="0">
+            <a:noFill/>
+          </a:ln>
+        </p:spPr>
+      </p:pic>
+      <p:pic>
+        <p:nvPicPr>
+          <p:cNvPr id="218" name="Google Shape;317;g1f213c8c16b_0_211" descr=""/>
+          <p:cNvPicPr/>
+          <p:nvPr/>
+        </p:nvPicPr>
+        <p:blipFill>
+          <a:blip r:embed="rId6"/>
+          <a:stretch/>
+        </p:blipFill>
+        <p:spPr>
+          <a:xfrm>
+            <a:off x="10002240" y="199800"/>
+            <a:ext cx="1422000" cy="767880"/>
+          </a:xfrm>
+          <a:prstGeom prst="rect">
+            <a:avLst/>
+          </a:prstGeom>
+          <a:ln w="0">
+            <a:noFill/>
+          </a:ln>
+        </p:spPr>
+      </p:pic>
+    </p:spTree>
+  </p:cSld>
+  <mc:AlternateContent>
+    <mc:Choice Requires="p14">
+      <p:transition spd="slow" p14:dur="2000"/>
+    </mc:Choice>
+    <mc:Fallback>
+      <p:transition spd="slow"/>
+    </mc:Fallback>
+  </mc:AlternateContent>
+</p:sld>
+</file>
+
+<file path=ppt/slides/slide16.xml><?xml version="1.0" encoding="utf-8"?>
+<p:sld xmlns:a="http://schemas.openxmlformats.org/drawingml/2006/main" xmlns:p="http://schemas.openxmlformats.org/presentationml/2006/main" xmlns:r="http://schemas.openxmlformats.org/officeDocument/2006/relationships" xmlns:p14="http://schemas.microsoft.com/office/powerpoint/2010/main" xmlns:p15="http://schemas.microsoft.com/office/powerpoint/2012/main" xmlns:mc="http://schemas.openxmlformats.org/markup-compatibility/2006">
+  <p:cSld>
+    <p:spTree>
+      <p:nvGrpSpPr>
+        <p:cNvPr id="1" name=""/>
+        <p:cNvGrpSpPr/>
+        <p:nvPr/>
+      </p:nvGrpSpPr>
+      <p:grpSpPr>
+        <a:xfrm>
+          <a:off x="0" y="0"/>
+          <a:ext cx="0" cy="0"/>
+          <a:chOff x="0" y="0"/>
+          <a:chExt cx="0" cy="0"/>
+        </a:xfrm>
+      </p:grpSpPr>
+      <p:grpSp>
+        <p:nvGrpSpPr>
+          <p:cNvPr id="219" name="Google Shape;323;g1f213c8c16b_0_222"/>
+          <p:cNvGrpSpPr/>
+          <p:nvPr/>
+        </p:nvGrpSpPr>
+        <p:grpSpPr>
+          <a:xfrm>
+            <a:off x="0" y="0"/>
+            <a:ext cx="12189960" cy="6855840"/>
+            <a:chOff x="0" y="0"/>
+            <a:chExt cx="12189960" cy="6855840"/>
+          </a:xfrm>
+        </p:grpSpPr>
+        <p:pic>
+          <p:nvPicPr>
+            <p:cNvPr id="220" name="Google Shape;324;g1f213c8c16b_0_222" descr=""/>
+            <p:cNvPicPr/>
+            <p:nvPr/>
+          </p:nvPicPr>
+          <p:blipFill>
+            <a:blip r:embed="rId1"/>
+            <a:srcRect l="7813" t="0" r="7813" b="7535"/>
+            <a:stretch/>
+          </p:blipFill>
+          <p:spPr>
+            <a:xfrm>
+              <a:off x="0" y="0"/>
+              <a:ext cx="12189960" cy="6855840"/>
+            </a:xfrm>
+            <a:prstGeom prst="rect">
+              <a:avLst/>
+            </a:prstGeom>
+            <a:ln w="0">
+              <a:noFill/>
+            </a:ln>
+          </p:spPr>
+        </p:pic>
+        <p:pic>
+          <p:nvPicPr>
+            <p:cNvPr id="221" name="Google Shape;325;g1f213c8c16b_0_222" descr=""/>
+            <p:cNvPicPr/>
+            <p:nvPr/>
+          </p:nvPicPr>
+          <p:blipFill>
+            <a:blip r:embed="rId2"/>
+            <a:stretch/>
+          </p:blipFill>
+          <p:spPr>
+            <a:xfrm>
+              <a:off x="0" y="0"/>
+              <a:ext cx="12189960" cy="6855840"/>
+            </a:xfrm>
+            <a:prstGeom prst="rect">
+              <a:avLst/>
+            </a:prstGeom>
+            <a:ln w="0">
+              <a:noFill/>
+            </a:ln>
+          </p:spPr>
+        </p:pic>
+      </p:grpSp>
+      <p:pic>
+        <p:nvPicPr>
+          <p:cNvPr id="222" name="Google Shape;326;g1f213c8c16b_0_222" descr=""/>
+          <p:cNvPicPr/>
+          <p:nvPr/>
+        </p:nvPicPr>
+        <p:blipFill>
+          <a:blip r:embed="rId3"/>
+          <a:stretch/>
+        </p:blipFill>
+        <p:spPr>
+          <a:xfrm>
+            <a:off x="2340720" y="1970640"/>
+            <a:ext cx="7508880" cy="2914200"/>
+          </a:xfrm>
+          <a:prstGeom prst="rect">
+            <a:avLst/>
+          </a:prstGeom>
+          <a:ln w="0">
+            <a:noFill/>
+          </a:ln>
+        </p:spPr>
+      </p:pic>
+      <p:pic>
+        <p:nvPicPr>
+          <p:cNvPr id="223" name="Google Shape;327;g1f213c8c16b_0_222" descr=""/>
+          <p:cNvPicPr/>
+          <p:nvPr/>
+        </p:nvPicPr>
+        <p:blipFill>
+          <a:blip r:embed="rId4"/>
+          <a:stretch/>
+        </p:blipFill>
+        <p:spPr>
+          <a:xfrm>
+            <a:off x="4592160" y="324000"/>
+            <a:ext cx="3005280" cy="1438920"/>
+          </a:xfrm>
+          <a:prstGeom prst="rect">
+            <a:avLst/>
+          </a:prstGeom>
+          <a:ln w="0">
+            <a:noFill/>
+          </a:ln>
+        </p:spPr>
+      </p:pic>
+      <p:pic>
+        <p:nvPicPr>
+          <p:cNvPr id="224" name="Google Shape;328;g1f213c8c16b_0_222" descr=""/>
+          <p:cNvPicPr/>
+          <p:nvPr/>
+        </p:nvPicPr>
+        <p:blipFill>
+          <a:blip r:embed="rId5"/>
+          <a:stretch/>
+        </p:blipFill>
+        <p:spPr>
+          <a:xfrm>
+            <a:off x="9712800" y="5933520"/>
+            <a:ext cx="2162880" cy="667440"/>
+          </a:xfrm>
+          <a:prstGeom prst="rect">
+            <a:avLst/>
+          </a:prstGeom>
+          <a:ln w="0">
+            <a:noFill/>
+          </a:ln>
+        </p:spPr>
+      </p:pic>
+      <p:grpSp>
+        <p:nvGrpSpPr>
+          <p:cNvPr id="225" name="Google Shape;329;g1f213c8c16b_0_222"/>
+          <p:cNvGrpSpPr/>
+          <p:nvPr/>
+        </p:nvGrpSpPr>
+        <p:grpSpPr>
+          <a:xfrm>
+            <a:off x="626400" y="254520"/>
+            <a:ext cx="11249280" cy="981000"/>
+            <a:chOff x="626400" y="254520"/>
+            <a:chExt cx="11249280" cy="981000"/>
+          </a:xfrm>
+        </p:grpSpPr>
+        <p:pic>
+          <p:nvPicPr>
+            <p:cNvPr id="226" name="Google Shape;330;g1f213c8c16b_0_222" descr=""/>
+            <p:cNvPicPr/>
+            <p:nvPr/>
+          </p:nvPicPr>
+          <p:blipFill>
+            <a:blip r:embed="rId6"/>
+            <a:stretch/>
+          </p:blipFill>
+          <p:spPr>
+            <a:xfrm>
+              <a:off x="10059840" y="254520"/>
+              <a:ext cx="1815840" cy="981000"/>
+            </a:xfrm>
+            <a:prstGeom prst="rect">
+              <a:avLst/>
+            </a:prstGeom>
+            <a:ln w="0">
+              <a:noFill/>
+            </a:ln>
+          </p:spPr>
+        </p:pic>
+        <p:pic>
+          <p:nvPicPr>
+            <p:cNvPr id="227" name="Google Shape;331;g1f213c8c16b_0_222" descr=""/>
             <p:cNvPicPr/>
             <p:nvPr/>
           </p:nvPicPr>
@@ -7982,7 +10249,7 @@
           <p:spPr>
             <a:xfrm>
               <a:off x="626400" y="484200"/>
-              <a:ext cx="1504080" cy="522720"/>
+              <a:ext cx="1503720" cy="522360"/>
             </a:xfrm>
             <a:prstGeom prst="rect">
               <a:avLst/>
@@ -8032,9 +10299,9 @@
         <p:grpSpPr>
           <a:xfrm>
             <a:off x="0" y="0"/>
-            <a:ext cx="12190320" cy="6856200"/>
+            <a:ext cx="12189960" cy="6855840"/>
             <a:chOff x="0" y="0"/>
-            <a:chExt cx="12190320" cy="6856200"/>
+            <a:chExt cx="12189960" cy="6855840"/>
           </a:xfrm>
         </p:grpSpPr>
         <p:pic>
@@ -8051,7 +10318,7 @@
           <p:spPr>
             <a:xfrm>
               <a:off x="0" y="0"/>
-              <a:ext cx="12190320" cy="6856200"/>
+              <a:ext cx="12189960" cy="6855840"/>
             </a:xfrm>
             <a:prstGeom prst="rect">
               <a:avLst/>
@@ -8074,7 +10341,7 @@
           <p:spPr>
             <a:xfrm>
               <a:off x="0" y="0"/>
-              <a:ext cx="12190320" cy="6856200"/>
+              <a:ext cx="12189960" cy="6855840"/>
             </a:xfrm>
             <a:prstGeom prst="rect">
               <a:avLst/>
@@ -8098,7 +10365,7 @@
         <p:spPr>
           <a:xfrm>
             <a:off x="4815360" y="165600"/>
-            <a:ext cx="2337480" cy="1118880"/>
+            <a:ext cx="2337120" cy="1118520"/>
           </a:xfrm>
           <a:prstGeom prst="rect">
             <a:avLst/>
@@ -8117,7 +10384,7 @@
         <p:spPr>
           <a:xfrm>
             <a:off x="2753640" y="1352160"/>
-            <a:ext cx="7105320" cy="851760"/>
+            <a:ext cx="7104960" cy="851760"/>
           </a:xfrm>
           <a:prstGeom prst="rect">
             <a:avLst/>
@@ -8174,7 +10441,7 @@
         <p:spPr>
           <a:xfrm>
             <a:off x="3476160" y="2461320"/>
-            <a:ext cx="788400" cy="788400"/>
+            <a:ext cx="788040" cy="788040"/>
           </a:xfrm>
           <a:prstGeom prst="ellipse">
             <a:avLst/>
@@ -8226,7 +10493,7 @@
         <p:spPr>
           <a:xfrm>
             <a:off x="3476160" y="3603960"/>
-            <a:ext cx="788400" cy="788400"/>
+            <a:ext cx="788040" cy="788040"/>
           </a:xfrm>
           <a:prstGeom prst="ellipse">
             <a:avLst/>
@@ -8278,7 +10545,7 @@
         <p:spPr>
           <a:xfrm>
             <a:off x="3476160" y="4757760"/>
-            <a:ext cx="788400" cy="788400"/>
+            <a:ext cx="788040" cy="788040"/>
           </a:xfrm>
           <a:prstGeom prst="ellipse">
             <a:avLst/>
@@ -8330,7 +10597,7 @@
         <p:spPr>
           <a:xfrm>
             <a:off x="4630320" y="2580840"/>
-            <a:ext cx="4189320" cy="658800"/>
+            <a:ext cx="4188960" cy="658440"/>
           </a:xfrm>
           <a:prstGeom prst="roundRect">
             <a:avLst>
@@ -8384,7 +10651,7 @@
         <p:spPr>
           <a:xfrm>
             <a:off x="4630320" y="3668760"/>
-            <a:ext cx="4189320" cy="658800"/>
+            <a:ext cx="4188960" cy="658440"/>
           </a:xfrm>
           <a:prstGeom prst="roundRect">
             <a:avLst>
@@ -8438,7 +10705,7 @@
         <p:spPr>
           <a:xfrm>
             <a:off x="4630320" y="4822560"/>
-            <a:ext cx="4189320" cy="658800"/>
+            <a:ext cx="4188960" cy="658440"/>
           </a:xfrm>
           <a:prstGeom prst="roundRect">
             <a:avLst>
@@ -8492,7 +10759,7 @@
         <p:spPr>
           <a:xfrm>
             <a:off x="3587040" y="2520000"/>
-            <a:ext cx="585000" cy="699120"/>
+            <a:ext cx="584640" cy="699120"/>
           </a:xfrm>
           <a:prstGeom prst="rect">
             <a:avLst/>
@@ -8549,7 +10816,7 @@
         <p:spPr>
           <a:xfrm>
             <a:off x="3594960" y="3687480"/>
-            <a:ext cx="585000" cy="699120"/>
+            <a:ext cx="584640" cy="699120"/>
           </a:xfrm>
           <a:prstGeom prst="rect">
             <a:avLst/>
@@ -8606,7 +10873,7 @@
         <p:spPr>
           <a:xfrm>
             <a:off x="3578040" y="4822560"/>
-            <a:ext cx="585000" cy="699120"/>
+            <a:ext cx="584640" cy="699120"/>
           </a:xfrm>
           <a:prstGeom prst="rect">
             <a:avLst/>
@@ -8663,7 +10930,7 @@
         <p:spPr>
           <a:xfrm>
             <a:off x="4815360" y="2582640"/>
-            <a:ext cx="3793320" cy="699120"/>
+            <a:ext cx="3792960" cy="699120"/>
           </a:xfrm>
           <a:prstGeom prst="rect">
             <a:avLst/>
@@ -8719,8 +10986,8 @@
         </p:nvSpPr>
         <p:spPr>
           <a:xfrm>
-            <a:off x="4828320" y="3687480"/>
-            <a:ext cx="3793320" cy="1065240"/>
+            <a:off x="4630320" y="3687480"/>
+            <a:ext cx="4188960" cy="425520"/>
           </a:xfrm>
           <a:prstGeom prst="rect">
             <a:avLst/>
@@ -8750,16 +11017,16 @@
               </a:tabLst>
             </a:pPr>
             <a:r>
-              <a:rPr b="0" lang="es-CO" sz="3200" spc="-1" strike="noStrike">
+              <a:rPr b="0" lang="es-CO" sz="2200" spc="-1" strike="noStrike">
                 <a:solidFill>
                   <a:srgbClr val="001059"/>
                 </a:solidFill>
                 <a:latin typeface="Nunito Sans Black"/>
                 <a:ea typeface="Nunito Sans Black"/>
               </a:rPr>
-              <a:t>Arboles y grafos</a:t>
+              <a:t>Complejidad Algorítmica</a:t>
             </a:r>
-            <a:endParaRPr b="0" lang="es-CO" sz="3200" spc="-1" strike="noStrike">
+            <a:endParaRPr b="0" lang="es-CO" sz="2200" spc="-1" strike="noStrike">
               <a:solidFill>
                 <a:srgbClr val="000000"/>
               </a:solidFill>
@@ -8776,8 +11043,8 @@
         </p:nvSpPr>
         <p:spPr>
           <a:xfrm>
-            <a:off x="4862520" y="4844880"/>
-            <a:ext cx="3793320" cy="516600"/>
+            <a:off x="4630320" y="4844880"/>
+            <a:ext cx="4189680" cy="455760"/>
           </a:xfrm>
           <a:prstGeom prst="rect">
             <a:avLst/>
@@ -8813,16 +11080,16 @@
               </a:tabLst>
             </a:pPr>
             <a:r>
-              <a:rPr b="0" lang="es-CO" sz="2800" spc="-1" strike="noStrike">
+              <a:rPr b="0" lang="es-CO" sz="2400" spc="-1" strike="noStrike">
                 <a:solidFill>
                   <a:srgbClr val="001059"/>
                 </a:solidFill>
                 <a:latin typeface="Nunito Sans Black"/>
                 <a:ea typeface="Nunito Sans Black"/>
               </a:rPr>
-              <a:t>Representaciones</a:t>
+              <a:t>Análisis de algoritmos</a:t>
             </a:r>
-            <a:endParaRPr b="0" lang="es-CO" sz="2800" spc="-1" strike="noStrike">
+            <a:endParaRPr b="0" lang="es-CO" sz="2400" spc="-1" strike="noStrike">
               <a:solidFill>
                 <a:srgbClr val="000000"/>
               </a:solidFill>
@@ -8842,8 +11109,8 @@
         </p:nvCxnSpPr>
         <p:spPr>
           <a:xfrm>
-            <a:off x="3870360" y="3249720"/>
-            <a:ext cx="360" cy="354600"/>
+            <a:off x="3870360" y="3249360"/>
+            <a:ext cx="360" cy="354960"/>
           </a:xfrm>
           <a:prstGeom prst="straightConnector1">
             <a:avLst/>
@@ -8867,7 +11134,7 @@
         <p:spPr>
           <a:xfrm>
             <a:off x="3887280" y="4386600"/>
-            <a:ext cx="2880" cy="355320"/>
+            <a:ext cx="3240" cy="355680"/>
           </a:xfrm>
           <a:prstGeom prst="straightConnector1">
             <a:avLst/>
@@ -8889,9 +11156,9 @@
         <p:grpSpPr>
           <a:xfrm>
             <a:off x="626400" y="254520"/>
-            <a:ext cx="11249640" cy="981360"/>
+            <a:ext cx="11249280" cy="981000"/>
             <a:chOff x="626400" y="254520"/>
-            <a:chExt cx="11249640" cy="981360"/>
+            <a:chExt cx="11249280" cy="981000"/>
           </a:xfrm>
         </p:grpSpPr>
         <p:pic>
@@ -8907,7 +11174,7 @@
           <p:spPr>
             <a:xfrm>
               <a:off x="10059840" y="254520"/>
-              <a:ext cx="1816200" cy="981360"/>
+              <a:ext cx="1815840" cy="981000"/>
             </a:xfrm>
             <a:prstGeom prst="rect">
               <a:avLst/>
@@ -8930,7 +11197,7 @@
           <p:spPr>
             <a:xfrm>
               <a:off x="626400" y="484200"/>
-              <a:ext cx="1504080" cy="522720"/>
+              <a:ext cx="1503720" cy="522360"/>
             </a:xfrm>
             <a:prstGeom prst="rect">
               <a:avLst/>
@@ -8973,21 +11240,21 @@
       </p:grpSpPr>
       <p:grpSp>
         <p:nvGrpSpPr>
-          <p:cNvPr id="89" name="Google Shape;266;g1f213c8c16b_0_ 5"/>
+          <p:cNvPr id="89" name="Google Shape;266;g1f213c8c16b_0_ 6"/>
           <p:cNvGrpSpPr/>
           <p:nvPr/>
         </p:nvGrpSpPr>
         <p:grpSpPr>
           <a:xfrm>
             <a:off x="360" y="-17640"/>
-            <a:ext cx="12190320" cy="6856200"/>
+            <a:ext cx="12189960" cy="6855840"/>
             <a:chOff x="360" y="-17640"/>
-            <a:chExt cx="12190320" cy="6856200"/>
+            <a:chExt cx="12189960" cy="6855840"/>
           </a:xfrm>
         </p:grpSpPr>
         <p:pic>
           <p:nvPicPr>
-            <p:cNvPr id="90" name="Google Shape;267;g1f213c8c16b_0_ 5" descr=""/>
+            <p:cNvPr id="90" name="Google Shape;267;g1f213c8c16b_0_ 7" descr=""/>
             <p:cNvPicPr/>
             <p:nvPr/>
           </p:nvPicPr>
@@ -8999,7 +11266,7 @@
           <p:spPr>
             <a:xfrm>
               <a:off x="360" y="-17640"/>
-              <a:ext cx="12190320" cy="6856200"/>
+              <a:ext cx="12189960" cy="6855840"/>
             </a:xfrm>
             <a:prstGeom prst="rect">
               <a:avLst/>
@@ -9011,7 +11278,7 @@
         </p:pic>
         <p:pic>
           <p:nvPicPr>
-            <p:cNvPr id="91" name="Google Shape;268;g1f213c8c16b_0_ 5" descr=""/>
+            <p:cNvPr id="91" name="Google Shape;268;g1f213c8c16b_0_ 7" descr=""/>
             <p:cNvPicPr/>
             <p:nvPr/>
           </p:nvPicPr>
@@ -9022,7 +11289,7 @@
           <p:spPr>
             <a:xfrm>
               <a:off x="360" y="-17640"/>
-              <a:ext cx="12190320" cy="6856200"/>
+              <a:ext cx="12189960" cy="6855840"/>
             </a:xfrm>
             <a:prstGeom prst="rect">
               <a:avLst/>
@@ -9035,7 +11302,7 @@
       </p:grpSp>
       <p:pic>
         <p:nvPicPr>
-          <p:cNvPr id="92" name="Google Shape;269;g1f213c8c16b_0_ 5" descr=""/>
+          <p:cNvPr id="92" name="Google Shape;269;g1f213c8c16b_0_ 7" descr=""/>
           <p:cNvPicPr/>
           <p:nvPr/>
         </p:nvPicPr>
@@ -9046,7 +11313,7 @@
         <p:spPr>
           <a:xfrm>
             <a:off x="4815360" y="165600"/>
-            <a:ext cx="2337480" cy="1118880"/>
+            <a:ext cx="2337120" cy="1118520"/>
           </a:xfrm>
           <a:prstGeom prst="rect">
             <a:avLst/>
@@ -9058,21 +11325,21 @@
       </p:pic>
       <p:grpSp>
         <p:nvGrpSpPr>
-          <p:cNvPr id="93" name="Google Shape;287;g1f213c8c16b_0_ 5"/>
+          <p:cNvPr id="93" name="Google Shape;287;g1f213c8c16b_0_ 7"/>
           <p:cNvGrpSpPr/>
           <p:nvPr/>
         </p:nvGrpSpPr>
         <p:grpSpPr>
           <a:xfrm>
             <a:off x="626400" y="254520"/>
-            <a:ext cx="11249640" cy="981360"/>
+            <a:ext cx="11249280" cy="981000"/>
             <a:chOff x="626400" y="254520"/>
-            <a:chExt cx="11249640" cy="981360"/>
+            <a:chExt cx="11249280" cy="981000"/>
           </a:xfrm>
         </p:grpSpPr>
         <p:pic>
           <p:nvPicPr>
-            <p:cNvPr id="94" name="Google Shape;288;g1f213c8c16b_0_ 5" descr=""/>
+            <p:cNvPr id="94" name="Google Shape;288;g1f213c8c16b_0_ 7" descr=""/>
             <p:cNvPicPr/>
             <p:nvPr/>
           </p:nvPicPr>
@@ -9083,7 +11350,7 @@
           <p:spPr>
             <a:xfrm>
               <a:off x="10059840" y="254520"/>
-              <a:ext cx="1816200" cy="981360"/>
+              <a:ext cx="1815840" cy="981000"/>
             </a:xfrm>
             <a:prstGeom prst="rect">
               <a:avLst/>
@@ -9095,7 +11362,7 @@
         </p:pic>
         <p:pic>
           <p:nvPicPr>
-            <p:cNvPr id="95" name="Google Shape;289;g1f213c8c16b_0_ 5" descr=""/>
+            <p:cNvPr id="95" name="Google Shape;289;g1f213c8c16b_0_ 7" descr=""/>
             <p:cNvPicPr/>
             <p:nvPr/>
           </p:nvPicPr>
@@ -9106,7 +11373,7 @@
           <p:spPr>
             <a:xfrm>
               <a:off x="626400" y="484200"/>
-              <a:ext cx="1504080" cy="522720"/>
+              <a:ext cx="1503720" cy="522360"/>
             </a:xfrm>
             <a:prstGeom prst="rect">
               <a:avLst/>
@@ -9119,14 +11386,14 @@
       </p:grpSp>
       <p:sp>
         <p:nvSpPr>
-          <p:cNvPr id="96" name="Google Shape;253;g1f213c8c16b_0_ 5"/>
+          <p:cNvPr id="96" name="Google Shape;253;g1f213c8c16b_0_ 7"/>
           <p:cNvSpPr/>
           <p:nvPr/>
         </p:nvSpPr>
         <p:spPr>
           <a:xfrm>
-            <a:off x="1440000" y="1080000"/>
-            <a:ext cx="9359280" cy="638280"/>
+            <a:off x="1440720" y="900000"/>
+            <a:ext cx="9358920" cy="638280"/>
           </a:xfrm>
           <a:prstGeom prst="rect">
             <a:avLst/>
@@ -9169,7 +11436,7 @@
                 <a:latin typeface="Nunito Sans Black"/>
                 <a:ea typeface="Nunito Sans Black"/>
               </a:rPr>
-              <a:t>Grafos</a:t>
+              <a:t>Algoritmos</a:t>
             </a:r>
             <a:endParaRPr b="0" lang="es-CO" sz="3600" spc="-1" strike="noStrike">
               <a:solidFill>
@@ -9189,7 +11456,7 @@
         <p:spPr>
           <a:xfrm>
             <a:off x="1271880" y="1232280"/>
-            <a:ext cx="3947400" cy="486000"/>
+            <a:ext cx="3947040" cy="485640"/>
           </a:xfrm>
           <a:prstGeom prst="rect">
             <a:avLst/>
@@ -9236,31 +11503,8 @@
         </p:blipFill>
         <p:spPr>
           <a:xfrm>
-            <a:off x="6937920" y="3240000"/>
-            <a:ext cx="4761720" cy="1370880"/>
-          </a:xfrm>
-          <a:prstGeom prst="rect">
-            <a:avLst/>
-          </a:prstGeom>
-          <a:ln w="0">
-            <a:noFill/>
-          </a:ln>
-        </p:spPr>
-      </p:pic>
-      <p:pic>
-        <p:nvPicPr>
-          <p:cNvPr id="99" name="" descr=""/>
-          <p:cNvPicPr/>
-          <p:nvPr/>
-        </p:nvPicPr>
-        <p:blipFill>
-          <a:blip r:embed="rId7"/>
-          <a:stretch/>
-        </p:blipFill>
-        <p:spPr>
-          <a:xfrm>
-            <a:off x="651960" y="2840040"/>
-            <a:ext cx="5647680" cy="2199600"/>
+            <a:off x="3407040" y="2158920"/>
+            <a:ext cx="5419440" cy="2590560"/>
           </a:xfrm>
           <a:prstGeom prst="rect">
             <a:avLst/>
@@ -9302,21 +11546,21 @@
       </p:grpSpPr>
       <p:grpSp>
         <p:nvGrpSpPr>
-          <p:cNvPr id="100" name="Google Shape;266;g1f213c8c16b_0_ 7"/>
+          <p:cNvPr id="99" name="Google Shape;266;g1f213c8c16b_0_ 2"/>
           <p:cNvGrpSpPr/>
           <p:nvPr/>
         </p:nvGrpSpPr>
         <p:grpSpPr>
           <a:xfrm>
             <a:off x="360" y="-17640"/>
-            <a:ext cx="12190320" cy="6856200"/>
+            <a:ext cx="12189960" cy="6855840"/>
             <a:chOff x="360" y="-17640"/>
-            <a:chExt cx="12190320" cy="6856200"/>
+            <a:chExt cx="12189960" cy="6855840"/>
           </a:xfrm>
         </p:grpSpPr>
         <p:pic>
           <p:nvPicPr>
-            <p:cNvPr id="101" name="Google Shape;267;g1f213c8c16b_0_ 6" descr=""/>
+            <p:cNvPr id="100" name="Google Shape;267;g1f213c8c16b_0_ 2" descr=""/>
             <p:cNvPicPr/>
             <p:nvPr/>
           </p:nvPicPr>
@@ -9328,7 +11572,7 @@
           <p:spPr>
             <a:xfrm>
               <a:off x="360" y="-17640"/>
-              <a:ext cx="12190320" cy="6856200"/>
+              <a:ext cx="12189960" cy="6855840"/>
             </a:xfrm>
             <a:prstGeom prst="rect">
               <a:avLst/>
@@ -9340,7 +11584,7 @@
         </p:pic>
         <p:pic>
           <p:nvPicPr>
-            <p:cNvPr id="102" name="Google Shape;268;g1f213c8c16b_0_ 6" descr=""/>
+            <p:cNvPr id="101" name="Google Shape;268;g1f213c8c16b_0_ 2" descr=""/>
             <p:cNvPicPr/>
             <p:nvPr/>
           </p:nvPicPr>
@@ -9351,7 +11595,7 @@
           <p:spPr>
             <a:xfrm>
               <a:off x="360" y="-17640"/>
-              <a:ext cx="12190320" cy="6856200"/>
+              <a:ext cx="12189960" cy="6855840"/>
             </a:xfrm>
             <a:prstGeom prst="rect">
               <a:avLst/>
@@ -9364,7 +11608,7 @@
       </p:grpSp>
       <p:pic>
         <p:nvPicPr>
-          <p:cNvPr id="103" name="Google Shape;269;g1f213c8c16b_0_ 6" descr=""/>
+          <p:cNvPr id="102" name="Google Shape;269;g1f213c8c16b_0_ 2" descr=""/>
           <p:cNvPicPr/>
           <p:nvPr/>
         </p:nvPicPr>
@@ -9375,7 +11619,7 @@
         <p:spPr>
           <a:xfrm>
             <a:off x="4815360" y="165600"/>
-            <a:ext cx="2337480" cy="1118880"/>
+            <a:ext cx="2337120" cy="1118520"/>
           </a:xfrm>
           <a:prstGeom prst="rect">
             <a:avLst/>
@@ -9387,21 +11631,21 @@
       </p:pic>
       <p:grpSp>
         <p:nvGrpSpPr>
-          <p:cNvPr id="104" name="Google Shape;287;g1f213c8c16b_0_ 6"/>
+          <p:cNvPr id="103" name="Google Shape;287;g1f213c8c16b_0_ 2"/>
           <p:cNvGrpSpPr/>
           <p:nvPr/>
         </p:nvGrpSpPr>
         <p:grpSpPr>
           <a:xfrm>
             <a:off x="626400" y="254520"/>
-            <a:ext cx="11249640" cy="981360"/>
+            <a:ext cx="11249280" cy="981000"/>
             <a:chOff x="626400" y="254520"/>
-            <a:chExt cx="11249640" cy="981360"/>
+            <a:chExt cx="11249280" cy="981000"/>
           </a:xfrm>
         </p:grpSpPr>
         <p:pic>
           <p:nvPicPr>
-            <p:cNvPr id="105" name="Google Shape;288;g1f213c8c16b_0_ 6" descr=""/>
+            <p:cNvPr id="104" name="Google Shape;288;g1f213c8c16b_0_ 2" descr=""/>
             <p:cNvPicPr/>
             <p:nvPr/>
           </p:nvPicPr>
@@ -9412,7 +11656,7 @@
           <p:spPr>
             <a:xfrm>
               <a:off x="10059840" y="254520"/>
-              <a:ext cx="1816200" cy="981360"/>
+              <a:ext cx="1815840" cy="981000"/>
             </a:xfrm>
             <a:prstGeom prst="rect">
               <a:avLst/>
@@ -9424,7 +11668,7 @@
         </p:pic>
         <p:pic>
           <p:nvPicPr>
-            <p:cNvPr id="106" name="Google Shape;289;g1f213c8c16b_0_ 6" descr=""/>
+            <p:cNvPr id="105" name="Google Shape;289;g1f213c8c16b_0_ 2" descr=""/>
             <p:cNvPicPr/>
             <p:nvPr/>
           </p:nvPicPr>
@@ -9435,7 +11679,7 @@
           <p:spPr>
             <a:xfrm>
               <a:off x="626400" y="484200"/>
-              <a:ext cx="1504080" cy="522720"/>
+              <a:ext cx="1503720" cy="522360"/>
             </a:xfrm>
             <a:prstGeom prst="rect">
               <a:avLst/>
@@ -9448,14 +11692,14 @@
       </p:grpSp>
       <p:sp>
         <p:nvSpPr>
-          <p:cNvPr id="107" name="Google Shape;253;g1f213c8c16b_0_ 6"/>
+          <p:cNvPr id="106" name="Google Shape;253;g1f213c8c16b_0_ 2"/>
           <p:cNvSpPr/>
           <p:nvPr/>
         </p:nvSpPr>
         <p:spPr>
           <a:xfrm>
-            <a:off x="1440000" y="1080000"/>
-            <a:ext cx="9359280" cy="638280"/>
+            <a:off x="1440720" y="900000"/>
+            <a:ext cx="9358920" cy="638280"/>
           </a:xfrm>
           <a:prstGeom prst="rect">
             <a:avLst/>
@@ -9498,7 +11742,7 @@
                 <a:latin typeface="Nunito Sans Black"/>
                 <a:ea typeface="Nunito Sans Black"/>
               </a:rPr>
-              <a:t>Grafos</a:t>
+              <a:t>Criterios de evaluación</a:t>
             </a:r>
             <a:endParaRPr b="0" lang="es-CO" sz="3600" spc="-1" strike="noStrike">
               <a:solidFill>
@@ -9511,14 +11755,14 @@
       </p:sp>
       <p:sp>
         <p:nvSpPr>
-          <p:cNvPr id="108" name=""/>
+          <p:cNvPr id="107" name=""/>
           <p:cNvSpPr/>
           <p:nvPr/>
         </p:nvSpPr>
         <p:spPr>
           <a:xfrm>
             <a:off x="1271880" y="1232280"/>
-            <a:ext cx="3947400" cy="486000"/>
+            <a:ext cx="3947040" cy="485640"/>
           </a:xfrm>
           <a:prstGeom prst="rect">
             <a:avLst/>
@@ -9539,11 +11783,6 @@
             <a:noAutofit/>
           </a:bodyPr>
           <a:p>
-            <a:pPr>
-              <a:lnSpc>
-                <a:spcPct val="100000"/>
-              </a:lnSpc>
-            </a:pPr>
             <a:endParaRPr b="0" lang="es-CO" sz="1800" spc="-1" strike="noStrike">
               <a:solidFill>
                 <a:srgbClr val="000000"/>
@@ -9553,29 +11792,124 @@
           </a:p>
         </p:txBody>
       </p:sp>
-      <p:pic>
-        <p:nvPicPr>
-          <p:cNvPr id="109" name="" descr=""/>
-          <p:cNvPicPr/>
+      <p:sp>
+        <p:nvSpPr>
+          <p:cNvPr id="108" name=""/>
+          <p:cNvSpPr txBox="1"/>
           <p:nvPr/>
-        </p:nvPicPr>
-        <p:blipFill>
-          <a:blip r:embed="rId6"/>
-          <a:stretch/>
-        </p:blipFill>
-        <p:spPr>
-          <a:xfrm>
-            <a:off x="1623960" y="1980000"/>
-            <a:ext cx="8095680" cy="4190400"/>
-          </a:xfrm>
-          <a:prstGeom prst="rect">
-            <a:avLst/>
-          </a:prstGeom>
-          <a:ln w="0">
-            <a:noFill/>
-          </a:ln>
-        </p:spPr>
-      </p:pic>
+        </p:nvSpPr>
+        <p:spPr>
+          <a:xfrm>
+            <a:off x="3060000" y="2290320"/>
+            <a:ext cx="6840000" cy="3469680"/>
+          </a:xfrm>
+          <a:prstGeom prst="rect">
+            <a:avLst/>
+          </a:prstGeom>
+          <a:noFill/>
+          <a:ln w="0">
+            <a:noFill/>
+          </a:ln>
+        </p:spPr>
+        <p:txBody>
+          <a:bodyPr lIns="90000" rIns="90000" tIns="45000" bIns="45000" anchor="t">
+            <a:noAutofit/>
+          </a:bodyPr>
+          <a:p>
+            <a:r>
+              <a:rPr b="0" lang="es-CO" sz="2600" spc="-1" strike="noStrike">
+                <a:solidFill>
+                  <a:srgbClr val="ffffd7"/>
+                </a:solidFill>
+                <a:latin typeface="Arial"/>
+              </a:rPr>
+              <a:t>Tiempo de ejecución (complejidad temporal)</a:t>
+            </a:r>
+            <a:endParaRPr b="0" lang="es-CO" sz="2600" spc="-1" strike="noStrike">
+              <a:solidFill>
+                <a:srgbClr val="ffffd7"/>
+              </a:solidFill>
+              <a:latin typeface="Arial"/>
+            </a:endParaRPr>
+          </a:p>
+          <a:p>
+            <a:r>
+              <a:rPr b="0" lang="es-CO" sz="2600" spc="-1" strike="noStrike">
+                <a:solidFill>
+                  <a:srgbClr val="ffffd7"/>
+                </a:solidFill>
+                <a:latin typeface="Arial"/>
+              </a:rPr>
+              <a:t>Uso de memoria (complejidad espacial)</a:t>
+            </a:r>
+            <a:endParaRPr b="0" lang="es-CO" sz="2600" spc="-1" strike="noStrike">
+              <a:solidFill>
+                <a:srgbClr val="ffffd7"/>
+              </a:solidFill>
+              <a:latin typeface="Arial"/>
+            </a:endParaRPr>
+          </a:p>
+          <a:p>
+            <a:r>
+              <a:rPr b="0" lang="es-CO" sz="2600" spc="-1" strike="noStrike">
+                <a:solidFill>
+                  <a:srgbClr val="ffffd7"/>
+                </a:solidFill>
+                <a:latin typeface="Arial"/>
+              </a:rPr>
+              <a:t>Simplicidad y legibilidad</a:t>
+            </a:r>
+            <a:endParaRPr b="0" lang="es-CO" sz="2600" spc="-1" strike="noStrike">
+              <a:solidFill>
+                <a:srgbClr val="ffffd7"/>
+              </a:solidFill>
+              <a:latin typeface="Arial"/>
+            </a:endParaRPr>
+          </a:p>
+          <a:p>
+            <a:r>
+              <a:rPr b="0" lang="es-CO" sz="2600" spc="-1" strike="noStrike">
+                <a:solidFill>
+                  <a:srgbClr val="ffffd7"/>
+                </a:solidFill>
+                <a:latin typeface="Arial"/>
+              </a:rPr>
+              <a:t>Exactitud y corrección</a:t>
+            </a:r>
+            <a:endParaRPr b="0" lang="es-CO" sz="2600" spc="-1" strike="noStrike">
+              <a:solidFill>
+                <a:srgbClr val="ffffd7"/>
+              </a:solidFill>
+              <a:latin typeface="Arial"/>
+            </a:endParaRPr>
+          </a:p>
+          <a:p>
+            <a:r>
+              <a:rPr b="0" lang="es-CO" sz="2600" spc="-1" strike="noStrike">
+                <a:solidFill>
+                  <a:srgbClr val="ffffd7"/>
+                </a:solidFill>
+                <a:latin typeface="Arial"/>
+              </a:rPr>
+              <a:t>Generalidad y flexibilidad</a:t>
+            </a:r>
+            <a:endParaRPr b="0" lang="es-CO" sz="2600" spc="-1" strike="noStrike">
+              <a:solidFill>
+                <a:srgbClr val="ffffd7"/>
+              </a:solidFill>
+              <a:latin typeface="Arial"/>
+            </a:endParaRPr>
+          </a:p>
+          <a:p>
+            <a:endParaRPr b="0" lang="es-CO" sz="1000" spc="-1" strike="noStrike">
+              <a:solidFill>
+                <a:srgbClr val="ffffd7"/>
+              </a:solidFill>
+              <a:latin typeface="Arial"/>
+            </a:endParaRPr>
+          </a:p>
+        </p:txBody>
+      </p:sp>
     </p:spTree>
   </p:cSld>
   <mc:AlternateContent>
@@ -9608,21 +11942,21 @@
       </p:grpSpPr>
       <p:grpSp>
         <p:nvGrpSpPr>
-          <p:cNvPr id="110" name="Google Shape;266;g1f213c8c16b_0_ 2"/>
+          <p:cNvPr id="109" name="Google Shape;266;g1f213c8c16b_0_ 1"/>
           <p:cNvGrpSpPr/>
           <p:nvPr/>
         </p:nvGrpSpPr>
         <p:grpSpPr>
           <a:xfrm>
             <a:off x="360" y="-17640"/>
-            <a:ext cx="12190320" cy="6856200"/>
+            <a:ext cx="12189960" cy="6855840"/>
             <a:chOff x="360" y="-17640"/>
-            <a:chExt cx="12190320" cy="6856200"/>
+            <a:chExt cx="12189960" cy="6855840"/>
           </a:xfrm>
         </p:grpSpPr>
         <p:pic>
           <p:nvPicPr>
-            <p:cNvPr id="111" name="Google Shape;267;g1f213c8c16b_0_ 3" descr=""/>
+            <p:cNvPr id="110" name="Google Shape;267;g1f213c8c16b_0_ 1" descr=""/>
             <p:cNvPicPr/>
             <p:nvPr/>
           </p:nvPicPr>
@@ -9634,7 +11968,7 @@
           <p:spPr>
             <a:xfrm>
               <a:off x="360" y="-17640"/>
-              <a:ext cx="12190320" cy="6856200"/>
+              <a:ext cx="12189960" cy="6855840"/>
             </a:xfrm>
             <a:prstGeom prst="rect">
               <a:avLst/>
@@ -9646,7 +11980,7 @@
         </p:pic>
         <p:pic>
           <p:nvPicPr>
-            <p:cNvPr id="112" name="Google Shape;268;g1f213c8c16b_0_ 3" descr=""/>
+            <p:cNvPr id="111" name="Google Shape;268;g1f213c8c16b_0_ 1" descr=""/>
             <p:cNvPicPr/>
             <p:nvPr/>
           </p:nvPicPr>
@@ -9657,7 +11991,7 @@
           <p:spPr>
             <a:xfrm>
               <a:off x="360" y="-17640"/>
-              <a:ext cx="12190320" cy="6856200"/>
+              <a:ext cx="12189960" cy="6855840"/>
             </a:xfrm>
             <a:prstGeom prst="rect">
               <a:avLst/>
@@ -9670,7 +12004,7 @@
       </p:grpSp>
       <p:pic>
         <p:nvPicPr>
-          <p:cNvPr id="113" name="Google Shape;269;g1f213c8c16b_0_ 3" descr=""/>
+          <p:cNvPr id="112" name="Google Shape;269;g1f213c8c16b_0_ 1" descr=""/>
           <p:cNvPicPr/>
           <p:nvPr/>
         </p:nvPicPr>
@@ -9681,7 +12015,7 @@
         <p:spPr>
           <a:xfrm>
             <a:off x="4815360" y="165600"/>
-            <a:ext cx="2337480" cy="1118880"/>
+            <a:ext cx="2337120" cy="1118520"/>
           </a:xfrm>
           <a:prstGeom prst="rect">
             <a:avLst/>
@@ -9693,21 +12027,21 @@
       </p:pic>
       <p:grpSp>
         <p:nvGrpSpPr>
-          <p:cNvPr id="114" name="Google Shape;287;g1f213c8c16b_0_ 3"/>
+          <p:cNvPr id="113" name="Google Shape;287;g1f213c8c16b_0_ 1"/>
           <p:cNvGrpSpPr/>
           <p:nvPr/>
         </p:nvGrpSpPr>
         <p:grpSpPr>
           <a:xfrm>
             <a:off x="626400" y="254520"/>
-            <a:ext cx="11249640" cy="981360"/>
+            <a:ext cx="11249280" cy="981000"/>
             <a:chOff x="626400" y="254520"/>
-            <a:chExt cx="11249640" cy="981360"/>
+            <a:chExt cx="11249280" cy="981000"/>
           </a:xfrm>
         </p:grpSpPr>
         <p:pic>
           <p:nvPicPr>
-            <p:cNvPr id="115" name="Google Shape;288;g1f213c8c16b_0_ 3" descr=""/>
+            <p:cNvPr id="114" name="Google Shape;288;g1f213c8c16b_0_ 1" descr=""/>
             <p:cNvPicPr/>
             <p:nvPr/>
           </p:nvPicPr>
@@ -9718,7 +12052,7 @@
           <p:spPr>
             <a:xfrm>
               <a:off x="10059840" y="254520"/>
-              <a:ext cx="1816200" cy="981360"/>
+              <a:ext cx="1815840" cy="981000"/>
             </a:xfrm>
             <a:prstGeom prst="rect">
               <a:avLst/>
@@ -9730,7 +12064,7 @@
         </p:pic>
         <p:pic>
           <p:nvPicPr>
-            <p:cNvPr id="116" name="Google Shape;289;g1f213c8c16b_0_ 3" descr=""/>
+            <p:cNvPr id="115" name="Google Shape;289;g1f213c8c16b_0_ 1" descr=""/>
             <p:cNvPicPr/>
             <p:nvPr/>
           </p:nvPicPr>
@@ -9741,7 +12075,7 @@
           <p:spPr>
             <a:xfrm>
               <a:off x="626400" y="484200"/>
-              <a:ext cx="1504080" cy="522720"/>
+              <a:ext cx="1503720" cy="522360"/>
             </a:xfrm>
             <a:prstGeom prst="rect">
               <a:avLst/>
@@ -9754,14 +12088,14 @@
       </p:grpSp>
       <p:sp>
         <p:nvSpPr>
-          <p:cNvPr id="117" name="Google Shape;253;g1f213c8c16b_0_ 3"/>
+          <p:cNvPr id="116" name="Google Shape;253;g1f213c8c16b_0_ 1"/>
           <p:cNvSpPr/>
           <p:nvPr/>
         </p:nvSpPr>
         <p:spPr>
           <a:xfrm>
-            <a:off x="1440000" y="1080000"/>
-            <a:ext cx="9359280" cy="638280"/>
+            <a:off x="1440720" y="900000"/>
+            <a:ext cx="9358920" cy="638280"/>
           </a:xfrm>
           <a:prstGeom prst="rect">
             <a:avLst/>
@@ -9804,7 +12138,7 @@
                 <a:latin typeface="Nunito Sans Black"/>
                 <a:ea typeface="Nunito Sans Black"/>
               </a:rPr>
-              <a:t>Representaciones</a:t>
+              <a:t>Notaciones asintóticas</a:t>
             </a:r>
             <a:endParaRPr b="0" lang="es-CO" sz="3600" spc="-1" strike="noStrike">
               <a:solidFill>
@@ -9817,14 +12151,14 @@
       </p:sp>
       <p:sp>
         <p:nvSpPr>
-          <p:cNvPr id="118" name=""/>
+          <p:cNvPr id="117" name=""/>
           <p:cNvSpPr/>
           <p:nvPr/>
         </p:nvSpPr>
         <p:spPr>
           <a:xfrm>
             <a:off x="1271880" y="1232280"/>
-            <a:ext cx="3947400" cy="486000"/>
+            <a:ext cx="3947040" cy="485640"/>
           </a:xfrm>
           <a:prstGeom prst="rect">
             <a:avLst/>
@@ -9845,11 +12179,6 @@
             <a:noAutofit/>
           </a:bodyPr>
           <a:p>
-            <a:pPr>
-              <a:lnSpc>
-                <a:spcPct val="100000"/>
-              </a:lnSpc>
-            </a:pPr>
             <a:endParaRPr b="0" lang="es-CO" sz="1800" spc="-1" strike="noStrike">
               <a:solidFill>
                 <a:srgbClr val="000000"/>
@@ -9861,7 +12190,7 @@
       </p:sp>
       <p:pic>
         <p:nvPicPr>
-          <p:cNvPr id="119" name="" descr=""/>
+          <p:cNvPr id="118" name="" descr=""/>
           <p:cNvPicPr/>
           <p:nvPr/>
         </p:nvPicPr>
@@ -9871,8 +12200,8 @@
         </p:blipFill>
         <p:spPr>
           <a:xfrm>
-            <a:off x="3060000" y="2520000"/>
-            <a:ext cx="5797080" cy="3086280"/>
+            <a:off x="1800000" y="1717920"/>
+            <a:ext cx="7947360" cy="4467240"/>
           </a:xfrm>
           <a:prstGeom prst="rect">
             <a:avLst/>
@@ -9914,21 +12243,21 @@
       </p:grpSpPr>
       <p:grpSp>
         <p:nvGrpSpPr>
-          <p:cNvPr id="120" name="Google Shape;266;g1f213c8c16b_0_ 4"/>
+          <p:cNvPr id="119" name="Google Shape;266;g1f213c8c16b_0_ 3"/>
           <p:cNvGrpSpPr/>
           <p:nvPr/>
         </p:nvGrpSpPr>
         <p:grpSpPr>
           <a:xfrm>
             <a:off x="360" y="-17640"/>
-            <a:ext cx="12190320" cy="6856200"/>
+            <a:ext cx="12189960" cy="6855840"/>
             <a:chOff x="360" y="-17640"/>
-            <a:chExt cx="12190320" cy="6856200"/>
+            <a:chExt cx="12189960" cy="6855840"/>
           </a:xfrm>
         </p:grpSpPr>
         <p:pic>
           <p:nvPicPr>
-            <p:cNvPr id="121" name="Google Shape;267;g1f213c8c16b_0_ 4" descr=""/>
+            <p:cNvPr id="120" name="Google Shape;267;g1f213c8c16b_0_ 3" descr=""/>
             <p:cNvPicPr/>
             <p:nvPr/>
           </p:nvPicPr>
@@ -9940,7 +12269,7 @@
           <p:spPr>
             <a:xfrm>
               <a:off x="360" y="-17640"/>
-              <a:ext cx="12190320" cy="6856200"/>
+              <a:ext cx="12189960" cy="6855840"/>
             </a:xfrm>
             <a:prstGeom prst="rect">
               <a:avLst/>
@@ -9952,7 +12281,7 @@
         </p:pic>
         <p:pic>
           <p:nvPicPr>
-            <p:cNvPr id="122" name="Google Shape;268;g1f213c8c16b_0_ 4" descr=""/>
+            <p:cNvPr id="121" name="Google Shape;268;g1f213c8c16b_0_ 3" descr=""/>
             <p:cNvPicPr/>
             <p:nvPr/>
           </p:nvPicPr>
@@ -9963,7 +12292,7 @@
           <p:spPr>
             <a:xfrm>
               <a:off x="360" y="-17640"/>
-              <a:ext cx="12190320" cy="6856200"/>
+              <a:ext cx="12189960" cy="6855840"/>
             </a:xfrm>
             <a:prstGeom prst="rect">
               <a:avLst/>
@@ -9976,7 +12305,7 @@
       </p:grpSp>
       <p:pic>
         <p:nvPicPr>
-          <p:cNvPr id="123" name="Google Shape;269;g1f213c8c16b_0_ 4" descr=""/>
+          <p:cNvPr id="122" name="Google Shape;269;g1f213c8c16b_0_ 3" descr=""/>
           <p:cNvPicPr/>
           <p:nvPr/>
         </p:nvPicPr>
@@ -9987,7 +12316,7 @@
         <p:spPr>
           <a:xfrm>
             <a:off x="4815360" y="165600"/>
-            <a:ext cx="2337480" cy="1118880"/>
+            <a:ext cx="2337120" cy="1118520"/>
           </a:xfrm>
           <a:prstGeom prst="rect">
             <a:avLst/>
@@ -9999,21 +12328,21 @@
       </p:pic>
       <p:grpSp>
         <p:nvGrpSpPr>
-          <p:cNvPr id="124" name="Google Shape;287;g1f213c8c16b_0_ 4"/>
+          <p:cNvPr id="123" name="Google Shape;287;g1f213c8c16b_0_ 3"/>
           <p:cNvGrpSpPr/>
           <p:nvPr/>
         </p:nvGrpSpPr>
         <p:grpSpPr>
           <a:xfrm>
             <a:off x="626400" y="254520"/>
-            <a:ext cx="11249640" cy="981360"/>
+            <a:ext cx="11249280" cy="981000"/>
             <a:chOff x="626400" y="254520"/>
-            <a:chExt cx="11249640" cy="981360"/>
+            <a:chExt cx="11249280" cy="981000"/>
           </a:xfrm>
         </p:grpSpPr>
         <p:pic>
           <p:nvPicPr>
-            <p:cNvPr id="125" name="Google Shape;288;g1f213c8c16b_0_ 4" descr=""/>
+            <p:cNvPr id="124" name="Google Shape;288;g1f213c8c16b_0_ 3" descr=""/>
             <p:cNvPicPr/>
             <p:nvPr/>
           </p:nvPicPr>
@@ -10024,7 +12353,7 @@
           <p:spPr>
             <a:xfrm>
               <a:off x="10059840" y="254520"/>
-              <a:ext cx="1816200" cy="981360"/>
+              <a:ext cx="1815840" cy="981000"/>
             </a:xfrm>
             <a:prstGeom prst="rect">
               <a:avLst/>
@@ -10036,7 +12365,7 @@
         </p:pic>
         <p:pic>
           <p:nvPicPr>
-            <p:cNvPr id="126" name="Google Shape;289;g1f213c8c16b_0_ 4" descr=""/>
+            <p:cNvPr id="125" name="Google Shape;289;g1f213c8c16b_0_ 3" descr=""/>
             <p:cNvPicPr/>
             <p:nvPr/>
           </p:nvPicPr>
@@ -10047,7 +12376,7 @@
           <p:spPr>
             <a:xfrm>
               <a:off x="626400" y="484200"/>
-              <a:ext cx="1504080" cy="522720"/>
+              <a:ext cx="1503720" cy="522360"/>
             </a:xfrm>
             <a:prstGeom prst="rect">
               <a:avLst/>
@@ -10060,14 +12389,14 @@
       </p:grpSp>
       <p:sp>
         <p:nvSpPr>
-          <p:cNvPr id="127" name="Google Shape;253;g1f213c8c16b_0_ 4"/>
+          <p:cNvPr id="126" name="Google Shape;253;g1f213c8c16b_0_ 3"/>
           <p:cNvSpPr/>
           <p:nvPr/>
         </p:nvSpPr>
         <p:spPr>
           <a:xfrm>
-            <a:off x="1440000" y="1080000"/>
-            <a:ext cx="9359280" cy="638280"/>
+            <a:off x="1440720" y="900000"/>
+            <a:ext cx="9358920" cy="638280"/>
           </a:xfrm>
           <a:prstGeom prst="rect">
             <a:avLst/>
@@ -10110,7 +12439,7 @@
                 <a:latin typeface="Nunito Sans Black"/>
                 <a:ea typeface="Nunito Sans Black"/>
               </a:rPr>
-              <a:t>Representaciones</a:t>
+              <a:t>Notaciones asintóticas</a:t>
             </a:r>
             <a:endParaRPr b="0" lang="es-CO" sz="3600" spc="-1" strike="noStrike">
               <a:solidFill>
@@ -10123,14 +12452,14 @@
       </p:sp>
       <p:sp>
         <p:nvSpPr>
-          <p:cNvPr id="128" name=""/>
+          <p:cNvPr id="127" name=""/>
           <p:cNvSpPr/>
           <p:nvPr/>
         </p:nvSpPr>
         <p:spPr>
           <a:xfrm>
             <a:off x="1271880" y="1232280"/>
-            <a:ext cx="3947400" cy="486000"/>
+            <a:ext cx="3947040" cy="485640"/>
           </a:xfrm>
           <a:prstGeom prst="rect">
             <a:avLst/>
@@ -10151,11 +12480,6 @@
             <a:noAutofit/>
           </a:bodyPr>
           <a:p>
-            <a:pPr>
-              <a:lnSpc>
-                <a:spcPct val="100000"/>
-              </a:lnSpc>
-            </a:pPr>
             <a:endParaRPr b="0" lang="es-CO" sz="1800" spc="-1" strike="noStrike">
               <a:solidFill>
                 <a:srgbClr val="000000"/>
@@ -10165,6 +12489,29 @@
           </a:p>
         </p:txBody>
       </p:sp>
+      <p:pic>
+        <p:nvPicPr>
+          <p:cNvPr id="128" name="" descr=""/>
+          <p:cNvPicPr/>
+          <p:nvPr/>
+        </p:nvPicPr>
+        <p:blipFill>
+          <a:blip r:embed="rId6"/>
+          <a:stretch/>
+        </p:blipFill>
+        <p:spPr>
+          <a:xfrm>
+            <a:off x="245160" y="1701000"/>
+            <a:ext cx="5874840" cy="2799000"/>
+          </a:xfrm>
+          <a:prstGeom prst="rect">
+            <a:avLst/>
+          </a:prstGeom>
+          <a:ln w="0">
+            <a:noFill/>
+          </a:ln>
+        </p:spPr>
+      </p:pic>
       <p:pic>
         <p:nvPicPr>
           <p:cNvPr id="129" name="" descr=""/>
@@ -10172,13 +12519,13 @@
           <p:nvPr/>
         </p:nvPicPr>
         <p:blipFill>
-          <a:blip r:embed="rId6"/>
+          <a:blip r:embed="rId7"/>
           <a:stretch/>
         </p:blipFill>
         <p:spPr>
           <a:xfrm>
-            <a:off x="1931760" y="2083320"/>
-            <a:ext cx="7967880" cy="4216320"/>
+            <a:off x="6642720" y="1620000"/>
+            <a:ext cx="4877280" cy="2929320"/>
           </a:xfrm>
           <a:prstGeom prst="rect">
             <a:avLst/>
@@ -10188,6 +12535,90 @@
           </a:ln>
         </p:spPr>
       </p:pic>
+      <p:sp>
+        <p:nvSpPr>
+          <p:cNvPr id="130" name=""/>
+          <p:cNvSpPr txBox="1"/>
+          <p:nvPr/>
+        </p:nvSpPr>
+        <p:spPr>
+          <a:xfrm>
+            <a:off x="2756160" y="4680000"/>
+            <a:ext cx="1923840" cy="772560"/>
+          </a:xfrm>
+          <a:prstGeom prst="rect">
+            <a:avLst/>
+          </a:prstGeom>
+          <a:noFill/>
+          <a:ln w="0">
+            <a:noFill/>
+          </a:ln>
+        </p:spPr>
+        <p:txBody>
+          <a:bodyPr lIns="90000" rIns="90000" tIns="45000" bIns="45000" anchor="t">
+            <a:noAutofit/>
+          </a:bodyPr>
+          <a:p>
+            <a:r>
+              <a:rPr b="0" lang="es-CO" sz="2600" spc="-1" strike="noStrike">
+                <a:solidFill>
+                  <a:srgbClr val="ffffd7"/>
+                </a:solidFill>
+                <a:latin typeface="Arial"/>
+              </a:rPr>
+              <a:t>Omega (Ω) </a:t>
+            </a:r>
+            <a:endParaRPr b="0" lang="es-CO" sz="2600" spc="-1" strike="noStrike">
+              <a:solidFill>
+                <a:srgbClr val="ffffd7"/>
+              </a:solidFill>
+              <a:latin typeface="Arial"/>
+            </a:endParaRPr>
+          </a:p>
+        </p:txBody>
+      </p:sp>
+      <p:sp>
+        <p:nvSpPr>
+          <p:cNvPr id="131" name=""/>
+          <p:cNvSpPr txBox="1"/>
+          <p:nvPr/>
+        </p:nvSpPr>
+        <p:spPr>
+          <a:xfrm>
+            <a:off x="8460000" y="4807440"/>
+            <a:ext cx="1980000" cy="1197360"/>
+          </a:xfrm>
+          <a:prstGeom prst="rect">
+            <a:avLst/>
+          </a:prstGeom>
+          <a:noFill/>
+          <a:ln w="0">
+            <a:noFill/>
+          </a:ln>
+        </p:spPr>
+        <p:txBody>
+          <a:bodyPr lIns="90000" rIns="90000" tIns="45000" bIns="45000" anchor="t">
+            <a:noAutofit/>
+          </a:bodyPr>
+          <a:p>
+            <a:r>
+              <a:rPr b="0" lang="es-CO" sz="2600" spc="-1" strike="noStrike">
+                <a:solidFill>
+                  <a:srgbClr val="ffffd7"/>
+                </a:solidFill>
+                <a:latin typeface="Arial"/>
+              </a:rPr>
+              <a:t>Theta (Θ) </a:t>
+            </a:r>
+            <a:endParaRPr b="0" lang="es-CO" sz="2600" spc="-1" strike="noStrike">
+              <a:solidFill>
+                <a:srgbClr val="ffffd7"/>
+              </a:solidFill>
+              <a:latin typeface="Arial"/>
+            </a:endParaRPr>
+          </a:p>
+        </p:txBody>
+      </p:sp>
     </p:spTree>
   </p:cSld>
   <mc:AlternateContent>
@@ -10220,21 +12651,21 @@
       </p:grpSpPr>
       <p:grpSp>
         <p:nvGrpSpPr>
-          <p:cNvPr id="130" name="Google Shape;266;g1f213c8c16b_0_ 1"/>
+          <p:cNvPr id="132" name="Google Shape;266;g1f213c8c16b_0_ 5"/>
           <p:cNvGrpSpPr/>
           <p:nvPr/>
         </p:nvGrpSpPr>
         <p:grpSpPr>
           <a:xfrm>
             <a:off x="360" y="-17640"/>
-            <a:ext cx="12190320" cy="6856200"/>
+            <a:ext cx="12189960" cy="6855840"/>
             <a:chOff x="360" y="-17640"/>
-            <a:chExt cx="12190320" cy="6856200"/>
+            <a:chExt cx="12189960" cy="6855840"/>
           </a:xfrm>
         </p:grpSpPr>
         <p:pic>
           <p:nvPicPr>
-            <p:cNvPr id="131" name="Google Shape;267;g1f213c8c16b_0_ 1" descr=""/>
+            <p:cNvPr id="133" name="Google Shape;267;g1f213c8c16b_0_ 5" descr=""/>
             <p:cNvPicPr/>
             <p:nvPr/>
           </p:nvPicPr>
@@ -10246,7 +12677,7 @@
           <p:spPr>
             <a:xfrm>
               <a:off x="360" y="-17640"/>
-              <a:ext cx="12190320" cy="6856200"/>
+              <a:ext cx="12189960" cy="6855840"/>
             </a:xfrm>
             <a:prstGeom prst="rect">
               <a:avLst/>
@@ -10258,7 +12689,7 @@
         </p:pic>
         <p:pic>
           <p:nvPicPr>
-            <p:cNvPr id="132" name="Google Shape;268;g1f213c8c16b_0_ 1" descr=""/>
+            <p:cNvPr id="134" name="Google Shape;268;g1f213c8c16b_0_ 5" descr=""/>
             <p:cNvPicPr/>
             <p:nvPr/>
           </p:nvPicPr>
@@ -10269,7 +12700,7 @@
           <p:spPr>
             <a:xfrm>
               <a:off x="360" y="-17640"/>
-              <a:ext cx="12190320" cy="6856200"/>
+              <a:ext cx="12189960" cy="6855840"/>
             </a:xfrm>
             <a:prstGeom prst="rect">
               <a:avLst/>
@@ -10282,7 +12713,7 @@
       </p:grpSp>
       <p:pic>
         <p:nvPicPr>
-          <p:cNvPr id="133" name="Google Shape;269;g1f213c8c16b_0_ 1" descr=""/>
+          <p:cNvPr id="135" name="Google Shape;269;g1f213c8c16b_0_ 5" descr=""/>
           <p:cNvPicPr/>
           <p:nvPr/>
         </p:nvPicPr>
@@ -10293,7 +12724,7 @@
         <p:spPr>
           <a:xfrm>
             <a:off x="4815360" y="165600"/>
-            <a:ext cx="2337480" cy="1118880"/>
+            <a:ext cx="2337120" cy="1118520"/>
           </a:xfrm>
           <a:prstGeom prst="rect">
             <a:avLst/>
@@ -10305,21 +12736,21 @@
       </p:pic>
       <p:grpSp>
         <p:nvGrpSpPr>
-          <p:cNvPr id="134" name="Google Shape;287;g1f213c8c16b_0_ 1"/>
+          <p:cNvPr id="136" name="Google Shape;287;g1f213c8c16b_0_ 5"/>
           <p:cNvGrpSpPr/>
           <p:nvPr/>
         </p:nvGrpSpPr>
         <p:grpSpPr>
           <a:xfrm>
             <a:off x="626400" y="254520"/>
-            <a:ext cx="11249640" cy="981360"/>
+            <a:ext cx="11249280" cy="981000"/>
             <a:chOff x="626400" y="254520"/>
-            <a:chExt cx="11249640" cy="981360"/>
+            <a:chExt cx="11249280" cy="981000"/>
           </a:xfrm>
         </p:grpSpPr>
         <p:pic>
           <p:nvPicPr>
-            <p:cNvPr id="135" name="Google Shape;288;g1f213c8c16b_0_ 1" descr=""/>
+            <p:cNvPr id="137" name="Google Shape;288;g1f213c8c16b_0_ 5" descr=""/>
             <p:cNvPicPr/>
             <p:nvPr/>
           </p:nvPicPr>
@@ -10330,7 +12761,7 @@
           <p:spPr>
             <a:xfrm>
               <a:off x="10059840" y="254520"/>
-              <a:ext cx="1816200" cy="981360"/>
+              <a:ext cx="1815840" cy="981000"/>
             </a:xfrm>
             <a:prstGeom prst="rect">
               <a:avLst/>
@@ -10342,7 +12773,7 @@
         </p:pic>
         <p:pic>
           <p:nvPicPr>
-            <p:cNvPr id="136" name="Google Shape;289;g1f213c8c16b_0_ 1" descr=""/>
+            <p:cNvPr id="138" name="Google Shape;289;g1f213c8c16b_0_ 5" descr=""/>
             <p:cNvPicPr/>
             <p:nvPr/>
           </p:nvPicPr>
@@ -10353,7 +12784,7 @@
           <p:spPr>
             <a:xfrm>
               <a:off x="626400" y="484200"/>
-              <a:ext cx="1504080" cy="522720"/>
+              <a:ext cx="1503720" cy="522360"/>
             </a:xfrm>
             <a:prstGeom prst="rect">
               <a:avLst/>
@@ -10366,14 +12797,14 @@
       </p:grpSp>
       <p:sp>
         <p:nvSpPr>
-          <p:cNvPr id="137" name="Google Shape;253;g1f213c8c16b_0_ 1"/>
+          <p:cNvPr id="139" name="Google Shape;253;g1f213c8c16b_0_ 5"/>
           <p:cNvSpPr/>
           <p:nvPr/>
         </p:nvSpPr>
         <p:spPr>
           <a:xfrm>
             <a:off x="1440720" y="900000"/>
-            <a:ext cx="9359280" cy="638280"/>
+            <a:ext cx="9358920" cy="638280"/>
           </a:xfrm>
           <a:prstGeom prst="rect">
             <a:avLst/>
@@ -10416,7 +12847,7 @@
                 <a:latin typeface="Nunito Sans Black"/>
                 <a:ea typeface="Nunito Sans Black"/>
               </a:rPr>
-              <a:t>Algoritmos de recorrido</a:t>
+              <a:t>Algortimos de busqueda</a:t>
             </a:r>
             <a:endParaRPr b="0" lang="es-CO" sz="3600" spc="-1" strike="noStrike">
               <a:solidFill>
@@ -10429,14 +12860,14 @@
       </p:sp>
       <p:sp>
         <p:nvSpPr>
-          <p:cNvPr id="138" name=""/>
+          <p:cNvPr id="140" name=""/>
           <p:cNvSpPr/>
           <p:nvPr/>
         </p:nvSpPr>
         <p:spPr>
           <a:xfrm>
             <a:off x="1271880" y="1232280"/>
-            <a:ext cx="3947400" cy="486000"/>
+            <a:ext cx="3947040" cy="485640"/>
           </a:xfrm>
           <a:prstGeom prst="rect">
             <a:avLst/>
@@ -10466,183 +12897,29 @@
           </a:p>
         </p:txBody>
       </p:sp>
-      <p:sp>
-        <p:nvSpPr>
-          <p:cNvPr id="139" name=""/>
-          <p:cNvSpPr txBox="1"/>
+      <p:pic>
+        <p:nvPicPr>
+          <p:cNvPr id="141" name="" descr=""/>
+          <p:cNvPicPr/>
           <p:nvPr/>
-        </p:nvSpPr>
-        <p:spPr>
-          <a:xfrm>
-            <a:off x="223560" y="1283400"/>
-            <a:ext cx="11764800" cy="6996600"/>
-          </a:xfrm>
-          <a:prstGeom prst="rect">
-            <a:avLst/>
-          </a:prstGeom>
-          <a:noFill/>
-          <a:ln w="0">
-            <a:noFill/>
-          </a:ln>
-        </p:spPr>
-        <p:txBody>
-          <a:bodyPr lIns="90000" rIns="90000" tIns="45000" bIns="45000" anchor="t">
-            <a:noAutofit/>
-          </a:bodyPr>
-          <a:p>
-            <a:r>
-              <a:rPr b="1" lang="es-CO" sz="2000" spc="-1" strike="noStrike">
-                <a:solidFill>
-                  <a:srgbClr val="ffffd7"/>
-                </a:solidFill>
-                <a:latin typeface="Arial"/>
-              </a:rPr>
-              <a:t>1. Dijkstra's Algorithm:</a:t>
-            </a:r>
-            <a:endParaRPr b="1" lang="es-CO" sz="2000" spc="-1" strike="noStrike">
-              <a:solidFill>
-                <a:srgbClr val="ffffd7"/>
-              </a:solidFill>
-              <a:latin typeface="Arial"/>
-            </a:endParaRPr>
-          </a:p>
-          <a:p>
-            <a:r>
-              <a:rPr b="0" lang="es-CO" sz="1500" spc="-1" strike="noStrike">
-                <a:solidFill>
-                  <a:srgbClr val="ffffd7"/>
-                </a:solidFill>
-                <a:latin typeface="Arial"/>
-              </a:rPr>
-              <a:t>Propósito: Encontrar el camino más corto desde un nodo origen a todos los demás nodos en un grafo ponderado (donde las aristas tienen un peso o costo asociado). Aplicación: Ideal para aplicaciones como sistemas de navegación, planificación de rutas, y en general cualquier situación donde se necesite determinar el camino de menor costo.</a:t>
-            </a:r>
-            <a:endParaRPr b="0" lang="es-CO" sz="1500" spc="-1" strike="noStrike">
-              <a:solidFill>
-                <a:srgbClr val="ffffd7"/>
-              </a:solidFill>
-              <a:latin typeface="Arial"/>
-            </a:endParaRPr>
-          </a:p>
-          <a:p>
-            <a:r>
-              <a:rPr b="1" lang="es-CO" sz="2000" spc="-1" strike="noStrike">
-                <a:solidFill>
-                  <a:srgbClr val="ffffd7"/>
-                </a:solidFill>
-                <a:latin typeface="Arial"/>
-              </a:rPr>
-              <a:t>2. Bellman-Ford Algorithm:</a:t>
-            </a:r>
-            <a:endParaRPr b="1" lang="es-CO" sz="2000" spc="-1" strike="noStrike">
-              <a:solidFill>
-                <a:srgbClr val="ffffd7"/>
-              </a:solidFill>
-              <a:latin typeface="Arial"/>
-            </a:endParaRPr>
-          </a:p>
-          <a:p>
-            <a:r>
-              <a:rPr b="0" lang="es-CO" sz="1500" spc="-1" strike="noStrike">
-                <a:solidFill>
-                  <a:srgbClr val="ffffd7"/>
-                </a:solidFill>
-                <a:latin typeface="Arial"/>
-              </a:rPr>
-              <a:t>Propósito: Encontrar el camino más corto desde un nodo origen a todos los demás nodos en un grafo ponderado, y puede manejar grafos con aristas de peso negativo. Aplicación: Útil en redes de telecomunicaciones y finanzas, especialmente en situaciones donde los costos o distancias pueden ser negativos.</a:t>
-            </a:r>
-            <a:endParaRPr b="0" lang="es-CO" sz="1500" spc="-1" strike="noStrike">
-              <a:solidFill>
-                <a:srgbClr val="ffffd7"/>
-              </a:solidFill>
-              <a:latin typeface="Arial"/>
-            </a:endParaRPr>
-          </a:p>
-          <a:p>
-            <a:r>
-              <a:rPr b="1" lang="es-CO" sz="2000" spc="-1" strike="noStrike">
-                <a:solidFill>
-                  <a:srgbClr val="ffffd7"/>
-                </a:solidFill>
-                <a:latin typeface="Arial"/>
-              </a:rPr>
-              <a:t>3. Floyd-Warshall Algorithm:</a:t>
-            </a:r>
-            <a:endParaRPr b="1" lang="es-CO" sz="2000" spc="-1" strike="noStrike">
-              <a:solidFill>
-                <a:srgbClr val="ffffd7"/>
-              </a:solidFill>
-              <a:latin typeface="Arial"/>
-            </a:endParaRPr>
-          </a:p>
-          <a:p>
-            <a:r>
-              <a:rPr b="0" lang="es-CO" sz="1500" spc="-1" strike="noStrike">
-                <a:solidFill>
-                  <a:srgbClr val="ffffd7"/>
-                </a:solidFill>
-                <a:latin typeface="Arial"/>
-              </a:rPr>
-              <a:t>Propósito: Encontrar los caminos más cortos entre todos los pares de nodos en un grafo ponderado. Aplicación: Utilizado en análisis de redes y aplicaciones de enrutamiento donde se requiere conocer las distancias más cortas entre todos los pares de nodos.</a:t>
-            </a:r>
-            <a:endParaRPr b="0" lang="es-CO" sz="1500" spc="-1" strike="noStrike">
-              <a:solidFill>
-                <a:srgbClr val="ffffd7"/>
-              </a:solidFill>
-              <a:latin typeface="Arial"/>
-            </a:endParaRPr>
-          </a:p>
-          <a:p>
-            <a:r>
-              <a:rPr b="1" lang="es-CO" sz="2000" spc="-1" strike="noStrike">
-                <a:solidFill>
-                  <a:srgbClr val="ffffd7"/>
-                </a:solidFill>
-                <a:latin typeface="Arial"/>
-              </a:rPr>
-              <a:t>4. A Search Algorithm:*</a:t>
-            </a:r>
-            <a:endParaRPr b="1" lang="es-CO" sz="2000" spc="-1" strike="noStrike">
-              <a:solidFill>
-                <a:srgbClr val="ffffd7"/>
-              </a:solidFill>
-              <a:latin typeface="Arial"/>
-            </a:endParaRPr>
-          </a:p>
-          <a:p>
-            <a:r>
-              <a:rPr b="0" lang="es-CO" sz="1500" spc="-1" strike="noStrike">
-                <a:solidFill>
-                  <a:srgbClr val="ffffd7"/>
-                </a:solidFill>
-                <a:latin typeface="Arial"/>
-              </a:rPr>
-              <a:t>Propósito: Encontrar el camino más corto entre un nodo origen y un nodo destino utilizando una heurística para guiar la búsqueda. Aplicación: Ampliamente utilizado en inteligencia artificial y robótica para la planificación de rutas, como en juegos y sistemas de navegación.</a:t>
-            </a:r>
-            <a:endParaRPr b="0" lang="es-CO" sz="1500" spc="-1" strike="noStrike">
-              <a:solidFill>
-                <a:srgbClr val="ffffd7"/>
-              </a:solidFill>
-              <a:latin typeface="Arial"/>
-            </a:endParaRPr>
-          </a:p>
-          <a:p>
-            <a:endParaRPr b="1" lang="es-CO" sz="1200" spc="-1" strike="noStrike">
-              <a:solidFill>
-                <a:srgbClr val="ffffd7"/>
-              </a:solidFill>
-              <a:latin typeface="Arial"/>
-            </a:endParaRPr>
-          </a:p>
-          <a:p>
-            <a:endParaRPr b="0" lang="es-CO" sz="1000" spc="-1" strike="noStrike">
-              <a:solidFill>
-                <a:srgbClr val="ffffd7"/>
-              </a:solidFill>
-              <a:latin typeface="Arial"/>
-            </a:endParaRPr>
-          </a:p>
-        </p:txBody>
-      </p:sp>
+        </p:nvPicPr>
+        <p:blipFill>
+          <a:blip r:embed="rId6"/>
+          <a:stretch/>
+        </p:blipFill>
+        <p:spPr>
+          <a:xfrm>
+            <a:off x="1744920" y="1800000"/>
+            <a:ext cx="7615080" cy="4283280"/>
+          </a:xfrm>
+          <a:prstGeom prst="rect">
+            <a:avLst/>
+          </a:prstGeom>
+          <a:ln w="0">
+            <a:noFill/>
+          </a:ln>
+        </p:spPr>
+      </p:pic>
     </p:spTree>
   </p:cSld>
   <mc:AlternateContent>
@@ -10675,21 +12952,21 @@
       </p:grpSpPr>
       <p:grpSp>
         <p:nvGrpSpPr>
-          <p:cNvPr id="140" name="Google Shape;266;g1f213c8c16b_0_ 3"/>
+          <p:cNvPr id="142" name="Google Shape;266;g1f213c8c16b_0_ 12"/>
           <p:cNvGrpSpPr/>
           <p:nvPr/>
         </p:nvGrpSpPr>
         <p:grpSpPr>
           <a:xfrm>
             <a:off x="360" y="-17640"/>
-            <a:ext cx="12190320" cy="6856200"/>
+            <a:ext cx="12189960" cy="6855840"/>
             <a:chOff x="360" y="-17640"/>
-            <a:chExt cx="12190320" cy="6856200"/>
+            <a:chExt cx="12189960" cy="6855840"/>
           </a:xfrm>
         </p:grpSpPr>
         <p:pic>
           <p:nvPicPr>
-            <p:cNvPr id="141" name="Google Shape;267;g1f213c8c16b_0_ 2" descr=""/>
+            <p:cNvPr id="143" name="Google Shape;267;g1f213c8c16b_0_ 12" descr=""/>
             <p:cNvPicPr/>
             <p:nvPr/>
           </p:nvPicPr>
@@ -10701,7 +12978,7 @@
           <p:spPr>
             <a:xfrm>
               <a:off x="360" y="-17640"/>
-              <a:ext cx="12190320" cy="6856200"/>
+              <a:ext cx="12189960" cy="6855840"/>
             </a:xfrm>
             <a:prstGeom prst="rect">
               <a:avLst/>
@@ -10713,7 +12990,7 @@
         </p:pic>
         <p:pic>
           <p:nvPicPr>
-            <p:cNvPr id="142" name="Google Shape;268;g1f213c8c16b_0_ 2" descr=""/>
+            <p:cNvPr id="144" name="Google Shape;268;g1f213c8c16b_0_ 12" descr=""/>
             <p:cNvPicPr/>
             <p:nvPr/>
           </p:nvPicPr>
@@ -10724,7 +13001,7 @@
           <p:spPr>
             <a:xfrm>
               <a:off x="360" y="-17640"/>
-              <a:ext cx="12190320" cy="6856200"/>
+              <a:ext cx="12189960" cy="6855840"/>
             </a:xfrm>
             <a:prstGeom prst="rect">
               <a:avLst/>
@@ -10737,7 +13014,7 @@
       </p:grpSp>
       <p:pic>
         <p:nvPicPr>
-          <p:cNvPr id="143" name="Google Shape;269;g1f213c8c16b_0_ 2" descr=""/>
+          <p:cNvPr id="145" name="Google Shape;269;g1f213c8c16b_0_ 12" descr=""/>
           <p:cNvPicPr/>
           <p:nvPr/>
         </p:nvPicPr>
@@ -10748,7 +13025,7 @@
         <p:spPr>
           <a:xfrm>
             <a:off x="4815360" y="165600"/>
-            <a:ext cx="2337480" cy="1118880"/>
+            <a:ext cx="2337120" cy="1118520"/>
           </a:xfrm>
           <a:prstGeom prst="rect">
             <a:avLst/>
@@ -10760,21 +13037,21 @@
       </p:pic>
       <p:grpSp>
         <p:nvGrpSpPr>
-          <p:cNvPr id="144" name="Google Shape;287;g1f213c8c16b_0_ 2"/>
+          <p:cNvPr id="146" name="Google Shape;287;g1f213c8c16b_0_ 12"/>
           <p:cNvGrpSpPr/>
           <p:nvPr/>
         </p:nvGrpSpPr>
         <p:grpSpPr>
           <a:xfrm>
             <a:off x="626400" y="254520"/>
-            <a:ext cx="11249640" cy="981360"/>
+            <a:ext cx="11249280" cy="981000"/>
             <a:chOff x="626400" y="254520"/>
-            <a:chExt cx="11249640" cy="981360"/>
+            <a:chExt cx="11249280" cy="981000"/>
           </a:xfrm>
         </p:grpSpPr>
         <p:pic>
           <p:nvPicPr>
-            <p:cNvPr id="145" name="Google Shape;288;g1f213c8c16b_0_ 2" descr=""/>
+            <p:cNvPr id="147" name="Google Shape;288;g1f213c8c16b_0_ 12" descr=""/>
             <p:cNvPicPr/>
             <p:nvPr/>
           </p:nvPicPr>
@@ -10785,7 +13062,7 @@
           <p:spPr>
             <a:xfrm>
               <a:off x="10059840" y="254520"/>
-              <a:ext cx="1816200" cy="981360"/>
+              <a:ext cx="1815840" cy="981000"/>
             </a:xfrm>
             <a:prstGeom prst="rect">
               <a:avLst/>
@@ -10797,7 +13074,7 @@
         </p:pic>
         <p:pic>
           <p:nvPicPr>
-            <p:cNvPr id="146" name="Google Shape;289;g1f213c8c16b_0_ 2" descr=""/>
+            <p:cNvPr id="148" name="Google Shape;289;g1f213c8c16b_0_ 12" descr=""/>
             <p:cNvPicPr/>
             <p:nvPr/>
           </p:nvPicPr>
@@ -10808,7 +13085,7 @@
           <p:spPr>
             <a:xfrm>
               <a:off x="626400" y="484200"/>
-              <a:ext cx="1504080" cy="522720"/>
+              <a:ext cx="1503720" cy="522360"/>
             </a:xfrm>
             <a:prstGeom prst="rect">
               <a:avLst/>
@@ -10821,14 +13098,14 @@
       </p:grpSp>
       <p:sp>
         <p:nvSpPr>
-          <p:cNvPr id="147" name="Google Shape;253;g1f213c8c16b_0_ 2"/>
+          <p:cNvPr id="149" name="Google Shape;253;g1f213c8c16b_0_ 12"/>
           <p:cNvSpPr/>
           <p:nvPr/>
         </p:nvSpPr>
         <p:spPr>
           <a:xfrm>
             <a:off x="1440720" y="900000"/>
-            <a:ext cx="9359280" cy="638280"/>
+            <a:ext cx="9358920" cy="638280"/>
           </a:xfrm>
           <a:prstGeom prst="rect">
             <a:avLst/>
@@ -10871,7 +13148,7 @@
                 <a:latin typeface="Nunito Sans Black"/>
                 <a:ea typeface="Nunito Sans Black"/>
               </a:rPr>
-              <a:t>Algoritmos de recorrido</a:t>
+              <a:t>Algortimos de busqueda</a:t>
             </a:r>
             <a:endParaRPr b="0" lang="es-CO" sz="3600" spc="-1" strike="noStrike">
               <a:solidFill>
@@ -10884,14 +13161,14 @@
       </p:sp>
       <p:sp>
         <p:nvSpPr>
-          <p:cNvPr id="148" name=""/>
+          <p:cNvPr id="150" name=""/>
           <p:cNvSpPr/>
           <p:nvPr/>
         </p:nvSpPr>
         <p:spPr>
           <a:xfrm>
             <a:off x="1271880" y="1232280"/>
-            <a:ext cx="3947400" cy="486000"/>
+            <a:ext cx="3947040" cy="485640"/>
           </a:xfrm>
           <a:prstGeom prst="rect">
             <a:avLst/>
@@ -10921,255 +13198,29 @@
           </a:p>
         </p:txBody>
       </p:sp>
-      <p:sp>
-        <p:nvSpPr>
-          <p:cNvPr id="149" name=""/>
-          <p:cNvSpPr txBox="1"/>
+      <p:pic>
+        <p:nvPicPr>
+          <p:cNvPr id="151" name="" descr=""/>
+          <p:cNvPicPr/>
           <p:nvPr/>
-        </p:nvSpPr>
-        <p:spPr>
-          <a:xfrm>
-            <a:off x="180000" y="1463400"/>
-            <a:ext cx="11764800" cy="6996600"/>
-          </a:xfrm>
-          <a:prstGeom prst="rect">
-            <a:avLst/>
-          </a:prstGeom>
-          <a:noFill/>
-          <a:ln w="0">
-            <a:noFill/>
-          </a:ln>
-        </p:spPr>
-        <p:txBody>
-          <a:bodyPr lIns="90000" rIns="90000" tIns="45000" bIns="45000" anchor="t">
-            <a:noAutofit/>
-          </a:bodyPr>
-          <a:p>
-            <a:pPr>
-              <a:lnSpc>
-                <a:spcPct val="100000"/>
-              </a:lnSpc>
-              <a:spcBef>
-                <a:spcPts val="1191"/>
-              </a:spcBef>
-              <a:spcAft>
-                <a:spcPts val="992"/>
-              </a:spcAft>
-            </a:pPr>
-            <a:r>
-              <a:rPr b="1" lang="es-CO" sz="1800" spc="-1" strike="noStrike">
-                <a:solidFill>
-                  <a:srgbClr val="ffffd7"/>
-                </a:solidFill>
-                <a:latin typeface="Arial"/>
-              </a:rPr>
-              <a:t>5. Prim's Algorithm:</a:t>
-            </a:r>
-            <a:endParaRPr b="1" lang="es-CO" sz="1800" spc="-1" strike="noStrike">
-              <a:solidFill>
-                <a:srgbClr val="ffffd7"/>
-              </a:solidFill>
-              <a:latin typeface="Arial"/>
-            </a:endParaRPr>
-          </a:p>
-          <a:p>
-            <a:pPr>
-              <a:lnSpc>
-                <a:spcPct val="100000"/>
-              </a:lnSpc>
-              <a:spcBef>
-                <a:spcPts val="1191"/>
-              </a:spcBef>
-              <a:spcAft>
-                <a:spcPts val="992"/>
-              </a:spcAft>
-            </a:pPr>
-            <a:r>
-              <a:rPr b="1" lang="es-CO" sz="1400" spc="-1" strike="noStrike">
-                <a:solidFill>
-                  <a:srgbClr val="ffffd7"/>
-                </a:solidFill>
-                <a:latin typeface="Arial"/>
-              </a:rPr>
-              <a:t>Propósito: Encontrar el Árbol de Expansión Mínima (MST) en un grafo ponderado. Un MST es un subconjunto de las aristas del grafo que conecta todos los nodos sin ciclos y con el menor peso total posible. Aplicación: Útil en diseño de redes, como en la construcción de redes de computadoras o de comunicación.</a:t>
-            </a:r>
-            <a:endParaRPr b="1" lang="es-CO" sz="1400" spc="-1" strike="noStrike">
-              <a:solidFill>
-                <a:srgbClr val="ffffd7"/>
-              </a:solidFill>
-              <a:latin typeface="Arial"/>
-            </a:endParaRPr>
-          </a:p>
-          <a:p>
-            <a:pPr>
-              <a:lnSpc>
-                <a:spcPct val="100000"/>
-              </a:lnSpc>
-              <a:spcBef>
-                <a:spcPts val="1191"/>
-              </a:spcBef>
-              <a:spcAft>
-                <a:spcPts val="992"/>
-              </a:spcAft>
-            </a:pPr>
-            <a:r>
-              <a:rPr b="1" lang="es-CO" sz="1800" spc="-1" strike="noStrike">
-                <a:solidFill>
-                  <a:srgbClr val="ffffd7"/>
-                </a:solidFill>
-                <a:latin typeface="Arial"/>
-              </a:rPr>
-              <a:t>6. Kruskal's Algorithm:</a:t>
-            </a:r>
-            <a:endParaRPr b="1" lang="es-CO" sz="1800" spc="-1" strike="noStrike">
-              <a:solidFill>
-                <a:srgbClr val="ffffd7"/>
-              </a:solidFill>
-              <a:latin typeface="Arial"/>
-            </a:endParaRPr>
-          </a:p>
-          <a:p>
-            <a:pPr>
-              <a:lnSpc>
-                <a:spcPct val="100000"/>
-              </a:lnSpc>
-              <a:spcBef>
-                <a:spcPts val="1191"/>
-              </a:spcBef>
-              <a:spcAft>
-                <a:spcPts val="992"/>
-              </a:spcAft>
-            </a:pPr>
-            <a:r>
-              <a:rPr b="1" lang="es-CO" sz="1400" spc="-1" strike="noStrike">
-                <a:solidFill>
-                  <a:srgbClr val="ffffd7"/>
-                </a:solidFill>
-                <a:latin typeface="Arial"/>
-              </a:rPr>
-              <a:t>Propósito: También se utiliza para encontrar el Árbol de Expansión Mínima en un grafo ponderado. Aplicación: Similar a Prim's, pero más eficiente en ciertos tipos de grafos, especialmente aquellos que son dispersos.</a:t>
-            </a:r>
-            <a:endParaRPr b="1" lang="es-CO" sz="1400" spc="-1" strike="noStrike">
-              <a:solidFill>
-                <a:srgbClr val="ffffd7"/>
-              </a:solidFill>
-              <a:latin typeface="Arial"/>
-            </a:endParaRPr>
-          </a:p>
-          <a:p>
-            <a:pPr>
-              <a:lnSpc>
-                <a:spcPct val="100000"/>
-              </a:lnSpc>
-              <a:spcBef>
-                <a:spcPts val="1191"/>
-              </a:spcBef>
-              <a:spcAft>
-                <a:spcPts val="992"/>
-              </a:spcAft>
-            </a:pPr>
-            <a:r>
-              <a:rPr b="1" lang="es-CO" sz="1800" spc="-1" strike="noStrike">
-                <a:solidFill>
-                  <a:srgbClr val="ffffd7"/>
-                </a:solidFill>
-                <a:latin typeface="Arial"/>
-              </a:rPr>
-              <a:t>7. Johnson's Algorithm:</a:t>
-            </a:r>
-            <a:endParaRPr b="1" lang="es-CO" sz="1800" spc="-1" strike="noStrike">
-              <a:solidFill>
-                <a:srgbClr val="ffffd7"/>
-              </a:solidFill>
-              <a:latin typeface="Arial"/>
-            </a:endParaRPr>
-          </a:p>
-          <a:p>
-            <a:pPr>
-              <a:lnSpc>
-                <a:spcPct val="100000"/>
-              </a:lnSpc>
-              <a:spcBef>
-                <a:spcPts val="1191"/>
-              </a:spcBef>
-              <a:spcAft>
-                <a:spcPts val="992"/>
-              </a:spcAft>
-            </a:pPr>
-            <a:r>
-              <a:rPr b="1" lang="es-CO" sz="1400" spc="-1" strike="noStrike">
-                <a:solidFill>
-                  <a:srgbClr val="ffffd7"/>
-                </a:solidFill>
-                <a:latin typeface="Arial"/>
-              </a:rPr>
-              <a:t>Propósito: Encontrar los caminos más cortos entre todos los pares de nodos en un grafo ponderado que puede contener aristas de peso negativo. Aplicación: Combinación de Bellman-Ford y Dijkstra, útil para grafos grandes y dispersos.</a:t>
-            </a:r>
-            <a:endParaRPr b="1" lang="es-CO" sz="1400" spc="-1" strike="noStrike">
-              <a:solidFill>
-                <a:srgbClr val="ffffd7"/>
-              </a:solidFill>
-              <a:latin typeface="Arial"/>
-            </a:endParaRPr>
-          </a:p>
-          <a:p>
-            <a:pPr>
-              <a:lnSpc>
-                <a:spcPct val="100000"/>
-              </a:lnSpc>
-              <a:spcBef>
-                <a:spcPts val="1191"/>
-              </a:spcBef>
-              <a:spcAft>
-                <a:spcPts val="992"/>
-              </a:spcAft>
-            </a:pPr>
-            <a:r>
-              <a:rPr b="1" lang="es-CO" sz="1800" spc="-1" strike="noStrike">
-                <a:solidFill>
-                  <a:srgbClr val="ffffd7"/>
-                </a:solidFill>
-                <a:latin typeface="Arial"/>
-              </a:rPr>
-              <a:t>8. Topological Sort:</a:t>
-            </a:r>
-            <a:endParaRPr b="1" lang="es-CO" sz="1800" spc="-1" strike="noStrike">
-              <a:solidFill>
-                <a:srgbClr val="ffffd7"/>
-              </a:solidFill>
-              <a:latin typeface="Arial"/>
-            </a:endParaRPr>
-          </a:p>
-          <a:p>
-            <a:pPr>
-              <a:lnSpc>
-                <a:spcPct val="100000"/>
-              </a:lnSpc>
-              <a:spcBef>
-                <a:spcPts val="1191"/>
-              </a:spcBef>
-              <a:spcAft>
-                <a:spcPts val="992"/>
-              </a:spcAft>
-            </a:pPr>
-            <a:r>
-              <a:rPr b="1" lang="es-CO" sz="1400" spc="-1" strike="noStrike">
-                <a:solidFill>
-                  <a:srgbClr val="ffffd7"/>
-                </a:solidFill>
-                <a:latin typeface="Arial"/>
-              </a:rPr>
-              <a:t>Propósito: Ordenar los nodos de un grafo dirigido acíclico (DAG) de tal manera que para cada arista dirigida uvuvuv, el nodo u aparece antes que el nodo v. Aplicación: Utilizado en la planificación de tareas, ordenación de dependencias y compilación de código.</a:t>
-            </a:r>
-            <a:endParaRPr b="1" lang="es-CO" sz="1400" spc="-1" strike="noStrike">
-              <a:solidFill>
-                <a:srgbClr val="ffffd7"/>
-              </a:solidFill>
-              <a:latin typeface="Arial"/>
-            </a:endParaRPr>
-          </a:p>
-        </p:txBody>
-      </p:sp>
+        </p:nvPicPr>
+        <p:blipFill>
+          <a:blip r:embed="rId6"/>
+          <a:stretch/>
+        </p:blipFill>
+        <p:spPr>
+          <a:xfrm>
+            <a:off x="1800000" y="1980000"/>
+            <a:ext cx="7603920" cy="4149720"/>
+          </a:xfrm>
+          <a:prstGeom prst="rect">
+            <a:avLst/>
+          </a:prstGeom>
+          <a:ln w="0">
+            <a:noFill/>
+          </a:ln>
+        </p:spPr>
+      </p:pic>
     </p:spTree>
   </p:cSld>
   <mc:AlternateContent>
@@ -11202,21 +13253,21 @@
       </p:grpSpPr>
       <p:grpSp>
         <p:nvGrpSpPr>
-          <p:cNvPr id="150" name="Google Shape;266;g1f213c8c16b_0_ 6"/>
+          <p:cNvPr id="152" name="Google Shape;266;g1f213c8c16b_0_ 4"/>
           <p:cNvGrpSpPr/>
           <p:nvPr/>
         </p:nvGrpSpPr>
         <p:grpSpPr>
           <a:xfrm>
             <a:off x="360" y="-17640"/>
-            <a:ext cx="12190320" cy="6856200"/>
+            <a:ext cx="12189960" cy="6855840"/>
             <a:chOff x="360" y="-17640"/>
-            <a:chExt cx="12190320" cy="6856200"/>
+            <a:chExt cx="12189960" cy="6855840"/>
           </a:xfrm>
         </p:grpSpPr>
         <p:pic>
           <p:nvPicPr>
-            <p:cNvPr id="151" name="Google Shape;267;g1f213c8c16b_0_ 7" descr=""/>
+            <p:cNvPr id="153" name="Google Shape;267;g1f213c8c16b_0_ 4" descr=""/>
             <p:cNvPicPr/>
             <p:nvPr/>
           </p:nvPicPr>
@@ -11228,7 +13279,7 @@
           <p:spPr>
             <a:xfrm>
               <a:off x="360" y="-17640"/>
-              <a:ext cx="12190320" cy="6856200"/>
+              <a:ext cx="12189960" cy="6855840"/>
             </a:xfrm>
             <a:prstGeom prst="rect">
               <a:avLst/>
@@ -11240,7 +13291,7 @@
         </p:pic>
         <p:pic>
           <p:nvPicPr>
-            <p:cNvPr id="152" name="Google Shape;268;g1f213c8c16b_0_ 7" descr=""/>
+            <p:cNvPr id="154" name="Google Shape;268;g1f213c8c16b_0_ 4" descr=""/>
             <p:cNvPicPr/>
             <p:nvPr/>
           </p:nvPicPr>
@@ -11251,7 +13302,7 @@
           <p:spPr>
             <a:xfrm>
               <a:off x="360" y="-17640"/>
-              <a:ext cx="12190320" cy="6856200"/>
+              <a:ext cx="12189960" cy="6855840"/>
             </a:xfrm>
             <a:prstGeom prst="rect">
               <a:avLst/>
@@ -11264,7 +13315,7 @@
       </p:grpSp>
       <p:pic>
         <p:nvPicPr>
-          <p:cNvPr id="153" name="Google Shape;269;g1f213c8c16b_0_ 7" descr=""/>
+          <p:cNvPr id="155" name="Google Shape;269;g1f213c8c16b_0_ 4" descr=""/>
           <p:cNvPicPr/>
           <p:nvPr/>
         </p:nvPicPr>
@@ -11275,7 +13326,7 @@
         <p:spPr>
           <a:xfrm>
             <a:off x="4815360" y="165600"/>
-            <a:ext cx="2337480" cy="1118880"/>
+            <a:ext cx="2337120" cy="1118520"/>
           </a:xfrm>
           <a:prstGeom prst="rect">
             <a:avLst/>
@@ -11287,21 +13338,21 @@
       </p:pic>
       <p:grpSp>
         <p:nvGrpSpPr>
-          <p:cNvPr id="154" name="Google Shape;287;g1f213c8c16b_0_ 7"/>
+          <p:cNvPr id="156" name="Google Shape;287;g1f213c8c16b_0_ 4"/>
           <p:cNvGrpSpPr/>
           <p:nvPr/>
         </p:nvGrpSpPr>
         <p:grpSpPr>
           <a:xfrm>
             <a:off x="626400" y="254520"/>
-            <a:ext cx="11249640" cy="981360"/>
+            <a:ext cx="11249280" cy="981000"/>
             <a:chOff x="626400" y="254520"/>
-            <a:chExt cx="11249640" cy="981360"/>
+            <a:chExt cx="11249280" cy="981000"/>
           </a:xfrm>
         </p:grpSpPr>
         <p:pic>
           <p:nvPicPr>
-            <p:cNvPr id="155" name="Google Shape;288;g1f213c8c16b_0_ 7" descr=""/>
+            <p:cNvPr id="157" name="Google Shape;288;g1f213c8c16b_0_ 4" descr=""/>
             <p:cNvPicPr/>
             <p:nvPr/>
           </p:nvPicPr>
@@ -11312,7 +13363,7 @@
           <p:spPr>
             <a:xfrm>
               <a:off x="10059840" y="254520"/>
-              <a:ext cx="1816200" cy="981360"/>
+              <a:ext cx="1815840" cy="981000"/>
             </a:xfrm>
             <a:prstGeom prst="rect">
               <a:avLst/>
@@ -11324,7 +13375,7 @@
         </p:pic>
         <p:pic>
           <p:nvPicPr>
-            <p:cNvPr id="156" name="Google Shape;289;g1f213c8c16b_0_ 7" descr=""/>
+            <p:cNvPr id="158" name="Google Shape;289;g1f213c8c16b_0_ 4" descr=""/>
             <p:cNvPicPr/>
             <p:nvPr/>
           </p:nvPicPr>
@@ -11335,7 +13386,7 @@
           <p:spPr>
             <a:xfrm>
               <a:off x="626400" y="484200"/>
-              <a:ext cx="1504080" cy="522720"/>
+              <a:ext cx="1503720" cy="522360"/>
             </a:xfrm>
             <a:prstGeom prst="rect">
               <a:avLst/>
@@ -11348,14 +13399,14 @@
       </p:grpSp>
       <p:sp>
         <p:nvSpPr>
-          <p:cNvPr id="157" name="Google Shape;253;g1f213c8c16b_0_ 7"/>
+          <p:cNvPr id="159" name="Google Shape;253;g1f213c8c16b_0_ 4"/>
           <p:cNvSpPr/>
           <p:nvPr/>
         </p:nvSpPr>
         <p:spPr>
           <a:xfrm>
             <a:off x="1440720" y="900000"/>
-            <a:ext cx="9359280" cy="638280"/>
+            <a:ext cx="9358920" cy="638280"/>
           </a:xfrm>
           <a:prstGeom prst="rect">
             <a:avLst/>
@@ -11398,7 +13449,7 @@
                 <a:latin typeface="Nunito Sans Black"/>
                 <a:ea typeface="Nunito Sans Black"/>
               </a:rPr>
-              <a:t>Algoritmos de recorrido</a:t>
+              <a:t>Algortimos de ordenamiento</a:t>
             </a:r>
             <a:endParaRPr b="0" lang="es-CO" sz="3600" spc="-1" strike="noStrike">
               <a:solidFill>
@@ -11411,14 +13462,14 @@
       </p:sp>
       <p:sp>
         <p:nvSpPr>
-          <p:cNvPr id="158" name=""/>
+          <p:cNvPr id="160" name=""/>
           <p:cNvSpPr/>
           <p:nvPr/>
         </p:nvSpPr>
         <p:spPr>
           <a:xfrm>
             <a:off x="1271880" y="1232280"/>
-            <a:ext cx="3947400" cy="486000"/>
+            <a:ext cx="3947040" cy="485640"/>
           </a:xfrm>
           <a:prstGeom prst="rect">
             <a:avLst/>
@@ -11448,199 +13499,29 @@
           </a:p>
         </p:txBody>
       </p:sp>
-      <p:sp>
-        <p:nvSpPr>
-          <p:cNvPr id="159" name=""/>
-          <p:cNvSpPr txBox="1"/>
+      <p:pic>
+        <p:nvPicPr>
+          <p:cNvPr id="161" name="" descr=""/>
+          <p:cNvPicPr/>
           <p:nvPr/>
-        </p:nvSpPr>
-        <p:spPr>
-          <a:xfrm>
-            <a:off x="180000" y="1800000"/>
-            <a:ext cx="11764800" cy="6996600"/>
-          </a:xfrm>
-          <a:prstGeom prst="rect">
-            <a:avLst/>
-          </a:prstGeom>
-          <a:noFill/>
-          <a:ln w="0">
-            <a:noFill/>
-          </a:ln>
-        </p:spPr>
-        <p:txBody>
-          <a:bodyPr lIns="90000" rIns="90000" tIns="45000" bIns="45000" anchor="t">
-            <a:noAutofit/>
-          </a:bodyPr>
-          <a:p>
-            <a:pPr>
-              <a:lnSpc>
-                <a:spcPct val="100000"/>
-              </a:lnSpc>
-              <a:spcBef>
-                <a:spcPts val="1191"/>
-              </a:spcBef>
-              <a:spcAft>
-                <a:spcPts val="992"/>
-              </a:spcAft>
-            </a:pPr>
-            <a:r>
-              <a:rPr b="1" lang="es-CO" sz="2000" spc="-1" strike="noStrike">
-                <a:solidFill>
-                  <a:srgbClr val="ffffd7"/>
-                </a:solidFill>
-                <a:latin typeface="Arial"/>
-              </a:rPr>
-              <a:t>9. Tarjan's Algorithm:</a:t>
-            </a:r>
-            <a:endParaRPr b="1" lang="es-CO" sz="2000" spc="-1" strike="noStrike">
-              <a:solidFill>
-                <a:srgbClr val="ffffd7"/>
-              </a:solidFill>
-              <a:latin typeface="Arial"/>
-            </a:endParaRPr>
-          </a:p>
-          <a:p>
-            <a:pPr>
-              <a:lnSpc>
-                <a:spcPct val="100000"/>
-              </a:lnSpc>
-              <a:spcBef>
-                <a:spcPts val="1191"/>
-              </a:spcBef>
-              <a:spcAft>
-                <a:spcPts val="992"/>
-              </a:spcAft>
-            </a:pPr>
-            <a:r>
-              <a:rPr b="1" lang="es-CO" sz="1500" spc="-1" strike="noStrike">
-                <a:solidFill>
-                  <a:srgbClr val="ffffd7"/>
-                </a:solidFill>
-                <a:latin typeface="Arial"/>
-              </a:rPr>
-              <a:t>Propósito: Encontrar las componentes fuertemente conexas (SCCs) en un grafo dirigido.</a:t>
-            </a:r>
-            <a:endParaRPr b="1" lang="es-CO" sz="1500" spc="-1" strike="noStrike">
-              <a:solidFill>
-                <a:srgbClr val="ffffd7"/>
-              </a:solidFill>
-              <a:latin typeface="Arial"/>
-            </a:endParaRPr>
-          </a:p>
-          <a:p>
-            <a:pPr>
-              <a:lnSpc>
-                <a:spcPct val="100000"/>
-              </a:lnSpc>
-              <a:spcBef>
-                <a:spcPts val="1191"/>
-              </a:spcBef>
-              <a:spcAft>
-                <a:spcPts val="992"/>
-              </a:spcAft>
-            </a:pPr>
-            <a:r>
-              <a:rPr b="1" lang="es-CO" sz="1500" spc="-1" strike="noStrike">
-                <a:solidFill>
-                  <a:srgbClr val="ffffd7"/>
-                </a:solidFill>
-                <a:latin typeface="Arial"/>
-              </a:rPr>
-              <a:t>Aplicación: Análisis de dependencias y circuitos en redes de software y hardware.</a:t>
-            </a:r>
-            <a:endParaRPr b="1" lang="es-CO" sz="1500" spc="-1" strike="noStrike">
-              <a:solidFill>
-                <a:srgbClr val="ffffd7"/>
-              </a:solidFill>
-              <a:latin typeface="Arial"/>
-            </a:endParaRPr>
-          </a:p>
-          <a:p>
-            <a:pPr>
-              <a:lnSpc>
-                <a:spcPct val="100000"/>
-              </a:lnSpc>
-              <a:spcBef>
-                <a:spcPts val="1191"/>
-              </a:spcBef>
-              <a:spcAft>
-                <a:spcPts val="992"/>
-              </a:spcAft>
-            </a:pPr>
-            <a:r>
-              <a:rPr b="1" lang="es-CO" sz="2000" spc="-1" strike="noStrike">
-                <a:solidFill>
-                  <a:srgbClr val="ffffd7"/>
-                </a:solidFill>
-                <a:latin typeface="Arial"/>
-              </a:rPr>
-              <a:t>10. Kosaraju's Algorithm:</a:t>
-            </a:r>
-            <a:endParaRPr b="1" lang="es-CO" sz="2000" spc="-1" strike="noStrike">
-              <a:solidFill>
-                <a:srgbClr val="ffffd7"/>
-              </a:solidFill>
-              <a:latin typeface="Arial"/>
-            </a:endParaRPr>
-          </a:p>
-          <a:p>
-            <a:pPr>
-              <a:lnSpc>
-                <a:spcPct val="100000"/>
-              </a:lnSpc>
-              <a:spcBef>
-                <a:spcPts val="1191"/>
-              </a:spcBef>
-              <a:spcAft>
-                <a:spcPts val="992"/>
-              </a:spcAft>
-            </a:pPr>
-            <a:r>
-              <a:rPr b="1" lang="es-CO" sz="1500" spc="-1" strike="noStrike">
-                <a:solidFill>
-                  <a:srgbClr val="ffffd7"/>
-                </a:solidFill>
-                <a:latin typeface="Arial"/>
-              </a:rPr>
-              <a:t>Propósito: Otra técnica para encontrar las componentes fuertemente conexas en un grafo dirigido.</a:t>
-            </a:r>
-            <a:endParaRPr b="1" lang="es-CO" sz="1500" spc="-1" strike="noStrike">
-              <a:solidFill>
-                <a:srgbClr val="ffffd7"/>
-              </a:solidFill>
-              <a:latin typeface="Arial"/>
-            </a:endParaRPr>
-          </a:p>
-          <a:p>
-            <a:pPr>
-              <a:lnSpc>
-                <a:spcPct val="100000"/>
-              </a:lnSpc>
-              <a:spcBef>
-                <a:spcPts val="1191"/>
-              </a:spcBef>
-              <a:spcAft>
-                <a:spcPts val="992"/>
-              </a:spcAft>
-            </a:pPr>
-            <a:r>
-              <a:rPr b="1" lang="es-CO" sz="1500" spc="-1" strike="noStrike">
-                <a:solidFill>
-                  <a:srgbClr val="ffffd7"/>
-                </a:solidFill>
-                <a:latin typeface="Arial"/>
-              </a:rPr>
-              <a:t>Aplicación: Similar a Tarjan's, utilizado en análisis de redes.</a:t>
-            </a:r>
-            <a:endParaRPr b="1" lang="es-CO" sz="1500" spc="-1" strike="noStrike">
-              <a:solidFill>
-                <a:srgbClr val="ffffd7"/>
-              </a:solidFill>
-              <a:latin typeface="Arial"/>
-            </a:endParaRPr>
-          </a:p>
-        </p:txBody>
-      </p:sp>
+        </p:nvPicPr>
+        <p:blipFill>
+          <a:blip r:embed="rId6"/>
+          <a:stretch/>
+        </p:blipFill>
+        <p:spPr>
+          <a:xfrm>
+            <a:off x="1876680" y="1669320"/>
+            <a:ext cx="8923320" cy="4990680"/>
+          </a:xfrm>
+          <a:prstGeom prst="rect">
+            <a:avLst/>
+          </a:prstGeom>
+          <a:ln w="0">
+            <a:noFill/>
+          </a:ln>
+        </p:spPr>
+      </p:pic>
     </p:spTree>
   </p:cSld>
   <mc:AlternateContent>

--- a/Material pedagógico/Modulo 2/Clase 4/Clase 4 - Modulo 2.pptx
+++ b/Material pedagógico/Modulo 2/Clase 4/Clase 4 - Modulo 2.pptx
@@ -364,7 +364,7 @@
             <a:pPr indent="0" algn="r">
               <a:buNone/>
             </a:pPr>
-            <a:fld id="{6A30DB16-AD82-4673-8516-01494AF27057}" type="slidenum">
+            <a:fld id="{3C146F68-DD93-4E7D-889C-44AA8AFC39BB}" type="slidenum">
               <a:rPr b="0" lang="es-CO" sz="1400" spc="-1" strike="noStrike">
                 <a:solidFill>
                   <a:srgbClr val="000000"/>
@@ -418,7 +418,7 @@
         <p:spPr>
           <a:xfrm>
             <a:off x="685800" y="1143000"/>
-            <a:ext cx="5484240" cy="3084120"/>
+            <a:ext cx="5483880" cy="3083760"/>
           </a:xfrm>
           <a:prstGeom prst="rect">
             <a:avLst/>
@@ -441,7 +441,7 @@
         <p:spPr>
           <a:xfrm>
             <a:off x="685800" y="4400640"/>
-            <a:ext cx="5484240" cy="3598560"/>
+            <a:ext cx="5483880" cy="3598200"/>
           </a:xfrm>
           <a:prstGeom prst="rect">
             <a:avLst/>
@@ -481,7 +481,7 @@
         <p:spPr>
           <a:xfrm>
             <a:off x="3884760" y="8685360"/>
-            <a:ext cx="2969640" cy="456480"/>
+            <a:ext cx="2969280" cy="456120"/>
           </a:xfrm>
           <a:prstGeom prst="rect">
             <a:avLst/>
@@ -522,7 +522,7 @@
                 <a:tab algn="l" pos="0"/>
               </a:tabLst>
             </a:pPr>
-            <a:fld id="{98C54FF9-4CBE-4E13-95EB-564E6AC9A7E3}" type="slidenum">
+            <a:fld id="{40EF98BD-FD1A-40A2-8B39-04943E92AC76}" type="slidenum">
               <a:rPr b="0" lang="es-CO" sz="1400" spc="-1" strike="noStrike">
                 <a:solidFill>
                   <a:srgbClr val="000000"/>
@@ -575,7 +575,7 @@
         <p:spPr>
           <a:xfrm>
             <a:off x="685800" y="1143000"/>
-            <a:ext cx="5484240" cy="3084120"/>
+            <a:ext cx="5483880" cy="3083760"/>
           </a:xfrm>
           <a:prstGeom prst="rect">
             <a:avLst/>
@@ -598,7 +598,7 @@
         <p:spPr>
           <a:xfrm>
             <a:off x="685800" y="4400640"/>
-            <a:ext cx="5484240" cy="3598560"/>
+            <a:ext cx="5483880" cy="3598200"/>
           </a:xfrm>
           <a:prstGeom prst="rect">
             <a:avLst/>
@@ -638,7 +638,7 @@
         <p:spPr>
           <a:xfrm>
             <a:off x="3884760" y="8685360"/>
-            <a:ext cx="2969640" cy="456480"/>
+            <a:ext cx="2969280" cy="456120"/>
           </a:xfrm>
           <a:prstGeom prst="rect">
             <a:avLst/>
@@ -679,7 +679,7 @@
                 <a:tab algn="l" pos="0"/>
               </a:tabLst>
             </a:pPr>
-            <a:fld id="{D29CE8A2-493B-49EC-B4D6-0737D52EEA14}" type="slidenum">
+            <a:fld id="{3BD09427-8DCA-4447-9E95-EDF407003FDF}" type="slidenum">
               <a:rPr b="0" lang="es-CO" sz="1400" spc="-1" strike="noStrike">
                 <a:solidFill>
                   <a:srgbClr val="000000"/>
@@ -732,7 +732,7 @@
         <p:spPr>
           <a:xfrm>
             <a:off x="685800" y="1143000"/>
-            <a:ext cx="5484240" cy="3084120"/>
+            <a:ext cx="5483880" cy="3083760"/>
           </a:xfrm>
           <a:prstGeom prst="rect">
             <a:avLst/>
@@ -755,7 +755,7 @@
         <p:spPr>
           <a:xfrm>
             <a:off x="685800" y="4400640"/>
-            <a:ext cx="5484240" cy="3598560"/>
+            <a:ext cx="5483880" cy="3598200"/>
           </a:xfrm>
           <a:prstGeom prst="rect">
             <a:avLst/>
@@ -795,7 +795,7 @@
         <p:spPr>
           <a:xfrm>
             <a:off x="3884760" y="8685360"/>
-            <a:ext cx="2969640" cy="456480"/>
+            <a:ext cx="2969280" cy="456120"/>
           </a:xfrm>
           <a:prstGeom prst="rect">
             <a:avLst/>
@@ -836,7 +836,7 @@
                 <a:tab algn="l" pos="0"/>
               </a:tabLst>
             </a:pPr>
-            <a:fld id="{AA7FD62C-F827-4AF7-BD67-17457784A4B3}" type="slidenum">
+            <a:fld id="{B0D0D5F6-A830-48BA-B2C2-63B57F8E16CE}" type="slidenum">
               <a:rPr b="0" lang="es-CO" sz="1400" spc="-1" strike="noStrike">
                 <a:solidFill>
                   <a:srgbClr val="000000"/>
@@ -889,7 +889,7 @@
         <p:spPr>
           <a:xfrm>
             <a:off x="685800" y="1143000"/>
-            <a:ext cx="5484240" cy="3084120"/>
+            <a:ext cx="5483880" cy="3083760"/>
           </a:xfrm>
           <a:prstGeom prst="rect">
             <a:avLst/>
@@ -912,7 +912,7 @@
         <p:spPr>
           <a:xfrm>
             <a:off x="685800" y="4400640"/>
-            <a:ext cx="5484240" cy="3598560"/>
+            <a:ext cx="5483880" cy="3598200"/>
           </a:xfrm>
           <a:prstGeom prst="rect">
             <a:avLst/>
@@ -952,7 +952,7 @@
         <p:spPr>
           <a:xfrm>
             <a:off x="3884760" y="8685360"/>
-            <a:ext cx="2969640" cy="456480"/>
+            <a:ext cx="2969280" cy="456120"/>
           </a:xfrm>
           <a:prstGeom prst="rect">
             <a:avLst/>
@@ -993,7 +993,7 @@
                 <a:tab algn="l" pos="0"/>
               </a:tabLst>
             </a:pPr>
-            <a:fld id="{3AB26ED3-7ACE-44E0-9FCC-AACBFAA87F17}" type="slidenum">
+            <a:fld id="{017CFE89-34BD-409E-8EA4-31217528774F}" type="slidenum">
               <a:rPr b="0" lang="es-CO" sz="1400" spc="-1" strike="noStrike">
                 <a:solidFill>
                   <a:srgbClr val="000000"/>
@@ -1046,7 +1046,7 @@
         <p:spPr>
           <a:xfrm>
             <a:off x="685800" y="1143000"/>
-            <a:ext cx="5484240" cy="3084120"/>
+            <a:ext cx="5483880" cy="3083760"/>
           </a:xfrm>
           <a:prstGeom prst="rect">
             <a:avLst/>
@@ -1069,7 +1069,7 @@
         <p:spPr>
           <a:xfrm>
             <a:off x="685800" y="4400640"/>
-            <a:ext cx="5484240" cy="3598560"/>
+            <a:ext cx="5483880" cy="3598200"/>
           </a:xfrm>
           <a:prstGeom prst="rect">
             <a:avLst/>
@@ -1109,7 +1109,7 @@
         <p:spPr>
           <a:xfrm>
             <a:off x="3884760" y="8685360"/>
-            <a:ext cx="2969640" cy="456480"/>
+            <a:ext cx="2969280" cy="456120"/>
           </a:xfrm>
           <a:prstGeom prst="rect">
             <a:avLst/>
@@ -1150,7 +1150,7 @@
                 <a:tab algn="l" pos="0"/>
               </a:tabLst>
             </a:pPr>
-            <a:fld id="{A75ED263-FF27-441E-8298-608E2506DC9A}" type="slidenum">
+            <a:fld id="{8722B6BC-A1FA-4ABF-81D7-E9F4C4A1E465}" type="slidenum">
               <a:rPr b="0" lang="es-CO" sz="1400" spc="-1" strike="noStrike">
                 <a:solidFill>
                   <a:srgbClr val="000000"/>
@@ -1203,7 +1203,7 @@
         <p:spPr>
           <a:xfrm>
             <a:off x="685800" y="1143000"/>
-            <a:ext cx="5484240" cy="3084120"/>
+            <a:ext cx="5483880" cy="3083760"/>
           </a:xfrm>
           <a:prstGeom prst="rect">
             <a:avLst/>
@@ -1226,7 +1226,7 @@
         <p:spPr>
           <a:xfrm>
             <a:off x="685800" y="4400640"/>
-            <a:ext cx="5484240" cy="3598560"/>
+            <a:ext cx="5483880" cy="3598200"/>
           </a:xfrm>
           <a:prstGeom prst="rect">
             <a:avLst/>
@@ -1266,7 +1266,7 @@
         <p:spPr>
           <a:xfrm>
             <a:off x="3884760" y="8685360"/>
-            <a:ext cx="2969640" cy="456480"/>
+            <a:ext cx="2969280" cy="456120"/>
           </a:xfrm>
           <a:prstGeom prst="rect">
             <a:avLst/>
@@ -1307,7 +1307,7 @@
                 <a:tab algn="l" pos="0"/>
               </a:tabLst>
             </a:pPr>
-            <a:fld id="{0C1A093C-D9E0-42D6-B34F-06AE82615DF5}" type="slidenum">
+            <a:fld id="{5FBE1F86-D1E0-4D7A-8428-10902B1D4A37}" type="slidenum">
               <a:rPr b="0" lang="es-CO" sz="1400" spc="-1" strike="noStrike">
                 <a:solidFill>
                   <a:srgbClr val="000000"/>
@@ -1360,7 +1360,7 @@
         <p:spPr>
           <a:xfrm>
             <a:off x="685800" y="1143000"/>
-            <a:ext cx="5484240" cy="3084120"/>
+            <a:ext cx="5483880" cy="3083760"/>
           </a:xfrm>
           <a:prstGeom prst="rect">
             <a:avLst/>
@@ -1383,7 +1383,7 @@
         <p:spPr>
           <a:xfrm>
             <a:off x="685800" y="4400640"/>
-            <a:ext cx="5484240" cy="3598560"/>
+            <a:ext cx="5483880" cy="3598200"/>
           </a:xfrm>
           <a:prstGeom prst="rect">
             <a:avLst/>
@@ -1423,7 +1423,7 @@
         <p:spPr>
           <a:xfrm>
             <a:off x="3884760" y="8685360"/>
-            <a:ext cx="2969640" cy="456480"/>
+            <a:ext cx="2969280" cy="456120"/>
           </a:xfrm>
           <a:prstGeom prst="rect">
             <a:avLst/>
@@ -1464,7 +1464,7 @@
                 <a:tab algn="l" pos="0"/>
               </a:tabLst>
             </a:pPr>
-            <a:fld id="{BD31ADC0-5CAB-4FAF-A39D-DB4952E0A2F8}" type="slidenum">
+            <a:fld id="{6D613DED-3B94-477D-B0E2-27156DCD2BEA}" type="slidenum">
               <a:rPr b="0" lang="es-CO" sz="1400" spc="-1" strike="noStrike">
                 <a:solidFill>
                   <a:srgbClr val="000000"/>
@@ -1517,7 +1517,7 @@
         <p:spPr>
           <a:xfrm>
             <a:off x="685800" y="1143000"/>
-            <a:ext cx="5484240" cy="3084120"/>
+            <a:ext cx="5483880" cy="3083760"/>
           </a:xfrm>
           <a:prstGeom prst="rect">
             <a:avLst/>
@@ -1540,7 +1540,7 @@
         <p:spPr>
           <a:xfrm>
             <a:off x="685800" y="4400640"/>
-            <a:ext cx="5484240" cy="3598560"/>
+            <a:ext cx="5483880" cy="3598200"/>
           </a:xfrm>
           <a:prstGeom prst="rect">
             <a:avLst/>
@@ -1580,7 +1580,7 @@
         <p:spPr>
           <a:xfrm>
             <a:off x="3884760" y="8685360"/>
-            <a:ext cx="2969640" cy="456480"/>
+            <a:ext cx="2969280" cy="456120"/>
           </a:xfrm>
           <a:prstGeom prst="rect">
             <a:avLst/>
@@ -1621,7 +1621,7 @@
                 <a:tab algn="l" pos="0"/>
               </a:tabLst>
             </a:pPr>
-            <a:fld id="{B4E912CF-47A3-4944-8DDC-1DD5DFADBEB3}" type="slidenum">
+            <a:fld id="{8D9A05BB-0AC6-47CA-81B1-282AC3367605}" type="slidenum">
               <a:rPr b="0" lang="es-CO" sz="1400" spc="-1" strike="noStrike">
                 <a:solidFill>
                   <a:srgbClr val="000000"/>
@@ -1674,7 +1674,7 @@
         <p:spPr>
           <a:xfrm>
             <a:off x="685800" y="1143000"/>
-            <a:ext cx="5484240" cy="3084120"/>
+            <a:ext cx="5483880" cy="3083760"/>
           </a:xfrm>
           <a:prstGeom prst="rect">
             <a:avLst/>
@@ -1697,7 +1697,7 @@
         <p:spPr>
           <a:xfrm>
             <a:off x="685800" y="4400640"/>
-            <a:ext cx="5484240" cy="3598560"/>
+            <a:ext cx="5483880" cy="3598200"/>
           </a:xfrm>
           <a:prstGeom prst="rect">
             <a:avLst/>
@@ -1737,7 +1737,7 @@
         <p:spPr>
           <a:xfrm>
             <a:off x="3884760" y="8685360"/>
-            <a:ext cx="2969640" cy="456480"/>
+            <a:ext cx="2969280" cy="456120"/>
           </a:xfrm>
           <a:prstGeom prst="rect">
             <a:avLst/>
@@ -1778,7 +1778,7 @@
                 <a:tab algn="l" pos="0"/>
               </a:tabLst>
             </a:pPr>
-            <a:fld id="{0D85E7EE-9F05-4FD4-8203-62D0AC979ECC}" type="slidenum">
+            <a:fld id="{428DBA83-4AEE-4F31-A471-AB11D71F73ED}" type="slidenum">
               <a:rPr b="0" lang="es-CO" sz="1400" spc="-1" strike="noStrike">
                 <a:solidFill>
                   <a:srgbClr val="000000"/>
@@ -1831,7 +1831,7 @@
         <p:spPr>
           <a:xfrm>
             <a:off x="685800" y="1143000"/>
-            <a:ext cx="5484240" cy="3084120"/>
+            <a:ext cx="5483880" cy="3083760"/>
           </a:xfrm>
           <a:prstGeom prst="rect">
             <a:avLst/>
@@ -1854,7 +1854,7 @@
         <p:spPr>
           <a:xfrm>
             <a:off x="685800" y="4400640"/>
-            <a:ext cx="5484240" cy="3598560"/>
+            <a:ext cx="5483880" cy="3598200"/>
           </a:xfrm>
           <a:prstGeom prst="rect">
             <a:avLst/>
@@ -1894,7 +1894,7 @@
         <p:spPr>
           <a:xfrm>
             <a:off x="3884760" y="8685360"/>
-            <a:ext cx="2969640" cy="456480"/>
+            <a:ext cx="2969280" cy="456120"/>
           </a:xfrm>
           <a:prstGeom prst="rect">
             <a:avLst/>
@@ -1935,7 +1935,7 @@
                 <a:tab algn="l" pos="0"/>
               </a:tabLst>
             </a:pPr>
-            <a:fld id="{8657082F-23F2-4D8D-AAB0-A83A6A687A55}" type="slidenum">
+            <a:fld id="{6BBD14A2-D74A-4747-ABC8-1143B4650839}" type="slidenum">
               <a:rPr b="0" lang="es-CO" sz="1400" spc="-1" strike="noStrike">
                 <a:solidFill>
                   <a:srgbClr val="000000"/>
@@ -1988,7 +1988,7 @@
         <p:spPr>
           <a:xfrm>
             <a:off x="685800" y="1143000"/>
-            <a:ext cx="5484240" cy="3084120"/>
+            <a:ext cx="5483880" cy="3083760"/>
           </a:xfrm>
           <a:prstGeom prst="rect">
             <a:avLst/>
@@ -2011,7 +2011,7 @@
         <p:spPr>
           <a:xfrm>
             <a:off x="685800" y="4400640"/>
-            <a:ext cx="5484240" cy="3598560"/>
+            <a:ext cx="5483880" cy="3598200"/>
           </a:xfrm>
           <a:prstGeom prst="rect">
             <a:avLst/>
@@ -2051,7 +2051,7 @@
         <p:spPr>
           <a:xfrm>
             <a:off x="3884760" y="8685360"/>
-            <a:ext cx="2969640" cy="456480"/>
+            <a:ext cx="2969280" cy="456120"/>
           </a:xfrm>
           <a:prstGeom prst="rect">
             <a:avLst/>
@@ -2092,7 +2092,7 @@
                 <a:tab algn="l" pos="0"/>
               </a:tabLst>
             </a:pPr>
-            <a:fld id="{EAB56EEE-2A8E-4E59-875B-86B43D1EA25E}" type="slidenum">
+            <a:fld id="{F311DA8A-38D6-481E-B841-494B80CE2793}" type="slidenum">
               <a:rPr b="0" lang="es-CO" sz="1400" spc="-1" strike="noStrike">
                 <a:solidFill>
                   <a:srgbClr val="000000"/>
@@ -2145,7 +2145,7 @@
         <p:spPr>
           <a:xfrm>
             <a:off x="685800" y="1143000"/>
-            <a:ext cx="5484240" cy="3084120"/>
+            <a:ext cx="5483880" cy="3083760"/>
           </a:xfrm>
           <a:prstGeom prst="rect">
             <a:avLst/>
@@ -2168,7 +2168,7 @@
         <p:spPr>
           <a:xfrm>
             <a:off x="685800" y="4400640"/>
-            <a:ext cx="5484240" cy="3598560"/>
+            <a:ext cx="5483880" cy="3598200"/>
           </a:xfrm>
           <a:prstGeom prst="rect">
             <a:avLst/>
@@ -2208,7 +2208,7 @@
         <p:spPr>
           <a:xfrm>
             <a:off x="3884760" y="8685360"/>
-            <a:ext cx="2969640" cy="456480"/>
+            <a:ext cx="2969280" cy="456120"/>
           </a:xfrm>
           <a:prstGeom prst="rect">
             <a:avLst/>
@@ -2249,7 +2249,7 @@
                 <a:tab algn="l" pos="0"/>
               </a:tabLst>
             </a:pPr>
-            <a:fld id="{001796C0-88BF-4A90-80F7-F20B41BB8C5C}" type="slidenum">
+            <a:fld id="{AD11D38E-2226-438F-920D-A3FF308B7187}" type="slidenum">
               <a:rPr b="0" lang="es-CO" sz="1400" spc="-1" strike="noStrike">
                 <a:solidFill>
                   <a:srgbClr val="000000"/>
@@ -2302,7 +2302,7 @@
         <p:spPr>
           <a:xfrm>
             <a:off x="685800" y="1143000"/>
-            <a:ext cx="5484240" cy="3084120"/>
+            <a:ext cx="5483880" cy="3083760"/>
           </a:xfrm>
           <a:prstGeom prst="rect">
             <a:avLst/>
@@ -2325,7 +2325,7 @@
         <p:spPr>
           <a:xfrm>
             <a:off x="685800" y="4400640"/>
-            <a:ext cx="5484240" cy="3598560"/>
+            <a:ext cx="5483880" cy="3598200"/>
           </a:xfrm>
           <a:prstGeom prst="rect">
             <a:avLst/>
@@ -2365,7 +2365,7 @@
         <p:spPr>
           <a:xfrm>
             <a:off x="3884760" y="8685360"/>
-            <a:ext cx="2969640" cy="456480"/>
+            <a:ext cx="2969280" cy="456120"/>
           </a:xfrm>
           <a:prstGeom prst="rect">
             <a:avLst/>
@@ -2406,7 +2406,7 @@
                 <a:tab algn="l" pos="0"/>
               </a:tabLst>
             </a:pPr>
-            <a:fld id="{1928A8C4-CB3A-41BC-B72F-DBB647FC201D}" type="slidenum">
+            <a:fld id="{1772ACE2-F163-4888-9456-B513AF192B32}" type="slidenum">
               <a:rPr b="0" lang="es-CO" sz="1400" spc="-1" strike="noStrike">
                 <a:solidFill>
                   <a:srgbClr val="000000"/>
@@ -2459,7 +2459,7 @@
         <p:spPr>
           <a:xfrm>
             <a:off x="685800" y="1143000"/>
-            <a:ext cx="5484240" cy="3084120"/>
+            <a:ext cx="5483880" cy="3083760"/>
           </a:xfrm>
           <a:prstGeom prst="rect">
             <a:avLst/>
@@ -2482,7 +2482,7 @@
         <p:spPr>
           <a:xfrm>
             <a:off x="685800" y="4400640"/>
-            <a:ext cx="5484240" cy="3598560"/>
+            <a:ext cx="5483880" cy="3598200"/>
           </a:xfrm>
           <a:prstGeom prst="rect">
             <a:avLst/>
@@ -2522,7 +2522,7 @@
         <p:spPr>
           <a:xfrm>
             <a:off x="3884760" y="8685360"/>
-            <a:ext cx="2969640" cy="456480"/>
+            <a:ext cx="2969280" cy="456120"/>
           </a:xfrm>
           <a:prstGeom prst="rect">
             <a:avLst/>
@@ -2563,7 +2563,7 @@
                 <a:tab algn="l" pos="0"/>
               </a:tabLst>
             </a:pPr>
-            <a:fld id="{FF00DF58-AFA8-4EC8-9259-2A2C185A942E}" type="slidenum">
+            <a:fld id="{52E8EEC2-CEC2-4936-A11E-701D684157C5}" type="slidenum">
               <a:rPr b="0" lang="es-CO" sz="1400" spc="-1" strike="noStrike">
                 <a:solidFill>
                   <a:srgbClr val="000000"/>
@@ -2616,7 +2616,7 @@
         <p:spPr>
           <a:xfrm>
             <a:off x="685800" y="1143000"/>
-            <a:ext cx="5484240" cy="3084120"/>
+            <a:ext cx="5483880" cy="3083760"/>
           </a:xfrm>
           <a:prstGeom prst="rect">
             <a:avLst/>
@@ -2639,7 +2639,7 @@
         <p:spPr>
           <a:xfrm>
             <a:off x="685800" y="4400640"/>
-            <a:ext cx="5484240" cy="3598560"/>
+            <a:ext cx="5483880" cy="3598200"/>
           </a:xfrm>
           <a:prstGeom prst="rect">
             <a:avLst/>
@@ -2679,7 +2679,7 @@
         <p:spPr>
           <a:xfrm>
             <a:off x="3884760" y="8685360"/>
-            <a:ext cx="2969640" cy="456480"/>
+            <a:ext cx="2969280" cy="456120"/>
           </a:xfrm>
           <a:prstGeom prst="rect">
             <a:avLst/>
@@ -2720,7 +2720,7 @@
                 <a:tab algn="l" pos="0"/>
               </a:tabLst>
             </a:pPr>
-            <a:fld id="{E18317BA-3298-47D5-B132-1D71C45B5FF6}" type="slidenum">
+            <a:fld id="{194C467E-0D17-49D3-8025-62E9334C3ED0}" type="slidenum">
               <a:rPr b="0" lang="es-CO" sz="1400" spc="-1" strike="noStrike">
                 <a:solidFill>
                   <a:srgbClr val="000000"/>
@@ -2773,7 +2773,7 @@
         <p:spPr>
           <a:xfrm>
             <a:off x="685800" y="1143000"/>
-            <a:ext cx="5484240" cy="3084120"/>
+            <a:ext cx="5483880" cy="3083760"/>
           </a:xfrm>
           <a:prstGeom prst="rect">
             <a:avLst/>
@@ -2796,7 +2796,7 @@
         <p:spPr>
           <a:xfrm>
             <a:off x="685800" y="4400640"/>
-            <a:ext cx="5484240" cy="3598560"/>
+            <a:ext cx="5483880" cy="3598200"/>
           </a:xfrm>
           <a:prstGeom prst="rect">
             <a:avLst/>
@@ -2836,7 +2836,7 @@
         <p:spPr>
           <a:xfrm>
             <a:off x="3884760" y="8685360"/>
-            <a:ext cx="2969640" cy="456480"/>
+            <a:ext cx="2969280" cy="456120"/>
           </a:xfrm>
           <a:prstGeom prst="rect">
             <a:avLst/>
@@ -2877,7 +2877,7 @@
                 <a:tab algn="l" pos="0"/>
               </a:tabLst>
             </a:pPr>
-            <a:fld id="{7C8CF991-0AF2-4043-A3FA-C4BA1F35DAA3}" type="slidenum">
+            <a:fld id="{DB384DB7-B726-4488-8D6A-C310DDA2B7DA}" type="slidenum">
               <a:rPr b="0" lang="es-CO" sz="1400" spc="-1" strike="noStrike">
                 <a:solidFill>
                   <a:srgbClr val="000000"/>
@@ -2951,7 +2951,7 @@
         <p:txBody>
           <a:bodyPr/>
           <a:p>
-            <a:fld id="{4599B679-97FF-46E2-986D-212D25779D3F}" type="slidenum">
+            <a:fld id="{E830F4BF-A388-43DC-AE4B-98970CF96743}" type="slidenum">
               <a:t>&lt;#&gt;</a:t>
             </a:fld>
           </a:p>
@@ -3034,7 +3034,7 @@
         <p:txBody>
           <a:bodyPr/>
           <a:p>
-            <a:fld id="{7980726D-9EF0-40BD-8C7A-73AE772768B3}" type="slidenum">
+            <a:fld id="{F0269383-21AE-495C-809B-878556320C27}" type="slidenum">
               <a:t>&lt;#&gt;</a:t>
             </a:fld>
           </a:p>
@@ -3117,7 +3117,7 @@
         <p:txBody>
           <a:bodyPr/>
           <a:p>
-            <a:fld id="{B57B3EAC-6ED0-4A76-9C23-B422BEC1F441}" type="slidenum">
+            <a:fld id="{F2719D7D-2C1C-40D7-A75C-234F96A407D7}" type="slidenum">
               <a:t>&lt;#&gt;</a:t>
             </a:fld>
           </a:p>
@@ -3200,7 +3200,7 @@
         <p:txBody>
           <a:bodyPr/>
           <a:p>
-            <a:fld id="{DEF34684-5D67-4FA6-8419-BFCF814FBEC5}" type="slidenum">
+            <a:fld id="{93731CCD-F49C-431C-AFEE-C820C5D9B047}" type="slidenum">
               <a:t>&lt;#&gt;</a:t>
             </a:fld>
           </a:p>
@@ -3283,7 +3283,7 @@
         <p:txBody>
           <a:bodyPr/>
           <a:p>
-            <a:fld id="{BE834E08-716D-47A0-B943-ED573F649808}" type="slidenum">
+            <a:fld id="{6803A979-FEB0-49F7-9C62-6A492218436C}" type="slidenum">
               <a:t>&lt;#&gt;</a:t>
             </a:fld>
           </a:p>
@@ -3446,7 +3446,7 @@
         <p:txBody>
           <a:bodyPr/>
           <a:p>
-            <a:fld id="{E76321C4-ACD4-4A39-A2F7-B408AA35BBFA}" type="slidenum">
+            <a:fld id="{C804B283-8F9B-438C-A708-93DCCF8754A4}" type="slidenum">
               <a:t>&lt;#&gt;</a:t>
             </a:fld>
           </a:p>
@@ -3612,7 +3612,7 @@
         <p:txBody>
           <a:bodyPr/>
           <a:p>
-            <a:fld id="{3A5037DD-32C4-4BA0-BDBB-9247C5A1A5BE}" type="slidenum">
+            <a:fld id="{96F69BA9-BBBE-45FB-A9FD-1A3F7DD40A31}" type="slidenum">
               <a:t>&lt;#&gt;</a:t>
             </a:fld>
           </a:p>
@@ -3695,7 +3695,7 @@
         <p:txBody>
           <a:bodyPr/>
           <a:p>
-            <a:fld id="{440E4F8D-9F80-4226-ABBD-205953E2CB48}" type="slidenum">
+            <a:fld id="{E0808F96-31CA-40E2-8057-87F9BE542390}" type="slidenum">
               <a:t>&lt;#&gt;</a:t>
             </a:fld>
           </a:p>
@@ -3904,7 +3904,7 @@
         <p:txBody>
           <a:bodyPr/>
           <a:p>
-            <a:fld id="{8FA1A44D-532D-4893-9BB8-CC03FBD6B92F}" type="slidenum">
+            <a:fld id="{CD54E74F-4FA8-43B1-9D6D-55D7582BD465}" type="slidenum">
               <a:t>&lt;#&gt;</a:t>
             </a:fld>
           </a:p>
@@ -3987,7 +3987,7 @@
         <p:txBody>
           <a:bodyPr/>
           <a:p>
-            <a:fld id="{90BEFBFA-1D7C-4E2E-B18D-73A536B6EAE8}" type="slidenum">
+            <a:fld id="{A631BF3E-62DA-457F-B86D-B203CED20733}" type="slidenum">
               <a:t>&lt;#&gt;</a:t>
             </a:fld>
           </a:p>
@@ -4110,7 +4110,7 @@
         <p:txBody>
           <a:bodyPr/>
           <a:p>
-            <a:fld id="{40A89A56-EB8B-4E72-9937-9B5223186EBB}" type="slidenum">
+            <a:fld id="{ED6E76D5-5D43-44B9-82CF-370554C3B2EC}" type="slidenum">
               <a:t>&lt;#&gt;</a:t>
             </a:fld>
           </a:p>
@@ -4179,7 +4179,7 @@
         <p:spPr>
           <a:xfrm>
             <a:off x="4038480" y="6356520"/>
-            <a:ext cx="4112640" cy="362880"/>
+            <a:ext cx="4112280" cy="362520"/>
           </a:xfrm>
           <a:prstGeom prst="rect">
             <a:avLst/>
@@ -4251,7 +4251,7 @@
         <p:spPr>
           <a:xfrm>
             <a:off x="8610480" y="6356520"/>
-            <a:ext cx="2741040" cy="362880"/>
+            <a:ext cx="2740680" cy="362520"/>
           </a:xfrm>
           <a:prstGeom prst="rect">
             <a:avLst/>
@@ -4293,7 +4293,7 @@
                 <a:tab algn="l" pos="0"/>
               </a:tabLst>
             </a:pPr>
-            <a:fld id="{B7509662-6381-4A0F-B0F8-45D52AB9646C}" type="slidenum">
+            <a:fld id="{D3F53D08-8F66-4D40-99B7-165D35CE058B}" type="slidenum">
               <a:rPr b="0" lang="es-CO" sz="1200" spc="-1" strike="noStrike">
                 <a:solidFill>
                   <a:srgbClr val="888888"/>
@@ -4325,7 +4325,7 @@
         <p:spPr>
           <a:xfrm>
             <a:off x="838080" y="6356520"/>
-            <a:ext cx="2741040" cy="362880"/>
+            <a:ext cx="2740680" cy="362520"/>
           </a:xfrm>
           <a:prstGeom prst="rect">
             <a:avLst/>
@@ -4692,7 +4692,7 @@
         <p:spPr>
           <a:xfrm>
             <a:off x="4038480" y="6356520"/>
-            <a:ext cx="4112640" cy="362880"/>
+            <a:ext cx="4112280" cy="362520"/>
           </a:xfrm>
           <a:prstGeom prst="rect">
             <a:avLst/>
@@ -4764,7 +4764,7 @@
         <p:spPr>
           <a:xfrm>
             <a:off x="8610480" y="6356520"/>
-            <a:ext cx="2741040" cy="362880"/>
+            <a:ext cx="2740680" cy="362520"/>
           </a:xfrm>
           <a:prstGeom prst="rect">
             <a:avLst/>
@@ -4806,7 +4806,7 @@
                 <a:tab algn="l" pos="0"/>
               </a:tabLst>
             </a:pPr>
-            <a:fld id="{EEED7A42-12E4-4F5F-A2AE-634CF3B6F210}" type="slidenum">
+            <a:fld id="{DD5FB44B-9C78-48DA-8812-C3C7DEFC9155}" type="slidenum">
               <a:rPr b="0" lang="es-CO" sz="1200" spc="-1" strike="noStrike">
                 <a:solidFill>
                   <a:srgbClr val="888888"/>
@@ -4838,7 +4838,7 @@
         <p:spPr>
           <a:xfrm>
             <a:off x="838080" y="6356520"/>
-            <a:ext cx="2741040" cy="362880"/>
+            <a:ext cx="2740680" cy="362520"/>
           </a:xfrm>
           <a:prstGeom prst="rect">
             <a:avLst/>
@@ -4931,7 +4931,7 @@
         <p:spPr>
           <a:xfrm>
             <a:off x="4038480" y="6356520"/>
-            <a:ext cx="4112640" cy="362880"/>
+            <a:ext cx="4112280" cy="362520"/>
           </a:xfrm>
           <a:prstGeom prst="rect">
             <a:avLst/>
@@ -5003,7 +5003,7 @@
         <p:spPr>
           <a:xfrm>
             <a:off x="8610480" y="6356520"/>
-            <a:ext cx="2741040" cy="362880"/>
+            <a:ext cx="2740680" cy="362520"/>
           </a:xfrm>
           <a:prstGeom prst="rect">
             <a:avLst/>
@@ -5045,7 +5045,7 @@
                 <a:tab algn="l" pos="0"/>
               </a:tabLst>
             </a:pPr>
-            <a:fld id="{EE4183D0-1CA9-4F7A-B183-EE4086B0D1D3}" type="slidenum">
+            <a:fld id="{67ED6C97-7C06-448C-928B-2870AA469F12}" type="slidenum">
               <a:rPr b="0" lang="es-CO" sz="1200" spc="-1" strike="noStrike">
                 <a:solidFill>
                   <a:srgbClr val="888888"/>
@@ -5077,7 +5077,7 @@
         <p:spPr>
           <a:xfrm>
             <a:off x="838080" y="6356520"/>
-            <a:ext cx="2741040" cy="362880"/>
+            <a:ext cx="2740680" cy="362520"/>
           </a:xfrm>
           <a:prstGeom prst="rect">
             <a:avLst/>
@@ -5170,7 +5170,7 @@
         <p:spPr>
           <a:xfrm>
             <a:off x="4038480" y="6356520"/>
-            <a:ext cx="4112640" cy="362880"/>
+            <a:ext cx="4112280" cy="362520"/>
           </a:xfrm>
           <a:prstGeom prst="rect">
             <a:avLst/>
@@ -5242,7 +5242,7 @@
         <p:spPr>
           <a:xfrm>
             <a:off x="8610480" y="6356520"/>
-            <a:ext cx="2741040" cy="362880"/>
+            <a:ext cx="2740680" cy="362520"/>
           </a:xfrm>
           <a:prstGeom prst="rect">
             <a:avLst/>
@@ -5284,7 +5284,7 @@
                 <a:tab algn="l" pos="0"/>
               </a:tabLst>
             </a:pPr>
-            <a:fld id="{253FC5DB-D42A-4AE7-84B4-3472795DD9FD}" type="slidenum">
+            <a:fld id="{9B14CA08-5FA6-4077-AFBF-74B8EB62B89F}" type="slidenum">
               <a:rPr b="0" lang="es-CO" sz="1200" spc="-1" strike="noStrike">
                 <a:solidFill>
                   <a:srgbClr val="888888"/>
@@ -5316,7 +5316,7 @@
         <p:spPr>
           <a:xfrm>
             <a:off x="838080" y="6356520"/>
-            <a:ext cx="2741040" cy="362880"/>
+            <a:ext cx="2740680" cy="362520"/>
           </a:xfrm>
           <a:prstGeom prst="rect">
             <a:avLst/>
@@ -5409,7 +5409,7 @@
         <p:spPr>
           <a:xfrm>
             <a:off x="4038480" y="6356520"/>
-            <a:ext cx="4112640" cy="362880"/>
+            <a:ext cx="4112280" cy="362520"/>
           </a:xfrm>
           <a:prstGeom prst="rect">
             <a:avLst/>
@@ -5481,7 +5481,7 @@
         <p:spPr>
           <a:xfrm>
             <a:off x="8610480" y="6356520"/>
-            <a:ext cx="2741040" cy="362880"/>
+            <a:ext cx="2740680" cy="362520"/>
           </a:xfrm>
           <a:prstGeom prst="rect">
             <a:avLst/>
@@ -5523,7 +5523,7 @@
                 <a:tab algn="l" pos="0"/>
               </a:tabLst>
             </a:pPr>
-            <a:fld id="{A2D41F39-E83A-43C0-8CA9-224E9C873A8C}" type="slidenum">
+            <a:fld id="{749A4EE0-742A-4604-90D9-2F3AF19B8A2B}" type="slidenum">
               <a:rPr b="0" lang="es-CO" sz="1200" spc="-1" strike="noStrike">
                 <a:solidFill>
                   <a:srgbClr val="888888"/>
@@ -5555,7 +5555,7 @@
         <p:spPr>
           <a:xfrm>
             <a:off x="838080" y="6356520"/>
-            <a:ext cx="2741040" cy="362880"/>
+            <a:ext cx="2740680" cy="362520"/>
           </a:xfrm>
           <a:prstGeom prst="rect">
             <a:avLst/>
@@ -5697,7 +5697,7 @@
         <p:spPr>
           <a:xfrm>
             <a:off x="4038480" y="6356520"/>
-            <a:ext cx="4112640" cy="362880"/>
+            <a:ext cx="4112280" cy="362520"/>
           </a:xfrm>
           <a:prstGeom prst="rect">
             <a:avLst/>
@@ -5769,7 +5769,7 @@
         <p:spPr>
           <a:xfrm>
             <a:off x="8610480" y="6356520"/>
-            <a:ext cx="2741040" cy="362880"/>
+            <a:ext cx="2740680" cy="362520"/>
           </a:xfrm>
           <a:prstGeom prst="rect">
             <a:avLst/>
@@ -5811,7 +5811,7 @@
                 <a:tab algn="l" pos="0"/>
               </a:tabLst>
             </a:pPr>
-            <a:fld id="{F3DDE307-1519-4BDD-89B2-3ABC68CE68D6}" type="slidenum">
+            <a:fld id="{28033D41-17F5-46EC-9427-6BCC0A462D6A}" type="slidenum">
               <a:rPr b="0" lang="es-CO" sz="1200" spc="-1" strike="noStrike">
                 <a:solidFill>
                   <a:srgbClr val="888888"/>
@@ -5843,7 +5843,7 @@
         <p:spPr>
           <a:xfrm>
             <a:off x="838080" y="6356520"/>
-            <a:ext cx="2741040" cy="362880"/>
+            <a:ext cx="2740680" cy="362520"/>
           </a:xfrm>
           <a:prstGeom prst="rect">
             <a:avLst/>
@@ -6210,7 +6210,7 @@
         <p:spPr>
           <a:xfrm>
             <a:off x="4038480" y="6356520"/>
-            <a:ext cx="4112640" cy="362880"/>
+            <a:ext cx="4112280" cy="362520"/>
           </a:xfrm>
           <a:prstGeom prst="rect">
             <a:avLst/>
@@ -6282,7 +6282,7 @@
         <p:spPr>
           <a:xfrm>
             <a:off x="8610480" y="6356520"/>
-            <a:ext cx="2741040" cy="362880"/>
+            <a:ext cx="2740680" cy="362520"/>
           </a:xfrm>
           <a:prstGeom prst="rect">
             <a:avLst/>
@@ -6324,7 +6324,7 @@
                 <a:tab algn="l" pos="0"/>
               </a:tabLst>
             </a:pPr>
-            <a:fld id="{312E45B5-0244-4A7F-A628-21C905AB0DB7}" type="slidenum">
+            <a:fld id="{08ADF430-3B88-4244-9437-FD50ED81491A}" type="slidenum">
               <a:rPr b="0" lang="es-CO" sz="1200" spc="-1" strike="noStrike">
                 <a:solidFill>
                   <a:srgbClr val="888888"/>
@@ -6356,7 +6356,7 @@
         <p:spPr>
           <a:xfrm>
             <a:off x="838080" y="6356520"/>
-            <a:ext cx="2741040" cy="362880"/>
+            <a:ext cx="2740680" cy="362520"/>
           </a:xfrm>
           <a:prstGeom prst="rect">
             <a:avLst/>
@@ -6449,7 +6449,7 @@
         <p:spPr>
           <a:xfrm>
             <a:off x="4038480" y="6356520"/>
-            <a:ext cx="4112640" cy="362880"/>
+            <a:ext cx="4112280" cy="362520"/>
           </a:xfrm>
           <a:prstGeom prst="rect">
             <a:avLst/>
@@ -6521,7 +6521,7 @@
         <p:spPr>
           <a:xfrm>
             <a:off x="8610480" y="6356520"/>
-            <a:ext cx="2741040" cy="362880"/>
+            <a:ext cx="2740680" cy="362520"/>
           </a:xfrm>
           <a:prstGeom prst="rect">
             <a:avLst/>
@@ -6563,7 +6563,7 @@
                 <a:tab algn="l" pos="0"/>
               </a:tabLst>
             </a:pPr>
-            <a:fld id="{50ED98E5-AC93-49A9-A63A-C3A12097C0D0}" type="slidenum">
+            <a:fld id="{88C45FC7-2E74-48ED-A9AF-60C24C99EF41}" type="slidenum">
               <a:rPr b="0" lang="es-CO" sz="1200" spc="-1" strike="noStrike">
                 <a:solidFill>
                   <a:srgbClr val="888888"/>
@@ -6595,7 +6595,7 @@
         <p:spPr>
           <a:xfrm>
             <a:off x="838080" y="6356520"/>
-            <a:ext cx="2741040" cy="362880"/>
+            <a:ext cx="2740680" cy="362520"/>
           </a:xfrm>
           <a:prstGeom prst="rect">
             <a:avLst/>
@@ -7187,7 +7187,7 @@
         <p:spPr>
           <a:xfrm>
             <a:off x="4038480" y="6356520"/>
-            <a:ext cx="4112640" cy="362880"/>
+            <a:ext cx="4112280" cy="362520"/>
           </a:xfrm>
           <a:prstGeom prst="rect">
             <a:avLst/>
@@ -7259,7 +7259,7 @@
         <p:spPr>
           <a:xfrm>
             <a:off x="8610480" y="6356520"/>
-            <a:ext cx="2741040" cy="362880"/>
+            <a:ext cx="2740680" cy="362520"/>
           </a:xfrm>
           <a:prstGeom prst="rect">
             <a:avLst/>
@@ -7301,7 +7301,7 @@
                 <a:tab algn="l" pos="0"/>
               </a:tabLst>
             </a:pPr>
-            <a:fld id="{B8E10BB6-A556-4D09-BF83-9F694FF11144}" type="slidenum">
+            <a:fld id="{2CA18286-7C77-4283-8E8F-8A3DC9CA68A7}" type="slidenum">
               <a:rPr b="0" lang="es-CO" sz="1200" spc="-1" strike="noStrike">
                 <a:solidFill>
                   <a:srgbClr val="888888"/>
@@ -7333,7 +7333,7 @@
         <p:spPr>
           <a:xfrm>
             <a:off x="838080" y="6356520"/>
-            <a:ext cx="2741040" cy="362880"/>
+            <a:ext cx="2740680" cy="362520"/>
           </a:xfrm>
           <a:prstGeom prst="rect">
             <a:avLst/>
@@ -7426,7 +7426,7 @@
         <p:spPr>
           <a:xfrm>
             <a:off x="4038480" y="6356520"/>
-            <a:ext cx="4112640" cy="362880"/>
+            <a:ext cx="4112280" cy="362520"/>
           </a:xfrm>
           <a:prstGeom prst="rect">
             <a:avLst/>
@@ -7498,7 +7498,7 @@
         <p:spPr>
           <a:xfrm>
             <a:off x="8610480" y="6356520"/>
-            <a:ext cx="2741040" cy="362880"/>
+            <a:ext cx="2740680" cy="362520"/>
           </a:xfrm>
           <a:prstGeom prst="rect">
             <a:avLst/>
@@ -7540,7 +7540,7 @@
                 <a:tab algn="l" pos="0"/>
               </a:tabLst>
             </a:pPr>
-            <a:fld id="{241CE23E-45A7-4242-AF32-1881A75E8607}" type="slidenum">
+            <a:fld id="{76CFE3AB-0671-48A2-921B-2CF552E4E8A7}" type="slidenum">
               <a:rPr b="0" lang="es-CO" sz="1200" spc="-1" strike="noStrike">
                 <a:solidFill>
                   <a:srgbClr val="888888"/>
@@ -7572,7 +7572,7 @@
         <p:spPr>
           <a:xfrm>
             <a:off x="838080" y="6356520"/>
-            <a:ext cx="2741040" cy="362880"/>
+            <a:ext cx="2740680" cy="362520"/>
           </a:xfrm>
           <a:prstGeom prst="rect">
             <a:avLst/>
@@ -7714,7 +7714,7 @@
         <p:spPr>
           <a:xfrm>
             <a:off x="4038480" y="6356520"/>
-            <a:ext cx="4112640" cy="362880"/>
+            <a:ext cx="4112280" cy="362520"/>
           </a:xfrm>
           <a:prstGeom prst="rect">
             <a:avLst/>
@@ -7786,7 +7786,7 @@
         <p:spPr>
           <a:xfrm>
             <a:off x="8610480" y="6356520"/>
-            <a:ext cx="2741040" cy="362880"/>
+            <a:ext cx="2740680" cy="362520"/>
           </a:xfrm>
           <a:prstGeom prst="rect">
             <a:avLst/>
@@ -7828,7 +7828,7 @@
                 <a:tab algn="l" pos="0"/>
               </a:tabLst>
             </a:pPr>
-            <a:fld id="{B1DBD8FE-B715-456B-B855-48D60A4A7800}" type="slidenum">
+            <a:fld id="{7FEC6416-1F73-4C56-912C-4936585DD75D}" type="slidenum">
               <a:rPr b="0" lang="es-CO" sz="1200" spc="-1" strike="noStrike">
                 <a:solidFill>
                   <a:srgbClr val="888888"/>
@@ -7860,7 +7860,7 @@
         <p:spPr>
           <a:xfrm>
             <a:off x="838080" y="6356520"/>
-            <a:ext cx="2741040" cy="362880"/>
+            <a:ext cx="2740680" cy="362520"/>
           </a:xfrm>
           <a:prstGeom prst="rect">
             <a:avLst/>
@@ -7942,9 +7942,9 @@
         <p:grpSpPr>
           <a:xfrm>
             <a:off x="0" y="0"/>
-            <a:ext cx="12189960" cy="6855840"/>
+            <a:ext cx="12189600" cy="6855480"/>
             <a:chOff x="0" y="0"/>
-            <a:chExt cx="12189960" cy="6855840"/>
+            <a:chExt cx="12189600" cy="6855480"/>
           </a:xfrm>
         </p:grpSpPr>
         <p:pic>
@@ -7961,7 +7961,7 @@
           <p:spPr>
             <a:xfrm>
               <a:off x="0" y="0"/>
-              <a:ext cx="12189960" cy="6855840"/>
+              <a:ext cx="12189600" cy="6855480"/>
             </a:xfrm>
             <a:prstGeom prst="rect">
               <a:avLst/>
@@ -7984,7 +7984,7 @@
           <p:spPr>
             <a:xfrm>
               <a:off x="0" y="0"/>
-              <a:ext cx="12189960" cy="6855840"/>
+              <a:ext cx="12189600" cy="6855480"/>
             </a:xfrm>
             <a:prstGeom prst="rect">
               <a:avLst/>
@@ -8008,7 +8008,7 @@
         <p:spPr>
           <a:xfrm>
             <a:off x="4219200" y="647640"/>
-            <a:ext cx="3751920" cy="1796760"/>
+            <a:ext cx="3751560" cy="1796400"/>
           </a:xfrm>
           <a:prstGeom prst="rect">
             <a:avLst/>
@@ -8027,7 +8027,7 @@
         <p:spPr>
           <a:xfrm>
             <a:off x="2158560" y="2392560"/>
-            <a:ext cx="7872480" cy="1156320"/>
+            <a:ext cx="7872120" cy="1156320"/>
           </a:xfrm>
           <a:prstGeom prst="rect">
             <a:avLst/>
@@ -8084,7 +8084,7 @@
         <p:spPr>
           <a:xfrm>
             <a:off x="2185200" y="3582000"/>
-            <a:ext cx="7872480" cy="699120"/>
+            <a:ext cx="7872120" cy="699120"/>
           </a:xfrm>
           <a:prstGeom prst="rect">
             <a:avLst/>
@@ -8155,7 +8155,7 @@
         <p:spPr>
           <a:xfrm>
             <a:off x="9712800" y="5933520"/>
-            <a:ext cx="2162880" cy="667440"/>
+            <a:ext cx="2162520" cy="667080"/>
           </a:xfrm>
           <a:prstGeom prst="rect">
             <a:avLst/>
@@ -8174,9 +8174,9 @@
         <p:grpSpPr>
           <a:xfrm>
             <a:off x="626400" y="254520"/>
-            <a:ext cx="11249280" cy="981000"/>
+            <a:ext cx="11248920" cy="980640"/>
             <a:chOff x="626400" y="254520"/>
-            <a:chExt cx="11249280" cy="981000"/>
+            <a:chExt cx="11248920" cy="980640"/>
           </a:xfrm>
         </p:grpSpPr>
         <p:pic>
@@ -8192,7 +8192,7 @@
           <p:spPr>
             <a:xfrm>
               <a:off x="10059840" y="254520"/>
-              <a:ext cx="1815840" cy="981000"/>
+              <a:ext cx="1815480" cy="980640"/>
             </a:xfrm>
             <a:prstGeom prst="rect">
               <a:avLst/>
@@ -8215,7 +8215,7 @@
           <p:spPr>
             <a:xfrm>
               <a:off x="626400" y="484200"/>
-              <a:ext cx="1503720" cy="522360"/>
+              <a:ext cx="1503360" cy="522000"/>
             </a:xfrm>
             <a:prstGeom prst="rect">
               <a:avLst/>
@@ -8235,7 +8235,7 @@
         <p:spPr>
           <a:xfrm>
             <a:off x="4545360" y="4447800"/>
-            <a:ext cx="2817720" cy="921240"/>
+            <a:ext cx="2817360" cy="920880"/>
           </a:xfrm>
           <a:prstGeom prst="rect">
             <a:avLst/>
@@ -8374,9 +8374,9 @@
         <p:grpSpPr>
           <a:xfrm>
             <a:off x="360" y="-17640"/>
-            <a:ext cx="12189960" cy="6855840"/>
+            <a:ext cx="12189600" cy="6855480"/>
             <a:chOff x="360" y="-17640"/>
-            <a:chExt cx="12189960" cy="6855840"/>
+            <a:chExt cx="12189600" cy="6855480"/>
           </a:xfrm>
         </p:grpSpPr>
         <p:pic>
@@ -8393,7 +8393,7 @@
           <p:spPr>
             <a:xfrm>
               <a:off x="360" y="-17640"/>
-              <a:ext cx="12189960" cy="6855840"/>
+              <a:ext cx="12189600" cy="6855480"/>
             </a:xfrm>
             <a:prstGeom prst="rect">
               <a:avLst/>
@@ -8416,7 +8416,7 @@
           <p:spPr>
             <a:xfrm>
               <a:off x="360" y="-17640"/>
-              <a:ext cx="12189960" cy="6855840"/>
+              <a:ext cx="12189600" cy="6855480"/>
             </a:xfrm>
             <a:prstGeom prst="rect">
               <a:avLst/>
@@ -8440,7 +8440,7 @@
         <p:spPr>
           <a:xfrm>
             <a:off x="4815360" y="165600"/>
-            <a:ext cx="2337120" cy="1118520"/>
+            <a:ext cx="2336760" cy="1118160"/>
           </a:xfrm>
           <a:prstGeom prst="rect">
             <a:avLst/>
@@ -8459,9 +8459,9 @@
         <p:grpSpPr>
           <a:xfrm>
             <a:off x="626400" y="254520"/>
-            <a:ext cx="11249280" cy="981000"/>
+            <a:ext cx="11248920" cy="980640"/>
             <a:chOff x="626400" y="254520"/>
-            <a:chExt cx="11249280" cy="981000"/>
+            <a:chExt cx="11248920" cy="980640"/>
           </a:xfrm>
         </p:grpSpPr>
         <p:pic>
@@ -8477,7 +8477,7 @@
           <p:spPr>
             <a:xfrm>
               <a:off x="10059840" y="254520"/>
-              <a:ext cx="1815840" cy="981000"/>
+              <a:ext cx="1815480" cy="980640"/>
             </a:xfrm>
             <a:prstGeom prst="rect">
               <a:avLst/>
@@ -8500,7 +8500,7 @@
           <p:spPr>
             <a:xfrm>
               <a:off x="626400" y="484200"/>
-              <a:ext cx="1503720" cy="522360"/>
+              <a:ext cx="1503360" cy="522000"/>
             </a:xfrm>
             <a:prstGeom prst="rect">
               <a:avLst/>
@@ -8520,7 +8520,7 @@
         <p:spPr>
           <a:xfrm>
             <a:off x="1440720" y="900000"/>
-            <a:ext cx="9358920" cy="638280"/>
+            <a:ext cx="9358560" cy="638280"/>
           </a:xfrm>
           <a:prstGeom prst="rect">
             <a:avLst/>
@@ -8583,7 +8583,7 @@
         <p:spPr>
           <a:xfrm>
             <a:off x="1271880" y="1232280"/>
-            <a:ext cx="3947040" cy="485640"/>
+            <a:ext cx="3946680" cy="485280"/>
           </a:xfrm>
           <a:prstGeom prst="rect">
             <a:avLst/>
@@ -8604,6 +8604,11 @@
             <a:noAutofit/>
           </a:bodyPr>
           <a:p>
+            <a:pPr>
+              <a:lnSpc>
+                <a:spcPct val="100000"/>
+              </a:lnSpc>
+            </a:pPr>
             <a:endParaRPr b="0" lang="es-CO" sz="1800" spc="-1" strike="noStrike">
               <a:solidFill>
                 <a:srgbClr val="000000"/>
@@ -8626,7 +8631,7 @@
         <p:spPr>
           <a:xfrm>
             <a:off x="3060000" y="1908360"/>
-            <a:ext cx="6095520" cy="4571640"/>
+            <a:ext cx="6095160" cy="4571280"/>
           </a:xfrm>
           <a:prstGeom prst="rect">
             <a:avLst/>
@@ -8675,9 +8680,9 @@
         <p:grpSpPr>
           <a:xfrm>
             <a:off x="360" y="-17640"/>
-            <a:ext cx="12189960" cy="6855840"/>
+            <a:ext cx="12189600" cy="6855480"/>
             <a:chOff x="360" y="-17640"/>
-            <a:chExt cx="12189960" cy="6855840"/>
+            <a:chExt cx="12189600" cy="6855480"/>
           </a:xfrm>
         </p:grpSpPr>
         <p:pic>
@@ -8694,7 +8699,7 @@
           <p:spPr>
             <a:xfrm>
               <a:off x="360" y="-17640"/>
-              <a:ext cx="12189960" cy="6855840"/>
+              <a:ext cx="12189600" cy="6855480"/>
             </a:xfrm>
             <a:prstGeom prst="rect">
               <a:avLst/>
@@ -8717,7 +8722,7 @@
           <p:spPr>
             <a:xfrm>
               <a:off x="360" y="-17640"/>
-              <a:ext cx="12189960" cy="6855840"/>
+              <a:ext cx="12189600" cy="6855480"/>
             </a:xfrm>
             <a:prstGeom prst="rect">
               <a:avLst/>
@@ -8741,7 +8746,7 @@
         <p:spPr>
           <a:xfrm>
             <a:off x="4815360" y="165600"/>
-            <a:ext cx="2337120" cy="1118520"/>
+            <a:ext cx="2336760" cy="1118160"/>
           </a:xfrm>
           <a:prstGeom prst="rect">
             <a:avLst/>
@@ -8760,9 +8765,9 @@
         <p:grpSpPr>
           <a:xfrm>
             <a:off x="626400" y="254520"/>
-            <a:ext cx="11249280" cy="981000"/>
+            <a:ext cx="11248920" cy="980640"/>
             <a:chOff x="626400" y="254520"/>
-            <a:chExt cx="11249280" cy="981000"/>
+            <a:chExt cx="11248920" cy="980640"/>
           </a:xfrm>
         </p:grpSpPr>
         <p:pic>
@@ -8778,7 +8783,7 @@
           <p:spPr>
             <a:xfrm>
               <a:off x="10059840" y="254520"/>
-              <a:ext cx="1815840" cy="981000"/>
+              <a:ext cx="1815480" cy="980640"/>
             </a:xfrm>
             <a:prstGeom prst="rect">
               <a:avLst/>
@@ -8801,7 +8806,7 @@
           <p:spPr>
             <a:xfrm>
               <a:off x="626400" y="484200"/>
-              <a:ext cx="1503720" cy="522360"/>
+              <a:ext cx="1503360" cy="522000"/>
             </a:xfrm>
             <a:prstGeom prst="rect">
               <a:avLst/>
@@ -8821,7 +8826,7 @@
         <p:spPr>
           <a:xfrm>
             <a:off x="1440720" y="900000"/>
-            <a:ext cx="9358920" cy="638280"/>
+            <a:ext cx="9358560" cy="638280"/>
           </a:xfrm>
           <a:prstGeom prst="rect">
             <a:avLst/>
@@ -8884,7 +8889,7 @@
         <p:spPr>
           <a:xfrm>
             <a:off x="1271880" y="1232280"/>
-            <a:ext cx="3947040" cy="485640"/>
+            <a:ext cx="3946680" cy="485280"/>
           </a:xfrm>
           <a:prstGeom prst="rect">
             <a:avLst/>
@@ -8905,6 +8910,11 @@
             <a:noAutofit/>
           </a:bodyPr>
           <a:p>
+            <a:pPr>
+              <a:lnSpc>
+                <a:spcPct val="100000"/>
+              </a:lnSpc>
+            </a:pPr>
             <a:endParaRPr b="0" lang="es-CO" sz="1800" spc="-1" strike="noStrike">
               <a:solidFill>
                 <a:srgbClr val="000000"/>
@@ -8927,7 +8937,7 @@
         <p:spPr>
           <a:xfrm>
             <a:off x="2520000" y="2322000"/>
-            <a:ext cx="6962400" cy="3438000"/>
+            <a:ext cx="6962040" cy="3437640"/>
           </a:xfrm>
           <a:prstGeom prst="rect">
             <a:avLst/>
@@ -8976,9 +8986,9 @@
         <p:grpSpPr>
           <a:xfrm>
             <a:off x="360" y="-17640"/>
-            <a:ext cx="12189960" cy="6855840"/>
+            <a:ext cx="12189600" cy="6855480"/>
             <a:chOff x="360" y="-17640"/>
-            <a:chExt cx="12189960" cy="6855840"/>
+            <a:chExt cx="12189600" cy="6855480"/>
           </a:xfrm>
         </p:grpSpPr>
         <p:pic>
@@ -8995,7 +9005,7 @@
           <p:spPr>
             <a:xfrm>
               <a:off x="360" y="-17640"/>
-              <a:ext cx="12189960" cy="6855840"/>
+              <a:ext cx="12189600" cy="6855480"/>
             </a:xfrm>
             <a:prstGeom prst="rect">
               <a:avLst/>
@@ -9018,7 +9028,7 @@
           <p:spPr>
             <a:xfrm>
               <a:off x="360" y="-17640"/>
-              <a:ext cx="12189960" cy="6855840"/>
+              <a:ext cx="12189600" cy="6855480"/>
             </a:xfrm>
             <a:prstGeom prst="rect">
               <a:avLst/>
@@ -9042,7 +9052,7 @@
         <p:spPr>
           <a:xfrm>
             <a:off x="4815360" y="165600"/>
-            <a:ext cx="2337120" cy="1118520"/>
+            <a:ext cx="2336760" cy="1118160"/>
           </a:xfrm>
           <a:prstGeom prst="rect">
             <a:avLst/>
@@ -9061,9 +9071,9 @@
         <p:grpSpPr>
           <a:xfrm>
             <a:off x="626400" y="254520"/>
-            <a:ext cx="11249280" cy="981000"/>
+            <a:ext cx="11248920" cy="980640"/>
             <a:chOff x="626400" y="254520"/>
-            <a:chExt cx="11249280" cy="981000"/>
+            <a:chExt cx="11248920" cy="980640"/>
           </a:xfrm>
         </p:grpSpPr>
         <p:pic>
@@ -9079,7 +9089,7 @@
           <p:spPr>
             <a:xfrm>
               <a:off x="10059840" y="254520"/>
-              <a:ext cx="1815840" cy="981000"/>
+              <a:ext cx="1815480" cy="980640"/>
             </a:xfrm>
             <a:prstGeom prst="rect">
               <a:avLst/>
@@ -9102,7 +9112,7 @@
           <p:spPr>
             <a:xfrm>
               <a:off x="626400" y="484200"/>
-              <a:ext cx="1503720" cy="522360"/>
+              <a:ext cx="1503360" cy="522000"/>
             </a:xfrm>
             <a:prstGeom prst="rect">
               <a:avLst/>
@@ -9122,7 +9132,7 @@
         <p:spPr>
           <a:xfrm>
             <a:off x="1440720" y="900000"/>
-            <a:ext cx="9358920" cy="638280"/>
+            <a:ext cx="9358560" cy="638280"/>
           </a:xfrm>
           <a:prstGeom prst="rect">
             <a:avLst/>
@@ -9185,7 +9195,7 @@
         <p:spPr>
           <a:xfrm>
             <a:off x="1271880" y="1232280"/>
-            <a:ext cx="3947040" cy="485640"/>
+            <a:ext cx="3946680" cy="485280"/>
           </a:xfrm>
           <a:prstGeom prst="rect">
             <a:avLst/>
@@ -9206,6 +9216,11 @@
             <a:noAutofit/>
           </a:bodyPr>
           <a:p>
+            <a:pPr>
+              <a:lnSpc>
+                <a:spcPct val="100000"/>
+              </a:lnSpc>
+            </a:pPr>
             <a:endParaRPr b="0" lang="es-CO" sz="1800" spc="-1" strike="noStrike">
               <a:solidFill>
                 <a:srgbClr val="000000"/>
@@ -9228,7 +9243,7 @@
         <p:spPr>
           <a:xfrm>
             <a:off x="541080" y="2381760"/>
-            <a:ext cx="5578920" cy="2838240"/>
+            <a:ext cx="5578560" cy="2837880"/>
           </a:xfrm>
           <a:prstGeom prst="rect">
             <a:avLst/>
@@ -9251,7 +9266,7 @@
         <p:spPr>
           <a:xfrm>
             <a:off x="6762960" y="2237040"/>
-            <a:ext cx="4753800" cy="3162960"/>
+            <a:ext cx="4753440" cy="3162600"/>
           </a:xfrm>
           <a:prstGeom prst="rect">
             <a:avLst/>
@@ -9300,9 +9315,9 @@
         <p:grpSpPr>
           <a:xfrm>
             <a:off x="360" y="-17640"/>
-            <a:ext cx="12189960" cy="6855840"/>
+            <a:ext cx="12189600" cy="6855480"/>
             <a:chOff x="360" y="-17640"/>
-            <a:chExt cx="12189960" cy="6855840"/>
+            <a:chExt cx="12189600" cy="6855480"/>
           </a:xfrm>
         </p:grpSpPr>
         <p:pic>
@@ -9319,7 +9334,7 @@
           <p:spPr>
             <a:xfrm>
               <a:off x="360" y="-17640"/>
-              <a:ext cx="12189960" cy="6855840"/>
+              <a:ext cx="12189600" cy="6855480"/>
             </a:xfrm>
             <a:prstGeom prst="rect">
               <a:avLst/>
@@ -9342,7 +9357,7 @@
           <p:spPr>
             <a:xfrm>
               <a:off x="360" y="-17640"/>
-              <a:ext cx="12189960" cy="6855840"/>
+              <a:ext cx="12189600" cy="6855480"/>
             </a:xfrm>
             <a:prstGeom prst="rect">
               <a:avLst/>
@@ -9366,7 +9381,7 @@
         <p:spPr>
           <a:xfrm>
             <a:off x="4815360" y="165600"/>
-            <a:ext cx="2337120" cy="1118520"/>
+            <a:ext cx="2336760" cy="1118160"/>
           </a:xfrm>
           <a:prstGeom prst="rect">
             <a:avLst/>
@@ -9385,9 +9400,9 @@
         <p:grpSpPr>
           <a:xfrm>
             <a:off x="626400" y="254520"/>
-            <a:ext cx="11249280" cy="981000"/>
+            <a:ext cx="11248920" cy="980640"/>
             <a:chOff x="626400" y="254520"/>
-            <a:chExt cx="11249280" cy="981000"/>
+            <a:chExt cx="11248920" cy="980640"/>
           </a:xfrm>
         </p:grpSpPr>
         <p:pic>
@@ -9403,7 +9418,7 @@
           <p:spPr>
             <a:xfrm>
               <a:off x="10059840" y="254520"/>
-              <a:ext cx="1815840" cy="981000"/>
+              <a:ext cx="1815480" cy="980640"/>
             </a:xfrm>
             <a:prstGeom prst="rect">
               <a:avLst/>
@@ -9426,7 +9441,7 @@
           <p:spPr>
             <a:xfrm>
               <a:off x="626400" y="484200"/>
-              <a:ext cx="1503720" cy="522360"/>
+              <a:ext cx="1503360" cy="522000"/>
             </a:xfrm>
             <a:prstGeom prst="rect">
               <a:avLst/>
@@ -9446,7 +9461,7 @@
         <p:spPr>
           <a:xfrm>
             <a:off x="2880000" y="1161720"/>
-            <a:ext cx="9358920" cy="638280"/>
+            <a:ext cx="9358560" cy="638280"/>
           </a:xfrm>
           <a:prstGeom prst="rect">
             <a:avLst/>
@@ -9467,6 +9482,11 @@
             <a:spAutoFit/>
           </a:bodyPr>
           <a:p>
+            <a:pPr>
+              <a:lnSpc>
+                <a:spcPct val="100000"/>
+              </a:lnSpc>
+            </a:pPr>
             <a:r>
               <a:rPr b="0" lang="es-CO" sz="3600" spc="-1" strike="noStrike">
                 <a:solidFill>
@@ -9495,7 +9515,7 @@
         <p:spPr>
           <a:xfrm>
             <a:off x="1271880" y="1232280"/>
-            <a:ext cx="3947040" cy="485640"/>
+            <a:ext cx="3946680" cy="485280"/>
           </a:xfrm>
           <a:prstGeom prst="rect">
             <a:avLst/>
@@ -9516,6 +9536,11 @@
             <a:noAutofit/>
           </a:bodyPr>
           <a:p>
+            <a:pPr>
+              <a:lnSpc>
+                <a:spcPct val="100000"/>
+              </a:lnSpc>
+            </a:pPr>
             <a:endParaRPr b="0" lang="es-CO" sz="1800" spc="-1" strike="noStrike">
               <a:solidFill>
                 <a:srgbClr val="000000"/>
@@ -9538,7 +9563,7 @@
         <p:spPr>
           <a:xfrm>
             <a:off x="3060000" y="2880000"/>
-            <a:ext cx="5733720" cy="2142720"/>
+            <a:ext cx="5733360" cy="2142360"/>
           </a:xfrm>
           <a:prstGeom prst="rect">
             <a:avLst/>
@@ -9587,9 +9612,9 @@
         <p:grpSpPr>
           <a:xfrm>
             <a:off x="360" y="-17640"/>
-            <a:ext cx="12189960" cy="6855840"/>
+            <a:ext cx="12189600" cy="6855480"/>
             <a:chOff x="360" y="-17640"/>
-            <a:chExt cx="12189960" cy="6855840"/>
+            <a:chExt cx="12189600" cy="6855480"/>
           </a:xfrm>
         </p:grpSpPr>
         <p:pic>
@@ -9606,7 +9631,7 @@
           <p:spPr>
             <a:xfrm>
               <a:off x="360" y="-17640"/>
-              <a:ext cx="12189960" cy="6855840"/>
+              <a:ext cx="12189600" cy="6855480"/>
             </a:xfrm>
             <a:prstGeom prst="rect">
               <a:avLst/>
@@ -9629,7 +9654,7 @@
           <p:spPr>
             <a:xfrm>
               <a:off x="360" y="-17640"/>
-              <a:ext cx="12189960" cy="6855840"/>
+              <a:ext cx="12189600" cy="6855480"/>
             </a:xfrm>
             <a:prstGeom prst="rect">
               <a:avLst/>
@@ -9653,7 +9678,7 @@
         <p:spPr>
           <a:xfrm>
             <a:off x="4815360" y="165600"/>
-            <a:ext cx="2337120" cy="1118520"/>
+            <a:ext cx="2336760" cy="1118160"/>
           </a:xfrm>
           <a:prstGeom prst="rect">
             <a:avLst/>
@@ -9672,9 +9697,9 @@
         <p:grpSpPr>
           <a:xfrm>
             <a:off x="626400" y="254520"/>
-            <a:ext cx="11249280" cy="981000"/>
+            <a:ext cx="11248920" cy="980640"/>
             <a:chOff x="626400" y="254520"/>
-            <a:chExt cx="11249280" cy="981000"/>
+            <a:chExt cx="11248920" cy="980640"/>
           </a:xfrm>
         </p:grpSpPr>
         <p:pic>
@@ -9690,7 +9715,7 @@
           <p:spPr>
             <a:xfrm>
               <a:off x="10059840" y="254520"/>
-              <a:ext cx="1815840" cy="981000"/>
+              <a:ext cx="1815480" cy="980640"/>
             </a:xfrm>
             <a:prstGeom prst="rect">
               <a:avLst/>
@@ -9713,7 +9738,7 @@
           <p:spPr>
             <a:xfrm>
               <a:off x="626400" y="484200"/>
-              <a:ext cx="1503720" cy="522360"/>
+              <a:ext cx="1503360" cy="522000"/>
             </a:xfrm>
             <a:prstGeom prst="rect">
               <a:avLst/>
@@ -9733,7 +9758,7 @@
         <p:spPr>
           <a:xfrm>
             <a:off x="2880000" y="1161720"/>
-            <a:ext cx="9358920" cy="638280"/>
+            <a:ext cx="9358560" cy="638280"/>
           </a:xfrm>
           <a:prstGeom prst="rect">
             <a:avLst/>
@@ -9754,6 +9779,11 @@
             <a:spAutoFit/>
           </a:bodyPr>
           <a:p>
+            <a:pPr>
+              <a:lnSpc>
+                <a:spcPct val="100000"/>
+              </a:lnSpc>
+            </a:pPr>
             <a:r>
               <a:rPr b="0" lang="es-CO" sz="3600" spc="-1" strike="noStrike">
                 <a:solidFill>
@@ -9782,7 +9812,7 @@
         <p:spPr>
           <a:xfrm>
             <a:off x="1271880" y="1232280"/>
-            <a:ext cx="3947040" cy="485640"/>
+            <a:ext cx="3946680" cy="485280"/>
           </a:xfrm>
           <a:prstGeom prst="rect">
             <a:avLst/>
@@ -9803,6 +9833,11 @@
             <a:noAutofit/>
           </a:bodyPr>
           <a:p>
+            <a:pPr>
+              <a:lnSpc>
+                <a:spcPct val="100000"/>
+              </a:lnSpc>
+            </a:pPr>
             <a:endParaRPr b="0" lang="es-CO" sz="1800" spc="-1" strike="noStrike">
               <a:solidFill>
                 <a:srgbClr val="000000"/>
@@ -9855,7 +9890,7 @@
         <p:spPr>
           <a:xfrm>
             <a:off x="3965040" y="4641120"/>
-            <a:ext cx="4087800" cy="1335240"/>
+            <a:ext cx="4087440" cy="1334880"/>
           </a:xfrm>
           <a:prstGeom prst="rect">
             <a:avLst/>
@@ -9874,7 +9909,7 @@
         <p:spPr>
           <a:xfrm>
             <a:off x="1228680" y="585000"/>
-            <a:ext cx="9564480" cy="1186920"/>
+            <a:ext cx="9564120" cy="1186920"/>
           </a:xfrm>
           <a:prstGeom prst="rect">
             <a:avLst/>
@@ -9936,7 +9971,7 @@
         <p:spPr>
           <a:xfrm>
             <a:off x="4869360" y="2808000"/>
-            <a:ext cx="2450880" cy="869400"/>
+            <a:ext cx="2450520" cy="869040"/>
           </a:xfrm>
           <a:prstGeom prst="rect">
             <a:avLst/>
@@ -9959,7 +9994,7 @@
         <p:spPr>
           <a:xfrm>
             <a:off x="1228680" y="2808000"/>
-            <a:ext cx="1852920" cy="644400"/>
+            <a:ext cx="1852560" cy="644040"/>
           </a:xfrm>
           <a:prstGeom prst="rect">
             <a:avLst/>
@@ -9982,7 +10017,7 @@
         <p:spPr>
           <a:xfrm>
             <a:off x="8579880" y="2695680"/>
-            <a:ext cx="2025360" cy="1094400"/>
+            <a:ext cx="2025000" cy="1094040"/>
           </a:xfrm>
           <a:prstGeom prst="rect">
             <a:avLst/>
@@ -10005,7 +10040,7 @@
         <p:spPr>
           <a:xfrm>
             <a:off x="597600" y="398520"/>
-            <a:ext cx="1085760" cy="377280"/>
+            <a:ext cx="1085400" cy="376920"/>
           </a:xfrm>
           <a:prstGeom prst="rect">
             <a:avLst/>
@@ -10028,7 +10063,7 @@
         <p:spPr>
           <a:xfrm>
             <a:off x="10002240" y="199800"/>
-            <a:ext cx="1422000" cy="767880"/>
+            <a:ext cx="1421640" cy="767520"/>
           </a:xfrm>
           <a:prstGeom prst="rect">
             <a:avLst/>
@@ -10077,9 +10112,9 @@
         <p:grpSpPr>
           <a:xfrm>
             <a:off x="0" y="0"/>
-            <a:ext cx="12189960" cy="6855840"/>
+            <a:ext cx="12189600" cy="6855480"/>
             <a:chOff x="0" y="0"/>
-            <a:chExt cx="12189960" cy="6855840"/>
+            <a:chExt cx="12189600" cy="6855480"/>
           </a:xfrm>
         </p:grpSpPr>
         <p:pic>
@@ -10096,7 +10131,7 @@
           <p:spPr>
             <a:xfrm>
               <a:off x="0" y="0"/>
-              <a:ext cx="12189960" cy="6855840"/>
+              <a:ext cx="12189600" cy="6855480"/>
             </a:xfrm>
             <a:prstGeom prst="rect">
               <a:avLst/>
@@ -10119,7 +10154,7 @@
           <p:spPr>
             <a:xfrm>
               <a:off x="0" y="0"/>
-              <a:ext cx="12189960" cy="6855840"/>
+              <a:ext cx="12189600" cy="6855480"/>
             </a:xfrm>
             <a:prstGeom prst="rect">
               <a:avLst/>
@@ -10143,7 +10178,7 @@
         <p:spPr>
           <a:xfrm>
             <a:off x="2340720" y="1970640"/>
-            <a:ext cx="7508880" cy="2914200"/>
+            <a:ext cx="7508520" cy="2913840"/>
           </a:xfrm>
           <a:prstGeom prst="rect">
             <a:avLst/>
@@ -10166,7 +10201,7 @@
         <p:spPr>
           <a:xfrm>
             <a:off x="4592160" y="324000"/>
-            <a:ext cx="3005280" cy="1438920"/>
+            <a:ext cx="3004920" cy="1438560"/>
           </a:xfrm>
           <a:prstGeom prst="rect">
             <a:avLst/>
@@ -10189,7 +10224,7 @@
         <p:spPr>
           <a:xfrm>
             <a:off x="9712800" y="5933520"/>
-            <a:ext cx="2162880" cy="667440"/>
+            <a:ext cx="2162520" cy="667080"/>
           </a:xfrm>
           <a:prstGeom prst="rect">
             <a:avLst/>
@@ -10208,9 +10243,9 @@
         <p:grpSpPr>
           <a:xfrm>
             <a:off x="626400" y="254520"/>
-            <a:ext cx="11249280" cy="981000"/>
+            <a:ext cx="11248920" cy="980640"/>
             <a:chOff x="626400" y="254520"/>
-            <a:chExt cx="11249280" cy="981000"/>
+            <a:chExt cx="11248920" cy="980640"/>
           </a:xfrm>
         </p:grpSpPr>
         <p:pic>
@@ -10226,7 +10261,7 @@
           <p:spPr>
             <a:xfrm>
               <a:off x="10059840" y="254520"/>
-              <a:ext cx="1815840" cy="981000"/>
+              <a:ext cx="1815480" cy="980640"/>
             </a:xfrm>
             <a:prstGeom prst="rect">
               <a:avLst/>
@@ -10249,7 +10284,7 @@
           <p:spPr>
             <a:xfrm>
               <a:off x="626400" y="484200"/>
-              <a:ext cx="1503720" cy="522360"/>
+              <a:ext cx="1503360" cy="522000"/>
             </a:xfrm>
             <a:prstGeom prst="rect">
               <a:avLst/>
@@ -10299,9 +10334,9 @@
         <p:grpSpPr>
           <a:xfrm>
             <a:off x="0" y="0"/>
-            <a:ext cx="12189960" cy="6855840"/>
+            <a:ext cx="12189600" cy="6855480"/>
             <a:chOff x="0" y="0"/>
-            <a:chExt cx="12189960" cy="6855840"/>
+            <a:chExt cx="12189600" cy="6855480"/>
           </a:xfrm>
         </p:grpSpPr>
         <p:pic>
@@ -10318,7 +10353,7 @@
           <p:spPr>
             <a:xfrm>
               <a:off x="0" y="0"/>
-              <a:ext cx="12189960" cy="6855840"/>
+              <a:ext cx="12189600" cy="6855480"/>
             </a:xfrm>
             <a:prstGeom prst="rect">
               <a:avLst/>
@@ -10341,7 +10376,7 @@
           <p:spPr>
             <a:xfrm>
               <a:off x="0" y="0"/>
-              <a:ext cx="12189960" cy="6855840"/>
+              <a:ext cx="12189600" cy="6855480"/>
             </a:xfrm>
             <a:prstGeom prst="rect">
               <a:avLst/>
@@ -10365,7 +10400,7 @@
         <p:spPr>
           <a:xfrm>
             <a:off x="4815360" y="165600"/>
-            <a:ext cx="2337120" cy="1118520"/>
+            <a:ext cx="2336760" cy="1118160"/>
           </a:xfrm>
           <a:prstGeom prst="rect">
             <a:avLst/>
@@ -10384,7 +10419,7 @@
         <p:spPr>
           <a:xfrm>
             <a:off x="2753640" y="1352160"/>
-            <a:ext cx="7104960" cy="851760"/>
+            <a:ext cx="7104600" cy="851760"/>
           </a:xfrm>
           <a:prstGeom prst="rect">
             <a:avLst/>
@@ -10441,7 +10476,7 @@
         <p:spPr>
           <a:xfrm>
             <a:off x="3476160" y="2461320"/>
-            <a:ext cx="788040" cy="788040"/>
+            <a:ext cx="787680" cy="787680"/>
           </a:xfrm>
           <a:prstGeom prst="ellipse">
             <a:avLst/>
@@ -10493,7 +10528,7 @@
         <p:spPr>
           <a:xfrm>
             <a:off x="3476160" y="3603960"/>
-            <a:ext cx="788040" cy="788040"/>
+            <a:ext cx="787680" cy="787680"/>
           </a:xfrm>
           <a:prstGeom prst="ellipse">
             <a:avLst/>
@@ -10545,7 +10580,7 @@
         <p:spPr>
           <a:xfrm>
             <a:off x="3476160" y="4757760"/>
-            <a:ext cx="788040" cy="788040"/>
+            <a:ext cx="787680" cy="787680"/>
           </a:xfrm>
           <a:prstGeom prst="ellipse">
             <a:avLst/>
@@ -10597,7 +10632,7 @@
         <p:spPr>
           <a:xfrm>
             <a:off x="4630320" y="2580840"/>
-            <a:ext cx="4188960" cy="658440"/>
+            <a:ext cx="4188600" cy="658080"/>
           </a:xfrm>
           <a:prstGeom prst="roundRect">
             <a:avLst>
@@ -10651,7 +10686,7 @@
         <p:spPr>
           <a:xfrm>
             <a:off x="4630320" y="3668760"/>
-            <a:ext cx="4188960" cy="658440"/>
+            <a:ext cx="4188600" cy="658080"/>
           </a:xfrm>
           <a:prstGeom prst="roundRect">
             <a:avLst>
@@ -10705,7 +10740,7 @@
         <p:spPr>
           <a:xfrm>
             <a:off x="4630320" y="4822560"/>
-            <a:ext cx="4188960" cy="658440"/>
+            <a:ext cx="4188600" cy="658080"/>
           </a:xfrm>
           <a:prstGeom prst="roundRect">
             <a:avLst>
@@ -10759,7 +10794,7 @@
         <p:spPr>
           <a:xfrm>
             <a:off x="3587040" y="2520000"/>
-            <a:ext cx="584640" cy="699120"/>
+            <a:ext cx="584280" cy="699120"/>
           </a:xfrm>
           <a:prstGeom prst="rect">
             <a:avLst/>
@@ -10816,7 +10851,7 @@
         <p:spPr>
           <a:xfrm>
             <a:off x="3594960" y="3687480"/>
-            <a:ext cx="584640" cy="699120"/>
+            <a:ext cx="584280" cy="699120"/>
           </a:xfrm>
           <a:prstGeom prst="rect">
             <a:avLst/>
@@ -10873,7 +10908,7 @@
         <p:spPr>
           <a:xfrm>
             <a:off x="3578040" y="4822560"/>
-            <a:ext cx="584640" cy="699120"/>
+            <a:ext cx="584280" cy="699120"/>
           </a:xfrm>
           <a:prstGeom prst="rect">
             <a:avLst/>
@@ -10930,7 +10965,7 @@
         <p:spPr>
           <a:xfrm>
             <a:off x="4815360" y="2582640"/>
-            <a:ext cx="3792960" cy="699120"/>
+            <a:ext cx="3792600" cy="699120"/>
           </a:xfrm>
           <a:prstGeom prst="rect">
             <a:avLst/>
@@ -10987,7 +11022,7 @@
         <p:spPr>
           <a:xfrm>
             <a:off x="4630320" y="3687480"/>
-            <a:ext cx="4188960" cy="425520"/>
+            <a:ext cx="4188600" cy="424800"/>
           </a:xfrm>
           <a:prstGeom prst="rect">
             <a:avLst/>
@@ -11044,7 +11079,7 @@
         <p:spPr>
           <a:xfrm>
             <a:off x="4630320" y="4844880"/>
-            <a:ext cx="4189680" cy="455760"/>
+            <a:ext cx="4189320" cy="455400"/>
           </a:xfrm>
           <a:prstGeom prst="rect">
             <a:avLst/>
@@ -11109,8 +11144,8 @@
         </p:nvCxnSpPr>
         <p:spPr>
           <a:xfrm>
-            <a:off x="3870360" y="3249360"/>
-            <a:ext cx="360" cy="354960"/>
+            <a:off x="3870000" y="3249000"/>
+            <a:ext cx="360" cy="355320"/>
           </a:xfrm>
           <a:prstGeom prst="straightConnector1">
             <a:avLst/>
@@ -11133,8 +11168,8 @@
         </p:nvCxnSpPr>
         <p:spPr>
           <a:xfrm>
-            <a:off x="3887280" y="4386600"/>
-            <a:ext cx="3240" cy="355680"/>
+            <a:off x="3886920" y="4386600"/>
+            <a:ext cx="3960" cy="356040"/>
           </a:xfrm>
           <a:prstGeom prst="straightConnector1">
             <a:avLst/>
@@ -11156,9 +11191,9 @@
         <p:grpSpPr>
           <a:xfrm>
             <a:off x="626400" y="254520"/>
-            <a:ext cx="11249280" cy="981000"/>
+            <a:ext cx="11248920" cy="980640"/>
             <a:chOff x="626400" y="254520"/>
-            <a:chExt cx="11249280" cy="981000"/>
+            <a:chExt cx="11248920" cy="980640"/>
           </a:xfrm>
         </p:grpSpPr>
         <p:pic>
@@ -11174,7 +11209,7 @@
           <p:spPr>
             <a:xfrm>
               <a:off x="10059840" y="254520"/>
-              <a:ext cx="1815840" cy="981000"/>
+              <a:ext cx="1815480" cy="980640"/>
             </a:xfrm>
             <a:prstGeom prst="rect">
               <a:avLst/>
@@ -11197,7 +11232,7 @@
           <p:spPr>
             <a:xfrm>
               <a:off x="626400" y="484200"/>
-              <a:ext cx="1503720" cy="522360"/>
+              <a:ext cx="1503360" cy="522000"/>
             </a:xfrm>
             <a:prstGeom prst="rect">
               <a:avLst/>
@@ -11247,9 +11282,9 @@
         <p:grpSpPr>
           <a:xfrm>
             <a:off x="360" y="-17640"/>
-            <a:ext cx="12189960" cy="6855840"/>
+            <a:ext cx="12189600" cy="6855480"/>
             <a:chOff x="360" y="-17640"/>
-            <a:chExt cx="12189960" cy="6855840"/>
+            <a:chExt cx="12189600" cy="6855480"/>
           </a:xfrm>
         </p:grpSpPr>
         <p:pic>
@@ -11266,7 +11301,7 @@
           <p:spPr>
             <a:xfrm>
               <a:off x="360" y="-17640"/>
-              <a:ext cx="12189960" cy="6855840"/>
+              <a:ext cx="12189600" cy="6855480"/>
             </a:xfrm>
             <a:prstGeom prst="rect">
               <a:avLst/>
@@ -11289,7 +11324,7 @@
           <p:spPr>
             <a:xfrm>
               <a:off x="360" y="-17640"/>
-              <a:ext cx="12189960" cy="6855840"/>
+              <a:ext cx="12189600" cy="6855480"/>
             </a:xfrm>
             <a:prstGeom prst="rect">
               <a:avLst/>
@@ -11313,7 +11348,7 @@
         <p:spPr>
           <a:xfrm>
             <a:off x="4815360" y="165600"/>
-            <a:ext cx="2337120" cy="1118520"/>
+            <a:ext cx="2336760" cy="1118160"/>
           </a:xfrm>
           <a:prstGeom prst="rect">
             <a:avLst/>
@@ -11332,9 +11367,9 @@
         <p:grpSpPr>
           <a:xfrm>
             <a:off x="626400" y="254520"/>
-            <a:ext cx="11249280" cy="981000"/>
+            <a:ext cx="11248920" cy="980640"/>
             <a:chOff x="626400" y="254520"/>
-            <a:chExt cx="11249280" cy="981000"/>
+            <a:chExt cx="11248920" cy="980640"/>
           </a:xfrm>
         </p:grpSpPr>
         <p:pic>
@@ -11350,7 +11385,7 @@
           <p:spPr>
             <a:xfrm>
               <a:off x="10059840" y="254520"/>
-              <a:ext cx="1815840" cy="981000"/>
+              <a:ext cx="1815480" cy="980640"/>
             </a:xfrm>
             <a:prstGeom prst="rect">
               <a:avLst/>
@@ -11373,7 +11408,7 @@
           <p:spPr>
             <a:xfrm>
               <a:off x="626400" y="484200"/>
-              <a:ext cx="1503720" cy="522360"/>
+              <a:ext cx="1503360" cy="522000"/>
             </a:xfrm>
             <a:prstGeom prst="rect">
               <a:avLst/>
@@ -11393,7 +11428,7 @@
         <p:spPr>
           <a:xfrm>
             <a:off x="1440720" y="900000"/>
-            <a:ext cx="9358920" cy="638280"/>
+            <a:ext cx="9358560" cy="638280"/>
           </a:xfrm>
           <a:prstGeom prst="rect">
             <a:avLst/>
@@ -11456,7 +11491,7 @@
         <p:spPr>
           <a:xfrm>
             <a:off x="1271880" y="1232280"/>
-            <a:ext cx="3947040" cy="485640"/>
+            <a:ext cx="3946680" cy="485280"/>
           </a:xfrm>
           <a:prstGeom prst="rect">
             <a:avLst/>
@@ -11504,7 +11539,7 @@
         <p:spPr>
           <a:xfrm>
             <a:off x="3407040" y="2158920"/>
-            <a:ext cx="5419440" cy="2590560"/>
+            <a:ext cx="5419080" cy="2590200"/>
           </a:xfrm>
           <a:prstGeom prst="rect">
             <a:avLst/>
@@ -11553,9 +11588,9 @@
         <p:grpSpPr>
           <a:xfrm>
             <a:off x="360" y="-17640"/>
-            <a:ext cx="12189960" cy="6855840"/>
+            <a:ext cx="12189600" cy="6855480"/>
             <a:chOff x="360" y="-17640"/>
-            <a:chExt cx="12189960" cy="6855840"/>
+            <a:chExt cx="12189600" cy="6855480"/>
           </a:xfrm>
         </p:grpSpPr>
         <p:pic>
@@ -11572,7 +11607,7 @@
           <p:spPr>
             <a:xfrm>
               <a:off x="360" y="-17640"/>
-              <a:ext cx="12189960" cy="6855840"/>
+              <a:ext cx="12189600" cy="6855480"/>
             </a:xfrm>
             <a:prstGeom prst="rect">
               <a:avLst/>
@@ -11595,7 +11630,7 @@
           <p:spPr>
             <a:xfrm>
               <a:off x="360" y="-17640"/>
-              <a:ext cx="12189960" cy="6855840"/>
+              <a:ext cx="12189600" cy="6855480"/>
             </a:xfrm>
             <a:prstGeom prst="rect">
               <a:avLst/>
@@ -11619,7 +11654,7 @@
         <p:spPr>
           <a:xfrm>
             <a:off x="4815360" y="165600"/>
-            <a:ext cx="2337120" cy="1118520"/>
+            <a:ext cx="2336760" cy="1118160"/>
           </a:xfrm>
           <a:prstGeom prst="rect">
             <a:avLst/>
@@ -11638,9 +11673,9 @@
         <p:grpSpPr>
           <a:xfrm>
             <a:off x="626400" y="254520"/>
-            <a:ext cx="11249280" cy="981000"/>
+            <a:ext cx="11248920" cy="980640"/>
             <a:chOff x="626400" y="254520"/>
-            <a:chExt cx="11249280" cy="981000"/>
+            <a:chExt cx="11248920" cy="980640"/>
           </a:xfrm>
         </p:grpSpPr>
         <p:pic>
@@ -11656,7 +11691,7 @@
           <p:spPr>
             <a:xfrm>
               <a:off x="10059840" y="254520"/>
-              <a:ext cx="1815840" cy="981000"/>
+              <a:ext cx="1815480" cy="980640"/>
             </a:xfrm>
             <a:prstGeom prst="rect">
               <a:avLst/>
@@ -11679,7 +11714,7 @@
           <p:spPr>
             <a:xfrm>
               <a:off x="626400" y="484200"/>
-              <a:ext cx="1503720" cy="522360"/>
+              <a:ext cx="1503360" cy="522000"/>
             </a:xfrm>
             <a:prstGeom prst="rect">
               <a:avLst/>
@@ -11699,7 +11734,7 @@
         <p:spPr>
           <a:xfrm>
             <a:off x="1440720" y="900000"/>
-            <a:ext cx="9358920" cy="638280"/>
+            <a:ext cx="9358560" cy="638280"/>
           </a:xfrm>
           <a:prstGeom prst="rect">
             <a:avLst/>
@@ -11762,7 +11797,7 @@
         <p:spPr>
           <a:xfrm>
             <a:off x="1271880" y="1232280"/>
-            <a:ext cx="3947040" cy="485640"/>
+            <a:ext cx="3946680" cy="485280"/>
           </a:xfrm>
           <a:prstGeom prst="rect">
             <a:avLst/>
@@ -11783,6 +11818,11 @@
             <a:noAutofit/>
           </a:bodyPr>
           <a:p>
+            <a:pPr>
+              <a:lnSpc>
+                <a:spcPct val="100000"/>
+              </a:lnSpc>
+            </a:pPr>
             <a:endParaRPr b="0" lang="es-CO" sz="1800" spc="-1" strike="noStrike">
               <a:solidFill>
                 <a:srgbClr val="000000"/>
@@ -11795,13 +11835,13 @@
       <p:sp>
         <p:nvSpPr>
           <p:cNvPr id="108" name=""/>
-          <p:cNvSpPr txBox="1"/>
+          <p:cNvSpPr/>
           <p:nvPr/>
         </p:nvSpPr>
         <p:spPr>
           <a:xfrm>
             <a:off x="3060000" y="2290320"/>
-            <a:ext cx="6840000" cy="3469680"/>
+            <a:ext cx="6839640" cy="3469320"/>
           </a:xfrm>
           <a:prstGeom prst="rect">
             <a:avLst/>
@@ -11811,11 +11851,22 @@
             <a:noFill/>
           </a:ln>
         </p:spPr>
+        <p:style>
+          <a:lnRef idx="0"/>
+          <a:fillRef idx="0"/>
+          <a:effectRef idx="0"/>
+          <a:fontRef idx="minor"/>
+        </p:style>
         <p:txBody>
           <a:bodyPr lIns="90000" rIns="90000" tIns="45000" bIns="45000" anchor="t">
             <a:noAutofit/>
           </a:bodyPr>
           <a:p>
+            <a:pPr>
+              <a:lnSpc>
+                <a:spcPct val="100000"/>
+              </a:lnSpc>
+            </a:pPr>
             <a:r>
               <a:rPr b="0" lang="es-CO" sz="2600" spc="-1" strike="noStrike">
                 <a:solidFill>
@@ -11827,12 +11878,17 @@
             </a:r>
             <a:endParaRPr b="0" lang="es-CO" sz="2600" spc="-1" strike="noStrike">
               <a:solidFill>
-                <a:srgbClr val="ffffd7"/>
+                <a:srgbClr val="000000"/>
               </a:solidFill>
               <a:latin typeface="Arial"/>
             </a:endParaRPr>
           </a:p>
           <a:p>
+            <a:pPr>
+              <a:lnSpc>
+                <a:spcPct val="100000"/>
+              </a:lnSpc>
+            </a:pPr>
             <a:r>
               <a:rPr b="0" lang="es-CO" sz="2600" spc="-1" strike="noStrike">
                 <a:solidFill>
@@ -11844,12 +11900,17 @@
             </a:r>
             <a:endParaRPr b="0" lang="es-CO" sz="2600" spc="-1" strike="noStrike">
               <a:solidFill>
-                <a:srgbClr val="ffffd7"/>
+                <a:srgbClr val="000000"/>
               </a:solidFill>
               <a:latin typeface="Arial"/>
             </a:endParaRPr>
           </a:p>
           <a:p>
+            <a:pPr>
+              <a:lnSpc>
+                <a:spcPct val="100000"/>
+              </a:lnSpc>
+            </a:pPr>
             <a:r>
               <a:rPr b="0" lang="es-CO" sz="2600" spc="-1" strike="noStrike">
                 <a:solidFill>
@@ -11861,12 +11922,17 @@
             </a:r>
             <a:endParaRPr b="0" lang="es-CO" sz="2600" spc="-1" strike="noStrike">
               <a:solidFill>
-                <a:srgbClr val="ffffd7"/>
+                <a:srgbClr val="000000"/>
               </a:solidFill>
               <a:latin typeface="Arial"/>
             </a:endParaRPr>
           </a:p>
           <a:p>
+            <a:pPr>
+              <a:lnSpc>
+                <a:spcPct val="100000"/>
+              </a:lnSpc>
+            </a:pPr>
             <a:r>
               <a:rPr b="0" lang="es-CO" sz="2600" spc="-1" strike="noStrike">
                 <a:solidFill>
@@ -11874,16 +11940,21 @@
                 </a:solidFill>
                 <a:latin typeface="Arial"/>
               </a:rPr>
-              <a:t>Exactitud y corrección</a:t>
+              <a:t>Exactitud y correctitud</a:t>
             </a:r>
             <a:endParaRPr b="0" lang="es-CO" sz="2600" spc="-1" strike="noStrike">
               <a:solidFill>
-                <a:srgbClr val="ffffd7"/>
+                <a:srgbClr val="000000"/>
               </a:solidFill>
               <a:latin typeface="Arial"/>
             </a:endParaRPr>
           </a:p>
           <a:p>
+            <a:pPr>
+              <a:lnSpc>
+                <a:spcPct val="100000"/>
+              </a:lnSpc>
+            </a:pPr>
             <a:r>
               <a:rPr b="0" lang="es-CO" sz="2600" spc="-1" strike="noStrike">
                 <a:solidFill>
@@ -11895,15 +11966,20 @@
             </a:r>
             <a:endParaRPr b="0" lang="es-CO" sz="2600" spc="-1" strike="noStrike">
               <a:solidFill>
-                <a:srgbClr val="ffffd7"/>
+                <a:srgbClr val="000000"/>
               </a:solidFill>
               <a:latin typeface="Arial"/>
             </a:endParaRPr>
           </a:p>
           <a:p>
+            <a:pPr>
+              <a:lnSpc>
+                <a:spcPct val="100000"/>
+              </a:lnSpc>
+            </a:pPr>
             <a:endParaRPr b="0" lang="es-CO" sz="1000" spc="-1" strike="noStrike">
               <a:solidFill>
-                <a:srgbClr val="ffffd7"/>
+                <a:srgbClr val="000000"/>
               </a:solidFill>
               <a:latin typeface="Arial"/>
             </a:endParaRPr>
@@ -11949,9 +12025,9 @@
         <p:grpSpPr>
           <a:xfrm>
             <a:off x="360" y="-17640"/>
-            <a:ext cx="12189960" cy="6855840"/>
+            <a:ext cx="12189600" cy="6855480"/>
             <a:chOff x="360" y="-17640"/>
-            <a:chExt cx="12189960" cy="6855840"/>
+            <a:chExt cx="12189600" cy="6855480"/>
           </a:xfrm>
         </p:grpSpPr>
         <p:pic>
@@ -11968,7 +12044,7 @@
           <p:spPr>
             <a:xfrm>
               <a:off x="360" y="-17640"/>
-              <a:ext cx="12189960" cy="6855840"/>
+              <a:ext cx="12189600" cy="6855480"/>
             </a:xfrm>
             <a:prstGeom prst="rect">
               <a:avLst/>
@@ -11991,7 +12067,7 @@
           <p:spPr>
             <a:xfrm>
               <a:off x="360" y="-17640"/>
-              <a:ext cx="12189960" cy="6855840"/>
+              <a:ext cx="12189600" cy="6855480"/>
             </a:xfrm>
             <a:prstGeom prst="rect">
               <a:avLst/>
@@ -12015,7 +12091,7 @@
         <p:spPr>
           <a:xfrm>
             <a:off x="4815360" y="165600"/>
-            <a:ext cx="2337120" cy="1118520"/>
+            <a:ext cx="2336760" cy="1118160"/>
           </a:xfrm>
           <a:prstGeom prst="rect">
             <a:avLst/>
@@ -12034,9 +12110,9 @@
         <p:grpSpPr>
           <a:xfrm>
             <a:off x="626400" y="254520"/>
-            <a:ext cx="11249280" cy="981000"/>
+            <a:ext cx="11248920" cy="980640"/>
             <a:chOff x="626400" y="254520"/>
-            <a:chExt cx="11249280" cy="981000"/>
+            <a:chExt cx="11248920" cy="980640"/>
           </a:xfrm>
         </p:grpSpPr>
         <p:pic>
@@ -12052,7 +12128,7 @@
           <p:spPr>
             <a:xfrm>
               <a:off x="10059840" y="254520"/>
-              <a:ext cx="1815840" cy="981000"/>
+              <a:ext cx="1815480" cy="980640"/>
             </a:xfrm>
             <a:prstGeom prst="rect">
               <a:avLst/>
@@ -12075,7 +12151,7 @@
           <p:spPr>
             <a:xfrm>
               <a:off x="626400" y="484200"/>
-              <a:ext cx="1503720" cy="522360"/>
+              <a:ext cx="1503360" cy="522000"/>
             </a:xfrm>
             <a:prstGeom prst="rect">
               <a:avLst/>
@@ -12095,7 +12171,7 @@
         <p:spPr>
           <a:xfrm>
             <a:off x="1440720" y="900000"/>
-            <a:ext cx="9358920" cy="638280"/>
+            <a:ext cx="9358560" cy="638280"/>
           </a:xfrm>
           <a:prstGeom prst="rect">
             <a:avLst/>
@@ -12158,7 +12234,7 @@
         <p:spPr>
           <a:xfrm>
             <a:off x="1271880" y="1232280"/>
-            <a:ext cx="3947040" cy="485640"/>
+            <a:ext cx="3946680" cy="485280"/>
           </a:xfrm>
           <a:prstGeom prst="rect">
             <a:avLst/>
@@ -12179,6 +12255,11 @@
             <a:noAutofit/>
           </a:bodyPr>
           <a:p>
+            <a:pPr>
+              <a:lnSpc>
+                <a:spcPct val="100000"/>
+              </a:lnSpc>
+            </a:pPr>
             <a:endParaRPr b="0" lang="es-CO" sz="1800" spc="-1" strike="noStrike">
               <a:solidFill>
                 <a:srgbClr val="000000"/>
@@ -12201,7 +12282,7 @@
         <p:spPr>
           <a:xfrm>
             <a:off x="1800000" y="1717920"/>
-            <a:ext cx="7947360" cy="4467240"/>
+            <a:ext cx="7947000" cy="4466880"/>
           </a:xfrm>
           <a:prstGeom prst="rect">
             <a:avLst/>
@@ -12250,9 +12331,9 @@
         <p:grpSpPr>
           <a:xfrm>
             <a:off x="360" y="-17640"/>
-            <a:ext cx="12189960" cy="6855840"/>
+            <a:ext cx="12189600" cy="6855480"/>
             <a:chOff x="360" y="-17640"/>
-            <a:chExt cx="12189960" cy="6855840"/>
+            <a:chExt cx="12189600" cy="6855480"/>
           </a:xfrm>
         </p:grpSpPr>
         <p:pic>
@@ -12269,7 +12350,7 @@
           <p:spPr>
             <a:xfrm>
               <a:off x="360" y="-17640"/>
-              <a:ext cx="12189960" cy="6855840"/>
+              <a:ext cx="12189600" cy="6855480"/>
             </a:xfrm>
             <a:prstGeom prst="rect">
               <a:avLst/>
@@ -12292,7 +12373,7 @@
           <p:spPr>
             <a:xfrm>
               <a:off x="360" y="-17640"/>
-              <a:ext cx="12189960" cy="6855840"/>
+              <a:ext cx="12189600" cy="6855480"/>
             </a:xfrm>
             <a:prstGeom prst="rect">
               <a:avLst/>
@@ -12316,7 +12397,7 @@
         <p:spPr>
           <a:xfrm>
             <a:off x="4815360" y="165600"/>
-            <a:ext cx="2337120" cy="1118520"/>
+            <a:ext cx="2336760" cy="1118160"/>
           </a:xfrm>
           <a:prstGeom prst="rect">
             <a:avLst/>
@@ -12335,9 +12416,9 @@
         <p:grpSpPr>
           <a:xfrm>
             <a:off x="626400" y="254520"/>
-            <a:ext cx="11249280" cy="981000"/>
+            <a:ext cx="11248920" cy="980640"/>
             <a:chOff x="626400" y="254520"/>
-            <a:chExt cx="11249280" cy="981000"/>
+            <a:chExt cx="11248920" cy="980640"/>
           </a:xfrm>
         </p:grpSpPr>
         <p:pic>
@@ -12353,7 +12434,7 @@
           <p:spPr>
             <a:xfrm>
               <a:off x="10059840" y="254520"/>
-              <a:ext cx="1815840" cy="981000"/>
+              <a:ext cx="1815480" cy="980640"/>
             </a:xfrm>
             <a:prstGeom prst="rect">
               <a:avLst/>
@@ -12376,7 +12457,7 @@
           <p:spPr>
             <a:xfrm>
               <a:off x="626400" y="484200"/>
-              <a:ext cx="1503720" cy="522360"/>
+              <a:ext cx="1503360" cy="522000"/>
             </a:xfrm>
             <a:prstGeom prst="rect">
               <a:avLst/>
@@ -12396,7 +12477,7 @@
         <p:spPr>
           <a:xfrm>
             <a:off x="1440720" y="900000"/>
-            <a:ext cx="9358920" cy="638280"/>
+            <a:ext cx="9358560" cy="638280"/>
           </a:xfrm>
           <a:prstGeom prst="rect">
             <a:avLst/>
@@ -12459,7 +12540,7 @@
         <p:spPr>
           <a:xfrm>
             <a:off x="1271880" y="1232280"/>
-            <a:ext cx="3947040" cy="485640"/>
+            <a:ext cx="3946680" cy="485280"/>
           </a:xfrm>
           <a:prstGeom prst="rect">
             <a:avLst/>
@@ -12480,6 +12561,11 @@
             <a:noAutofit/>
           </a:bodyPr>
           <a:p>
+            <a:pPr>
+              <a:lnSpc>
+                <a:spcPct val="100000"/>
+              </a:lnSpc>
+            </a:pPr>
             <a:endParaRPr b="0" lang="es-CO" sz="1800" spc="-1" strike="noStrike">
               <a:solidFill>
                 <a:srgbClr val="000000"/>
@@ -12502,7 +12588,7 @@
         <p:spPr>
           <a:xfrm>
             <a:off x="245160" y="1701000"/>
-            <a:ext cx="5874840" cy="2799000"/>
+            <a:ext cx="5874480" cy="2798640"/>
           </a:xfrm>
           <a:prstGeom prst="rect">
             <a:avLst/>
@@ -12525,7 +12611,7 @@
         <p:spPr>
           <a:xfrm>
             <a:off x="6642720" y="1620000"/>
-            <a:ext cx="4877280" cy="2929320"/>
+            <a:ext cx="4876920" cy="2928960"/>
           </a:xfrm>
           <a:prstGeom prst="rect">
             <a:avLst/>
@@ -12538,13 +12624,13 @@
       <p:sp>
         <p:nvSpPr>
           <p:cNvPr id="130" name=""/>
-          <p:cNvSpPr txBox="1"/>
+          <p:cNvSpPr/>
           <p:nvPr/>
         </p:nvSpPr>
         <p:spPr>
           <a:xfrm>
             <a:off x="2756160" y="4680000"/>
-            <a:ext cx="1923840" cy="772560"/>
+            <a:ext cx="1923480" cy="772200"/>
           </a:xfrm>
           <a:prstGeom prst="rect">
             <a:avLst/>
@@ -12554,11 +12640,22 @@
             <a:noFill/>
           </a:ln>
         </p:spPr>
+        <p:style>
+          <a:lnRef idx="0"/>
+          <a:fillRef idx="0"/>
+          <a:effectRef idx="0"/>
+          <a:fontRef idx="minor"/>
+        </p:style>
         <p:txBody>
           <a:bodyPr lIns="90000" rIns="90000" tIns="45000" bIns="45000" anchor="t">
             <a:noAutofit/>
           </a:bodyPr>
           <a:p>
+            <a:pPr>
+              <a:lnSpc>
+                <a:spcPct val="100000"/>
+              </a:lnSpc>
+            </a:pPr>
             <a:r>
               <a:rPr b="0" lang="es-CO" sz="2600" spc="-1" strike="noStrike">
                 <a:solidFill>
@@ -12570,7 +12667,7 @@
             </a:r>
             <a:endParaRPr b="0" lang="es-CO" sz="2600" spc="-1" strike="noStrike">
               <a:solidFill>
-                <a:srgbClr val="ffffd7"/>
+                <a:srgbClr val="000000"/>
               </a:solidFill>
               <a:latin typeface="Arial"/>
             </a:endParaRPr>
@@ -12580,13 +12677,13 @@
       <p:sp>
         <p:nvSpPr>
           <p:cNvPr id="131" name=""/>
-          <p:cNvSpPr txBox="1"/>
+          <p:cNvSpPr/>
           <p:nvPr/>
         </p:nvSpPr>
         <p:spPr>
           <a:xfrm>
             <a:off x="8460000" y="4807440"/>
-            <a:ext cx="1980000" cy="1197360"/>
+            <a:ext cx="1979640" cy="1197000"/>
           </a:xfrm>
           <a:prstGeom prst="rect">
             <a:avLst/>
@@ -12596,11 +12693,22 @@
             <a:noFill/>
           </a:ln>
         </p:spPr>
+        <p:style>
+          <a:lnRef idx="0"/>
+          <a:fillRef idx="0"/>
+          <a:effectRef idx="0"/>
+          <a:fontRef idx="minor"/>
+        </p:style>
         <p:txBody>
           <a:bodyPr lIns="90000" rIns="90000" tIns="45000" bIns="45000" anchor="t">
             <a:noAutofit/>
           </a:bodyPr>
           <a:p>
+            <a:pPr>
+              <a:lnSpc>
+                <a:spcPct val="100000"/>
+              </a:lnSpc>
+            </a:pPr>
             <a:r>
               <a:rPr b="0" lang="es-CO" sz="2600" spc="-1" strike="noStrike">
                 <a:solidFill>
@@ -12612,7 +12720,7 @@
             </a:r>
             <a:endParaRPr b="0" lang="es-CO" sz="2600" spc="-1" strike="noStrike">
               <a:solidFill>
-                <a:srgbClr val="ffffd7"/>
+                <a:srgbClr val="000000"/>
               </a:solidFill>
               <a:latin typeface="Arial"/>
             </a:endParaRPr>
@@ -12658,9 +12766,9 @@
         <p:grpSpPr>
           <a:xfrm>
             <a:off x="360" y="-17640"/>
-            <a:ext cx="12189960" cy="6855840"/>
+            <a:ext cx="12189600" cy="6855480"/>
             <a:chOff x="360" y="-17640"/>
-            <a:chExt cx="12189960" cy="6855840"/>
+            <a:chExt cx="12189600" cy="6855480"/>
           </a:xfrm>
         </p:grpSpPr>
         <p:pic>
@@ -12677,7 +12785,7 @@
           <p:spPr>
             <a:xfrm>
               <a:off x="360" y="-17640"/>
-              <a:ext cx="12189960" cy="6855840"/>
+              <a:ext cx="12189600" cy="6855480"/>
             </a:xfrm>
             <a:prstGeom prst="rect">
               <a:avLst/>
@@ -12700,7 +12808,7 @@
           <p:spPr>
             <a:xfrm>
               <a:off x="360" y="-17640"/>
-              <a:ext cx="12189960" cy="6855840"/>
+              <a:ext cx="12189600" cy="6855480"/>
             </a:xfrm>
             <a:prstGeom prst="rect">
               <a:avLst/>
@@ -12724,7 +12832,7 @@
         <p:spPr>
           <a:xfrm>
             <a:off x="4815360" y="165600"/>
-            <a:ext cx="2337120" cy="1118520"/>
+            <a:ext cx="2336760" cy="1118160"/>
           </a:xfrm>
           <a:prstGeom prst="rect">
             <a:avLst/>
@@ -12743,9 +12851,9 @@
         <p:grpSpPr>
           <a:xfrm>
             <a:off x="626400" y="254520"/>
-            <a:ext cx="11249280" cy="981000"/>
+            <a:ext cx="11248920" cy="980640"/>
             <a:chOff x="626400" y="254520"/>
-            <a:chExt cx="11249280" cy="981000"/>
+            <a:chExt cx="11248920" cy="980640"/>
           </a:xfrm>
         </p:grpSpPr>
         <p:pic>
@@ -12761,7 +12869,7 @@
           <p:spPr>
             <a:xfrm>
               <a:off x="10059840" y="254520"/>
-              <a:ext cx="1815840" cy="981000"/>
+              <a:ext cx="1815480" cy="980640"/>
             </a:xfrm>
             <a:prstGeom prst="rect">
               <a:avLst/>
@@ -12784,7 +12892,7 @@
           <p:spPr>
             <a:xfrm>
               <a:off x="626400" y="484200"/>
-              <a:ext cx="1503720" cy="522360"/>
+              <a:ext cx="1503360" cy="522000"/>
             </a:xfrm>
             <a:prstGeom prst="rect">
               <a:avLst/>
@@ -12804,7 +12912,7 @@
         <p:spPr>
           <a:xfrm>
             <a:off x="1440720" y="900000"/>
-            <a:ext cx="9358920" cy="638280"/>
+            <a:ext cx="9358560" cy="638280"/>
           </a:xfrm>
           <a:prstGeom prst="rect">
             <a:avLst/>
@@ -12867,7 +12975,7 @@
         <p:spPr>
           <a:xfrm>
             <a:off x="1271880" y="1232280"/>
-            <a:ext cx="3947040" cy="485640"/>
+            <a:ext cx="3946680" cy="485280"/>
           </a:xfrm>
           <a:prstGeom prst="rect">
             <a:avLst/>
@@ -12888,6 +12996,11 @@
             <a:noAutofit/>
           </a:bodyPr>
           <a:p>
+            <a:pPr>
+              <a:lnSpc>
+                <a:spcPct val="100000"/>
+              </a:lnSpc>
+            </a:pPr>
             <a:endParaRPr b="0" lang="es-CO" sz="1800" spc="-1" strike="noStrike">
               <a:solidFill>
                 <a:srgbClr val="000000"/>
@@ -12910,7 +13023,7 @@
         <p:spPr>
           <a:xfrm>
             <a:off x="1744920" y="1800000"/>
-            <a:ext cx="7615080" cy="4283280"/>
+            <a:ext cx="7614720" cy="4282920"/>
           </a:xfrm>
           <a:prstGeom prst="rect">
             <a:avLst/>
@@ -12959,9 +13072,9 @@
         <p:grpSpPr>
           <a:xfrm>
             <a:off x="360" y="-17640"/>
-            <a:ext cx="12189960" cy="6855840"/>
+            <a:ext cx="12189600" cy="6855480"/>
             <a:chOff x="360" y="-17640"/>
-            <a:chExt cx="12189960" cy="6855840"/>
+            <a:chExt cx="12189600" cy="6855480"/>
           </a:xfrm>
         </p:grpSpPr>
         <p:pic>
@@ -12978,7 +13091,7 @@
           <p:spPr>
             <a:xfrm>
               <a:off x="360" y="-17640"/>
-              <a:ext cx="12189960" cy="6855840"/>
+              <a:ext cx="12189600" cy="6855480"/>
             </a:xfrm>
             <a:prstGeom prst="rect">
               <a:avLst/>
@@ -13001,7 +13114,7 @@
           <p:spPr>
             <a:xfrm>
               <a:off x="360" y="-17640"/>
-              <a:ext cx="12189960" cy="6855840"/>
+              <a:ext cx="12189600" cy="6855480"/>
             </a:xfrm>
             <a:prstGeom prst="rect">
               <a:avLst/>
@@ -13025,7 +13138,7 @@
         <p:spPr>
           <a:xfrm>
             <a:off x="4815360" y="165600"/>
-            <a:ext cx="2337120" cy="1118520"/>
+            <a:ext cx="2336760" cy="1118160"/>
           </a:xfrm>
           <a:prstGeom prst="rect">
             <a:avLst/>
@@ -13044,9 +13157,9 @@
         <p:grpSpPr>
           <a:xfrm>
             <a:off x="626400" y="254520"/>
-            <a:ext cx="11249280" cy="981000"/>
+            <a:ext cx="11248920" cy="980640"/>
             <a:chOff x="626400" y="254520"/>
-            <a:chExt cx="11249280" cy="981000"/>
+            <a:chExt cx="11248920" cy="980640"/>
           </a:xfrm>
         </p:grpSpPr>
         <p:pic>
@@ -13062,7 +13175,7 @@
           <p:spPr>
             <a:xfrm>
               <a:off x="10059840" y="254520"/>
-              <a:ext cx="1815840" cy="981000"/>
+              <a:ext cx="1815480" cy="980640"/>
             </a:xfrm>
             <a:prstGeom prst="rect">
               <a:avLst/>
@@ -13085,7 +13198,7 @@
           <p:spPr>
             <a:xfrm>
               <a:off x="626400" y="484200"/>
-              <a:ext cx="1503720" cy="522360"/>
+              <a:ext cx="1503360" cy="522000"/>
             </a:xfrm>
             <a:prstGeom prst="rect">
               <a:avLst/>
@@ -13105,7 +13218,7 @@
         <p:spPr>
           <a:xfrm>
             <a:off x="1440720" y="900000"/>
-            <a:ext cx="9358920" cy="638280"/>
+            <a:ext cx="9358560" cy="638280"/>
           </a:xfrm>
           <a:prstGeom prst="rect">
             <a:avLst/>
@@ -13168,7 +13281,7 @@
         <p:spPr>
           <a:xfrm>
             <a:off x="1271880" y="1232280"/>
-            <a:ext cx="3947040" cy="485640"/>
+            <a:ext cx="3946680" cy="485280"/>
           </a:xfrm>
           <a:prstGeom prst="rect">
             <a:avLst/>
@@ -13189,6 +13302,11 @@
             <a:noAutofit/>
           </a:bodyPr>
           <a:p>
+            <a:pPr>
+              <a:lnSpc>
+                <a:spcPct val="100000"/>
+              </a:lnSpc>
+            </a:pPr>
             <a:endParaRPr b="0" lang="es-CO" sz="1800" spc="-1" strike="noStrike">
               <a:solidFill>
                 <a:srgbClr val="000000"/>
@@ -13211,7 +13329,7 @@
         <p:spPr>
           <a:xfrm>
             <a:off x="1800000" y="1980000"/>
-            <a:ext cx="7603920" cy="4149720"/>
+            <a:ext cx="7603560" cy="4149360"/>
           </a:xfrm>
           <a:prstGeom prst="rect">
             <a:avLst/>
@@ -13260,9 +13378,9 @@
         <p:grpSpPr>
           <a:xfrm>
             <a:off x="360" y="-17640"/>
-            <a:ext cx="12189960" cy="6855840"/>
+            <a:ext cx="12189600" cy="6855480"/>
             <a:chOff x="360" y="-17640"/>
-            <a:chExt cx="12189960" cy="6855840"/>
+            <a:chExt cx="12189600" cy="6855480"/>
           </a:xfrm>
         </p:grpSpPr>
         <p:pic>
@@ -13279,7 +13397,7 @@
           <p:spPr>
             <a:xfrm>
               <a:off x="360" y="-17640"/>
-              <a:ext cx="12189960" cy="6855840"/>
+              <a:ext cx="12189600" cy="6855480"/>
             </a:xfrm>
             <a:prstGeom prst="rect">
               <a:avLst/>
@@ -13302,7 +13420,7 @@
           <p:spPr>
             <a:xfrm>
               <a:off x="360" y="-17640"/>
-              <a:ext cx="12189960" cy="6855840"/>
+              <a:ext cx="12189600" cy="6855480"/>
             </a:xfrm>
             <a:prstGeom prst="rect">
               <a:avLst/>
@@ -13326,7 +13444,7 @@
         <p:spPr>
           <a:xfrm>
             <a:off x="4815360" y="165600"/>
-            <a:ext cx="2337120" cy="1118520"/>
+            <a:ext cx="2336760" cy="1118160"/>
           </a:xfrm>
           <a:prstGeom prst="rect">
             <a:avLst/>
@@ -13345,9 +13463,9 @@
         <p:grpSpPr>
           <a:xfrm>
             <a:off x="626400" y="254520"/>
-            <a:ext cx="11249280" cy="981000"/>
+            <a:ext cx="11248920" cy="980640"/>
             <a:chOff x="626400" y="254520"/>
-            <a:chExt cx="11249280" cy="981000"/>
+            <a:chExt cx="11248920" cy="980640"/>
           </a:xfrm>
         </p:grpSpPr>
         <p:pic>
@@ -13363,7 +13481,7 @@
           <p:spPr>
             <a:xfrm>
               <a:off x="10059840" y="254520"/>
-              <a:ext cx="1815840" cy="981000"/>
+              <a:ext cx="1815480" cy="980640"/>
             </a:xfrm>
             <a:prstGeom prst="rect">
               <a:avLst/>
@@ -13386,7 +13504,7 @@
           <p:spPr>
             <a:xfrm>
               <a:off x="626400" y="484200"/>
-              <a:ext cx="1503720" cy="522360"/>
+              <a:ext cx="1503360" cy="522000"/>
             </a:xfrm>
             <a:prstGeom prst="rect">
               <a:avLst/>
@@ -13406,7 +13524,7 @@
         <p:spPr>
           <a:xfrm>
             <a:off x="1440720" y="900000"/>
-            <a:ext cx="9358920" cy="638280"/>
+            <a:ext cx="9358560" cy="638280"/>
           </a:xfrm>
           <a:prstGeom prst="rect">
             <a:avLst/>
@@ -13469,7 +13587,7 @@
         <p:spPr>
           <a:xfrm>
             <a:off x="1271880" y="1232280"/>
-            <a:ext cx="3947040" cy="485640"/>
+            <a:ext cx="3946680" cy="485280"/>
           </a:xfrm>
           <a:prstGeom prst="rect">
             <a:avLst/>
@@ -13490,6 +13608,11 @@
             <a:noAutofit/>
           </a:bodyPr>
           <a:p>
+            <a:pPr>
+              <a:lnSpc>
+                <a:spcPct val="100000"/>
+              </a:lnSpc>
+            </a:pPr>
             <a:endParaRPr b="0" lang="es-CO" sz="1800" spc="-1" strike="noStrike">
               <a:solidFill>
                 <a:srgbClr val="000000"/>
@@ -13512,7 +13635,7 @@
         <p:spPr>
           <a:xfrm>
             <a:off x="1876680" y="1669320"/>
-            <a:ext cx="8923320" cy="4990680"/>
+            <a:ext cx="8922960" cy="4990320"/>
           </a:xfrm>
           <a:prstGeom prst="rect">
             <a:avLst/>

--- a/Material pedagógico/Modulo 2/Clase 4/Clase 4 - Modulo 2.pptx
+++ b/Material pedagógico/Modulo 2/Clase 4/Clase 4 - Modulo 2.pptx
@@ -364,7 +364,7 @@
             <a:pPr indent="0" algn="r">
               <a:buNone/>
             </a:pPr>
-            <a:fld id="{3C146F68-DD93-4E7D-889C-44AA8AFC39BB}" type="slidenum">
+            <a:fld id="{FBC413DD-2F06-465E-ADDF-269266DF1032}" type="slidenum">
               <a:rPr b="0" lang="es-CO" sz="1400" spc="-1" strike="noStrike">
                 <a:solidFill>
                   <a:srgbClr val="000000"/>
@@ -418,7 +418,7 @@
         <p:spPr>
           <a:xfrm>
             <a:off x="685800" y="1143000"/>
-            <a:ext cx="5483880" cy="3083760"/>
+            <a:ext cx="5483520" cy="3083400"/>
           </a:xfrm>
           <a:prstGeom prst="rect">
             <a:avLst/>
@@ -441,7 +441,7 @@
         <p:spPr>
           <a:xfrm>
             <a:off x="685800" y="4400640"/>
-            <a:ext cx="5483880" cy="3598200"/>
+            <a:ext cx="5483520" cy="3597840"/>
           </a:xfrm>
           <a:prstGeom prst="rect">
             <a:avLst/>
@@ -481,7 +481,7 @@
         <p:spPr>
           <a:xfrm>
             <a:off x="3884760" y="8685360"/>
-            <a:ext cx="2969280" cy="456120"/>
+            <a:ext cx="2968920" cy="455760"/>
           </a:xfrm>
           <a:prstGeom prst="rect">
             <a:avLst/>
@@ -522,7 +522,7 @@
                 <a:tab algn="l" pos="0"/>
               </a:tabLst>
             </a:pPr>
-            <a:fld id="{40EF98BD-FD1A-40A2-8B39-04943E92AC76}" type="slidenum">
+            <a:fld id="{8A111793-4539-402A-AF45-CFA3CD312186}" type="slidenum">
               <a:rPr b="0" lang="es-CO" sz="1400" spc="-1" strike="noStrike">
                 <a:solidFill>
                   <a:srgbClr val="000000"/>
@@ -575,7 +575,7 @@
         <p:spPr>
           <a:xfrm>
             <a:off x="685800" y="1143000"/>
-            <a:ext cx="5483880" cy="3083760"/>
+            <a:ext cx="5483520" cy="3083400"/>
           </a:xfrm>
           <a:prstGeom prst="rect">
             <a:avLst/>
@@ -598,7 +598,7 @@
         <p:spPr>
           <a:xfrm>
             <a:off x="685800" y="4400640"/>
-            <a:ext cx="5483880" cy="3598200"/>
+            <a:ext cx="5483520" cy="3597840"/>
           </a:xfrm>
           <a:prstGeom prst="rect">
             <a:avLst/>
@@ -638,7 +638,7 @@
         <p:spPr>
           <a:xfrm>
             <a:off x="3884760" y="8685360"/>
-            <a:ext cx="2969280" cy="456120"/>
+            <a:ext cx="2968920" cy="455760"/>
           </a:xfrm>
           <a:prstGeom prst="rect">
             <a:avLst/>
@@ -679,7 +679,7 @@
                 <a:tab algn="l" pos="0"/>
               </a:tabLst>
             </a:pPr>
-            <a:fld id="{3BD09427-8DCA-4447-9E95-EDF407003FDF}" type="slidenum">
+            <a:fld id="{27933A49-79F7-4AAE-82DF-9EDB1DCCB2EE}" type="slidenum">
               <a:rPr b="0" lang="es-CO" sz="1400" spc="-1" strike="noStrike">
                 <a:solidFill>
                   <a:srgbClr val="000000"/>
@@ -732,7 +732,7 @@
         <p:spPr>
           <a:xfrm>
             <a:off x="685800" y="1143000"/>
-            <a:ext cx="5483880" cy="3083760"/>
+            <a:ext cx="5483520" cy="3083400"/>
           </a:xfrm>
           <a:prstGeom prst="rect">
             <a:avLst/>
@@ -755,7 +755,7 @@
         <p:spPr>
           <a:xfrm>
             <a:off x="685800" y="4400640"/>
-            <a:ext cx="5483880" cy="3598200"/>
+            <a:ext cx="5483520" cy="3597840"/>
           </a:xfrm>
           <a:prstGeom prst="rect">
             <a:avLst/>
@@ -795,7 +795,7 @@
         <p:spPr>
           <a:xfrm>
             <a:off x="3884760" y="8685360"/>
-            <a:ext cx="2969280" cy="456120"/>
+            <a:ext cx="2968920" cy="455760"/>
           </a:xfrm>
           <a:prstGeom prst="rect">
             <a:avLst/>
@@ -836,7 +836,7 @@
                 <a:tab algn="l" pos="0"/>
               </a:tabLst>
             </a:pPr>
-            <a:fld id="{B0D0D5F6-A830-48BA-B2C2-63B57F8E16CE}" type="slidenum">
+            <a:fld id="{B2A9201B-FD41-45A4-AD9B-BC0CF1AC2F20}" type="slidenum">
               <a:rPr b="0" lang="es-CO" sz="1400" spc="-1" strike="noStrike">
                 <a:solidFill>
                   <a:srgbClr val="000000"/>
@@ -889,7 +889,7 @@
         <p:spPr>
           <a:xfrm>
             <a:off x="685800" y="1143000"/>
-            <a:ext cx="5483880" cy="3083760"/>
+            <a:ext cx="5483520" cy="3083400"/>
           </a:xfrm>
           <a:prstGeom prst="rect">
             <a:avLst/>
@@ -912,7 +912,7 @@
         <p:spPr>
           <a:xfrm>
             <a:off x="685800" y="4400640"/>
-            <a:ext cx="5483880" cy="3598200"/>
+            <a:ext cx="5483520" cy="3597840"/>
           </a:xfrm>
           <a:prstGeom prst="rect">
             <a:avLst/>
@@ -952,7 +952,7 @@
         <p:spPr>
           <a:xfrm>
             <a:off x="3884760" y="8685360"/>
-            <a:ext cx="2969280" cy="456120"/>
+            <a:ext cx="2968920" cy="455760"/>
           </a:xfrm>
           <a:prstGeom prst="rect">
             <a:avLst/>
@@ -993,7 +993,7 @@
                 <a:tab algn="l" pos="0"/>
               </a:tabLst>
             </a:pPr>
-            <a:fld id="{017CFE89-34BD-409E-8EA4-31217528774F}" type="slidenum">
+            <a:fld id="{DC213103-31A3-4678-966A-1CCB09FA9576}" type="slidenum">
               <a:rPr b="0" lang="es-CO" sz="1400" spc="-1" strike="noStrike">
                 <a:solidFill>
                   <a:srgbClr val="000000"/>
@@ -1046,7 +1046,7 @@
         <p:spPr>
           <a:xfrm>
             <a:off x="685800" y="1143000"/>
-            <a:ext cx="5483880" cy="3083760"/>
+            <a:ext cx="5483520" cy="3083400"/>
           </a:xfrm>
           <a:prstGeom prst="rect">
             <a:avLst/>
@@ -1069,7 +1069,7 @@
         <p:spPr>
           <a:xfrm>
             <a:off x="685800" y="4400640"/>
-            <a:ext cx="5483880" cy="3598200"/>
+            <a:ext cx="5483520" cy="3597840"/>
           </a:xfrm>
           <a:prstGeom prst="rect">
             <a:avLst/>
@@ -1109,7 +1109,7 @@
         <p:spPr>
           <a:xfrm>
             <a:off x="3884760" y="8685360"/>
-            <a:ext cx="2969280" cy="456120"/>
+            <a:ext cx="2968920" cy="455760"/>
           </a:xfrm>
           <a:prstGeom prst="rect">
             <a:avLst/>
@@ -1150,7 +1150,7 @@
                 <a:tab algn="l" pos="0"/>
               </a:tabLst>
             </a:pPr>
-            <a:fld id="{8722B6BC-A1FA-4ABF-81D7-E9F4C4A1E465}" type="slidenum">
+            <a:fld id="{C6646361-4617-4405-A19B-64A447350257}" type="slidenum">
               <a:rPr b="0" lang="es-CO" sz="1400" spc="-1" strike="noStrike">
                 <a:solidFill>
                   <a:srgbClr val="000000"/>
@@ -1203,7 +1203,7 @@
         <p:spPr>
           <a:xfrm>
             <a:off x="685800" y="1143000"/>
-            <a:ext cx="5483880" cy="3083760"/>
+            <a:ext cx="5483520" cy="3083400"/>
           </a:xfrm>
           <a:prstGeom prst="rect">
             <a:avLst/>
@@ -1226,7 +1226,7 @@
         <p:spPr>
           <a:xfrm>
             <a:off x="685800" y="4400640"/>
-            <a:ext cx="5483880" cy="3598200"/>
+            <a:ext cx="5483520" cy="3597840"/>
           </a:xfrm>
           <a:prstGeom prst="rect">
             <a:avLst/>
@@ -1266,7 +1266,7 @@
         <p:spPr>
           <a:xfrm>
             <a:off x="3884760" y="8685360"/>
-            <a:ext cx="2969280" cy="456120"/>
+            <a:ext cx="2968920" cy="455760"/>
           </a:xfrm>
           <a:prstGeom prst="rect">
             <a:avLst/>
@@ -1307,7 +1307,7 @@
                 <a:tab algn="l" pos="0"/>
               </a:tabLst>
             </a:pPr>
-            <a:fld id="{5FBE1F86-D1E0-4D7A-8428-10902B1D4A37}" type="slidenum">
+            <a:fld id="{3C0126C6-4E01-4FC5-92CA-59AD45165278}" type="slidenum">
               <a:rPr b="0" lang="es-CO" sz="1400" spc="-1" strike="noStrike">
                 <a:solidFill>
                   <a:srgbClr val="000000"/>
@@ -1360,7 +1360,7 @@
         <p:spPr>
           <a:xfrm>
             <a:off x="685800" y="1143000"/>
-            <a:ext cx="5483880" cy="3083760"/>
+            <a:ext cx="5483520" cy="3083400"/>
           </a:xfrm>
           <a:prstGeom prst="rect">
             <a:avLst/>
@@ -1383,7 +1383,7 @@
         <p:spPr>
           <a:xfrm>
             <a:off x="685800" y="4400640"/>
-            <a:ext cx="5483880" cy="3598200"/>
+            <a:ext cx="5483520" cy="3597840"/>
           </a:xfrm>
           <a:prstGeom prst="rect">
             <a:avLst/>
@@ -1423,7 +1423,7 @@
         <p:spPr>
           <a:xfrm>
             <a:off x="3884760" y="8685360"/>
-            <a:ext cx="2969280" cy="456120"/>
+            <a:ext cx="2968920" cy="455760"/>
           </a:xfrm>
           <a:prstGeom prst="rect">
             <a:avLst/>
@@ -1464,7 +1464,7 @@
                 <a:tab algn="l" pos="0"/>
               </a:tabLst>
             </a:pPr>
-            <a:fld id="{6D613DED-3B94-477D-B0E2-27156DCD2BEA}" type="slidenum">
+            <a:fld id="{DB1F9F1B-F752-4BAB-95FB-73E3A146E342}" type="slidenum">
               <a:rPr b="0" lang="es-CO" sz="1400" spc="-1" strike="noStrike">
                 <a:solidFill>
                   <a:srgbClr val="000000"/>
@@ -1517,7 +1517,7 @@
         <p:spPr>
           <a:xfrm>
             <a:off x="685800" y="1143000"/>
-            <a:ext cx="5483880" cy="3083760"/>
+            <a:ext cx="5483520" cy="3083400"/>
           </a:xfrm>
           <a:prstGeom prst="rect">
             <a:avLst/>
@@ -1540,7 +1540,7 @@
         <p:spPr>
           <a:xfrm>
             <a:off x="685800" y="4400640"/>
-            <a:ext cx="5483880" cy="3598200"/>
+            <a:ext cx="5483520" cy="3597840"/>
           </a:xfrm>
           <a:prstGeom prst="rect">
             <a:avLst/>
@@ -1580,7 +1580,7 @@
         <p:spPr>
           <a:xfrm>
             <a:off x="3884760" y="8685360"/>
-            <a:ext cx="2969280" cy="456120"/>
+            <a:ext cx="2968920" cy="455760"/>
           </a:xfrm>
           <a:prstGeom prst="rect">
             <a:avLst/>
@@ -1621,7 +1621,7 @@
                 <a:tab algn="l" pos="0"/>
               </a:tabLst>
             </a:pPr>
-            <a:fld id="{8D9A05BB-0AC6-47CA-81B1-282AC3367605}" type="slidenum">
+            <a:fld id="{5C465939-F1BE-455D-ADCD-94229988A3D4}" type="slidenum">
               <a:rPr b="0" lang="es-CO" sz="1400" spc="-1" strike="noStrike">
                 <a:solidFill>
                   <a:srgbClr val="000000"/>
@@ -1674,7 +1674,7 @@
         <p:spPr>
           <a:xfrm>
             <a:off x="685800" y="1143000"/>
-            <a:ext cx="5483880" cy="3083760"/>
+            <a:ext cx="5483520" cy="3083400"/>
           </a:xfrm>
           <a:prstGeom prst="rect">
             <a:avLst/>
@@ -1697,7 +1697,7 @@
         <p:spPr>
           <a:xfrm>
             <a:off x="685800" y="4400640"/>
-            <a:ext cx="5483880" cy="3598200"/>
+            <a:ext cx="5483520" cy="3597840"/>
           </a:xfrm>
           <a:prstGeom prst="rect">
             <a:avLst/>
@@ -1737,7 +1737,7 @@
         <p:spPr>
           <a:xfrm>
             <a:off x="3884760" y="8685360"/>
-            <a:ext cx="2969280" cy="456120"/>
+            <a:ext cx="2968920" cy="455760"/>
           </a:xfrm>
           <a:prstGeom prst="rect">
             <a:avLst/>
@@ -1778,7 +1778,7 @@
                 <a:tab algn="l" pos="0"/>
               </a:tabLst>
             </a:pPr>
-            <a:fld id="{428DBA83-4AEE-4F31-A471-AB11D71F73ED}" type="slidenum">
+            <a:fld id="{E67D7309-2142-4CD0-8A24-9019AD8F7589}" type="slidenum">
               <a:rPr b="0" lang="es-CO" sz="1400" spc="-1" strike="noStrike">
                 <a:solidFill>
                   <a:srgbClr val="000000"/>
@@ -1831,7 +1831,7 @@
         <p:spPr>
           <a:xfrm>
             <a:off x="685800" y="1143000"/>
-            <a:ext cx="5483880" cy="3083760"/>
+            <a:ext cx="5483520" cy="3083400"/>
           </a:xfrm>
           <a:prstGeom prst="rect">
             <a:avLst/>
@@ -1854,7 +1854,7 @@
         <p:spPr>
           <a:xfrm>
             <a:off x="685800" y="4400640"/>
-            <a:ext cx="5483880" cy="3598200"/>
+            <a:ext cx="5483520" cy="3597840"/>
           </a:xfrm>
           <a:prstGeom prst="rect">
             <a:avLst/>
@@ -1894,7 +1894,7 @@
         <p:spPr>
           <a:xfrm>
             <a:off x="3884760" y="8685360"/>
-            <a:ext cx="2969280" cy="456120"/>
+            <a:ext cx="2968920" cy="455760"/>
           </a:xfrm>
           <a:prstGeom prst="rect">
             <a:avLst/>
@@ -1935,7 +1935,7 @@
                 <a:tab algn="l" pos="0"/>
               </a:tabLst>
             </a:pPr>
-            <a:fld id="{6BBD14A2-D74A-4747-ABC8-1143B4650839}" type="slidenum">
+            <a:fld id="{B0591DA4-E4C9-44EC-A7AD-A4257CF43F92}" type="slidenum">
               <a:rPr b="0" lang="es-CO" sz="1400" spc="-1" strike="noStrike">
                 <a:solidFill>
                   <a:srgbClr val="000000"/>
@@ -1988,7 +1988,7 @@
         <p:spPr>
           <a:xfrm>
             <a:off x="685800" y="1143000"/>
-            <a:ext cx="5483880" cy="3083760"/>
+            <a:ext cx="5483520" cy="3083400"/>
           </a:xfrm>
           <a:prstGeom prst="rect">
             <a:avLst/>
@@ -2011,7 +2011,7 @@
         <p:spPr>
           <a:xfrm>
             <a:off x="685800" y="4400640"/>
-            <a:ext cx="5483880" cy="3598200"/>
+            <a:ext cx="5483520" cy="3597840"/>
           </a:xfrm>
           <a:prstGeom prst="rect">
             <a:avLst/>
@@ -2051,7 +2051,7 @@
         <p:spPr>
           <a:xfrm>
             <a:off x="3884760" y="8685360"/>
-            <a:ext cx="2969280" cy="456120"/>
+            <a:ext cx="2968920" cy="455760"/>
           </a:xfrm>
           <a:prstGeom prst="rect">
             <a:avLst/>
@@ -2092,7 +2092,7 @@
                 <a:tab algn="l" pos="0"/>
               </a:tabLst>
             </a:pPr>
-            <a:fld id="{F311DA8A-38D6-481E-B841-494B80CE2793}" type="slidenum">
+            <a:fld id="{82BA71E9-8321-432D-BD31-6023B50835B1}" type="slidenum">
               <a:rPr b="0" lang="es-CO" sz="1400" spc="-1" strike="noStrike">
                 <a:solidFill>
                   <a:srgbClr val="000000"/>
@@ -2145,7 +2145,7 @@
         <p:spPr>
           <a:xfrm>
             <a:off x="685800" y="1143000"/>
-            <a:ext cx="5483880" cy="3083760"/>
+            <a:ext cx="5483520" cy="3083400"/>
           </a:xfrm>
           <a:prstGeom prst="rect">
             <a:avLst/>
@@ -2168,7 +2168,7 @@
         <p:spPr>
           <a:xfrm>
             <a:off x="685800" y="4400640"/>
-            <a:ext cx="5483880" cy="3598200"/>
+            <a:ext cx="5483520" cy="3597840"/>
           </a:xfrm>
           <a:prstGeom prst="rect">
             <a:avLst/>
@@ -2208,7 +2208,7 @@
         <p:spPr>
           <a:xfrm>
             <a:off x="3884760" y="8685360"/>
-            <a:ext cx="2969280" cy="456120"/>
+            <a:ext cx="2968920" cy="455760"/>
           </a:xfrm>
           <a:prstGeom prst="rect">
             <a:avLst/>
@@ -2249,7 +2249,7 @@
                 <a:tab algn="l" pos="0"/>
               </a:tabLst>
             </a:pPr>
-            <a:fld id="{AD11D38E-2226-438F-920D-A3FF308B7187}" type="slidenum">
+            <a:fld id="{8DFC89DD-1E38-4F4B-854B-4F86FC62D57E}" type="slidenum">
               <a:rPr b="0" lang="es-CO" sz="1400" spc="-1" strike="noStrike">
                 <a:solidFill>
                   <a:srgbClr val="000000"/>
@@ -2302,7 +2302,7 @@
         <p:spPr>
           <a:xfrm>
             <a:off x="685800" y="1143000"/>
-            <a:ext cx="5483880" cy="3083760"/>
+            <a:ext cx="5483520" cy="3083400"/>
           </a:xfrm>
           <a:prstGeom prst="rect">
             <a:avLst/>
@@ -2325,7 +2325,7 @@
         <p:spPr>
           <a:xfrm>
             <a:off x="685800" y="4400640"/>
-            <a:ext cx="5483880" cy="3598200"/>
+            <a:ext cx="5483520" cy="3597840"/>
           </a:xfrm>
           <a:prstGeom prst="rect">
             <a:avLst/>
@@ -2365,7 +2365,7 @@
         <p:spPr>
           <a:xfrm>
             <a:off x="3884760" y="8685360"/>
-            <a:ext cx="2969280" cy="456120"/>
+            <a:ext cx="2968920" cy="455760"/>
           </a:xfrm>
           <a:prstGeom prst="rect">
             <a:avLst/>
@@ -2406,7 +2406,7 @@
                 <a:tab algn="l" pos="0"/>
               </a:tabLst>
             </a:pPr>
-            <a:fld id="{1772ACE2-F163-4888-9456-B513AF192B32}" type="slidenum">
+            <a:fld id="{2B9F1854-4F07-4EF9-A98D-35B072CAEA40}" type="slidenum">
               <a:rPr b="0" lang="es-CO" sz="1400" spc="-1" strike="noStrike">
                 <a:solidFill>
                   <a:srgbClr val="000000"/>
@@ -2459,7 +2459,7 @@
         <p:spPr>
           <a:xfrm>
             <a:off x="685800" y="1143000"/>
-            <a:ext cx="5483880" cy="3083760"/>
+            <a:ext cx="5483520" cy="3083400"/>
           </a:xfrm>
           <a:prstGeom prst="rect">
             <a:avLst/>
@@ -2482,7 +2482,7 @@
         <p:spPr>
           <a:xfrm>
             <a:off x="685800" y="4400640"/>
-            <a:ext cx="5483880" cy="3598200"/>
+            <a:ext cx="5483520" cy="3597840"/>
           </a:xfrm>
           <a:prstGeom prst="rect">
             <a:avLst/>
@@ -2522,7 +2522,7 @@
         <p:spPr>
           <a:xfrm>
             <a:off x="3884760" y="8685360"/>
-            <a:ext cx="2969280" cy="456120"/>
+            <a:ext cx="2968920" cy="455760"/>
           </a:xfrm>
           <a:prstGeom prst="rect">
             <a:avLst/>
@@ -2563,7 +2563,7 @@
                 <a:tab algn="l" pos="0"/>
               </a:tabLst>
             </a:pPr>
-            <a:fld id="{52E8EEC2-CEC2-4936-A11E-701D684157C5}" type="slidenum">
+            <a:fld id="{CE9BA74B-3064-4F69-8D60-653062C0BE2D}" type="slidenum">
               <a:rPr b="0" lang="es-CO" sz="1400" spc="-1" strike="noStrike">
                 <a:solidFill>
                   <a:srgbClr val="000000"/>
@@ -2616,7 +2616,7 @@
         <p:spPr>
           <a:xfrm>
             <a:off x="685800" y="1143000"/>
-            <a:ext cx="5483880" cy="3083760"/>
+            <a:ext cx="5483520" cy="3083400"/>
           </a:xfrm>
           <a:prstGeom prst="rect">
             <a:avLst/>
@@ -2639,7 +2639,7 @@
         <p:spPr>
           <a:xfrm>
             <a:off x="685800" y="4400640"/>
-            <a:ext cx="5483880" cy="3598200"/>
+            <a:ext cx="5483520" cy="3597840"/>
           </a:xfrm>
           <a:prstGeom prst="rect">
             <a:avLst/>
@@ -2679,7 +2679,7 @@
         <p:spPr>
           <a:xfrm>
             <a:off x="3884760" y="8685360"/>
-            <a:ext cx="2969280" cy="456120"/>
+            <a:ext cx="2968920" cy="455760"/>
           </a:xfrm>
           <a:prstGeom prst="rect">
             <a:avLst/>
@@ -2720,7 +2720,7 @@
                 <a:tab algn="l" pos="0"/>
               </a:tabLst>
             </a:pPr>
-            <a:fld id="{194C467E-0D17-49D3-8025-62E9334C3ED0}" type="slidenum">
+            <a:fld id="{2EBEBD52-E48E-408B-B8A7-72795FBD24F1}" type="slidenum">
               <a:rPr b="0" lang="es-CO" sz="1400" spc="-1" strike="noStrike">
                 <a:solidFill>
                   <a:srgbClr val="000000"/>
@@ -2773,7 +2773,7 @@
         <p:spPr>
           <a:xfrm>
             <a:off x="685800" y="1143000"/>
-            <a:ext cx="5483880" cy="3083760"/>
+            <a:ext cx="5483520" cy="3083400"/>
           </a:xfrm>
           <a:prstGeom prst="rect">
             <a:avLst/>
@@ -2796,7 +2796,7 @@
         <p:spPr>
           <a:xfrm>
             <a:off x="685800" y="4400640"/>
-            <a:ext cx="5483880" cy="3598200"/>
+            <a:ext cx="5483520" cy="3597840"/>
           </a:xfrm>
           <a:prstGeom prst="rect">
             <a:avLst/>
@@ -2836,7 +2836,7 @@
         <p:spPr>
           <a:xfrm>
             <a:off x="3884760" y="8685360"/>
-            <a:ext cx="2969280" cy="456120"/>
+            <a:ext cx="2968920" cy="455760"/>
           </a:xfrm>
           <a:prstGeom prst="rect">
             <a:avLst/>
@@ -2877,7 +2877,7 @@
                 <a:tab algn="l" pos="0"/>
               </a:tabLst>
             </a:pPr>
-            <a:fld id="{DB384DB7-B726-4488-8D6A-C310DDA2B7DA}" type="slidenum">
+            <a:fld id="{128248E4-E692-4D33-A1AC-DFBB7E1A50CF}" type="slidenum">
               <a:rPr b="0" lang="es-CO" sz="1400" spc="-1" strike="noStrike">
                 <a:solidFill>
                   <a:srgbClr val="000000"/>
@@ -2951,7 +2951,7 @@
         <p:txBody>
           <a:bodyPr/>
           <a:p>
-            <a:fld id="{E830F4BF-A388-43DC-AE4B-98970CF96743}" type="slidenum">
+            <a:fld id="{676A261E-A1B1-44FB-BD45-C1C2B3C4E9CB}" type="slidenum">
               <a:t>&lt;#&gt;</a:t>
             </a:fld>
           </a:p>
@@ -3034,7 +3034,7 @@
         <p:txBody>
           <a:bodyPr/>
           <a:p>
-            <a:fld id="{F0269383-21AE-495C-809B-878556320C27}" type="slidenum">
+            <a:fld id="{09DB0446-C19D-4BB3-9ED7-2F4358E14DD0}" type="slidenum">
               <a:t>&lt;#&gt;</a:t>
             </a:fld>
           </a:p>
@@ -3117,7 +3117,7 @@
         <p:txBody>
           <a:bodyPr/>
           <a:p>
-            <a:fld id="{F2719D7D-2C1C-40D7-A75C-234F96A407D7}" type="slidenum">
+            <a:fld id="{C6D12352-4B9E-49CD-B38E-E8CA5EA51462}" type="slidenum">
               <a:t>&lt;#&gt;</a:t>
             </a:fld>
           </a:p>
@@ -3200,7 +3200,7 @@
         <p:txBody>
           <a:bodyPr/>
           <a:p>
-            <a:fld id="{93731CCD-F49C-431C-AFEE-C820C5D9B047}" type="slidenum">
+            <a:fld id="{40AEAE28-1926-434F-A396-FE019B87DC8F}" type="slidenum">
               <a:t>&lt;#&gt;</a:t>
             </a:fld>
           </a:p>
@@ -3283,7 +3283,7 @@
         <p:txBody>
           <a:bodyPr/>
           <a:p>
-            <a:fld id="{6803A979-FEB0-49F7-9C62-6A492218436C}" type="slidenum">
+            <a:fld id="{50D998DB-8B3B-4EA8-BA02-4DA34D6E573D}" type="slidenum">
               <a:t>&lt;#&gt;</a:t>
             </a:fld>
           </a:p>
@@ -3446,7 +3446,7 @@
         <p:txBody>
           <a:bodyPr/>
           <a:p>
-            <a:fld id="{C804B283-8F9B-438C-A708-93DCCF8754A4}" type="slidenum">
+            <a:fld id="{8A280629-8CEB-41FB-B247-3D3FDC299901}" type="slidenum">
               <a:t>&lt;#&gt;</a:t>
             </a:fld>
           </a:p>
@@ -3612,7 +3612,7 @@
         <p:txBody>
           <a:bodyPr/>
           <a:p>
-            <a:fld id="{96F69BA9-BBBE-45FB-A9FD-1A3F7DD40A31}" type="slidenum">
+            <a:fld id="{59F5B597-577C-4A00-A30A-D7689BDB2F37}" type="slidenum">
               <a:t>&lt;#&gt;</a:t>
             </a:fld>
           </a:p>
@@ -3695,7 +3695,7 @@
         <p:txBody>
           <a:bodyPr/>
           <a:p>
-            <a:fld id="{E0808F96-31CA-40E2-8057-87F9BE542390}" type="slidenum">
+            <a:fld id="{89DB0352-3270-45D2-ACB6-C297C61C4358}" type="slidenum">
               <a:t>&lt;#&gt;</a:t>
             </a:fld>
           </a:p>
@@ -3904,7 +3904,7 @@
         <p:txBody>
           <a:bodyPr/>
           <a:p>
-            <a:fld id="{CD54E74F-4FA8-43B1-9D6D-55D7582BD465}" type="slidenum">
+            <a:fld id="{A0DB07B4-8735-44CF-8061-7400D4CB297B}" type="slidenum">
               <a:t>&lt;#&gt;</a:t>
             </a:fld>
           </a:p>
@@ -3987,7 +3987,7 @@
         <p:txBody>
           <a:bodyPr/>
           <a:p>
-            <a:fld id="{A631BF3E-62DA-457F-B86D-B203CED20733}" type="slidenum">
+            <a:fld id="{40244F46-1F5E-4491-87D8-4BC3474995F2}" type="slidenum">
               <a:t>&lt;#&gt;</a:t>
             </a:fld>
           </a:p>
@@ -4110,7 +4110,7 @@
         <p:txBody>
           <a:bodyPr/>
           <a:p>
-            <a:fld id="{ED6E76D5-5D43-44B9-82CF-370554C3B2EC}" type="slidenum">
+            <a:fld id="{0B980144-F0BC-48F2-85F6-972D72EA8F3D}" type="slidenum">
               <a:t>&lt;#&gt;</a:t>
             </a:fld>
           </a:p>
@@ -4179,7 +4179,7 @@
         <p:spPr>
           <a:xfrm>
             <a:off x="4038480" y="6356520"/>
-            <a:ext cx="4112280" cy="362520"/>
+            <a:ext cx="4111920" cy="362160"/>
           </a:xfrm>
           <a:prstGeom prst="rect">
             <a:avLst/>
@@ -4251,7 +4251,7 @@
         <p:spPr>
           <a:xfrm>
             <a:off x="8610480" y="6356520"/>
-            <a:ext cx="2740680" cy="362520"/>
+            <a:ext cx="2740320" cy="362160"/>
           </a:xfrm>
           <a:prstGeom prst="rect">
             <a:avLst/>
@@ -4293,7 +4293,7 @@
                 <a:tab algn="l" pos="0"/>
               </a:tabLst>
             </a:pPr>
-            <a:fld id="{D3F53D08-8F66-4D40-99B7-165D35CE058B}" type="slidenum">
+            <a:fld id="{9820B710-2DB6-4035-B4A8-D2549EAC2783}" type="slidenum">
               <a:rPr b="0" lang="es-CO" sz="1200" spc="-1" strike="noStrike">
                 <a:solidFill>
                   <a:srgbClr val="888888"/>
@@ -4325,7 +4325,7 @@
         <p:spPr>
           <a:xfrm>
             <a:off x="838080" y="6356520"/>
-            <a:ext cx="2740680" cy="362520"/>
+            <a:ext cx="2740320" cy="362160"/>
           </a:xfrm>
           <a:prstGeom prst="rect">
             <a:avLst/>
@@ -4692,7 +4692,7 @@
         <p:spPr>
           <a:xfrm>
             <a:off x="4038480" y="6356520"/>
-            <a:ext cx="4112280" cy="362520"/>
+            <a:ext cx="4111920" cy="362160"/>
           </a:xfrm>
           <a:prstGeom prst="rect">
             <a:avLst/>
@@ -4764,7 +4764,7 @@
         <p:spPr>
           <a:xfrm>
             <a:off x="8610480" y="6356520"/>
-            <a:ext cx="2740680" cy="362520"/>
+            <a:ext cx="2740320" cy="362160"/>
           </a:xfrm>
           <a:prstGeom prst="rect">
             <a:avLst/>
@@ -4806,7 +4806,7 @@
                 <a:tab algn="l" pos="0"/>
               </a:tabLst>
             </a:pPr>
-            <a:fld id="{DD5FB44B-9C78-48DA-8812-C3C7DEFC9155}" type="slidenum">
+            <a:fld id="{80C63C75-28DF-4115-BEDE-C91F66811799}" type="slidenum">
               <a:rPr b="0" lang="es-CO" sz="1200" spc="-1" strike="noStrike">
                 <a:solidFill>
                   <a:srgbClr val="888888"/>
@@ -4838,7 +4838,7 @@
         <p:spPr>
           <a:xfrm>
             <a:off x="838080" y="6356520"/>
-            <a:ext cx="2740680" cy="362520"/>
+            <a:ext cx="2740320" cy="362160"/>
           </a:xfrm>
           <a:prstGeom prst="rect">
             <a:avLst/>
@@ -4931,7 +4931,7 @@
         <p:spPr>
           <a:xfrm>
             <a:off x="4038480" y="6356520"/>
-            <a:ext cx="4112280" cy="362520"/>
+            <a:ext cx="4111920" cy="362160"/>
           </a:xfrm>
           <a:prstGeom prst="rect">
             <a:avLst/>
@@ -5003,7 +5003,7 @@
         <p:spPr>
           <a:xfrm>
             <a:off x="8610480" y="6356520"/>
-            <a:ext cx="2740680" cy="362520"/>
+            <a:ext cx="2740320" cy="362160"/>
           </a:xfrm>
           <a:prstGeom prst="rect">
             <a:avLst/>
@@ -5045,7 +5045,7 @@
                 <a:tab algn="l" pos="0"/>
               </a:tabLst>
             </a:pPr>
-            <a:fld id="{67ED6C97-7C06-448C-928B-2870AA469F12}" type="slidenum">
+            <a:fld id="{EC6C1599-188B-42AD-8A06-1CB6CB64655E}" type="slidenum">
               <a:rPr b="0" lang="es-CO" sz="1200" spc="-1" strike="noStrike">
                 <a:solidFill>
                   <a:srgbClr val="888888"/>
@@ -5077,7 +5077,7 @@
         <p:spPr>
           <a:xfrm>
             <a:off x="838080" y="6356520"/>
-            <a:ext cx="2740680" cy="362520"/>
+            <a:ext cx="2740320" cy="362160"/>
           </a:xfrm>
           <a:prstGeom prst="rect">
             <a:avLst/>
@@ -5170,7 +5170,7 @@
         <p:spPr>
           <a:xfrm>
             <a:off x="4038480" y="6356520"/>
-            <a:ext cx="4112280" cy="362520"/>
+            <a:ext cx="4111920" cy="362160"/>
           </a:xfrm>
           <a:prstGeom prst="rect">
             <a:avLst/>
@@ -5242,7 +5242,7 @@
         <p:spPr>
           <a:xfrm>
             <a:off x="8610480" y="6356520"/>
-            <a:ext cx="2740680" cy="362520"/>
+            <a:ext cx="2740320" cy="362160"/>
           </a:xfrm>
           <a:prstGeom prst="rect">
             <a:avLst/>
@@ -5284,7 +5284,7 @@
                 <a:tab algn="l" pos="0"/>
               </a:tabLst>
             </a:pPr>
-            <a:fld id="{9B14CA08-5FA6-4077-AFBF-74B8EB62B89F}" type="slidenum">
+            <a:fld id="{349372B5-77DA-40E5-9D1C-20A8B14B2C36}" type="slidenum">
               <a:rPr b="0" lang="es-CO" sz="1200" spc="-1" strike="noStrike">
                 <a:solidFill>
                   <a:srgbClr val="888888"/>
@@ -5316,7 +5316,7 @@
         <p:spPr>
           <a:xfrm>
             <a:off x="838080" y="6356520"/>
-            <a:ext cx="2740680" cy="362520"/>
+            <a:ext cx="2740320" cy="362160"/>
           </a:xfrm>
           <a:prstGeom prst="rect">
             <a:avLst/>
@@ -5409,7 +5409,7 @@
         <p:spPr>
           <a:xfrm>
             <a:off x="4038480" y="6356520"/>
-            <a:ext cx="4112280" cy="362520"/>
+            <a:ext cx="4111920" cy="362160"/>
           </a:xfrm>
           <a:prstGeom prst="rect">
             <a:avLst/>
@@ -5481,7 +5481,7 @@
         <p:spPr>
           <a:xfrm>
             <a:off x="8610480" y="6356520"/>
-            <a:ext cx="2740680" cy="362520"/>
+            <a:ext cx="2740320" cy="362160"/>
           </a:xfrm>
           <a:prstGeom prst="rect">
             <a:avLst/>
@@ -5523,7 +5523,7 @@
                 <a:tab algn="l" pos="0"/>
               </a:tabLst>
             </a:pPr>
-            <a:fld id="{749A4EE0-742A-4604-90D9-2F3AF19B8A2B}" type="slidenum">
+            <a:fld id="{A34BD586-69C3-4E5E-8A58-FE42A6FE325B}" type="slidenum">
               <a:rPr b="0" lang="es-CO" sz="1200" spc="-1" strike="noStrike">
                 <a:solidFill>
                   <a:srgbClr val="888888"/>
@@ -5555,7 +5555,7 @@
         <p:spPr>
           <a:xfrm>
             <a:off x="838080" y="6356520"/>
-            <a:ext cx="2740680" cy="362520"/>
+            <a:ext cx="2740320" cy="362160"/>
           </a:xfrm>
           <a:prstGeom prst="rect">
             <a:avLst/>
@@ -5697,7 +5697,7 @@
         <p:spPr>
           <a:xfrm>
             <a:off x="4038480" y="6356520"/>
-            <a:ext cx="4112280" cy="362520"/>
+            <a:ext cx="4111920" cy="362160"/>
           </a:xfrm>
           <a:prstGeom prst="rect">
             <a:avLst/>
@@ -5769,7 +5769,7 @@
         <p:spPr>
           <a:xfrm>
             <a:off x="8610480" y="6356520"/>
-            <a:ext cx="2740680" cy="362520"/>
+            <a:ext cx="2740320" cy="362160"/>
           </a:xfrm>
           <a:prstGeom prst="rect">
             <a:avLst/>
@@ -5811,7 +5811,7 @@
                 <a:tab algn="l" pos="0"/>
               </a:tabLst>
             </a:pPr>
-            <a:fld id="{28033D41-17F5-46EC-9427-6BCC0A462D6A}" type="slidenum">
+            <a:fld id="{DF7ECCD3-5858-4530-A9CD-8B0CA7ED407F}" type="slidenum">
               <a:rPr b="0" lang="es-CO" sz="1200" spc="-1" strike="noStrike">
                 <a:solidFill>
                   <a:srgbClr val="888888"/>
@@ -5843,7 +5843,7 @@
         <p:spPr>
           <a:xfrm>
             <a:off x="838080" y="6356520"/>
-            <a:ext cx="2740680" cy="362520"/>
+            <a:ext cx="2740320" cy="362160"/>
           </a:xfrm>
           <a:prstGeom prst="rect">
             <a:avLst/>
@@ -6210,7 +6210,7 @@
         <p:spPr>
           <a:xfrm>
             <a:off x="4038480" y="6356520"/>
-            <a:ext cx="4112280" cy="362520"/>
+            <a:ext cx="4111920" cy="362160"/>
           </a:xfrm>
           <a:prstGeom prst="rect">
             <a:avLst/>
@@ -6282,7 +6282,7 @@
         <p:spPr>
           <a:xfrm>
             <a:off x="8610480" y="6356520"/>
-            <a:ext cx="2740680" cy="362520"/>
+            <a:ext cx="2740320" cy="362160"/>
           </a:xfrm>
           <a:prstGeom prst="rect">
             <a:avLst/>
@@ -6324,7 +6324,7 @@
                 <a:tab algn="l" pos="0"/>
               </a:tabLst>
             </a:pPr>
-            <a:fld id="{08ADF430-3B88-4244-9437-FD50ED81491A}" type="slidenum">
+            <a:fld id="{E7EA7AF6-366D-4103-8821-65302A01531B}" type="slidenum">
               <a:rPr b="0" lang="es-CO" sz="1200" spc="-1" strike="noStrike">
                 <a:solidFill>
                   <a:srgbClr val="888888"/>
@@ -6356,7 +6356,7 @@
         <p:spPr>
           <a:xfrm>
             <a:off x="838080" y="6356520"/>
-            <a:ext cx="2740680" cy="362520"/>
+            <a:ext cx="2740320" cy="362160"/>
           </a:xfrm>
           <a:prstGeom prst="rect">
             <a:avLst/>
@@ -6449,7 +6449,7 @@
         <p:spPr>
           <a:xfrm>
             <a:off x="4038480" y="6356520"/>
-            <a:ext cx="4112280" cy="362520"/>
+            <a:ext cx="4111920" cy="362160"/>
           </a:xfrm>
           <a:prstGeom prst="rect">
             <a:avLst/>
@@ -6521,7 +6521,7 @@
         <p:spPr>
           <a:xfrm>
             <a:off x="8610480" y="6356520"/>
-            <a:ext cx="2740680" cy="362520"/>
+            <a:ext cx="2740320" cy="362160"/>
           </a:xfrm>
           <a:prstGeom prst="rect">
             <a:avLst/>
@@ -6563,7 +6563,7 @@
                 <a:tab algn="l" pos="0"/>
               </a:tabLst>
             </a:pPr>
-            <a:fld id="{88C45FC7-2E74-48ED-A9AF-60C24C99EF41}" type="slidenum">
+            <a:fld id="{83C87472-4C4C-4E9C-8163-A50FE6A2ED58}" type="slidenum">
               <a:rPr b="0" lang="es-CO" sz="1200" spc="-1" strike="noStrike">
                 <a:solidFill>
                   <a:srgbClr val="888888"/>
@@ -6595,7 +6595,7 @@
         <p:spPr>
           <a:xfrm>
             <a:off x="838080" y="6356520"/>
-            <a:ext cx="2740680" cy="362520"/>
+            <a:ext cx="2740320" cy="362160"/>
           </a:xfrm>
           <a:prstGeom prst="rect">
             <a:avLst/>
@@ -7187,7 +7187,7 @@
         <p:spPr>
           <a:xfrm>
             <a:off x="4038480" y="6356520"/>
-            <a:ext cx="4112280" cy="362520"/>
+            <a:ext cx="4111920" cy="362160"/>
           </a:xfrm>
           <a:prstGeom prst="rect">
             <a:avLst/>
@@ -7259,7 +7259,7 @@
         <p:spPr>
           <a:xfrm>
             <a:off x="8610480" y="6356520"/>
-            <a:ext cx="2740680" cy="362520"/>
+            <a:ext cx="2740320" cy="362160"/>
           </a:xfrm>
           <a:prstGeom prst="rect">
             <a:avLst/>
@@ -7301,7 +7301,7 @@
                 <a:tab algn="l" pos="0"/>
               </a:tabLst>
             </a:pPr>
-            <a:fld id="{2CA18286-7C77-4283-8E8F-8A3DC9CA68A7}" type="slidenum">
+            <a:fld id="{ABE4AFE3-18E6-4E4C-88F0-40296218F9DA}" type="slidenum">
               <a:rPr b="0" lang="es-CO" sz="1200" spc="-1" strike="noStrike">
                 <a:solidFill>
                   <a:srgbClr val="888888"/>
@@ -7333,7 +7333,7 @@
         <p:spPr>
           <a:xfrm>
             <a:off x="838080" y="6356520"/>
-            <a:ext cx="2740680" cy="362520"/>
+            <a:ext cx="2740320" cy="362160"/>
           </a:xfrm>
           <a:prstGeom prst="rect">
             <a:avLst/>
@@ -7426,7 +7426,7 @@
         <p:spPr>
           <a:xfrm>
             <a:off x="4038480" y="6356520"/>
-            <a:ext cx="4112280" cy="362520"/>
+            <a:ext cx="4111920" cy="362160"/>
           </a:xfrm>
           <a:prstGeom prst="rect">
             <a:avLst/>
@@ -7498,7 +7498,7 @@
         <p:spPr>
           <a:xfrm>
             <a:off x="8610480" y="6356520"/>
-            <a:ext cx="2740680" cy="362520"/>
+            <a:ext cx="2740320" cy="362160"/>
           </a:xfrm>
           <a:prstGeom prst="rect">
             <a:avLst/>
@@ -7540,7 +7540,7 @@
                 <a:tab algn="l" pos="0"/>
               </a:tabLst>
             </a:pPr>
-            <a:fld id="{76CFE3AB-0671-48A2-921B-2CF552E4E8A7}" type="slidenum">
+            <a:fld id="{7ED401B7-FD06-41F0-B909-D798EB637B61}" type="slidenum">
               <a:rPr b="0" lang="es-CO" sz="1200" spc="-1" strike="noStrike">
                 <a:solidFill>
                   <a:srgbClr val="888888"/>
@@ -7572,7 +7572,7 @@
         <p:spPr>
           <a:xfrm>
             <a:off x="838080" y="6356520"/>
-            <a:ext cx="2740680" cy="362520"/>
+            <a:ext cx="2740320" cy="362160"/>
           </a:xfrm>
           <a:prstGeom prst="rect">
             <a:avLst/>
@@ -7714,7 +7714,7 @@
         <p:spPr>
           <a:xfrm>
             <a:off x="4038480" y="6356520"/>
-            <a:ext cx="4112280" cy="362520"/>
+            <a:ext cx="4111920" cy="362160"/>
           </a:xfrm>
           <a:prstGeom prst="rect">
             <a:avLst/>
@@ -7786,7 +7786,7 @@
         <p:spPr>
           <a:xfrm>
             <a:off x="8610480" y="6356520"/>
-            <a:ext cx="2740680" cy="362520"/>
+            <a:ext cx="2740320" cy="362160"/>
           </a:xfrm>
           <a:prstGeom prst="rect">
             <a:avLst/>
@@ -7828,7 +7828,7 @@
                 <a:tab algn="l" pos="0"/>
               </a:tabLst>
             </a:pPr>
-            <a:fld id="{7FEC6416-1F73-4C56-912C-4936585DD75D}" type="slidenum">
+            <a:fld id="{7E664B4F-42BF-4CCD-AF6F-C3BDF89C6D77}" type="slidenum">
               <a:rPr b="0" lang="es-CO" sz="1200" spc="-1" strike="noStrike">
                 <a:solidFill>
                   <a:srgbClr val="888888"/>
@@ -7860,7 +7860,7 @@
         <p:spPr>
           <a:xfrm>
             <a:off x="838080" y="6356520"/>
-            <a:ext cx="2740680" cy="362520"/>
+            <a:ext cx="2740320" cy="362160"/>
           </a:xfrm>
           <a:prstGeom prst="rect">
             <a:avLst/>
@@ -7942,9 +7942,9 @@
         <p:grpSpPr>
           <a:xfrm>
             <a:off x="0" y="0"/>
-            <a:ext cx="12189600" cy="6855480"/>
+            <a:ext cx="12189240" cy="6855120"/>
             <a:chOff x="0" y="0"/>
-            <a:chExt cx="12189600" cy="6855480"/>
+            <a:chExt cx="12189240" cy="6855120"/>
           </a:xfrm>
         </p:grpSpPr>
         <p:pic>
@@ -7961,7 +7961,7 @@
           <p:spPr>
             <a:xfrm>
               <a:off x="0" y="0"/>
-              <a:ext cx="12189600" cy="6855480"/>
+              <a:ext cx="12189240" cy="6855120"/>
             </a:xfrm>
             <a:prstGeom prst="rect">
               <a:avLst/>
@@ -7984,7 +7984,7 @@
           <p:spPr>
             <a:xfrm>
               <a:off x="0" y="0"/>
-              <a:ext cx="12189600" cy="6855480"/>
+              <a:ext cx="12189240" cy="6855120"/>
             </a:xfrm>
             <a:prstGeom prst="rect">
               <a:avLst/>
@@ -7995,9 +7995,133 @@
           </p:spPr>
         </p:pic>
       </p:grpSp>
+      <p:sp>
+        <p:nvSpPr>
+          <p:cNvPr id="59" name="Google Shape;93;g1f213c8c16b_0_0"/>
+          <p:cNvSpPr/>
+          <p:nvPr/>
+        </p:nvSpPr>
+        <p:spPr>
+          <a:xfrm>
+            <a:off x="2158560" y="2392560"/>
+            <a:ext cx="7871760" cy="1156320"/>
+          </a:xfrm>
+          <a:prstGeom prst="rect">
+            <a:avLst/>
+          </a:prstGeom>
+          <a:noFill/>
+          <a:ln w="0">
+            <a:noFill/>
+          </a:ln>
+        </p:spPr>
+        <p:style>
+          <a:lnRef idx="0"/>
+          <a:fillRef idx="0"/>
+          <a:effectRef idx="0"/>
+          <a:fontRef idx="minor"/>
+        </p:style>
+        <p:txBody>
+          <a:bodyPr lIns="90000" rIns="90000" tIns="45000" bIns="45000" anchor="t">
+            <a:spAutoFit/>
+          </a:bodyPr>
+          <a:p>
+            <a:pPr algn="ctr">
+              <a:lnSpc>
+                <a:spcPct val="100000"/>
+              </a:lnSpc>
+              <a:tabLst>
+                <a:tab algn="l" pos="0"/>
+              </a:tabLst>
+            </a:pPr>
+            <a:r>
+              <a:rPr b="1" lang="es-CO" sz="7000" spc="-1" strike="noStrike">
+                <a:solidFill>
+                  <a:schemeClr val="lt1"/>
+                </a:solidFill>
+                <a:latin typeface="Nunito Sans Black"/>
+                <a:ea typeface="Nunito Sans Black"/>
+              </a:rPr>
+              <a:t>Bootcamp</a:t>
+            </a:r>
+            <a:endParaRPr b="0" lang="es-CO" sz="7000" spc="-1" strike="noStrike">
+              <a:solidFill>
+                <a:srgbClr val="000000"/>
+              </a:solidFill>
+              <a:latin typeface="Arial"/>
+            </a:endParaRPr>
+          </a:p>
+        </p:txBody>
+      </p:sp>
+      <p:sp>
+        <p:nvSpPr>
+          <p:cNvPr id="60" name="Google Shape;94;g1f213c8c16b_0_0"/>
+          <p:cNvSpPr/>
+          <p:nvPr/>
+        </p:nvSpPr>
+        <p:spPr>
+          <a:xfrm>
+            <a:off x="2185200" y="3582000"/>
+            <a:ext cx="7871760" cy="699120"/>
+          </a:xfrm>
+          <a:prstGeom prst="rect">
+            <a:avLst/>
+          </a:prstGeom>
+          <a:noFill/>
+          <a:ln w="0">
+            <a:noFill/>
+          </a:ln>
+        </p:spPr>
+        <p:style>
+          <a:lnRef idx="0"/>
+          <a:fillRef idx="0"/>
+          <a:effectRef idx="0"/>
+          <a:fontRef idx="minor"/>
+        </p:style>
+        <p:txBody>
+          <a:bodyPr lIns="90000" rIns="90000" tIns="45000" bIns="45000" anchor="t">
+            <a:spAutoFit/>
+          </a:bodyPr>
+          <a:p>
+            <a:pPr algn="ctr">
+              <a:lnSpc>
+                <a:spcPct val="100000"/>
+              </a:lnSpc>
+              <a:tabLst>
+                <a:tab algn="l" pos="0"/>
+              </a:tabLst>
+            </a:pPr>
+            <a:r>
+              <a:rPr b="0" lang="es-CO" sz="4000" spc="-1" strike="noStrike">
+                <a:solidFill>
+                  <a:schemeClr val="lt1"/>
+                </a:solidFill>
+                <a:latin typeface="Nunito Sans Black"/>
+                <a:ea typeface="Nunito Sans Black"/>
+              </a:rPr>
+              <a:t>Desarrollo Web Full Stack</a:t>
+            </a:r>
+            <a:r>
+              <a:rPr b="0" lang="es-CO" sz="4000" spc="-1" strike="noStrike">
+                <a:solidFill>
+                  <a:schemeClr val="lt1"/>
+                </a:solidFill>
+                <a:latin typeface="Nunito Sans Black"/>
+                <a:ea typeface="Nunito Sans Black"/>
+              </a:rPr>
+              <a:t>	</a:t>
+            </a:r>
+            <a:endParaRPr b="0" lang="es-CO" sz="4000" spc="-1" strike="noStrike">
+              <a:solidFill>
+                <a:srgbClr val="000000"/>
+              </a:solidFill>
+              <a:latin typeface="Arial"/>
+            </a:endParaRPr>
+          </a:p>
+        </p:txBody>
+      </p:sp>
       <p:pic>
         <p:nvPicPr>
-          <p:cNvPr id="59" name="Google Shape;92;g1f213c8c16b_0_0" descr=""/>
+          <p:cNvPr id="61" name="Google Shape;95;g1f213c8c16b_0_0" descr=""/>
           <p:cNvPicPr/>
           <p:nvPr/>
         </p:nvPicPr>
@@ -8007,155 +8131,8 @@
         </p:blipFill>
         <p:spPr>
           <a:xfrm>
-            <a:off x="4219200" y="647640"/>
-            <a:ext cx="3751560" cy="1796400"/>
-          </a:xfrm>
-          <a:prstGeom prst="rect">
-            <a:avLst/>
-          </a:prstGeom>
-          <a:ln w="0">
-            <a:noFill/>
-          </a:ln>
-        </p:spPr>
-      </p:pic>
-      <p:sp>
-        <p:nvSpPr>
-          <p:cNvPr id="60" name="Google Shape;93;g1f213c8c16b_0_0"/>
-          <p:cNvSpPr/>
-          <p:nvPr/>
-        </p:nvSpPr>
-        <p:spPr>
-          <a:xfrm>
-            <a:off x="2158560" y="2392560"/>
-            <a:ext cx="7872120" cy="1156320"/>
-          </a:xfrm>
-          <a:prstGeom prst="rect">
-            <a:avLst/>
-          </a:prstGeom>
-          <a:noFill/>
-          <a:ln w="0">
-            <a:noFill/>
-          </a:ln>
-        </p:spPr>
-        <p:style>
-          <a:lnRef idx="0"/>
-          <a:fillRef idx="0"/>
-          <a:effectRef idx="0"/>
-          <a:fontRef idx="minor"/>
-        </p:style>
-        <p:txBody>
-          <a:bodyPr lIns="90000" rIns="90000" tIns="45000" bIns="45000" anchor="t">
-            <a:spAutoFit/>
-          </a:bodyPr>
-          <a:p>
-            <a:pPr algn="ctr">
-              <a:lnSpc>
-                <a:spcPct val="100000"/>
-              </a:lnSpc>
-              <a:tabLst>
-                <a:tab algn="l" pos="0"/>
-              </a:tabLst>
-            </a:pPr>
-            <a:r>
-              <a:rPr b="1" lang="es-CO" sz="7000" spc="-1" strike="noStrike">
-                <a:solidFill>
-                  <a:schemeClr val="lt1"/>
-                </a:solidFill>
-                <a:latin typeface="Nunito Sans Black"/>
-                <a:ea typeface="Nunito Sans Black"/>
-              </a:rPr>
-              <a:t>Bootcamp</a:t>
-            </a:r>
-            <a:endParaRPr b="0" lang="es-CO" sz="7000" spc="-1" strike="noStrike">
-              <a:solidFill>
-                <a:srgbClr val="000000"/>
-              </a:solidFill>
-              <a:latin typeface="Arial"/>
-            </a:endParaRPr>
-          </a:p>
-        </p:txBody>
-      </p:sp>
-      <p:sp>
-        <p:nvSpPr>
-          <p:cNvPr id="61" name="Google Shape;94;g1f213c8c16b_0_0"/>
-          <p:cNvSpPr/>
-          <p:nvPr/>
-        </p:nvSpPr>
-        <p:spPr>
-          <a:xfrm>
-            <a:off x="2185200" y="3582000"/>
-            <a:ext cx="7872120" cy="699120"/>
-          </a:xfrm>
-          <a:prstGeom prst="rect">
-            <a:avLst/>
-          </a:prstGeom>
-          <a:noFill/>
-          <a:ln w="0">
-            <a:noFill/>
-          </a:ln>
-        </p:spPr>
-        <p:style>
-          <a:lnRef idx="0"/>
-          <a:fillRef idx="0"/>
-          <a:effectRef idx="0"/>
-          <a:fontRef idx="minor"/>
-        </p:style>
-        <p:txBody>
-          <a:bodyPr lIns="90000" rIns="90000" tIns="45000" bIns="45000" anchor="t">
-            <a:spAutoFit/>
-          </a:bodyPr>
-          <a:p>
-            <a:pPr algn="ctr">
-              <a:lnSpc>
-                <a:spcPct val="100000"/>
-              </a:lnSpc>
-              <a:tabLst>
-                <a:tab algn="l" pos="0"/>
-              </a:tabLst>
-            </a:pPr>
-            <a:r>
-              <a:rPr b="0" lang="es-CO" sz="4000" spc="-1" strike="noStrike">
-                <a:solidFill>
-                  <a:schemeClr val="lt1"/>
-                </a:solidFill>
-                <a:latin typeface="Nunito Sans Black"/>
-                <a:ea typeface="Nunito Sans Black"/>
-              </a:rPr>
-              <a:t>Desarrollo Web Full Stack</a:t>
-            </a:r>
-            <a:r>
-              <a:rPr b="0" lang="es-CO" sz="4000" spc="-1" strike="noStrike">
-                <a:solidFill>
-                  <a:schemeClr val="lt1"/>
-                </a:solidFill>
-                <a:latin typeface="Nunito Sans Black"/>
-                <a:ea typeface="Nunito Sans Black"/>
-              </a:rPr>
-              <a:t>	</a:t>
-            </a:r>
-            <a:endParaRPr b="0" lang="es-CO" sz="4000" spc="-1" strike="noStrike">
-              <a:solidFill>
-                <a:srgbClr val="000000"/>
-              </a:solidFill>
-              <a:latin typeface="Arial"/>
-            </a:endParaRPr>
-          </a:p>
-        </p:txBody>
-      </p:sp>
-      <p:pic>
-        <p:nvPicPr>
-          <p:cNvPr id="62" name="Google Shape;95;g1f213c8c16b_0_0" descr=""/>
-          <p:cNvPicPr/>
-          <p:nvPr/>
-        </p:nvPicPr>
-        <p:blipFill>
-          <a:blip r:embed="rId4"/>
-          <a:stretch/>
-        </p:blipFill>
-        <p:spPr>
-          <a:xfrm>
             <a:off x="9712800" y="5933520"/>
-            <a:ext cx="2162520" cy="667080"/>
+            <a:ext cx="2162160" cy="666720"/>
           </a:xfrm>
           <a:prstGeom prst="rect">
             <a:avLst/>
@@ -8167,32 +8144,32 @@
       </p:pic>
       <p:grpSp>
         <p:nvGrpSpPr>
-          <p:cNvPr id="63" name="Google Shape;96;g1f213c8c16b_0_0"/>
+          <p:cNvPr id="62" name="Google Shape;96;g1f213c8c16b_0_0"/>
           <p:cNvGrpSpPr/>
           <p:nvPr/>
         </p:nvGrpSpPr>
         <p:grpSpPr>
           <a:xfrm>
             <a:off x="626400" y="254520"/>
-            <a:ext cx="11248920" cy="980640"/>
+            <a:ext cx="11248560" cy="980280"/>
             <a:chOff x="626400" y="254520"/>
-            <a:chExt cx="11248920" cy="980640"/>
+            <a:chExt cx="11248560" cy="980280"/>
           </a:xfrm>
         </p:grpSpPr>
         <p:pic>
           <p:nvPicPr>
-            <p:cNvPr id="64" name="Google Shape;97;g1f213c8c16b_0_0" descr=""/>
+            <p:cNvPr id="63" name="Google Shape;97;g1f213c8c16b_0_0" descr=""/>
             <p:cNvPicPr/>
             <p:nvPr/>
           </p:nvPicPr>
           <p:blipFill>
-            <a:blip r:embed="rId5"/>
+            <a:blip r:embed="rId4"/>
             <a:stretch/>
           </p:blipFill>
           <p:spPr>
             <a:xfrm>
               <a:off x="10059840" y="254520"/>
-              <a:ext cx="1815480" cy="980640"/>
+              <a:ext cx="1815120" cy="980280"/>
             </a:xfrm>
             <a:prstGeom prst="rect">
               <a:avLst/>
@@ -8204,18 +8181,18 @@
         </p:pic>
         <p:pic>
           <p:nvPicPr>
-            <p:cNvPr id="65" name="Google Shape;98;g1f213c8c16b_0_0" descr=""/>
+            <p:cNvPr id="64" name="Google Shape;98;g1f213c8c16b_0_0" descr=""/>
             <p:cNvPicPr/>
             <p:nvPr/>
           </p:nvPicPr>
           <p:blipFill>
-            <a:blip r:embed="rId6"/>
+            <a:blip r:embed="rId5"/>
             <a:stretch/>
           </p:blipFill>
           <p:spPr>
             <a:xfrm>
               <a:off x="626400" y="484200"/>
-              <a:ext cx="1503360" cy="522000"/>
+              <a:ext cx="1503000" cy="521640"/>
             </a:xfrm>
             <a:prstGeom prst="rect">
               <a:avLst/>
@@ -8228,14 +8205,14 @@
       </p:grpSp>
       <p:sp>
         <p:nvSpPr>
-          <p:cNvPr id="66" name="Google Shape;99;g1f213c8c16b_0_0"/>
+          <p:cNvPr id="65" name="Google Shape;99;g1f213c8c16b_0_0"/>
           <p:cNvSpPr/>
           <p:nvPr/>
         </p:nvSpPr>
         <p:spPr>
           <a:xfrm>
             <a:off x="4545360" y="4447800"/>
-            <a:ext cx="2817360" cy="920880"/>
+            <a:ext cx="2817000" cy="920520"/>
           </a:xfrm>
           <a:prstGeom prst="rect">
             <a:avLst/>
@@ -8367,21 +8344,21 @@
       </p:grpSpPr>
       <p:grpSp>
         <p:nvGrpSpPr>
-          <p:cNvPr id="162" name="Google Shape;266;g1f213c8c16b_0_ 7"/>
+          <p:cNvPr id="161" name="Google Shape;266;g1f213c8c16b_0_ 7"/>
           <p:cNvGrpSpPr/>
           <p:nvPr/>
         </p:nvGrpSpPr>
         <p:grpSpPr>
           <a:xfrm>
             <a:off x="360" y="-17640"/>
-            <a:ext cx="12189600" cy="6855480"/>
+            <a:ext cx="12189240" cy="6855120"/>
             <a:chOff x="360" y="-17640"/>
-            <a:chExt cx="12189600" cy="6855480"/>
+            <a:chExt cx="12189240" cy="6855120"/>
           </a:xfrm>
         </p:grpSpPr>
         <p:pic>
           <p:nvPicPr>
-            <p:cNvPr id="163" name="Google Shape;267;g1f213c8c16b_0_ 6" descr=""/>
+            <p:cNvPr id="162" name="Google Shape;267;g1f213c8c16b_0_ 6" descr=""/>
             <p:cNvPicPr/>
             <p:nvPr/>
           </p:nvPicPr>
@@ -8393,7 +8370,7 @@
           <p:spPr>
             <a:xfrm>
               <a:off x="360" y="-17640"/>
-              <a:ext cx="12189600" cy="6855480"/>
+              <a:ext cx="12189240" cy="6855120"/>
             </a:xfrm>
             <a:prstGeom prst="rect">
               <a:avLst/>
@@ -8405,7 +8382,7 @@
         </p:pic>
         <p:pic>
           <p:nvPicPr>
-            <p:cNvPr id="164" name="Google Shape;268;g1f213c8c16b_0_ 6" descr=""/>
+            <p:cNvPr id="163" name="Google Shape;268;g1f213c8c16b_0_ 6" descr=""/>
             <p:cNvPicPr/>
             <p:nvPr/>
           </p:nvPicPr>
@@ -8416,7 +8393,7 @@
           <p:spPr>
             <a:xfrm>
               <a:off x="360" y="-17640"/>
-              <a:ext cx="12189600" cy="6855480"/>
+              <a:ext cx="12189240" cy="6855120"/>
             </a:xfrm>
             <a:prstGeom prst="rect">
               <a:avLst/>
@@ -8429,7 +8406,7 @@
       </p:grpSp>
       <p:pic>
         <p:nvPicPr>
-          <p:cNvPr id="165" name="Google Shape;269;g1f213c8c16b_0_ 6" descr=""/>
+          <p:cNvPr id="164" name="Google Shape;269;g1f213c8c16b_0_ 6" descr=""/>
           <p:cNvPicPr/>
           <p:nvPr/>
         </p:nvPicPr>
@@ -8440,7 +8417,7 @@
         <p:spPr>
           <a:xfrm>
             <a:off x="4815360" y="165600"/>
-            <a:ext cx="2336760" cy="1118160"/>
+            <a:ext cx="2336400" cy="1117800"/>
           </a:xfrm>
           <a:prstGeom prst="rect">
             <a:avLst/>
@@ -8452,21 +8429,21 @@
       </p:pic>
       <p:grpSp>
         <p:nvGrpSpPr>
-          <p:cNvPr id="166" name="Google Shape;287;g1f213c8c16b_0_ 6"/>
+          <p:cNvPr id="165" name="Google Shape;287;g1f213c8c16b_0_ 6"/>
           <p:cNvGrpSpPr/>
           <p:nvPr/>
         </p:nvGrpSpPr>
         <p:grpSpPr>
           <a:xfrm>
             <a:off x="626400" y="254520"/>
-            <a:ext cx="11248920" cy="980640"/>
+            <a:ext cx="11248560" cy="980280"/>
             <a:chOff x="626400" y="254520"/>
-            <a:chExt cx="11248920" cy="980640"/>
+            <a:chExt cx="11248560" cy="980280"/>
           </a:xfrm>
         </p:grpSpPr>
         <p:pic>
           <p:nvPicPr>
-            <p:cNvPr id="167" name="Google Shape;288;g1f213c8c16b_0_ 6" descr=""/>
+            <p:cNvPr id="166" name="Google Shape;288;g1f213c8c16b_0_ 6" descr=""/>
             <p:cNvPicPr/>
             <p:nvPr/>
           </p:nvPicPr>
@@ -8477,7 +8454,7 @@
           <p:spPr>
             <a:xfrm>
               <a:off x="10059840" y="254520"/>
-              <a:ext cx="1815480" cy="980640"/>
+              <a:ext cx="1815120" cy="980280"/>
             </a:xfrm>
             <a:prstGeom prst="rect">
               <a:avLst/>
@@ -8489,7 +8466,7 @@
         </p:pic>
         <p:pic>
           <p:nvPicPr>
-            <p:cNvPr id="168" name="Google Shape;289;g1f213c8c16b_0_ 6" descr=""/>
+            <p:cNvPr id="167" name="Google Shape;289;g1f213c8c16b_0_ 6" descr=""/>
             <p:cNvPicPr/>
             <p:nvPr/>
           </p:nvPicPr>
@@ -8500,7 +8477,7 @@
           <p:spPr>
             <a:xfrm>
               <a:off x="626400" y="484200"/>
-              <a:ext cx="1503360" cy="522000"/>
+              <a:ext cx="1503000" cy="521640"/>
             </a:xfrm>
             <a:prstGeom prst="rect">
               <a:avLst/>
@@ -8513,14 +8490,14 @@
       </p:grpSp>
       <p:sp>
         <p:nvSpPr>
-          <p:cNvPr id="169" name="Google Shape;253;g1f213c8c16b_0_ 6"/>
+          <p:cNvPr id="168" name="Google Shape;253;g1f213c8c16b_0_ 6"/>
           <p:cNvSpPr/>
           <p:nvPr/>
         </p:nvSpPr>
         <p:spPr>
           <a:xfrm>
             <a:off x="1440720" y="900000"/>
-            <a:ext cx="9358560" cy="638280"/>
+            <a:ext cx="9358200" cy="638280"/>
           </a:xfrm>
           <a:prstGeom prst="rect">
             <a:avLst/>
@@ -8576,14 +8553,14 @@
       </p:sp>
       <p:sp>
         <p:nvSpPr>
-          <p:cNvPr id="170" name=""/>
+          <p:cNvPr id="169" name=""/>
           <p:cNvSpPr/>
           <p:nvPr/>
         </p:nvSpPr>
         <p:spPr>
           <a:xfrm>
             <a:off x="1271880" y="1232280"/>
-            <a:ext cx="3946680" cy="485280"/>
+            <a:ext cx="3946320" cy="484920"/>
           </a:xfrm>
           <a:prstGeom prst="rect">
             <a:avLst/>
@@ -8620,7 +8597,7 @@
       </p:sp>
       <p:pic>
         <p:nvPicPr>
-          <p:cNvPr id="171" name="" descr=""/>
+          <p:cNvPr id="170" name="" descr=""/>
           <p:cNvPicPr/>
           <p:nvPr/>
         </p:nvPicPr>
@@ -8630,8 +8607,8 @@
         </p:blipFill>
         <p:spPr>
           <a:xfrm>
-            <a:off x="3060000" y="1908360"/>
-            <a:ext cx="6095160" cy="4571280"/>
+            <a:off x="4525200" y="1800000"/>
+            <a:ext cx="6094800" cy="4570920"/>
           </a:xfrm>
           <a:prstGeom prst="rect">
             <a:avLst/>
@@ -8641,6 +8618,48 @@
           </a:ln>
         </p:spPr>
       </p:pic>
+      <p:sp>
+        <p:nvSpPr>
+          <p:cNvPr id="171" name=""/>
+          <p:cNvSpPr txBox="1"/>
+          <p:nvPr/>
+        </p:nvSpPr>
+        <p:spPr>
+          <a:xfrm>
+            <a:off x="1080000" y="3420000"/>
+            <a:ext cx="3420000" cy="2880000"/>
+          </a:xfrm>
+          <a:prstGeom prst="rect">
+            <a:avLst/>
+          </a:prstGeom>
+          <a:noFill/>
+          <a:ln w="0">
+            <a:noFill/>
+          </a:ln>
+        </p:spPr>
+        <p:txBody>
+          <a:bodyPr lIns="90000" rIns="90000" tIns="45000" bIns="45000" anchor="t">
+            <a:noAutofit/>
+          </a:bodyPr>
+          <a:p>
+            <a:r>
+              <a:rPr b="0" lang="es-CO" sz="1800" spc="-1" strike="noStrike">
+                <a:solidFill>
+                  <a:srgbClr val="ffffff"/>
+                </a:solidFill>
+                <a:latin typeface="Arial"/>
+              </a:rPr>
+              <a:t>T(n)=aT(n/b)+f(n)</a:t>
+            </a:r>
+            <a:endParaRPr b="0" lang="es-CO" sz="1800" spc="-1" strike="noStrike">
+              <a:solidFill>
+                <a:srgbClr val="ffffff"/>
+              </a:solidFill>
+              <a:latin typeface="Arial"/>
+            </a:endParaRPr>
+          </a:p>
+        </p:txBody>
+      </p:sp>
     </p:spTree>
   </p:cSld>
   <mc:AlternateContent>
@@ -8680,9 +8699,9 @@
         <p:grpSpPr>
           <a:xfrm>
             <a:off x="360" y="-17640"/>
-            <a:ext cx="12189600" cy="6855480"/>
+            <a:ext cx="12189240" cy="6855120"/>
             <a:chOff x="360" y="-17640"/>
-            <a:chExt cx="12189600" cy="6855480"/>
+            <a:chExt cx="12189240" cy="6855120"/>
           </a:xfrm>
         </p:grpSpPr>
         <p:pic>
@@ -8699,7 +8718,7 @@
           <p:spPr>
             <a:xfrm>
               <a:off x="360" y="-17640"/>
-              <a:ext cx="12189600" cy="6855480"/>
+              <a:ext cx="12189240" cy="6855120"/>
             </a:xfrm>
             <a:prstGeom prst="rect">
               <a:avLst/>
@@ -8722,7 +8741,7 @@
           <p:spPr>
             <a:xfrm>
               <a:off x="360" y="-17640"/>
-              <a:ext cx="12189600" cy="6855480"/>
+              <a:ext cx="12189240" cy="6855120"/>
             </a:xfrm>
             <a:prstGeom prst="rect">
               <a:avLst/>
@@ -8746,7 +8765,7 @@
         <p:spPr>
           <a:xfrm>
             <a:off x="4815360" y="165600"/>
-            <a:ext cx="2336760" cy="1118160"/>
+            <a:ext cx="2336400" cy="1117800"/>
           </a:xfrm>
           <a:prstGeom prst="rect">
             <a:avLst/>
@@ -8765,9 +8784,9 @@
         <p:grpSpPr>
           <a:xfrm>
             <a:off x="626400" y="254520"/>
-            <a:ext cx="11248920" cy="980640"/>
+            <a:ext cx="11248560" cy="980280"/>
             <a:chOff x="626400" y="254520"/>
-            <a:chExt cx="11248920" cy="980640"/>
+            <a:chExt cx="11248560" cy="980280"/>
           </a:xfrm>
         </p:grpSpPr>
         <p:pic>
@@ -8783,7 +8802,7 @@
           <p:spPr>
             <a:xfrm>
               <a:off x="10059840" y="254520"/>
-              <a:ext cx="1815480" cy="980640"/>
+              <a:ext cx="1815120" cy="980280"/>
             </a:xfrm>
             <a:prstGeom prst="rect">
               <a:avLst/>
@@ -8806,7 +8825,7 @@
           <p:spPr>
             <a:xfrm>
               <a:off x="626400" y="484200"/>
-              <a:ext cx="1503360" cy="522000"/>
+              <a:ext cx="1503000" cy="521640"/>
             </a:xfrm>
             <a:prstGeom prst="rect">
               <a:avLst/>
@@ -8826,7 +8845,7 @@
         <p:spPr>
           <a:xfrm>
             <a:off x="1440720" y="900000"/>
-            <a:ext cx="9358560" cy="638280"/>
+            <a:ext cx="9358200" cy="638280"/>
           </a:xfrm>
           <a:prstGeom prst="rect">
             <a:avLst/>
@@ -8889,7 +8908,7 @@
         <p:spPr>
           <a:xfrm>
             <a:off x="1271880" y="1232280"/>
-            <a:ext cx="3946680" cy="485280"/>
+            <a:ext cx="3946320" cy="484920"/>
           </a:xfrm>
           <a:prstGeom prst="rect">
             <a:avLst/>
@@ -8937,7 +8956,7 @@
         <p:spPr>
           <a:xfrm>
             <a:off x="2520000" y="2322000"/>
-            <a:ext cx="6962040" cy="3437640"/>
+            <a:ext cx="6961680" cy="3437280"/>
           </a:xfrm>
           <a:prstGeom prst="rect">
             <a:avLst/>
@@ -8986,9 +9005,9 @@
         <p:grpSpPr>
           <a:xfrm>
             <a:off x="360" y="-17640"/>
-            <a:ext cx="12189600" cy="6855480"/>
+            <a:ext cx="12189240" cy="6855120"/>
             <a:chOff x="360" y="-17640"/>
-            <a:chExt cx="12189600" cy="6855480"/>
+            <a:chExt cx="12189240" cy="6855120"/>
           </a:xfrm>
         </p:grpSpPr>
         <p:pic>
@@ -9005,7 +9024,7 @@
           <p:spPr>
             <a:xfrm>
               <a:off x="360" y="-17640"/>
-              <a:ext cx="12189600" cy="6855480"/>
+              <a:ext cx="12189240" cy="6855120"/>
             </a:xfrm>
             <a:prstGeom prst="rect">
               <a:avLst/>
@@ -9028,7 +9047,7 @@
           <p:spPr>
             <a:xfrm>
               <a:off x="360" y="-17640"/>
-              <a:ext cx="12189600" cy="6855480"/>
+              <a:ext cx="12189240" cy="6855120"/>
             </a:xfrm>
             <a:prstGeom prst="rect">
               <a:avLst/>
@@ -9052,7 +9071,7 @@
         <p:spPr>
           <a:xfrm>
             <a:off x="4815360" y="165600"/>
-            <a:ext cx="2336760" cy="1118160"/>
+            <a:ext cx="2336400" cy="1117800"/>
           </a:xfrm>
           <a:prstGeom prst="rect">
             <a:avLst/>
@@ -9071,9 +9090,9 @@
         <p:grpSpPr>
           <a:xfrm>
             <a:off x="626400" y="254520"/>
-            <a:ext cx="11248920" cy="980640"/>
+            <a:ext cx="11248560" cy="980280"/>
             <a:chOff x="626400" y="254520"/>
-            <a:chExt cx="11248920" cy="980640"/>
+            <a:chExt cx="11248560" cy="980280"/>
           </a:xfrm>
         </p:grpSpPr>
         <p:pic>
@@ -9089,7 +9108,7 @@
           <p:spPr>
             <a:xfrm>
               <a:off x="10059840" y="254520"/>
-              <a:ext cx="1815480" cy="980640"/>
+              <a:ext cx="1815120" cy="980280"/>
             </a:xfrm>
             <a:prstGeom prst="rect">
               <a:avLst/>
@@ -9112,7 +9131,7 @@
           <p:spPr>
             <a:xfrm>
               <a:off x="626400" y="484200"/>
-              <a:ext cx="1503360" cy="522000"/>
+              <a:ext cx="1503000" cy="521640"/>
             </a:xfrm>
             <a:prstGeom prst="rect">
               <a:avLst/>
@@ -9132,7 +9151,7 @@
         <p:spPr>
           <a:xfrm>
             <a:off x="1440720" y="900000"/>
-            <a:ext cx="9358560" cy="638280"/>
+            <a:ext cx="9358200" cy="638280"/>
           </a:xfrm>
           <a:prstGeom prst="rect">
             <a:avLst/>
@@ -9195,7 +9214,7 @@
         <p:spPr>
           <a:xfrm>
             <a:off x="1271880" y="1232280"/>
-            <a:ext cx="3946680" cy="485280"/>
+            <a:ext cx="3946320" cy="484920"/>
           </a:xfrm>
           <a:prstGeom prst="rect">
             <a:avLst/>
@@ -9243,7 +9262,7 @@
         <p:spPr>
           <a:xfrm>
             <a:off x="541080" y="2381760"/>
-            <a:ext cx="5578560" cy="2837880"/>
+            <a:ext cx="5578200" cy="2837520"/>
           </a:xfrm>
           <a:prstGeom prst="rect">
             <a:avLst/>
@@ -9266,7 +9285,7 @@
         <p:spPr>
           <a:xfrm>
             <a:off x="6762960" y="2237040"/>
-            <a:ext cx="4753440" cy="3162600"/>
+            <a:ext cx="4753080" cy="3162240"/>
           </a:xfrm>
           <a:prstGeom prst="rect">
             <a:avLst/>
@@ -9315,9 +9334,9 @@
         <p:grpSpPr>
           <a:xfrm>
             <a:off x="360" y="-17640"/>
-            <a:ext cx="12189600" cy="6855480"/>
+            <a:ext cx="12189240" cy="6855120"/>
             <a:chOff x="360" y="-17640"/>
-            <a:chExt cx="12189600" cy="6855480"/>
+            <a:chExt cx="12189240" cy="6855120"/>
           </a:xfrm>
         </p:grpSpPr>
         <p:pic>
@@ -9334,7 +9353,7 @@
           <p:spPr>
             <a:xfrm>
               <a:off x="360" y="-17640"/>
-              <a:ext cx="12189600" cy="6855480"/>
+              <a:ext cx="12189240" cy="6855120"/>
             </a:xfrm>
             <a:prstGeom prst="rect">
               <a:avLst/>
@@ -9357,7 +9376,7 @@
           <p:spPr>
             <a:xfrm>
               <a:off x="360" y="-17640"/>
-              <a:ext cx="12189600" cy="6855480"/>
+              <a:ext cx="12189240" cy="6855120"/>
             </a:xfrm>
             <a:prstGeom prst="rect">
               <a:avLst/>
@@ -9381,7 +9400,7 @@
         <p:spPr>
           <a:xfrm>
             <a:off x="4815360" y="165600"/>
-            <a:ext cx="2336760" cy="1118160"/>
+            <a:ext cx="2336400" cy="1117800"/>
           </a:xfrm>
           <a:prstGeom prst="rect">
             <a:avLst/>
@@ -9400,9 +9419,9 @@
         <p:grpSpPr>
           <a:xfrm>
             <a:off x="626400" y="254520"/>
-            <a:ext cx="11248920" cy="980640"/>
+            <a:ext cx="11248560" cy="980280"/>
             <a:chOff x="626400" y="254520"/>
-            <a:chExt cx="11248920" cy="980640"/>
+            <a:chExt cx="11248560" cy="980280"/>
           </a:xfrm>
         </p:grpSpPr>
         <p:pic>
@@ -9418,7 +9437,7 @@
           <p:spPr>
             <a:xfrm>
               <a:off x="10059840" y="254520"/>
-              <a:ext cx="1815480" cy="980640"/>
+              <a:ext cx="1815120" cy="980280"/>
             </a:xfrm>
             <a:prstGeom prst="rect">
               <a:avLst/>
@@ -9441,7 +9460,7 @@
           <p:spPr>
             <a:xfrm>
               <a:off x="626400" y="484200"/>
-              <a:ext cx="1503360" cy="522000"/>
+              <a:ext cx="1503000" cy="521640"/>
             </a:xfrm>
             <a:prstGeom prst="rect">
               <a:avLst/>
@@ -9461,7 +9480,7 @@
         <p:spPr>
           <a:xfrm>
             <a:off x="2880000" y="1161720"/>
-            <a:ext cx="9358560" cy="638280"/>
+            <a:ext cx="9358200" cy="638280"/>
           </a:xfrm>
           <a:prstGeom prst="rect">
             <a:avLst/>
@@ -9515,7 +9534,7 @@
         <p:spPr>
           <a:xfrm>
             <a:off x="1271880" y="1232280"/>
-            <a:ext cx="3946680" cy="485280"/>
+            <a:ext cx="3946320" cy="484920"/>
           </a:xfrm>
           <a:prstGeom prst="rect">
             <a:avLst/>
@@ -9563,7 +9582,7 @@
         <p:spPr>
           <a:xfrm>
             <a:off x="3060000" y="2880000"/>
-            <a:ext cx="5733360" cy="2142360"/>
+            <a:ext cx="5733000" cy="2142000"/>
           </a:xfrm>
           <a:prstGeom prst="rect">
             <a:avLst/>
@@ -9612,9 +9631,9 @@
         <p:grpSpPr>
           <a:xfrm>
             <a:off x="360" y="-17640"/>
-            <a:ext cx="12189600" cy="6855480"/>
+            <a:ext cx="12189240" cy="6855120"/>
             <a:chOff x="360" y="-17640"/>
-            <a:chExt cx="12189600" cy="6855480"/>
+            <a:chExt cx="12189240" cy="6855120"/>
           </a:xfrm>
         </p:grpSpPr>
         <p:pic>
@@ -9631,7 +9650,7 @@
           <p:spPr>
             <a:xfrm>
               <a:off x="360" y="-17640"/>
-              <a:ext cx="12189600" cy="6855480"/>
+              <a:ext cx="12189240" cy="6855120"/>
             </a:xfrm>
             <a:prstGeom prst="rect">
               <a:avLst/>
@@ -9654,7 +9673,7 @@
           <p:spPr>
             <a:xfrm>
               <a:off x="360" y="-17640"/>
-              <a:ext cx="12189600" cy="6855480"/>
+              <a:ext cx="12189240" cy="6855120"/>
             </a:xfrm>
             <a:prstGeom prst="rect">
               <a:avLst/>
@@ -9678,7 +9697,7 @@
         <p:spPr>
           <a:xfrm>
             <a:off x="4815360" y="165600"/>
-            <a:ext cx="2336760" cy="1118160"/>
+            <a:ext cx="2336400" cy="1117800"/>
           </a:xfrm>
           <a:prstGeom prst="rect">
             <a:avLst/>
@@ -9697,9 +9716,9 @@
         <p:grpSpPr>
           <a:xfrm>
             <a:off x="626400" y="254520"/>
-            <a:ext cx="11248920" cy="980640"/>
+            <a:ext cx="11248560" cy="980280"/>
             <a:chOff x="626400" y="254520"/>
-            <a:chExt cx="11248920" cy="980640"/>
+            <a:chExt cx="11248560" cy="980280"/>
           </a:xfrm>
         </p:grpSpPr>
         <p:pic>
@@ -9715,7 +9734,7 @@
           <p:spPr>
             <a:xfrm>
               <a:off x="10059840" y="254520"/>
-              <a:ext cx="1815480" cy="980640"/>
+              <a:ext cx="1815120" cy="980280"/>
             </a:xfrm>
             <a:prstGeom prst="rect">
               <a:avLst/>
@@ -9738,7 +9757,7 @@
           <p:spPr>
             <a:xfrm>
               <a:off x="626400" y="484200"/>
-              <a:ext cx="1503360" cy="522000"/>
+              <a:ext cx="1503000" cy="521640"/>
             </a:xfrm>
             <a:prstGeom prst="rect">
               <a:avLst/>
@@ -9758,7 +9777,7 @@
         <p:spPr>
           <a:xfrm>
             <a:off x="2880000" y="1161720"/>
-            <a:ext cx="9358560" cy="638280"/>
+            <a:ext cx="9358200" cy="638280"/>
           </a:xfrm>
           <a:prstGeom prst="rect">
             <a:avLst/>
@@ -9812,7 +9831,7 @@
         <p:spPr>
           <a:xfrm>
             <a:off x="1271880" y="1232280"/>
-            <a:ext cx="3946680" cy="485280"/>
+            <a:ext cx="3946320" cy="484920"/>
           </a:xfrm>
           <a:prstGeom prst="rect">
             <a:avLst/>
@@ -9890,7 +9909,7 @@
         <p:spPr>
           <a:xfrm>
             <a:off x="3965040" y="4641120"/>
-            <a:ext cx="4087440" cy="1334880"/>
+            <a:ext cx="4087080" cy="1334520"/>
           </a:xfrm>
           <a:prstGeom prst="rect">
             <a:avLst/>
@@ -9909,7 +9928,7 @@
         <p:spPr>
           <a:xfrm>
             <a:off x="1228680" y="585000"/>
-            <a:ext cx="9564120" cy="1186920"/>
+            <a:ext cx="9563760" cy="1186920"/>
           </a:xfrm>
           <a:prstGeom prst="rect">
             <a:avLst/>
@@ -9971,7 +9990,7 @@
         <p:spPr>
           <a:xfrm>
             <a:off x="4869360" y="2808000"/>
-            <a:ext cx="2450520" cy="869040"/>
+            <a:ext cx="2450160" cy="868680"/>
           </a:xfrm>
           <a:prstGeom prst="rect">
             <a:avLst/>
@@ -9993,8 +10012,8 @@
         </p:blipFill>
         <p:spPr>
           <a:xfrm>
-            <a:off x="1228680" y="2808000"/>
-            <a:ext cx="1852560" cy="644040"/>
+            <a:off x="1980000" y="5116320"/>
+            <a:ext cx="1852200" cy="643680"/>
           </a:xfrm>
           <a:prstGeom prst="rect">
             <a:avLst/>
@@ -10017,7 +10036,7 @@
         <p:spPr>
           <a:xfrm>
             <a:off x="8579880" y="2695680"/>
-            <a:ext cx="2025000" cy="1094040"/>
+            <a:ext cx="2024640" cy="1093680"/>
           </a:xfrm>
           <a:prstGeom prst="rect">
             <a:avLst/>
@@ -10040,7 +10059,7 @@
         <p:spPr>
           <a:xfrm>
             <a:off x="597600" y="398520"/>
-            <a:ext cx="1085400" cy="376920"/>
+            <a:ext cx="1085040" cy="376560"/>
           </a:xfrm>
           <a:prstGeom prst="rect">
             <a:avLst/>
@@ -10063,7 +10082,7 @@
         <p:spPr>
           <a:xfrm>
             <a:off x="10002240" y="199800"/>
-            <a:ext cx="1421640" cy="767520"/>
+            <a:ext cx="1421280" cy="767160"/>
           </a:xfrm>
           <a:prstGeom prst="rect">
             <a:avLst/>
@@ -10112,9 +10131,9 @@
         <p:grpSpPr>
           <a:xfrm>
             <a:off x="0" y="0"/>
-            <a:ext cx="12189600" cy="6855480"/>
+            <a:ext cx="12189240" cy="6855120"/>
             <a:chOff x="0" y="0"/>
-            <a:chExt cx="12189600" cy="6855480"/>
+            <a:chExt cx="12189240" cy="6855120"/>
           </a:xfrm>
         </p:grpSpPr>
         <p:pic>
@@ -10131,7 +10150,7 @@
           <p:spPr>
             <a:xfrm>
               <a:off x="0" y="0"/>
-              <a:ext cx="12189600" cy="6855480"/>
+              <a:ext cx="12189240" cy="6855120"/>
             </a:xfrm>
             <a:prstGeom prst="rect">
               <a:avLst/>
@@ -10154,7 +10173,7 @@
           <p:spPr>
             <a:xfrm>
               <a:off x="0" y="0"/>
-              <a:ext cx="12189600" cy="6855480"/>
+              <a:ext cx="12189240" cy="6855120"/>
             </a:xfrm>
             <a:prstGeom prst="rect">
               <a:avLst/>
@@ -10178,7 +10197,7 @@
         <p:spPr>
           <a:xfrm>
             <a:off x="2340720" y="1970640"/>
-            <a:ext cx="7508520" cy="2913840"/>
+            <a:ext cx="7508160" cy="2913480"/>
           </a:xfrm>
           <a:prstGeom prst="rect">
             <a:avLst/>
@@ -10201,7 +10220,7 @@
         <p:spPr>
           <a:xfrm>
             <a:off x="4592160" y="324000"/>
-            <a:ext cx="3004920" cy="1438560"/>
+            <a:ext cx="3004560" cy="1438200"/>
           </a:xfrm>
           <a:prstGeom prst="rect">
             <a:avLst/>
@@ -10224,7 +10243,7 @@
         <p:spPr>
           <a:xfrm>
             <a:off x="9712800" y="5933520"/>
-            <a:ext cx="2162520" cy="667080"/>
+            <a:ext cx="2162160" cy="666720"/>
           </a:xfrm>
           <a:prstGeom prst="rect">
             <a:avLst/>
@@ -10243,9 +10262,9 @@
         <p:grpSpPr>
           <a:xfrm>
             <a:off x="626400" y="254520"/>
-            <a:ext cx="11248920" cy="980640"/>
+            <a:ext cx="11248560" cy="980280"/>
             <a:chOff x="626400" y="254520"/>
-            <a:chExt cx="11248920" cy="980640"/>
+            <a:chExt cx="11248560" cy="980280"/>
           </a:xfrm>
         </p:grpSpPr>
         <p:pic>
@@ -10261,7 +10280,7 @@
           <p:spPr>
             <a:xfrm>
               <a:off x="10059840" y="254520"/>
-              <a:ext cx="1815480" cy="980640"/>
+              <a:ext cx="1815120" cy="980280"/>
             </a:xfrm>
             <a:prstGeom prst="rect">
               <a:avLst/>
@@ -10284,7 +10303,7 @@
           <p:spPr>
             <a:xfrm>
               <a:off x="626400" y="484200"/>
-              <a:ext cx="1503360" cy="522000"/>
+              <a:ext cx="1503000" cy="521640"/>
             </a:xfrm>
             <a:prstGeom prst="rect">
               <a:avLst/>
@@ -10327,21 +10346,21 @@
       </p:grpSpPr>
       <p:grpSp>
         <p:nvGrpSpPr>
-          <p:cNvPr id="67" name="Google Shape;105;g1f213c8c16b_0_15"/>
+          <p:cNvPr id="66" name="Google Shape;105;g1f213c8c16b_0_15"/>
           <p:cNvGrpSpPr/>
           <p:nvPr/>
         </p:nvGrpSpPr>
         <p:grpSpPr>
           <a:xfrm>
             <a:off x="0" y="0"/>
-            <a:ext cx="12189600" cy="6855480"/>
+            <a:ext cx="12189240" cy="6855120"/>
             <a:chOff x="0" y="0"/>
-            <a:chExt cx="12189600" cy="6855480"/>
+            <a:chExt cx="12189240" cy="6855120"/>
           </a:xfrm>
         </p:grpSpPr>
         <p:pic>
           <p:nvPicPr>
-            <p:cNvPr id="68" name="Google Shape;106;g1f213c8c16b_0_15" descr=""/>
+            <p:cNvPr id="67" name="Google Shape;106;g1f213c8c16b_0_15" descr=""/>
             <p:cNvPicPr/>
             <p:nvPr/>
           </p:nvPicPr>
@@ -10353,7 +10372,7 @@
           <p:spPr>
             <a:xfrm>
               <a:off x="0" y="0"/>
-              <a:ext cx="12189600" cy="6855480"/>
+              <a:ext cx="12189240" cy="6855120"/>
             </a:xfrm>
             <a:prstGeom prst="rect">
               <a:avLst/>
@@ -10365,7 +10384,7 @@
         </p:pic>
         <p:pic>
           <p:nvPicPr>
-            <p:cNvPr id="69" name="Google Shape;107;g1f213c8c16b_0_15" descr=""/>
+            <p:cNvPr id="68" name="Google Shape;107;g1f213c8c16b_0_15" descr=""/>
             <p:cNvPicPr/>
             <p:nvPr/>
           </p:nvPicPr>
@@ -10376,7 +10395,7 @@
           <p:spPr>
             <a:xfrm>
               <a:off x="0" y="0"/>
-              <a:ext cx="12189600" cy="6855480"/>
+              <a:ext cx="12189240" cy="6855120"/>
             </a:xfrm>
             <a:prstGeom prst="rect">
               <a:avLst/>
@@ -10389,7 +10408,7 @@
       </p:grpSp>
       <p:pic>
         <p:nvPicPr>
-          <p:cNvPr id="70" name="Google Shape;108;g1f213c8c16b_0_15" descr=""/>
+          <p:cNvPr id="69" name="Google Shape;108;g1f213c8c16b_0_15" descr=""/>
           <p:cNvPicPr/>
           <p:nvPr/>
         </p:nvPicPr>
@@ -10400,7 +10419,7 @@
         <p:spPr>
           <a:xfrm>
             <a:off x="4815360" y="165600"/>
-            <a:ext cx="2336760" cy="1118160"/>
+            <a:ext cx="2336400" cy="1117800"/>
           </a:xfrm>
           <a:prstGeom prst="rect">
             <a:avLst/>
@@ -10412,14 +10431,14 @@
       </p:pic>
       <p:sp>
         <p:nvSpPr>
-          <p:cNvPr id="71" name="Google Shape;109;g1f213c8c16b_0_15"/>
+          <p:cNvPr id="70" name="Google Shape;109;g1f213c8c16b_0_15"/>
           <p:cNvSpPr/>
           <p:nvPr/>
         </p:nvSpPr>
         <p:spPr>
           <a:xfrm>
             <a:off x="2753640" y="1352160"/>
-            <a:ext cx="7104600" cy="851760"/>
+            <a:ext cx="7104240" cy="851760"/>
           </a:xfrm>
           <a:prstGeom prst="rect">
             <a:avLst/>
@@ -10469,14 +10488,14 @@
       </p:sp>
       <p:sp>
         <p:nvSpPr>
-          <p:cNvPr id="72" name="Google Shape;110;g1f213c8c16b_0_15"/>
+          <p:cNvPr id="71" name="Google Shape;110;g1f213c8c16b_0_15"/>
           <p:cNvSpPr/>
           <p:nvPr/>
         </p:nvSpPr>
         <p:spPr>
           <a:xfrm>
             <a:off x="3476160" y="2461320"/>
-            <a:ext cx="787680" cy="787680"/>
+            <a:ext cx="787320" cy="787320"/>
           </a:xfrm>
           <a:prstGeom prst="ellipse">
             <a:avLst/>
@@ -10521,14 +10540,14 @@
       </p:sp>
       <p:sp>
         <p:nvSpPr>
-          <p:cNvPr id="73" name="Google Shape;111;g1f213c8c16b_0_15"/>
+          <p:cNvPr id="72" name="Google Shape;111;g1f213c8c16b_0_15"/>
           <p:cNvSpPr/>
           <p:nvPr/>
         </p:nvSpPr>
         <p:spPr>
           <a:xfrm>
             <a:off x="3476160" y="3603960"/>
-            <a:ext cx="787680" cy="787680"/>
+            <a:ext cx="787320" cy="787320"/>
           </a:xfrm>
           <a:prstGeom prst="ellipse">
             <a:avLst/>
@@ -10573,14 +10592,14 @@
       </p:sp>
       <p:sp>
         <p:nvSpPr>
-          <p:cNvPr id="74" name="Google Shape;112;g1f213c8c16b_0_15"/>
+          <p:cNvPr id="73" name="Google Shape;112;g1f213c8c16b_0_15"/>
           <p:cNvSpPr/>
           <p:nvPr/>
         </p:nvSpPr>
         <p:spPr>
           <a:xfrm>
             <a:off x="3476160" y="4757760"/>
-            <a:ext cx="787680" cy="787680"/>
+            <a:ext cx="787320" cy="787320"/>
           </a:xfrm>
           <a:prstGeom prst="ellipse">
             <a:avLst/>
@@ -10625,14 +10644,14 @@
       </p:sp>
       <p:sp>
         <p:nvSpPr>
-          <p:cNvPr id="75" name="Google Shape;113;g1f213c8c16b_0_15"/>
+          <p:cNvPr id="74" name="Google Shape;113;g1f213c8c16b_0_15"/>
           <p:cNvSpPr/>
           <p:nvPr/>
         </p:nvSpPr>
         <p:spPr>
           <a:xfrm>
             <a:off x="4630320" y="2580840"/>
-            <a:ext cx="4188600" cy="658080"/>
+            <a:ext cx="4188240" cy="657720"/>
           </a:xfrm>
           <a:prstGeom prst="roundRect">
             <a:avLst>
@@ -10679,14 +10698,14 @@
       </p:sp>
       <p:sp>
         <p:nvSpPr>
-          <p:cNvPr id="76" name="Google Shape;114;g1f213c8c16b_0_15"/>
+          <p:cNvPr id="75" name="Google Shape;114;g1f213c8c16b_0_15"/>
           <p:cNvSpPr/>
           <p:nvPr/>
         </p:nvSpPr>
         <p:spPr>
           <a:xfrm>
             <a:off x="4630320" y="3668760"/>
-            <a:ext cx="4188600" cy="658080"/>
+            <a:ext cx="4188240" cy="657720"/>
           </a:xfrm>
           <a:prstGeom prst="roundRect">
             <a:avLst>
@@ -10733,14 +10752,14 @@
       </p:sp>
       <p:sp>
         <p:nvSpPr>
-          <p:cNvPr id="77" name="Google Shape;115;g1f213c8c16b_0_15"/>
+          <p:cNvPr id="76" name="Google Shape;115;g1f213c8c16b_0_15"/>
           <p:cNvSpPr/>
           <p:nvPr/>
         </p:nvSpPr>
         <p:spPr>
           <a:xfrm>
             <a:off x="4630320" y="4822560"/>
-            <a:ext cx="4188600" cy="658080"/>
+            <a:ext cx="4188240" cy="657720"/>
           </a:xfrm>
           <a:prstGeom prst="roundRect">
             <a:avLst>
@@ -10787,14 +10806,14 @@
       </p:sp>
       <p:sp>
         <p:nvSpPr>
-          <p:cNvPr id="78" name="Google Shape;116;g1f213c8c16b_0_15"/>
+          <p:cNvPr id="77" name="Google Shape;116;g1f213c8c16b_0_15"/>
           <p:cNvSpPr/>
           <p:nvPr/>
         </p:nvSpPr>
         <p:spPr>
           <a:xfrm>
             <a:off x="3587040" y="2520000"/>
-            <a:ext cx="584280" cy="699120"/>
+            <a:ext cx="583920" cy="699120"/>
           </a:xfrm>
           <a:prstGeom prst="rect">
             <a:avLst/>
@@ -10844,14 +10863,14 @@
       </p:sp>
       <p:sp>
         <p:nvSpPr>
-          <p:cNvPr id="79" name="Google Shape;117;g1f213c8c16b_0_15"/>
+          <p:cNvPr id="78" name="Google Shape;117;g1f213c8c16b_0_15"/>
           <p:cNvSpPr/>
           <p:nvPr/>
         </p:nvSpPr>
         <p:spPr>
           <a:xfrm>
             <a:off x="3594960" y="3687480"/>
-            <a:ext cx="584280" cy="699120"/>
+            <a:ext cx="583920" cy="699120"/>
           </a:xfrm>
           <a:prstGeom prst="rect">
             <a:avLst/>
@@ -10901,14 +10920,14 @@
       </p:sp>
       <p:sp>
         <p:nvSpPr>
-          <p:cNvPr id="80" name="Google Shape;118;g1f213c8c16b_0_15"/>
+          <p:cNvPr id="79" name="Google Shape;118;g1f213c8c16b_0_15"/>
           <p:cNvSpPr/>
           <p:nvPr/>
         </p:nvSpPr>
         <p:spPr>
           <a:xfrm>
             <a:off x="3578040" y="4822560"/>
-            <a:ext cx="584280" cy="699120"/>
+            <a:ext cx="583920" cy="699120"/>
           </a:xfrm>
           <a:prstGeom prst="rect">
             <a:avLst/>
@@ -10958,14 +10977,14 @@
       </p:sp>
       <p:sp>
         <p:nvSpPr>
-          <p:cNvPr id="81" name="Google Shape;119;g1f213c8c16b_0_15"/>
+          <p:cNvPr id="80" name="Google Shape;119;g1f213c8c16b_0_15"/>
           <p:cNvSpPr/>
           <p:nvPr/>
         </p:nvSpPr>
         <p:spPr>
           <a:xfrm>
             <a:off x="4815360" y="2582640"/>
-            <a:ext cx="3792600" cy="699120"/>
+            <a:ext cx="3792240" cy="699120"/>
           </a:xfrm>
           <a:prstGeom prst="rect">
             <a:avLst/>
@@ -11015,14 +11034,14 @@
       </p:sp>
       <p:sp>
         <p:nvSpPr>
-          <p:cNvPr id="82" name="Google Shape;120;g1f213c8c16b_0_15"/>
+          <p:cNvPr id="81" name="Google Shape;120;g1f213c8c16b_0_15"/>
           <p:cNvSpPr/>
           <p:nvPr/>
         </p:nvSpPr>
         <p:spPr>
           <a:xfrm>
             <a:off x="4630320" y="3687480"/>
-            <a:ext cx="4188600" cy="424800"/>
+            <a:ext cx="4188240" cy="424800"/>
           </a:xfrm>
           <a:prstGeom prst="rect">
             <a:avLst/>
@@ -11072,14 +11091,14 @@
       </p:sp>
       <p:sp>
         <p:nvSpPr>
-          <p:cNvPr id="83" name="Google Shape;121;g1f213c8c16b_0_15"/>
+          <p:cNvPr id="82" name="Google Shape;121;g1f213c8c16b_0_15"/>
           <p:cNvSpPr/>
           <p:nvPr/>
         </p:nvSpPr>
         <p:spPr>
           <a:xfrm>
             <a:off x="4630320" y="4844880"/>
-            <a:ext cx="4189320" cy="455400"/>
+            <a:ext cx="4188960" cy="455400"/>
           </a:xfrm>
           <a:prstGeom prst="rect">
             <a:avLst/>
@@ -11135,17 +11154,17 @@
       </p:sp>
       <p:cxnSp>
         <p:nvCxnSpPr>
-          <p:cNvPr id="84" name="Google Shape;122;g1f213c8c16b_0_15"/>
+          <p:cNvPr id="83" name="Google Shape;122;g1f213c8c16b_0_15"/>
           <p:cNvCxnSpPr>
-            <a:stCxn id="72" idx="4"/>
-            <a:endCxn id="73" idx="0"/>
+            <a:stCxn id="71" idx="4"/>
+            <a:endCxn id="72" idx="0"/>
           </p:cNvCxnSpPr>
           <p:nvPr/>
         </p:nvCxnSpPr>
         <p:spPr>
           <a:xfrm>
-            <a:off x="3870000" y="3249000"/>
-            <a:ext cx="360" cy="355320"/>
+            <a:off x="3870000" y="3248640"/>
+            <a:ext cx="360" cy="355680"/>
           </a:xfrm>
           <a:prstGeom prst="straightConnector1">
             <a:avLst/>
@@ -11160,16 +11179,16 @@
       </p:cxnSp>
       <p:cxnSp>
         <p:nvCxnSpPr>
-          <p:cNvPr id="85" name="Google Shape;123;g1f213c8c16b_0_15"/>
+          <p:cNvPr id="84" name="Google Shape;123;g1f213c8c16b_0_15"/>
           <p:cNvCxnSpPr>
-            <a:stCxn id="79" idx="2"/>
+            <a:stCxn id="78" idx="2"/>
           </p:cNvCxnSpPr>
           <p:nvPr/>
         </p:nvCxnSpPr>
         <p:spPr>
           <a:xfrm>
             <a:off x="3886920" y="4386600"/>
-            <a:ext cx="3960" cy="356040"/>
+            <a:ext cx="4320" cy="356400"/>
           </a:xfrm>
           <a:prstGeom prst="straightConnector1">
             <a:avLst/>
@@ -11184,21 +11203,21 @@
       </p:cxnSp>
       <p:grpSp>
         <p:nvGrpSpPr>
-          <p:cNvPr id="86" name="Google Shape;124;g1f213c8c16b_0_15"/>
+          <p:cNvPr id="85" name="Google Shape;124;g1f213c8c16b_0_15"/>
           <p:cNvGrpSpPr/>
           <p:nvPr/>
         </p:nvGrpSpPr>
         <p:grpSpPr>
           <a:xfrm>
             <a:off x="626400" y="254520"/>
-            <a:ext cx="11248920" cy="980640"/>
+            <a:ext cx="11248560" cy="980280"/>
             <a:chOff x="626400" y="254520"/>
-            <a:chExt cx="11248920" cy="980640"/>
+            <a:chExt cx="11248560" cy="980280"/>
           </a:xfrm>
         </p:grpSpPr>
         <p:pic>
           <p:nvPicPr>
-            <p:cNvPr id="87" name="Google Shape;125;g1f213c8c16b_0_15" descr=""/>
+            <p:cNvPr id="86" name="Google Shape;125;g1f213c8c16b_0_15" descr=""/>
             <p:cNvPicPr/>
             <p:nvPr/>
           </p:nvPicPr>
@@ -11209,7 +11228,7 @@
           <p:spPr>
             <a:xfrm>
               <a:off x="10059840" y="254520"/>
-              <a:ext cx="1815480" cy="980640"/>
+              <a:ext cx="1815120" cy="980280"/>
             </a:xfrm>
             <a:prstGeom prst="rect">
               <a:avLst/>
@@ -11221,7 +11240,7 @@
         </p:pic>
         <p:pic>
           <p:nvPicPr>
-            <p:cNvPr id="88" name="Google Shape;126;g1f213c8c16b_0_15" descr=""/>
+            <p:cNvPr id="87" name="Google Shape;126;g1f213c8c16b_0_15" descr=""/>
             <p:cNvPicPr/>
             <p:nvPr/>
           </p:nvPicPr>
@@ -11232,7 +11251,7 @@
           <p:spPr>
             <a:xfrm>
               <a:off x="626400" y="484200"/>
-              <a:ext cx="1503360" cy="522000"/>
+              <a:ext cx="1503000" cy="521640"/>
             </a:xfrm>
             <a:prstGeom prst="rect">
               <a:avLst/>
@@ -11275,21 +11294,21 @@
       </p:grpSpPr>
       <p:grpSp>
         <p:nvGrpSpPr>
-          <p:cNvPr id="89" name="Google Shape;266;g1f213c8c16b_0_ 6"/>
+          <p:cNvPr id="88" name="Google Shape;266;g1f213c8c16b_0_ 6"/>
           <p:cNvGrpSpPr/>
           <p:nvPr/>
         </p:nvGrpSpPr>
         <p:grpSpPr>
           <a:xfrm>
             <a:off x="360" y="-17640"/>
-            <a:ext cx="12189600" cy="6855480"/>
+            <a:ext cx="12189240" cy="6855120"/>
             <a:chOff x="360" y="-17640"/>
-            <a:chExt cx="12189600" cy="6855480"/>
+            <a:chExt cx="12189240" cy="6855120"/>
           </a:xfrm>
         </p:grpSpPr>
         <p:pic>
           <p:nvPicPr>
-            <p:cNvPr id="90" name="Google Shape;267;g1f213c8c16b_0_ 7" descr=""/>
+            <p:cNvPr id="89" name="Google Shape;267;g1f213c8c16b_0_ 7" descr=""/>
             <p:cNvPicPr/>
             <p:nvPr/>
           </p:nvPicPr>
@@ -11301,7 +11320,7 @@
           <p:spPr>
             <a:xfrm>
               <a:off x="360" y="-17640"/>
-              <a:ext cx="12189600" cy="6855480"/>
+              <a:ext cx="12189240" cy="6855120"/>
             </a:xfrm>
             <a:prstGeom prst="rect">
               <a:avLst/>
@@ -11313,7 +11332,7 @@
         </p:pic>
         <p:pic>
           <p:nvPicPr>
-            <p:cNvPr id="91" name="Google Shape;268;g1f213c8c16b_0_ 7" descr=""/>
+            <p:cNvPr id="90" name="Google Shape;268;g1f213c8c16b_0_ 7" descr=""/>
             <p:cNvPicPr/>
             <p:nvPr/>
           </p:nvPicPr>
@@ -11324,7 +11343,7 @@
           <p:spPr>
             <a:xfrm>
               <a:off x="360" y="-17640"/>
-              <a:ext cx="12189600" cy="6855480"/>
+              <a:ext cx="12189240" cy="6855120"/>
             </a:xfrm>
             <a:prstGeom prst="rect">
               <a:avLst/>
@@ -11337,7 +11356,7 @@
       </p:grpSp>
       <p:pic>
         <p:nvPicPr>
-          <p:cNvPr id="92" name="Google Shape;269;g1f213c8c16b_0_ 7" descr=""/>
+          <p:cNvPr id="91" name="Google Shape;269;g1f213c8c16b_0_ 7" descr=""/>
           <p:cNvPicPr/>
           <p:nvPr/>
         </p:nvPicPr>
@@ -11348,7 +11367,7 @@
         <p:spPr>
           <a:xfrm>
             <a:off x="4815360" y="165600"/>
-            <a:ext cx="2336760" cy="1118160"/>
+            <a:ext cx="2336400" cy="1117800"/>
           </a:xfrm>
           <a:prstGeom prst="rect">
             <a:avLst/>
@@ -11360,21 +11379,21 @@
       </p:pic>
       <p:grpSp>
         <p:nvGrpSpPr>
-          <p:cNvPr id="93" name="Google Shape;287;g1f213c8c16b_0_ 7"/>
+          <p:cNvPr id="92" name="Google Shape;287;g1f213c8c16b_0_ 7"/>
           <p:cNvGrpSpPr/>
           <p:nvPr/>
         </p:nvGrpSpPr>
         <p:grpSpPr>
           <a:xfrm>
             <a:off x="626400" y="254520"/>
-            <a:ext cx="11248920" cy="980640"/>
+            <a:ext cx="11248560" cy="980280"/>
             <a:chOff x="626400" y="254520"/>
-            <a:chExt cx="11248920" cy="980640"/>
+            <a:chExt cx="11248560" cy="980280"/>
           </a:xfrm>
         </p:grpSpPr>
         <p:pic>
           <p:nvPicPr>
-            <p:cNvPr id="94" name="Google Shape;288;g1f213c8c16b_0_ 7" descr=""/>
+            <p:cNvPr id="93" name="Google Shape;288;g1f213c8c16b_0_ 7" descr=""/>
             <p:cNvPicPr/>
             <p:nvPr/>
           </p:nvPicPr>
@@ -11385,7 +11404,7 @@
           <p:spPr>
             <a:xfrm>
               <a:off x="10059840" y="254520"/>
-              <a:ext cx="1815480" cy="980640"/>
+              <a:ext cx="1815120" cy="980280"/>
             </a:xfrm>
             <a:prstGeom prst="rect">
               <a:avLst/>
@@ -11397,7 +11416,7 @@
         </p:pic>
         <p:pic>
           <p:nvPicPr>
-            <p:cNvPr id="95" name="Google Shape;289;g1f213c8c16b_0_ 7" descr=""/>
+            <p:cNvPr id="94" name="Google Shape;289;g1f213c8c16b_0_ 7" descr=""/>
             <p:cNvPicPr/>
             <p:nvPr/>
           </p:nvPicPr>
@@ -11408,7 +11427,7 @@
           <p:spPr>
             <a:xfrm>
               <a:off x="626400" y="484200"/>
-              <a:ext cx="1503360" cy="522000"/>
+              <a:ext cx="1503000" cy="521640"/>
             </a:xfrm>
             <a:prstGeom prst="rect">
               <a:avLst/>
@@ -11421,14 +11440,14 @@
       </p:grpSp>
       <p:sp>
         <p:nvSpPr>
-          <p:cNvPr id="96" name="Google Shape;253;g1f213c8c16b_0_ 7"/>
+          <p:cNvPr id="95" name="Google Shape;253;g1f213c8c16b_0_ 7"/>
           <p:cNvSpPr/>
           <p:nvPr/>
         </p:nvSpPr>
         <p:spPr>
           <a:xfrm>
             <a:off x="1440720" y="900000"/>
-            <a:ext cx="9358560" cy="638280"/>
+            <a:ext cx="9358200" cy="638280"/>
           </a:xfrm>
           <a:prstGeom prst="rect">
             <a:avLst/>
@@ -11484,14 +11503,14 @@
       </p:sp>
       <p:sp>
         <p:nvSpPr>
-          <p:cNvPr id="97" name=""/>
+          <p:cNvPr id="96" name=""/>
           <p:cNvSpPr/>
           <p:nvPr/>
         </p:nvSpPr>
         <p:spPr>
           <a:xfrm>
             <a:off x="1271880" y="1232280"/>
-            <a:ext cx="3946680" cy="485280"/>
+            <a:ext cx="3946320" cy="484920"/>
           </a:xfrm>
           <a:prstGeom prst="rect">
             <a:avLst/>
@@ -11528,7 +11547,7 @@
       </p:sp>
       <p:pic>
         <p:nvPicPr>
-          <p:cNvPr id="98" name="" descr=""/>
+          <p:cNvPr id="97" name="" descr=""/>
           <p:cNvPicPr/>
           <p:nvPr/>
         </p:nvPicPr>
@@ -11539,7 +11558,7 @@
         <p:spPr>
           <a:xfrm>
             <a:off x="3407040" y="2158920"/>
-            <a:ext cx="5419080" cy="2590200"/>
+            <a:ext cx="5418720" cy="2589840"/>
           </a:xfrm>
           <a:prstGeom prst="rect">
             <a:avLst/>
@@ -11581,21 +11600,21 @@
       </p:grpSpPr>
       <p:grpSp>
         <p:nvGrpSpPr>
-          <p:cNvPr id="99" name="Google Shape;266;g1f213c8c16b_0_ 2"/>
+          <p:cNvPr id="98" name="Google Shape;266;g1f213c8c16b_0_ 2"/>
           <p:cNvGrpSpPr/>
           <p:nvPr/>
         </p:nvGrpSpPr>
         <p:grpSpPr>
           <a:xfrm>
             <a:off x="360" y="-17640"/>
-            <a:ext cx="12189600" cy="6855480"/>
+            <a:ext cx="12189240" cy="6855120"/>
             <a:chOff x="360" y="-17640"/>
-            <a:chExt cx="12189600" cy="6855480"/>
+            <a:chExt cx="12189240" cy="6855120"/>
           </a:xfrm>
         </p:grpSpPr>
         <p:pic>
           <p:nvPicPr>
-            <p:cNvPr id="100" name="Google Shape;267;g1f213c8c16b_0_ 2" descr=""/>
+            <p:cNvPr id="99" name="Google Shape;267;g1f213c8c16b_0_ 2" descr=""/>
             <p:cNvPicPr/>
             <p:nvPr/>
           </p:nvPicPr>
@@ -11607,7 +11626,7 @@
           <p:spPr>
             <a:xfrm>
               <a:off x="360" y="-17640"/>
-              <a:ext cx="12189600" cy="6855480"/>
+              <a:ext cx="12189240" cy="6855120"/>
             </a:xfrm>
             <a:prstGeom prst="rect">
               <a:avLst/>
@@ -11619,7 +11638,7 @@
         </p:pic>
         <p:pic>
           <p:nvPicPr>
-            <p:cNvPr id="101" name="Google Shape;268;g1f213c8c16b_0_ 2" descr=""/>
+            <p:cNvPr id="100" name="Google Shape;268;g1f213c8c16b_0_ 2" descr=""/>
             <p:cNvPicPr/>
             <p:nvPr/>
           </p:nvPicPr>
@@ -11630,7 +11649,7 @@
           <p:spPr>
             <a:xfrm>
               <a:off x="360" y="-17640"/>
-              <a:ext cx="12189600" cy="6855480"/>
+              <a:ext cx="12189240" cy="6855120"/>
             </a:xfrm>
             <a:prstGeom prst="rect">
               <a:avLst/>
@@ -11643,7 +11662,7 @@
       </p:grpSp>
       <p:pic>
         <p:nvPicPr>
-          <p:cNvPr id="102" name="Google Shape;269;g1f213c8c16b_0_ 2" descr=""/>
+          <p:cNvPr id="101" name="Google Shape;269;g1f213c8c16b_0_ 2" descr=""/>
           <p:cNvPicPr/>
           <p:nvPr/>
         </p:nvPicPr>
@@ -11654,7 +11673,7 @@
         <p:spPr>
           <a:xfrm>
             <a:off x="4815360" y="165600"/>
-            <a:ext cx="2336760" cy="1118160"/>
+            <a:ext cx="2336400" cy="1117800"/>
           </a:xfrm>
           <a:prstGeom prst="rect">
             <a:avLst/>
@@ -11666,21 +11685,21 @@
       </p:pic>
       <p:grpSp>
         <p:nvGrpSpPr>
-          <p:cNvPr id="103" name="Google Shape;287;g1f213c8c16b_0_ 2"/>
+          <p:cNvPr id="102" name="Google Shape;287;g1f213c8c16b_0_ 2"/>
           <p:cNvGrpSpPr/>
           <p:nvPr/>
         </p:nvGrpSpPr>
         <p:grpSpPr>
           <a:xfrm>
             <a:off x="626400" y="254520"/>
-            <a:ext cx="11248920" cy="980640"/>
+            <a:ext cx="11248560" cy="980280"/>
             <a:chOff x="626400" y="254520"/>
-            <a:chExt cx="11248920" cy="980640"/>
+            <a:chExt cx="11248560" cy="980280"/>
           </a:xfrm>
         </p:grpSpPr>
         <p:pic>
           <p:nvPicPr>
-            <p:cNvPr id="104" name="Google Shape;288;g1f213c8c16b_0_ 2" descr=""/>
+            <p:cNvPr id="103" name="Google Shape;288;g1f213c8c16b_0_ 2" descr=""/>
             <p:cNvPicPr/>
             <p:nvPr/>
           </p:nvPicPr>
@@ -11691,7 +11710,7 @@
           <p:spPr>
             <a:xfrm>
               <a:off x="10059840" y="254520"/>
-              <a:ext cx="1815480" cy="980640"/>
+              <a:ext cx="1815120" cy="980280"/>
             </a:xfrm>
             <a:prstGeom prst="rect">
               <a:avLst/>
@@ -11703,7 +11722,7 @@
         </p:pic>
         <p:pic>
           <p:nvPicPr>
-            <p:cNvPr id="105" name="Google Shape;289;g1f213c8c16b_0_ 2" descr=""/>
+            <p:cNvPr id="104" name="Google Shape;289;g1f213c8c16b_0_ 2" descr=""/>
             <p:cNvPicPr/>
             <p:nvPr/>
           </p:nvPicPr>
@@ -11714,7 +11733,7 @@
           <p:spPr>
             <a:xfrm>
               <a:off x="626400" y="484200"/>
-              <a:ext cx="1503360" cy="522000"/>
+              <a:ext cx="1503000" cy="521640"/>
             </a:xfrm>
             <a:prstGeom prst="rect">
               <a:avLst/>
@@ -11727,14 +11746,14 @@
       </p:grpSp>
       <p:sp>
         <p:nvSpPr>
-          <p:cNvPr id="106" name="Google Shape;253;g1f213c8c16b_0_ 2"/>
+          <p:cNvPr id="105" name="Google Shape;253;g1f213c8c16b_0_ 2"/>
           <p:cNvSpPr/>
           <p:nvPr/>
         </p:nvSpPr>
         <p:spPr>
           <a:xfrm>
             <a:off x="1440720" y="900000"/>
-            <a:ext cx="9358560" cy="638280"/>
+            <a:ext cx="9358200" cy="638280"/>
           </a:xfrm>
           <a:prstGeom prst="rect">
             <a:avLst/>
@@ -11790,14 +11809,14 @@
       </p:sp>
       <p:sp>
         <p:nvSpPr>
-          <p:cNvPr id="107" name=""/>
+          <p:cNvPr id="106" name=""/>
           <p:cNvSpPr/>
           <p:nvPr/>
         </p:nvSpPr>
         <p:spPr>
           <a:xfrm>
             <a:off x="1271880" y="1232280"/>
-            <a:ext cx="3946680" cy="485280"/>
+            <a:ext cx="3946320" cy="484920"/>
           </a:xfrm>
           <a:prstGeom prst="rect">
             <a:avLst/>
@@ -11834,14 +11853,14 @@
       </p:sp>
       <p:sp>
         <p:nvSpPr>
-          <p:cNvPr id="108" name=""/>
+          <p:cNvPr id="107" name=""/>
           <p:cNvSpPr/>
           <p:nvPr/>
         </p:nvSpPr>
         <p:spPr>
           <a:xfrm>
             <a:off x="3060000" y="2290320"/>
-            <a:ext cx="6839640" cy="3469320"/>
+            <a:ext cx="6839280" cy="3468960"/>
           </a:xfrm>
           <a:prstGeom prst="rect">
             <a:avLst/>
@@ -12018,21 +12037,21 @@
       </p:grpSpPr>
       <p:grpSp>
         <p:nvGrpSpPr>
-          <p:cNvPr id="109" name="Google Shape;266;g1f213c8c16b_0_ 1"/>
+          <p:cNvPr id="108" name="Google Shape;266;g1f213c8c16b_0_ 1"/>
           <p:cNvGrpSpPr/>
           <p:nvPr/>
         </p:nvGrpSpPr>
         <p:grpSpPr>
           <a:xfrm>
             <a:off x="360" y="-17640"/>
-            <a:ext cx="12189600" cy="6855480"/>
+            <a:ext cx="12189240" cy="6855120"/>
             <a:chOff x="360" y="-17640"/>
-            <a:chExt cx="12189600" cy="6855480"/>
+            <a:chExt cx="12189240" cy="6855120"/>
           </a:xfrm>
         </p:grpSpPr>
         <p:pic>
           <p:nvPicPr>
-            <p:cNvPr id="110" name="Google Shape;267;g1f213c8c16b_0_ 1" descr=""/>
+            <p:cNvPr id="109" name="Google Shape;267;g1f213c8c16b_0_ 1" descr=""/>
             <p:cNvPicPr/>
             <p:nvPr/>
           </p:nvPicPr>
@@ -12044,7 +12063,7 @@
           <p:spPr>
             <a:xfrm>
               <a:off x="360" y="-17640"/>
-              <a:ext cx="12189600" cy="6855480"/>
+              <a:ext cx="12189240" cy="6855120"/>
             </a:xfrm>
             <a:prstGeom prst="rect">
               <a:avLst/>
@@ -12056,7 +12075,7 @@
         </p:pic>
         <p:pic>
           <p:nvPicPr>
-            <p:cNvPr id="111" name="Google Shape;268;g1f213c8c16b_0_ 1" descr=""/>
+            <p:cNvPr id="110" name="Google Shape;268;g1f213c8c16b_0_ 1" descr=""/>
             <p:cNvPicPr/>
             <p:nvPr/>
           </p:nvPicPr>
@@ -12067,7 +12086,7 @@
           <p:spPr>
             <a:xfrm>
               <a:off x="360" y="-17640"/>
-              <a:ext cx="12189600" cy="6855480"/>
+              <a:ext cx="12189240" cy="6855120"/>
             </a:xfrm>
             <a:prstGeom prst="rect">
               <a:avLst/>
@@ -12080,7 +12099,7 @@
       </p:grpSp>
       <p:pic>
         <p:nvPicPr>
-          <p:cNvPr id="112" name="Google Shape;269;g1f213c8c16b_0_ 1" descr=""/>
+          <p:cNvPr id="111" name="Google Shape;269;g1f213c8c16b_0_ 1" descr=""/>
           <p:cNvPicPr/>
           <p:nvPr/>
         </p:nvPicPr>
@@ -12091,7 +12110,7 @@
         <p:spPr>
           <a:xfrm>
             <a:off x="4815360" y="165600"/>
-            <a:ext cx="2336760" cy="1118160"/>
+            <a:ext cx="2336400" cy="1117800"/>
           </a:xfrm>
           <a:prstGeom prst="rect">
             <a:avLst/>
@@ -12103,21 +12122,21 @@
       </p:pic>
       <p:grpSp>
         <p:nvGrpSpPr>
-          <p:cNvPr id="113" name="Google Shape;287;g1f213c8c16b_0_ 1"/>
+          <p:cNvPr id="112" name="Google Shape;287;g1f213c8c16b_0_ 1"/>
           <p:cNvGrpSpPr/>
           <p:nvPr/>
         </p:nvGrpSpPr>
         <p:grpSpPr>
           <a:xfrm>
             <a:off x="626400" y="254520"/>
-            <a:ext cx="11248920" cy="980640"/>
+            <a:ext cx="11248560" cy="980280"/>
             <a:chOff x="626400" y="254520"/>
-            <a:chExt cx="11248920" cy="980640"/>
+            <a:chExt cx="11248560" cy="980280"/>
           </a:xfrm>
         </p:grpSpPr>
         <p:pic>
           <p:nvPicPr>
-            <p:cNvPr id="114" name="Google Shape;288;g1f213c8c16b_0_ 1" descr=""/>
+            <p:cNvPr id="113" name="Google Shape;288;g1f213c8c16b_0_ 1" descr=""/>
             <p:cNvPicPr/>
             <p:nvPr/>
           </p:nvPicPr>
@@ -12128,7 +12147,7 @@
           <p:spPr>
             <a:xfrm>
               <a:off x="10059840" y="254520"/>
-              <a:ext cx="1815480" cy="980640"/>
+              <a:ext cx="1815120" cy="980280"/>
             </a:xfrm>
             <a:prstGeom prst="rect">
               <a:avLst/>
@@ -12140,7 +12159,7 @@
         </p:pic>
         <p:pic>
           <p:nvPicPr>
-            <p:cNvPr id="115" name="Google Shape;289;g1f213c8c16b_0_ 1" descr=""/>
+            <p:cNvPr id="114" name="Google Shape;289;g1f213c8c16b_0_ 1" descr=""/>
             <p:cNvPicPr/>
             <p:nvPr/>
           </p:nvPicPr>
@@ -12151,7 +12170,7 @@
           <p:spPr>
             <a:xfrm>
               <a:off x="626400" y="484200"/>
-              <a:ext cx="1503360" cy="522000"/>
+              <a:ext cx="1503000" cy="521640"/>
             </a:xfrm>
             <a:prstGeom prst="rect">
               <a:avLst/>
@@ -12164,14 +12183,14 @@
       </p:grpSp>
       <p:sp>
         <p:nvSpPr>
-          <p:cNvPr id="116" name="Google Shape;253;g1f213c8c16b_0_ 1"/>
+          <p:cNvPr id="115" name="Google Shape;253;g1f213c8c16b_0_ 1"/>
           <p:cNvSpPr/>
           <p:nvPr/>
         </p:nvSpPr>
         <p:spPr>
           <a:xfrm>
             <a:off x="1440720" y="900000"/>
-            <a:ext cx="9358560" cy="638280"/>
+            <a:ext cx="9358200" cy="638280"/>
           </a:xfrm>
           <a:prstGeom prst="rect">
             <a:avLst/>
@@ -12227,14 +12246,14 @@
       </p:sp>
       <p:sp>
         <p:nvSpPr>
-          <p:cNvPr id="117" name=""/>
+          <p:cNvPr id="116" name=""/>
           <p:cNvSpPr/>
           <p:nvPr/>
         </p:nvSpPr>
         <p:spPr>
           <a:xfrm>
             <a:off x="1271880" y="1232280"/>
-            <a:ext cx="3946680" cy="485280"/>
+            <a:ext cx="3946320" cy="484920"/>
           </a:xfrm>
           <a:prstGeom prst="rect">
             <a:avLst/>
@@ -12271,7 +12290,7 @@
       </p:sp>
       <p:pic>
         <p:nvPicPr>
-          <p:cNvPr id="118" name="" descr=""/>
+          <p:cNvPr id="117" name="" descr=""/>
           <p:cNvPicPr/>
           <p:nvPr/>
         </p:nvPicPr>
@@ -12282,7 +12301,7 @@
         <p:spPr>
           <a:xfrm>
             <a:off x="1800000" y="1717920"/>
-            <a:ext cx="7947000" cy="4466880"/>
+            <a:ext cx="7946640" cy="4466520"/>
           </a:xfrm>
           <a:prstGeom prst="rect">
             <a:avLst/>
@@ -12324,21 +12343,21 @@
       </p:grpSpPr>
       <p:grpSp>
         <p:nvGrpSpPr>
-          <p:cNvPr id="119" name="Google Shape;266;g1f213c8c16b_0_ 3"/>
+          <p:cNvPr id="118" name="Google Shape;266;g1f213c8c16b_0_ 3"/>
           <p:cNvGrpSpPr/>
           <p:nvPr/>
         </p:nvGrpSpPr>
         <p:grpSpPr>
           <a:xfrm>
             <a:off x="360" y="-17640"/>
-            <a:ext cx="12189600" cy="6855480"/>
+            <a:ext cx="12189240" cy="6855120"/>
             <a:chOff x="360" y="-17640"/>
-            <a:chExt cx="12189600" cy="6855480"/>
+            <a:chExt cx="12189240" cy="6855120"/>
           </a:xfrm>
         </p:grpSpPr>
         <p:pic>
           <p:nvPicPr>
-            <p:cNvPr id="120" name="Google Shape;267;g1f213c8c16b_0_ 3" descr=""/>
+            <p:cNvPr id="119" name="Google Shape;267;g1f213c8c16b_0_ 3" descr=""/>
             <p:cNvPicPr/>
             <p:nvPr/>
           </p:nvPicPr>
@@ -12350,7 +12369,7 @@
           <p:spPr>
             <a:xfrm>
               <a:off x="360" y="-17640"/>
-              <a:ext cx="12189600" cy="6855480"/>
+              <a:ext cx="12189240" cy="6855120"/>
             </a:xfrm>
             <a:prstGeom prst="rect">
               <a:avLst/>
@@ -12362,7 +12381,7 @@
         </p:pic>
         <p:pic>
           <p:nvPicPr>
-            <p:cNvPr id="121" name="Google Shape;268;g1f213c8c16b_0_ 3" descr=""/>
+            <p:cNvPr id="120" name="Google Shape;268;g1f213c8c16b_0_ 3" descr=""/>
             <p:cNvPicPr/>
             <p:nvPr/>
           </p:nvPicPr>
@@ -12373,7 +12392,7 @@
           <p:spPr>
             <a:xfrm>
               <a:off x="360" y="-17640"/>
-              <a:ext cx="12189600" cy="6855480"/>
+              <a:ext cx="12189240" cy="6855120"/>
             </a:xfrm>
             <a:prstGeom prst="rect">
               <a:avLst/>
@@ -12386,7 +12405,7 @@
       </p:grpSp>
       <p:pic>
         <p:nvPicPr>
-          <p:cNvPr id="122" name="Google Shape;269;g1f213c8c16b_0_ 3" descr=""/>
+          <p:cNvPr id="121" name="Google Shape;269;g1f213c8c16b_0_ 3" descr=""/>
           <p:cNvPicPr/>
           <p:nvPr/>
         </p:nvPicPr>
@@ -12397,7 +12416,7 @@
         <p:spPr>
           <a:xfrm>
             <a:off x="4815360" y="165600"/>
-            <a:ext cx="2336760" cy="1118160"/>
+            <a:ext cx="2336400" cy="1117800"/>
           </a:xfrm>
           <a:prstGeom prst="rect">
             <a:avLst/>
@@ -12409,21 +12428,21 @@
       </p:pic>
       <p:grpSp>
         <p:nvGrpSpPr>
-          <p:cNvPr id="123" name="Google Shape;287;g1f213c8c16b_0_ 3"/>
+          <p:cNvPr id="122" name="Google Shape;287;g1f213c8c16b_0_ 3"/>
           <p:cNvGrpSpPr/>
           <p:nvPr/>
         </p:nvGrpSpPr>
         <p:grpSpPr>
           <a:xfrm>
             <a:off x="626400" y="254520"/>
-            <a:ext cx="11248920" cy="980640"/>
+            <a:ext cx="11248560" cy="980280"/>
             <a:chOff x="626400" y="254520"/>
-            <a:chExt cx="11248920" cy="980640"/>
+            <a:chExt cx="11248560" cy="980280"/>
           </a:xfrm>
         </p:grpSpPr>
         <p:pic>
           <p:nvPicPr>
-            <p:cNvPr id="124" name="Google Shape;288;g1f213c8c16b_0_ 3" descr=""/>
+            <p:cNvPr id="123" name="Google Shape;288;g1f213c8c16b_0_ 3" descr=""/>
             <p:cNvPicPr/>
             <p:nvPr/>
           </p:nvPicPr>
@@ -12434,7 +12453,7 @@
           <p:spPr>
             <a:xfrm>
               <a:off x="10059840" y="254520"/>
-              <a:ext cx="1815480" cy="980640"/>
+              <a:ext cx="1815120" cy="980280"/>
             </a:xfrm>
             <a:prstGeom prst="rect">
               <a:avLst/>
@@ -12446,7 +12465,7 @@
         </p:pic>
         <p:pic>
           <p:nvPicPr>
-            <p:cNvPr id="125" name="Google Shape;289;g1f213c8c16b_0_ 3" descr=""/>
+            <p:cNvPr id="124" name="Google Shape;289;g1f213c8c16b_0_ 3" descr=""/>
             <p:cNvPicPr/>
             <p:nvPr/>
           </p:nvPicPr>
@@ -12457,7 +12476,7 @@
           <p:spPr>
             <a:xfrm>
               <a:off x="626400" y="484200"/>
-              <a:ext cx="1503360" cy="522000"/>
+              <a:ext cx="1503000" cy="521640"/>
             </a:xfrm>
             <a:prstGeom prst="rect">
               <a:avLst/>
@@ -12470,14 +12489,14 @@
       </p:grpSp>
       <p:sp>
         <p:nvSpPr>
-          <p:cNvPr id="126" name="Google Shape;253;g1f213c8c16b_0_ 3"/>
+          <p:cNvPr id="125" name="Google Shape;253;g1f213c8c16b_0_ 3"/>
           <p:cNvSpPr/>
           <p:nvPr/>
         </p:nvSpPr>
         <p:spPr>
           <a:xfrm>
             <a:off x="1440720" y="900000"/>
-            <a:ext cx="9358560" cy="638280"/>
+            <a:ext cx="9358200" cy="638280"/>
           </a:xfrm>
           <a:prstGeom prst="rect">
             <a:avLst/>
@@ -12533,14 +12552,14 @@
       </p:sp>
       <p:sp>
         <p:nvSpPr>
-          <p:cNvPr id="127" name=""/>
+          <p:cNvPr id="126" name=""/>
           <p:cNvSpPr/>
           <p:nvPr/>
         </p:nvSpPr>
         <p:spPr>
           <a:xfrm>
             <a:off x="1271880" y="1232280"/>
-            <a:ext cx="3946680" cy="485280"/>
+            <a:ext cx="3946320" cy="484920"/>
           </a:xfrm>
           <a:prstGeom prst="rect">
             <a:avLst/>
@@ -12575,6 +12594,29 @@
           </a:p>
         </p:txBody>
       </p:sp>
+      <p:pic>
+        <p:nvPicPr>
+          <p:cNvPr id="127" name="" descr=""/>
+          <p:cNvPicPr/>
+          <p:nvPr/>
+        </p:nvPicPr>
+        <p:blipFill>
+          <a:blip r:embed="rId6"/>
+          <a:stretch/>
+        </p:blipFill>
+        <p:spPr>
+          <a:xfrm>
+            <a:off x="245160" y="1701000"/>
+            <a:ext cx="5874120" cy="2798280"/>
+          </a:xfrm>
+          <a:prstGeom prst="rect">
+            <a:avLst/>
+          </a:prstGeom>
+          <a:ln w="0">
+            <a:noFill/>
+          </a:ln>
+        </p:spPr>
+      </p:pic>
       <p:pic>
         <p:nvPicPr>
           <p:cNvPr id="128" name="" descr=""/>
@@ -12582,36 +12624,13 @@
           <p:nvPr/>
         </p:nvPicPr>
         <p:blipFill>
-          <a:blip r:embed="rId6"/>
-          <a:stretch/>
-        </p:blipFill>
-        <p:spPr>
-          <a:xfrm>
-            <a:off x="245160" y="1701000"/>
-            <a:ext cx="5874480" cy="2798640"/>
-          </a:xfrm>
-          <a:prstGeom prst="rect">
-            <a:avLst/>
-          </a:prstGeom>
-          <a:ln w="0">
-            <a:noFill/>
-          </a:ln>
-        </p:spPr>
-      </p:pic>
-      <p:pic>
-        <p:nvPicPr>
-          <p:cNvPr id="129" name="" descr=""/>
-          <p:cNvPicPr/>
-          <p:nvPr/>
-        </p:nvPicPr>
-        <p:blipFill>
           <a:blip r:embed="rId7"/>
           <a:stretch/>
         </p:blipFill>
         <p:spPr>
           <a:xfrm>
             <a:off x="6642720" y="1620000"/>
-            <a:ext cx="4876920" cy="2928960"/>
+            <a:ext cx="4876560" cy="2928600"/>
           </a:xfrm>
           <a:prstGeom prst="rect">
             <a:avLst/>
@@ -12623,14 +12642,14 @@
       </p:pic>
       <p:sp>
         <p:nvSpPr>
-          <p:cNvPr id="130" name=""/>
+          <p:cNvPr id="129" name=""/>
           <p:cNvSpPr/>
           <p:nvPr/>
         </p:nvSpPr>
         <p:spPr>
           <a:xfrm>
             <a:off x="2756160" y="4680000"/>
-            <a:ext cx="1923480" cy="772200"/>
+            <a:ext cx="1923120" cy="771840"/>
           </a:xfrm>
           <a:prstGeom prst="rect">
             <a:avLst/>
@@ -12676,14 +12695,14 @@
       </p:sp>
       <p:sp>
         <p:nvSpPr>
-          <p:cNvPr id="131" name=""/>
+          <p:cNvPr id="130" name=""/>
           <p:cNvSpPr/>
           <p:nvPr/>
         </p:nvSpPr>
         <p:spPr>
           <a:xfrm>
             <a:off x="8460000" y="4807440"/>
-            <a:ext cx="1979640" cy="1197000"/>
+            <a:ext cx="1979280" cy="1196640"/>
           </a:xfrm>
           <a:prstGeom prst="rect">
             <a:avLst/>
@@ -12759,21 +12778,21 @@
       </p:grpSpPr>
       <p:grpSp>
         <p:nvGrpSpPr>
-          <p:cNvPr id="132" name="Google Shape;266;g1f213c8c16b_0_ 5"/>
+          <p:cNvPr id="131" name="Google Shape;266;g1f213c8c16b_0_ 5"/>
           <p:cNvGrpSpPr/>
           <p:nvPr/>
         </p:nvGrpSpPr>
         <p:grpSpPr>
           <a:xfrm>
             <a:off x="360" y="-17640"/>
-            <a:ext cx="12189600" cy="6855480"/>
+            <a:ext cx="12189240" cy="6855120"/>
             <a:chOff x="360" y="-17640"/>
-            <a:chExt cx="12189600" cy="6855480"/>
+            <a:chExt cx="12189240" cy="6855120"/>
           </a:xfrm>
         </p:grpSpPr>
         <p:pic>
           <p:nvPicPr>
-            <p:cNvPr id="133" name="Google Shape;267;g1f213c8c16b_0_ 5" descr=""/>
+            <p:cNvPr id="132" name="Google Shape;267;g1f213c8c16b_0_ 5" descr=""/>
             <p:cNvPicPr/>
             <p:nvPr/>
           </p:nvPicPr>
@@ -12785,7 +12804,7 @@
           <p:spPr>
             <a:xfrm>
               <a:off x="360" y="-17640"/>
-              <a:ext cx="12189600" cy="6855480"/>
+              <a:ext cx="12189240" cy="6855120"/>
             </a:xfrm>
             <a:prstGeom prst="rect">
               <a:avLst/>
@@ -12797,7 +12816,7 @@
         </p:pic>
         <p:pic>
           <p:nvPicPr>
-            <p:cNvPr id="134" name="Google Shape;268;g1f213c8c16b_0_ 5" descr=""/>
+            <p:cNvPr id="133" name="Google Shape;268;g1f213c8c16b_0_ 5" descr=""/>
             <p:cNvPicPr/>
             <p:nvPr/>
           </p:nvPicPr>
@@ -12808,7 +12827,7 @@
           <p:spPr>
             <a:xfrm>
               <a:off x="360" y="-17640"/>
-              <a:ext cx="12189600" cy="6855480"/>
+              <a:ext cx="12189240" cy="6855120"/>
             </a:xfrm>
             <a:prstGeom prst="rect">
               <a:avLst/>
@@ -12821,7 +12840,7 @@
       </p:grpSp>
       <p:pic>
         <p:nvPicPr>
-          <p:cNvPr id="135" name="Google Shape;269;g1f213c8c16b_0_ 5" descr=""/>
+          <p:cNvPr id="134" name="Google Shape;269;g1f213c8c16b_0_ 5" descr=""/>
           <p:cNvPicPr/>
           <p:nvPr/>
         </p:nvPicPr>
@@ -12832,7 +12851,7 @@
         <p:spPr>
           <a:xfrm>
             <a:off x="4815360" y="165600"/>
-            <a:ext cx="2336760" cy="1118160"/>
+            <a:ext cx="2336400" cy="1117800"/>
           </a:xfrm>
           <a:prstGeom prst="rect">
             <a:avLst/>
@@ -12844,21 +12863,21 @@
       </p:pic>
       <p:grpSp>
         <p:nvGrpSpPr>
-          <p:cNvPr id="136" name="Google Shape;287;g1f213c8c16b_0_ 5"/>
+          <p:cNvPr id="135" name="Google Shape;287;g1f213c8c16b_0_ 5"/>
           <p:cNvGrpSpPr/>
           <p:nvPr/>
         </p:nvGrpSpPr>
         <p:grpSpPr>
           <a:xfrm>
             <a:off x="626400" y="254520"/>
-            <a:ext cx="11248920" cy="980640"/>
+            <a:ext cx="11248560" cy="980280"/>
             <a:chOff x="626400" y="254520"/>
-            <a:chExt cx="11248920" cy="980640"/>
+            <a:chExt cx="11248560" cy="980280"/>
           </a:xfrm>
         </p:grpSpPr>
         <p:pic>
           <p:nvPicPr>
-            <p:cNvPr id="137" name="Google Shape;288;g1f213c8c16b_0_ 5" descr=""/>
+            <p:cNvPr id="136" name="Google Shape;288;g1f213c8c16b_0_ 5" descr=""/>
             <p:cNvPicPr/>
             <p:nvPr/>
           </p:nvPicPr>
@@ -12869,7 +12888,7 @@
           <p:spPr>
             <a:xfrm>
               <a:off x="10059840" y="254520"/>
-              <a:ext cx="1815480" cy="980640"/>
+              <a:ext cx="1815120" cy="980280"/>
             </a:xfrm>
             <a:prstGeom prst="rect">
               <a:avLst/>
@@ -12881,7 +12900,7 @@
         </p:pic>
         <p:pic>
           <p:nvPicPr>
-            <p:cNvPr id="138" name="Google Shape;289;g1f213c8c16b_0_ 5" descr=""/>
+            <p:cNvPr id="137" name="Google Shape;289;g1f213c8c16b_0_ 5" descr=""/>
             <p:cNvPicPr/>
             <p:nvPr/>
           </p:nvPicPr>
@@ -12892,7 +12911,7 @@
           <p:spPr>
             <a:xfrm>
               <a:off x="626400" y="484200"/>
-              <a:ext cx="1503360" cy="522000"/>
+              <a:ext cx="1503000" cy="521640"/>
             </a:xfrm>
             <a:prstGeom prst="rect">
               <a:avLst/>
@@ -12905,14 +12924,14 @@
       </p:grpSp>
       <p:sp>
         <p:nvSpPr>
-          <p:cNvPr id="139" name="Google Shape;253;g1f213c8c16b_0_ 5"/>
+          <p:cNvPr id="138" name="Google Shape;253;g1f213c8c16b_0_ 5"/>
           <p:cNvSpPr/>
           <p:nvPr/>
         </p:nvSpPr>
         <p:spPr>
           <a:xfrm>
             <a:off x="1440720" y="900000"/>
-            <a:ext cx="9358560" cy="638280"/>
+            <a:ext cx="9358200" cy="638280"/>
           </a:xfrm>
           <a:prstGeom prst="rect">
             <a:avLst/>
@@ -12968,14 +12987,14 @@
       </p:sp>
       <p:sp>
         <p:nvSpPr>
-          <p:cNvPr id="140" name=""/>
+          <p:cNvPr id="139" name=""/>
           <p:cNvSpPr/>
           <p:nvPr/>
         </p:nvSpPr>
         <p:spPr>
           <a:xfrm>
             <a:off x="1271880" y="1232280"/>
-            <a:ext cx="3946680" cy="485280"/>
+            <a:ext cx="3946320" cy="484920"/>
           </a:xfrm>
           <a:prstGeom prst="rect">
             <a:avLst/>
@@ -13012,7 +13031,7 @@
       </p:sp>
       <p:pic>
         <p:nvPicPr>
-          <p:cNvPr id="141" name="" descr=""/>
+          <p:cNvPr id="140" name="" descr=""/>
           <p:cNvPicPr/>
           <p:nvPr/>
         </p:nvPicPr>
@@ -13023,7 +13042,7 @@
         <p:spPr>
           <a:xfrm>
             <a:off x="1744920" y="1800000"/>
-            <a:ext cx="7614720" cy="4282920"/>
+            <a:ext cx="7614360" cy="4282560"/>
           </a:xfrm>
           <a:prstGeom prst="rect">
             <a:avLst/>
@@ -13065,21 +13084,21 @@
       </p:grpSpPr>
       <p:grpSp>
         <p:nvGrpSpPr>
-          <p:cNvPr id="142" name="Google Shape;266;g1f213c8c16b_0_ 12"/>
+          <p:cNvPr id="141" name="Google Shape;266;g1f213c8c16b_0_ 12"/>
           <p:cNvGrpSpPr/>
           <p:nvPr/>
         </p:nvGrpSpPr>
         <p:grpSpPr>
           <a:xfrm>
             <a:off x="360" y="-17640"/>
-            <a:ext cx="12189600" cy="6855480"/>
+            <a:ext cx="12189240" cy="6855120"/>
             <a:chOff x="360" y="-17640"/>
-            <a:chExt cx="12189600" cy="6855480"/>
+            <a:chExt cx="12189240" cy="6855120"/>
           </a:xfrm>
         </p:grpSpPr>
         <p:pic>
           <p:nvPicPr>
-            <p:cNvPr id="143" name="Google Shape;267;g1f213c8c16b_0_ 12" descr=""/>
+            <p:cNvPr id="142" name="Google Shape;267;g1f213c8c16b_0_ 12" descr=""/>
             <p:cNvPicPr/>
             <p:nvPr/>
           </p:nvPicPr>
@@ -13091,7 +13110,7 @@
           <p:spPr>
             <a:xfrm>
               <a:off x="360" y="-17640"/>
-              <a:ext cx="12189600" cy="6855480"/>
+              <a:ext cx="12189240" cy="6855120"/>
             </a:xfrm>
             <a:prstGeom prst="rect">
               <a:avLst/>
@@ -13103,7 +13122,7 @@
         </p:pic>
         <p:pic>
           <p:nvPicPr>
-            <p:cNvPr id="144" name="Google Shape;268;g1f213c8c16b_0_ 12" descr=""/>
+            <p:cNvPr id="143" name="Google Shape;268;g1f213c8c16b_0_ 12" descr=""/>
             <p:cNvPicPr/>
             <p:nvPr/>
           </p:nvPicPr>
@@ -13114,7 +13133,7 @@
           <p:spPr>
             <a:xfrm>
               <a:off x="360" y="-17640"/>
-              <a:ext cx="12189600" cy="6855480"/>
+              <a:ext cx="12189240" cy="6855120"/>
             </a:xfrm>
             <a:prstGeom prst="rect">
               <a:avLst/>
@@ -13127,7 +13146,7 @@
       </p:grpSp>
       <p:pic>
         <p:nvPicPr>
-          <p:cNvPr id="145" name="Google Shape;269;g1f213c8c16b_0_ 12" descr=""/>
+          <p:cNvPr id="144" name="Google Shape;269;g1f213c8c16b_0_ 12" descr=""/>
           <p:cNvPicPr/>
           <p:nvPr/>
         </p:nvPicPr>
@@ -13138,7 +13157,7 @@
         <p:spPr>
           <a:xfrm>
             <a:off x="4815360" y="165600"/>
-            <a:ext cx="2336760" cy="1118160"/>
+            <a:ext cx="2336400" cy="1117800"/>
           </a:xfrm>
           <a:prstGeom prst="rect">
             <a:avLst/>
@@ -13150,21 +13169,21 @@
       </p:pic>
       <p:grpSp>
         <p:nvGrpSpPr>
-          <p:cNvPr id="146" name="Google Shape;287;g1f213c8c16b_0_ 12"/>
+          <p:cNvPr id="145" name="Google Shape;287;g1f213c8c16b_0_ 12"/>
           <p:cNvGrpSpPr/>
           <p:nvPr/>
         </p:nvGrpSpPr>
         <p:grpSpPr>
           <a:xfrm>
             <a:off x="626400" y="254520"/>
-            <a:ext cx="11248920" cy="980640"/>
+            <a:ext cx="11248560" cy="980280"/>
             <a:chOff x="626400" y="254520"/>
-            <a:chExt cx="11248920" cy="980640"/>
+            <a:chExt cx="11248560" cy="980280"/>
           </a:xfrm>
         </p:grpSpPr>
         <p:pic>
           <p:nvPicPr>
-            <p:cNvPr id="147" name="Google Shape;288;g1f213c8c16b_0_ 12" descr=""/>
+            <p:cNvPr id="146" name="Google Shape;288;g1f213c8c16b_0_ 12" descr=""/>
             <p:cNvPicPr/>
             <p:nvPr/>
           </p:nvPicPr>
@@ -13175,7 +13194,7 @@
           <p:spPr>
             <a:xfrm>
               <a:off x="10059840" y="254520"/>
-              <a:ext cx="1815480" cy="980640"/>
+              <a:ext cx="1815120" cy="980280"/>
             </a:xfrm>
             <a:prstGeom prst="rect">
               <a:avLst/>
@@ -13187,7 +13206,7 @@
         </p:pic>
         <p:pic>
           <p:nvPicPr>
-            <p:cNvPr id="148" name="Google Shape;289;g1f213c8c16b_0_ 12" descr=""/>
+            <p:cNvPr id="147" name="Google Shape;289;g1f213c8c16b_0_ 12" descr=""/>
             <p:cNvPicPr/>
             <p:nvPr/>
           </p:nvPicPr>
@@ -13198,7 +13217,7 @@
           <p:spPr>
             <a:xfrm>
               <a:off x="626400" y="484200"/>
-              <a:ext cx="1503360" cy="522000"/>
+              <a:ext cx="1503000" cy="521640"/>
             </a:xfrm>
             <a:prstGeom prst="rect">
               <a:avLst/>
@@ -13211,14 +13230,14 @@
       </p:grpSp>
       <p:sp>
         <p:nvSpPr>
-          <p:cNvPr id="149" name="Google Shape;253;g1f213c8c16b_0_ 12"/>
+          <p:cNvPr id="148" name="Google Shape;253;g1f213c8c16b_0_ 12"/>
           <p:cNvSpPr/>
           <p:nvPr/>
         </p:nvSpPr>
         <p:spPr>
           <a:xfrm>
             <a:off x="1440720" y="900000"/>
-            <a:ext cx="9358560" cy="638280"/>
+            <a:ext cx="9358200" cy="638280"/>
           </a:xfrm>
           <a:prstGeom prst="rect">
             <a:avLst/>
@@ -13274,14 +13293,14 @@
       </p:sp>
       <p:sp>
         <p:nvSpPr>
-          <p:cNvPr id="150" name=""/>
+          <p:cNvPr id="149" name=""/>
           <p:cNvSpPr/>
           <p:nvPr/>
         </p:nvSpPr>
         <p:spPr>
           <a:xfrm>
             <a:off x="1271880" y="1232280"/>
-            <a:ext cx="3946680" cy="485280"/>
+            <a:ext cx="3946320" cy="484920"/>
           </a:xfrm>
           <a:prstGeom prst="rect">
             <a:avLst/>
@@ -13318,7 +13337,7 @@
       </p:sp>
       <p:pic>
         <p:nvPicPr>
-          <p:cNvPr id="151" name="" descr=""/>
+          <p:cNvPr id="150" name="" descr=""/>
           <p:cNvPicPr/>
           <p:nvPr/>
         </p:nvPicPr>
@@ -13329,7 +13348,7 @@
         <p:spPr>
           <a:xfrm>
             <a:off x="1800000" y="1980000"/>
-            <a:ext cx="7603560" cy="4149360"/>
+            <a:ext cx="7603200" cy="4149000"/>
           </a:xfrm>
           <a:prstGeom prst="rect">
             <a:avLst/>
@@ -13371,21 +13390,21 @@
       </p:grpSpPr>
       <p:grpSp>
         <p:nvGrpSpPr>
-          <p:cNvPr id="152" name="Google Shape;266;g1f213c8c16b_0_ 4"/>
+          <p:cNvPr id="151" name="Google Shape;266;g1f213c8c16b_0_ 4"/>
           <p:cNvGrpSpPr/>
           <p:nvPr/>
         </p:nvGrpSpPr>
         <p:grpSpPr>
           <a:xfrm>
             <a:off x="360" y="-17640"/>
-            <a:ext cx="12189600" cy="6855480"/>
+            <a:ext cx="12189240" cy="6855120"/>
             <a:chOff x="360" y="-17640"/>
-            <a:chExt cx="12189600" cy="6855480"/>
+            <a:chExt cx="12189240" cy="6855120"/>
           </a:xfrm>
         </p:grpSpPr>
         <p:pic>
           <p:nvPicPr>
-            <p:cNvPr id="153" name="Google Shape;267;g1f213c8c16b_0_ 4" descr=""/>
+            <p:cNvPr id="152" name="Google Shape;267;g1f213c8c16b_0_ 4" descr=""/>
             <p:cNvPicPr/>
             <p:nvPr/>
           </p:nvPicPr>
@@ -13397,7 +13416,7 @@
           <p:spPr>
             <a:xfrm>
               <a:off x="360" y="-17640"/>
-              <a:ext cx="12189600" cy="6855480"/>
+              <a:ext cx="12189240" cy="6855120"/>
             </a:xfrm>
             <a:prstGeom prst="rect">
               <a:avLst/>
@@ -13409,7 +13428,7 @@
         </p:pic>
         <p:pic>
           <p:nvPicPr>
-            <p:cNvPr id="154" name="Google Shape;268;g1f213c8c16b_0_ 4" descr=""/>
+            <p:cNvPr id="153" name="Google Shape;268;g1f213c8c16b_0_ 4" descr=""/>
             <p:cNvPicPr/>
             <p:nvPr/>
           </p:nvPicPr>
@@ -13420,7 +13439,7 @@
           <p:spPr>
             <a:xfrm>
               <a:off x="360" y="-17640"/>
-              <a:ext cx="12189600" cy="6855480"/>
+              <a:ext cx="12189240" cy="6855120"/>
             </a:xfrm>
             <a:prstGeom prst="rect">
               <a:avLst/>
@@ -13433,7 +13452,7 @@
       </p:grpSp>
       <p:pic>
         <p:nvPicPr>
-          <p:cNvPr id="155" name="Google Shape;269;g1f213c8c16b_0_ 4" descr=""/>
+          <p:cNvPr id="154" name="Google Shape;269;g1f213c8c16b_0_ 4" descr=""/>
           <p:cNvPicPr/>
           <p:nvPr/>
         </p:nvPicPr>
@@ -13444,7 +13463,7 @@
         <p:spPr>
           <a:xfrm>
             <a:off x="4815360" y="165600"/>
-            <a:ext cx="2336760" cy="1118160"/>
+            <a:ext cx="2336400" cy="1117800"/>
           </a:xfrm>
           <a:prstGeom prst="rect">
             <a:avLst/>
@@ -13456,21 +13475,21 @@
       </p:pic>
       <p:grpSp>
         <p:nvGrpSpPr>
-          <p:cNvPr id="156" name="Google Shape;287;g1f213c8c16b_0_ 4"/>
+          <p:cNvPr id="155" name="Google Shape;287;g1f213c8c16b_0_ 4"/>
           <p:cNvGrpSpPr/>
           <p:nvPr/>
         </p:nvGrpSpPr>
         <p:grpSpPr>
           <a:xfrm>
             <a:off x="626400" y="254520"/>
-            <a:ext cx="11248920" cy="980640"/>
+            <a:ext cx="11248560" cy="980280"/>
             <a:chOff x="626400" y="254520"/>
-            <a:chExt cx="11248920" cy="980640"/>
+            <a:chExt cx="11248560" cy="980280"/>
           </a:xfrm>
         </p:grpSpPr>
         <p:pic>
           <p:nvPicPr>
-            <p:cNvPr id="157" name="Google Shape;288;g1f213c8c16b_0_ 4" descr=""/>
+            <p:cNvPr id="156" name="Google Shape;288;g1f213c8c16b_0_ 4" descr=""/>
             <p:cNvPicPr/>
             <p:nvPr/>
           </p:nvPicPr>
@@ -13481,7 +13500,7 @@
           <p:spPr>
             <a:xfrm>
               <a:off x="10059840" y="254520"/>
-              <a:ext cx="1815480" cy="980640"/>
+              <a:ext cx="1815120" cy="980280"/>
             </a:xfrm>
             <a:prstGeom prst="rect">
               <a:avLst/>
@@ -13493,7 +13512,7 @@
         </p:pic>
         <p:pic>
           <p:nvPicPr>
-            <p:cNvPr id="158" name="Google Shape;289;g1f213c8c16b_0_ 4" descr=""/>
+            <p:cNvPr id="157" name="Google Shape;289;g1f213c8c16b_0_ 4" descr=""/>
             <p:cNvPicPr/>
             <p:nvPr/>
           </p:nvPicPr>
@@ -13504,7 +13523,7 @@
           <p:spPr>
             <a:xfrm>
               <a:off x="626400" y="484200"/>
-              <a:ext cx="1503360" cy="522000"/>
+              <a:ext cx="1503000" cy="521640"/>
             </a:xfrm>
             <a:prstGeom prst="rect">
               <a:avLst/>
@@ -13517,14 +13536,14 @@
       </p:grpSp>
       <p:sp>
         <p:nvSpPr>
-          <p:cNvPr id="159" name="Google Shape;253;g1f213c8c16b_0_ 4"/>
+          <p:cNvPr id="158" name="Google Shape;253;g1f213c8c16b_0_ 4"/>
           <p:cNvSpPr/>
           <p:nvPr/>
         </p:nvSpPr>
         <p:spPr>
           <a:xfrm>
             <a:off x="1440720" y="900000"/>
-            <a:ext cx="9358560" cy="638280"/>
+            <a:ext cx="9358200" cy="638280"/>
           </a:xfrm>
           <a:prstGeom prst="rect">
             <a:avLst/>
@@ -13580,14 +13599,14 @@
       </p:sp>
       <p:sp>
         <p:nvSpPr>
-          <p:cNvPr id="160" name=""/>
+          <p:cNvPr id="159" name=""/>
           <p:cNvSpPr/>
           <p:nvPr/>
         </p:nvSpPr>
         <p:spPr>
           <a:xfrm>
             <a:off x="1271880" y="1232280"/>
-            <a:ext cx="3946680" cy="485280"/>
+            <a:ext cx="3946320" cy="484920"/>
           </a:xfrm>
           <a:prstGeom prst="rect">
             <a:avLst/>
@@ -13624,7 +13643,7 @@
       </p:sp>
       <p:pic>
         <p:nvPicPr>
-          <p:cNvPr id="161" name="" descr=""/>
+          <p:cNvPr id="160" name="" descr=""/>
           <p:cNvPicPr/>
           <p:nvPr/>
         </p:nvPicPr>
@@ -13635,7 +13654,7 @@
         <p:spPr>
           <a:xfrm>
             <a:off x="1876680" y="1669320"/>
-            <a:ext cx="8922960" cy="4990320"/>
+            <a:ext cx="8922600" cy="4989960"/>
           </a:xfrm>
           <a:prstGeom prst="rect">
             <a:avLst/>
